--- a/presentation/Jones - Contextual Data Presentation.pptx
+++ b/presentation/Jones - Contextual Data Presentation.pptx
@@ -8,7 +8,7 @@
     <p:notesMasterId r:id="rId73"/>
   </p:notesMasterIdLst>
   <p:sldIdLst>
-    <p:sldId id="256" r:id="rId2"/>
+    <p:sldId id="1312" r:id="rId2"/>
     <p:sldId id="257" r:id="rId3"/>
     <p:sldId id="258" r:id="rId4"/>
     <p:sldId id="259" r:id="rId5"/>
@@ -561,6 +561,180 @@
             <p:ph type="sldImg"/>
           </p:nvPr>
         </p:nvSpPr>
+        <p:spPr>
+          <a:xfrm>
+            <a:off x="404813" y="695325"/>
+            <a:ext cx="6200775" cy="3489325"/>
+          </a:xfrm>
+        </p:spPr>
+      </p:sp>
+      <p:sp>
+        <p:nvSpPr>
+          <p:cNvPr id="3" name="Notes Placeholder 2"/>
+          <p:cNvSpPr>
+            <a:spLocks noGrp="1"/>
+          </p:cNvSpPr>
+          <p:nvPr>
+            <p:ph type="body" idx="1"/>
+          </p:nvPr>
+        </p:nvSpPr>
+        <p:spPr/>
+        <p:txBody>
+          <a:bodyPr/>
+          <a:lstStyle/>
+          <a:p>
+            <a:endParaRPr lang="en-US"/>
+          </a:p>
+        </p:txBody>
+      </p:sp>
+      <p:sp>
+        <p:nvSpPr>
+          <p:cNvPr id="4" name="Slide Number Placeholder 3"/>
+          <p:cNvSpPr>
+            <a:spLocks noGrp="1"/>
+          </p:cNvSpPr>
+          <p:nvPr>
+            <p:ph type="sldNum" sz="quarter" idx="10"/>
+          </p:nvPr>
+        </p:nvSpPr>
+        <p:spPr/>
+        <p:txBody>
+          <a:bodyPr/>
+          <a:lstStyle/>
+          <a:p>
+            <a:fld id="{D9AA693A-314C-4DEE-852E-C5F7A3BAB900}" type="slidenum">
+              <a:rPr lang="en-US" smtClean="0"/>
+              <a:pPr/>
+              <a:t>1</a:t>
+            </a:fld>
+            <a:endParaRPr lang="en-US"/>
+          </a:p>
+        </p:txBody>
+      </p:sp>
+    </p:spTree>
+    <p:extLst>
+      <p:ext uri="{BB962C8B-B14F-4D97-AF65-F5344CB8AC3E}">
+        <p14:creationId xmlns:p14="http://schemas.microsoft.com/office/powerpoint/2010/main" val="241220509"/>
+      </p:ext>
+    </p:extLst>
+  </p:cSld>
+  <p:clrMapOvr>
+    <a:masterClrMapping/>
+  </p:clrMapOvr>
+</p:notes>
+</file>
+
+<file path=ppt/notesSlides/notesSlide2.xml><?xml version="1.0" encoding="utf-8"?>
+<p:notes xmlns:a="http://schemas.openxmlformats.org/drawingml/2006/main" xmlns:r="http://schemas.openxmlformats.org/officeDocument/2006/relationships" xmlns:p="http://schemas.openxmlformats.org/presentationml/2006/main">
+  <p:cSld>
+    <p:spTree>
+      <p:nvGrpSpPr>
+        <p:cNvPr id="1" name=""/>
+        <p:cNvGrpSpPr/>
+        <p:nvPr/>
+      </p:nvGrpSpPr>
+      <p:grpSpPr>
+        <a:xfrm>
+          <a:off x="0" y="0"/>
+          <a:ext cx="0" cy="0"/>
+          <a:chOff x="0" y="0"/>
+          <a:chExt cx="0" cy="0"/>
+        </a:xfrm>
+      </p:grpSpPr>
+      <p:sp>
+        <p:nvSpPr>
+          <p:cNvPr id="2" name="Slide Image Placeholder 1"/>
+          <p:cNvSpPr>
+            <a:spLocks noGrp="1" noRot="1" noChangeAspect="1"/>
+          </p:cNvSpPr>
+          <p:nvPr>
+            <p:ph type="sldImg"/>
+          </p:nvPr>
+        </p:nvSpPr>
+        <p:spPr/>
+      </p:sp>
+      <p:sp>
+        <p:nvSpPr>
+          <p:cNvPr id="3" name="Notes Placeholder 2"/>
+          <p:cNvSpPr>
+            <a:spLocks noGrp="1"/>
+          </p:cNvSpPr>
+          <p:nvPr>
+            <p:ph type="body" idx="1"/>
+          </p:nvPr>
+        </p:nvSpPr>
+        <p:spPr/>
+        <p:txBody>
+          <a:bodyPr/>
+          <a:lstStyle/>
+          <a:p>
+            <a:endParaRPr lang="en-US"/>
+          </a:p>
+        </p:txBody>
+      </p:sp>
+      <p:sp>
+        <p:nvSpPr>
+          <p:cNvPr id="4" name="Slide Number Placeholder 3"/>
+          <p:cNvSpPr>
+            <a:spLocks noGrp="1"/>
+          </p:cNvSpPr>
+          <p:nvPr>
+            <p:ph type="sldNum" sz="quarter" idx="10"/>
+          </p:nvPr>
+        </p:nvSpPr>
+        <p:spPr/>
+        <p:txBody>
+          <a:bodyPr/>
+          <a:lstStyle/>
+          <a:p>
+            <a:fld id="{7412F531-FA88-1A45-8F8F-CC655DA5F33E}" type="slidenum">
+              <a:rPr lang="en-US" smtClean="0"/>
+              <a:t>2</a:t>
+            </a:fld>
+            <a:endParaRPr lang="en-US"/>
+          </a:p>
+        </p:txBody>
+      </p:sp>
+    </p:spTree>
+    <p:extLst>
+      <p:ext uri="{BB962C8B-B14F-4D97-AF65-F5344CB8AC3E}">
+        <p14:creationId xmlns:p14="http://schemas.microsoft.com/office/powerpoint/2010/main" val="446810399"/>
+      </p:ext>
+    </p:extLst>
+  </p:cSld>
+  <p:clrMapOvr>
+    <a:masterClrMapping/>
+  </p:clrMapOvr>
+</p:notes>
+</file>
+
+<file path=ppt/notesSlides/notesSlide3.xml><?xml version="1.0" encoding="utf-8"?>
+<p:notes xmlns:a="http://schemas.openxmlformats.org/drawingml/2006/main" xmlns:r="http://schemas.openxmlformats.org/officeDocument/2006/relationships" xmlns:p="http://schemas.openxmlformats.org/presentationml/2006/main">
+  <p:cSld>
+    <p:spTree>
+      <p:nvGrpSpPr>
+        <p:cNvPr id="1" name=""/>
+        <p:cNvGrpSpPr/>
+        <p:nvPr/>
+      </p:nvGrpSpPr>
+      <p:grpSpPr>
+        <a:xfrm>
+          <a:off x="0" y="0"/>
+          <a:ext cx="0" cy="0"/>
+          <a:chOff x="0" y="0"/>
+          <a:chExt cx="0" cy="0"/>
+        </a:xfrm>
+      </p:grpSpPr>
+      <p:sp>
+        <p:nvSpPr>
+          <p:cNvPr id="2" name="Slide Image Placeholder 1"/>
+          <p:cNvSpPr>
+            <a:spLocks noGrp="1" noRot="1" noChangeAspect="1"/>
+          </p:cNvSpPr>
+          <p:nvPr>
+            <p:ph type="sldImg"/>
+          </p:nvPr>
+        </p:nvSpPr>
         <p:spPr/>
       </p:sp>
       <p:sp>
@@ -618,7 +792,7 @@
 </p:notes>
 </file>
 
-<file path=ppt/notesSlides/notesSlide2.xml><?xml version="1.0" encoding="utf-8"?>
+<file path=ppt/notesSlides/notesSlide4.xml><?xml version="1.0" encoding="utf-8"?>
 <p:notes xmlns:a="http://schemas.openxmlformats.org/drawingml/2006/main" xmlns:r="http://schemas.openxmlformats.org/officeDocument/2006/relationships" xmlns:p="http://schemas.openxmlformats.org/presentationml/2006/main">
   <p:cSld>
     <p:spTree>
@@ -1319,6 +1493,433 @@
     <p:extLst>
       <p:ext uri="{BB962C8B-B14F-4D97-AF65-F5344CB8AC3E}">
         <p14:creationId xmlns:p14="http://schemas.microsoft.com/office/powerpoint/2010/main" val="3111265012"/>
+      </p:ext>
+    </p:extLst>
+  </p:cSld>
+  <p:clrMapOvr>
+    <a:masterClrMapping/>
+  </p:clrMapOvr>
+</p:sldLayout>
+</file>
+
+<file path=ppt/slideLayouts/slideLayout12.xml><?xml version="1.0" encoding="utf-8"?>
+<p:sldLayout xmlns:a="http://schemas.openxmlformats.org/drawingml/2006/main" xmlns:r="http://schemas.openxmlformats.org/officeDocument/2006/relationships" xmlns:p="http://schemas.openxmlformats.org/presentationml/2006/main">
+  <p:cSld name="1_Title Slide">
+    <p:spTree>
+      <p:nvGrpSpPr>
+        <p:cNvPr id="1" name=""/>
+        <p:cNvGrpSpPr/>
+        <p:nvPr/>
+      </p:nvGrpSpPr>
+      <p:grpSpPr>
+        <a:xfrm>
+          <a:off x="0" y="0"/>
+          <a:ext cx="0" cy="0"/>
+          <a:chOff x="0" y="0"/>
+          <a:chExt cx="0" cy="0"/>
+        </a:xfrm>
+      </p:grpSpPr>
+      <p:pic>
+        <p:nvPicPr>
+          <p:cNvPr id="6" name="Picture 11" descr="UWCrest"/>
+          <p:cNvPicPr>
+            <a:picLocks noChangeAspect="1" noChangeArrowheads="1"/>
+          </p:cNvPicPr>
+          <p:nvPr userDrawn="1"/>
+        </p:nvPicPr>
+        <p:blipFill>
+          <a:blip r:embed="rId2" cstate="print">
+            <a:extLst>
+              <a:ext uri="{28A0092B-C50C-407E-A947-70E740481C1C}">
+                <a14:useLocalDpi xmlns:a14="http://schemas.microsoft.com/office/drawing/2010/main" val="0"/>
+              </a:ext>
+            </a:extLst>
+          </a:blip>
+          <a:srcRect/>
+          <a:stretch>
+            <a:fillRect/>
+          </a:stretch>
+        </p:blipFill>
+        <p:spPr bwMode="auto">
+          <a:xfrm>
+            <a:off x="11478690" y="6105530"/>
+            <a:ext cx="626721" cy="712789"/>
+          </a:xfrm>
+          <a:prstGeom prst="rect">
+            <a:avLst/>
+          </a:prstGeom>
+          <a:noFill/>
+          <a:ln>
+            <a:noFill/>
+          </a:ln>
+          <a:extLst>
+            <a:ext uri="{909E8E84-426E-40DD-AFC4-6F175D3DCCD1}">
+              <a14:hiddenFill xmlns:a14="http://schemas.microsoft.com/office/drawing/2010/main">
+                <a:solidFill>
+                  <a:srgbClr val="FFFFFF"/>
+                </a:solidFill>
+              </a14:hiddenFill>
+            </a:ext>
+            <a:ext uri="{91240B29-F687-4F45-9708-019B960494DF}">
+              <a14:hiddenLine xmlns:a14="http://schemas.microsoft.com/office/drawing/2010/main" w="9525">
+                <a:solidFill>
+                  <a:srgbClr val="000000"/>
+                </a:solidFill>
+                <a:miter lim="800000"/>
+                <a:headEnd/>
+                <a:tailEnd/>
+              </a14:hiddenLine>
+            </a:ext>
+          </a:extLst>
+        </p:spPr>
+      </p:pic>
+      <p:sp>
+        <p:nvSpPr>
+          <p:cNvPr id="9" name="TextBox 13"/>
+          <p:cNvSpPr txBox="1">
+            <a:spLocks noChangeArrowheads="1"/>
+          </p:cNvSpPr>
+          <p:nvPr/>
+        </p:nvSpPr>
+        <p:spPr bwMode="auto">
+          <a:xfrm>
+            <a:off x="812800" y="6473828"/>
+            <a:ext cx="10566400" cy="307648"/>
+          </a:xfrm>
+          <a:prstGeom prst="rect">
+            <a:avLst/>
+          </a:prstGeom>
+          <a:noFill/>
+          <a:ln>
+            <a:noFill/>
+          </a:ln>
+          <a:extLst/>
+        </p:spPr>
+        <p:txBody>
+          <a:bodyPr>
+            <a:spAutoFit/>
+          </a:bodyPr>
+          <a:lstStyle>
+            <a:lvl1pPr eaLnBrk="0" hangingPunct="0">
+              <a:defRPr sz="2000">
+                <a:solidFill>
+                  <a:schemeClr val="tx1"/>
+                </a:solidFill>
+                <a:latin typeface="Arial" charset="0"/>
+              </a:defRPr>
+            </a:lvl1pPr>
+            <a:lvl2pPr marL="742950" indent="-285750" eaLnBrk="0" hangingPunct="0">
+              <a:defRPr sz="2000">
+                <a:solidFill>
+                  <a:schemeClr val="tx1"/>
+                </a:solidFill>
+                <a:latin typeface="Arial" charset="0"/>
+              </a:defRPr>
+            </a:lvl2pPr>
+            <a:lvl3pPr marL="1143000" indent="-228600" eaLnBrk="0" hangingPunct="0">
+              <a:defRPr sz="2000">
+                <a:solidFill>
+                  <a:schemeClr val="tx1"/>
+                </a:solidFill>
+                <a:latin typeface="Arial" charset="0"/>
+              </a:defRPr>
+            </a:lvl3pPr>
+            <a:lvl4pPr marL="1600200" indent="-228600" eaLnBrk="0" hangingPunct="0">
+              <a:defRPr sz="2000">
+                <a:solidFill>
+                  <a:schemeClr val="tx1"/>
+                </a:solidFill>
+                <a:latin typeface="Arial" charset="0"/>
+              </a:defRPr>
+            </a:lvl4pPr>
+            <a:lvl5pPr marL="2057400" indent="-228600" eaLnBrk="0" hangingPunct="0">
+              <a:defRPr sz="2000">
+                <a:solidFill>
+                  <a:schemeClr val="tx1"/>
+                </a:solidFill>
+                <a:latin typeface="Arial" charset="0"/>
+              </a:defRPr>
+            </a:lvl5pPr>
+            <a:lvl6pPr marL="2514600" indent="-228600" eaLnBrk="0" fontAlgn="base" hangingPunct="0">
+              <a:spcBef>
+                <a:spcPct val="0"/>
+              </a:spcBef>
+              <a:spcAft>
+                <a:spcPct val="0"/>
+              </a:spcAft>
+              <a:defRPr sz="2000">
+                <a:solidFill>
+                  <a:schemeClr val="tx1"/>
+                </a:solidFill>
+                <a:latin typeface="Arial" charset="0"/>
+              </a:defRPr>
+            </a:lvl6pPr>
+            <a:lvl7pPr marL="2971800" indent="-228600" eaLnBrk="0" fontAlgn="base" hangingPunct="0">
+              <a:spcBef>
+                <a:spcPct val="0"/>
+              </a:spcBef>
+              <a:spcAft>
+                <a:spcPct val="0"/>
+              </a:spcAft>
+              <a:defRPr sz="2000">
+                <a:solidFill>
+                  <a:schemeClr val="tx1"/>
+                </a:solidFill>
+                <a:latin typeface="Arial" charset="0"/>
+              </a:defRPr>
+            </a:lvl7pPr>
+            <a:lvl8pPr marL="3429000" indent="-228600" eaLnBrk="0" fontAlgn="base" hangingPunct="0">
+              <a:spcBef>
+                <a:spcPct val="0"/>
+              </a:spcBef>
+              <a:spcAft>
+                <a:spcPct val="0"/>
+              </a:spcAft>
+              <a:defRPr sz="2000">
+                <a:solidFill>
+                  <a:schemeClr val="tx1"/>
+                </a:solidFill>
+                <a:latin typeface="Arial" charset="0"/>
+              </a:defRPr>
+            </a:lvl8pPr>
+            <a:lvl9pPr marL="3886200" indent="-228600" eaLnBrk="0" fontAlgn="base" hangingPunct="0">
+              <a:spcBef>
+                <a:spcPct val="0"/>
+              </a:spcBef>
+              <a:spcAft>
+                <a:spcPct val="0"/>
+              </a:spcAft>
+              <a:defRPr sz="2000">
+                <a:solidFill>
+                  <a:schemeClr val="tx1"/>
+                </a:solidFill>
+                <a:latin typeface="Arial" charset="0"/>
+              </a:defRPr>
+            </a:lvl9pPr>
+          </a:lstStyle>
+          <a:p>
+            <a:pPr algn="ctr" eaLnBrk="1" hangingPunct="1">
+              <a:defRPr/>
+            </a:pPr>
+            <a:r>
+              <a:rPr lang="en-US" sz="1399" dirty="0"/>
+              <a:t>© 2018. Materials may not be reproduced without permission of the author.</a:t>
+            </a:r>
+          </a:p>
+        </p:txBody>
+      </p:sp>
+      <p:sp>
+        <p:nvSpPr>
+          <p:cNvPr id="7" name="Title 6"/>
+          <p:cNvSpPr>
+            <a:spLocks noGrp="1"/>
+          </p:cNvSpPr>
+          <p:nvPr>
+            <p:ph type="title"/>
+          </p:nvPr>
+        </p:nvSpPr>
+        <p:spPr>
+          <a:xfrm>
+            <a:off x="631825" y="1447800"/>
+            <a:ext cx="10972800" cy="685800"/>
+          </a:xfrm>
+          <a:prstGeom prst="rect">
+            <a:avLst/>
+          </a:prstGeom>
+        </p:spPr>
+        <p:txBody>
+          <a:bodyPr anchor="ctr"/>
+          <a:lstStyle>
+            <a:lvl1pPr algn="ctr">
+              <a:defRPr sz="2801" baseline="0">
+                <a:latin typeface="Rockwell" panose="02060603020205020403" pitchFamily="18" charset="0"/>
+                <a:cs typeface="Arial" pitchFamily="34" charset="0"/>
+              </a:defRPr>
+            </a:lvl1pPr>
+          </a:lstStyle>
+          <a:p>
+            <a:r>
+              <a:rPr lang="en-US" dirty="0"/>
+              <a:t>Click to edit Master title style</a:t>
+            </a:r>
+          </a:p>
+        </p:txBody>
+      </p:sp>
+      <p:sp>
+        <p:nvSpPr>
+          <p:cNvPr id="17" name="Text Placeholder 16"/>
+          <p:cNvSpPr>
+            <a:spLocks noGrp="1"/>
+          </p:cNvSpPr>
+          <p:nvPr>
+            <p:ph type="body" sz="quarter" idx="11"/>
+          </p:nvPr>
+        </p:nvSpPr>
+        <p:spPr>
+          <a:xfrm>
+            <a:off x="936625" y="2438400"/>
+            <a:ext cx="10363200" cy="533400"/>
+          </a:xfrm>
+          <a:prstGeom prst="rect">
+            <a:avLst/>
+          </a:prstGeom>
+        </p:spPr>
+        <p:txBody>
+          <a:bodyPr anchor="ctr"/>
+          <a:lstStyle>
+            <a:lvl1pPr algn="ctr">
+              <a:buNone/>
+              <a:defRPr sz="2400" baseline="0">
+                <a:latin typeface="Arial" pitchFamily="34" charset="0"/>
+                <a:cs typeface="Arial" pitchFamily="34" charset="0"/>
+              </a:defRPr>
+            </a:lvl1pPr>
+          </a:lstStyle>
+          <a:p>
+            <a:pPr lvl="0"/>
+            <a:r>
+              <a:rPr lang="en-US"/>
+              <a:t>Click to edit Master text styles</a:t>
+            </a:r>
+          </a:p>
+        </p:txBody>
+      </p:sp>
+      <p:sp>
+        <p:nvSpPr>
+          <p:cNvPr id="21" name="Text Placeholder 20"/>
+          <p:cNvSpPr>
+            <a:spLocks noGrp="1"/>
+          </p:cNvSpPr>
+          <p:nvPr>
+            <p:ph type="body" sz="quarter" idx="12"/>
+          </p:nvPr>
+        </p:nvSpPr>
+        <p:spPr>
+          <a:xfrm>
+            <a:off x="914400" y="3657600"/>
+            <a:ext cx="10363200" cy="533400"/>
+          </a:xfrm>
+          <a:prstGeom prst="rect">
+            <a:avLst/>
+          </a:prstGeom>
+        </p:spPr>
+        <p:txBody>
+          <a:bodyPr anchor="ctr"/>
+          <a:lstStyle>
+            <a:lvl1pPr algn="ctr">
+              <a:buNone/>
+              <a:defRPr sz="1601">
+                <a:latin typeface="Arial" pitchFamily="34" charset="0"/>
+                <a:cs typeface="Arial" pitchFamily="34" charset="0"/>
+              </a:defRPr>
+            </a:lvl1pPr>
+          </a:lstStyle>
+          <a:p>
+            <a:pPr lvl="0"/>
+            <a:r>
+              <a:rPr lang="en-US"/>
+              <a:t>Click to edit Master text styles</a:t>
+            </a:r>
+          </a:p>
+        </p:txBody>
+      </p:sp>
+      <p:sp>
+        <p:nvSpPr>
+          <p:cNvPr id="23" name="Text Placeholder 22"/>
+          <p:cNvSpPr>
+            <a:spLocks noGrp="1"/>
+          </p:cNvSpPr>
+          <p:nvPr>
+            <p:ph type="body" sz="quarter" idx="13"/>
+          </p:nvPr>
+        </p:nvSpPr>
+        <p:spPr>
+          <a:xfrm>
+            <a:off x="936625" y="4267200"/>
+            <a:ext cx="10363200" cy="381000"/>
+          </a:xfrm>
+          <a:prstGeom prst="rect">
+            <a:avLst/>
+          </a:prstGeom>
+        </p:spPr>
+        <p:txBody>
+          <a:bodyPr anchor="ctr"/>
+          <a:lstStyle>
+            <a:lvl1pPr algn="ctr">
+              <a:buNone/>
+              <a:defRPr sz="1399" baseline="0">
+                <a:latin typeface="Arial" pitchFamily="34" charset="0"/>
+                <a:cs typeface="Arial" pitchFamily="34" charset="0"/>
+              </a:defRPr>
+            </a:lvl1pPr>
+          </a:lstStyle>
+          <a:p>
+            <a:pPr lvl="0"/>
+            <a:r>
+              <a:rPr lang="en-US"/>
+              <a:t>Click to edit Master text styles</a:t>
+            </a:r>
+          </a:p>
+        </p:txBody>
+      </p:sp>
+      <p:pic>
+        <p:nvPicPr>
+          <p:cNvPr id="8" name="Picture 7" descr="UWSCR196G30B58"/>
+          <p:cNvPicPr>
+            <a:picLocks noChangeAspect="1" noChangeArrowheads="1"/>
+          </p:cNvPicPr>
+          <p:nvPr userDrawn="1"/>
+        </p:nvPicPr>
+        <p:blipFill>
+          <a:blip r:embed="rId3" cstate="print">
+            <a:extLst>
+              <a:ext uri="{28A0092B-C50C-407E-A947-70E740481C1C}">
+                <a14:useLocalDpi xmlns:a14="http://schemas.microsoft.com/office/drawing/2010/main" val="0"/>
+              </a:ext>
+            </a:extLst>
+          </a:blip>
+          <a:srcRect/>
+          <a:stretch>
+            <a:fillRect/>
+          </a:stretch>
+        </p:blipFill>
+        <p:spPr bwMode="auto">
+          <a:xfrm>
+            <a:off x="101604" y="6248400"/>
+            <a:ext cx="1129035" cy="548640"/>
+          </a:xfrm>
+          <a:prstGeom prst="rect">
+            <a:avLst/>
+          </a:prstGeom>
+          <a:noFill/>
+          <a:ln>
+            <a:noFill/>
+          </a:ln>
+          <a:extLst>
+            <a:ext uri="{909E8E84-426E-40DD-AFC4-6F175D3DCCD1}">
+              <a14:hiddenFill xmlns:a14="http://schemas.microsoft.com/office/drawing/2010/main">
+                <a:solidFill>
+                  <a:srgbClr val="FFFFFF"/>
+                </a:solidFill>
+              </a14:hiddenFill>
+            </a:ext>
+            <a:ext uri="{91240B29-F687-4F45-9708-019B960494DF}">
+              <a14:hiddenLine xmlns:a14="http://schemas.microsoft.com/office/drawing/2010/main" w="9525">
+                <a:solidFill>
+                  <a:srgbClr val="000000"/>
+                </a:solidFill>
+                <a:miter lim="800000"/>
+                <a:headEnd/>
+                <a:tailEnd/>
+              </a14:hiddenLine>
+            </a:ext>
+          </a:extLst>
+        </p:spPr>
+      </p:pic>
+    </p:spTree>
+    <p:extLst>
+      <p:ext uri="{BB962C8B-B14F-4D97-AF65-F5344CB8AC3E}">
+        <p14:creationId xmlns:p14="http://schemas.microsoft.com/office/powerpoint/2010/main" val="1869167147"/>
       </p:ext>
     </p:extLst>
   </p:cSld>
@@ -3615,6 +4216,7 @@
     <p:sldLayoutId id="2147483657" r:id="rId9"/>
     <p:sldLayoutId id="2147483658" r:id="rId10"/>
     <p:sldLayoutId id="2147483659" r:id="rId11"/>
+    <p:sldLayoutId id="2147483660" r:id="rId12"/>
   </p:sldLayoutIdLst>
   <p:txStyles>
     <p:titleStyle>
@@ -3918,62 +4520,99 @@
       </p:grpSpPr>
       <p:sp>
         <p:nvSpPr>
-          <p:cNvPr id="2" name="Title 1">
-            <a:extLst>
-              <a:ext uri="{FF2B5EF4-FFF2-40B4-BE49-F238E27FC236}">
-                <a16:creationId xmlns:a16="http://schemas.microsoft.com/office/drawing/2014/main" id="{01D3A618-4289-D645-A460-5C257E72B738}"/>
-              </a:ext>
-            </a:extLst>
-          </p:cNvPr>
-          <p:cNvSpPr>
-            <a:spLocks noGrp="1"/>
-          </p:cNvSpPr>
-          <p:nvPr>
-            <p:ph type="ctrTitle"/>
+          <p:cNvPr id="4" name="Title 3"/>
+          <p:cNvSpPr>
+            <a:spLocks noGrp="1"/>
+          </p:cNvSpPr>
+          <p:nvPr>
+            <p:ph type="title"/>
           </p:nvPr>
         </p:nvSpPr>
         <p:spPr/>
+        <p:txBody>
+          <a:bodyPr>
+            <a:noAutofit/>
+          </a:bodyPr>
+          <a:lstStyle/>
+          <a:p>
+            <a:pPr>
+              <a:spcBef>
+                <a:spcPts val="0"/>
+              </a:spcBef>
+            </a:pPr>
+            <a:r>
+              <a:rPr lang="en-US" sz="4400" dirty="0">
+                <a:latin typeface="+mn-lt"/>
+              </a:rPr>
+              <a:t>Building Contextual Data from Online Sources</a:t>
+            </a:r>
+          </a:p>
+        </p:txBody>
+      </p:sp>
+      <p:sp>
+        <p:nvSpPr>
+          <p:cNvPr id="5" name="Text Placeholder 4"/>
+          <p:cNvSpPr>
+            <a:spLocks noGrp="1"/>
+          </p:cNvSpPr>
+          <p:nvPr>
+            <p:ph type="body" sz="quarter" idx="11"/>
+          </p:nvPr>
+        </p:nvSpPr>
+        <p:spPr>
+          <a:xfrm>
+            <a:off x="2362200" y="2895600"/>
+            <a:ext cx="7636668" cy="1524000"/>
+          </a:xfrm>
+        </p:spPr>
         <p:txBody>
           <a:bodyPr/>
           <a:lstStyle/>
           <a:p>
             <a:r>
-              <a:rPr lang="en-US" dirty="0"/>
-              <a:t>Building Contextual Data from Online Sources</a:t>
-            </a:r>
-          </a:p>
-        </p:txBody>
-      </p:sp>
-      <p:sp>
-        <p:nvSpPr>
-          <p:cNvPr id="3" name="Subtitle 2">
-            <a:extLst>
-              <a:ext uri="{FF2B5EF4-FFF2-40B4-BE49-F238E27FC236}">
-                <a16:creationId xmlns:a16="http://schemas.microsoft.com/office/drawing/2014/main" id="{C541657D-F2CF-8346-B848-E0CC3A164346}"/>
-              </a:ext>
-            </a:extLst>
-          </p:cNvPr>
-          <p:cNvSpPr>
-            <a:spLocks noGrp="1"/>
-          </p:cNvSpPr>
-          <p:nvPr>
-            <p:ph type="subTitle" idx="1"/>
-          </p:nvPr>
-        </p:nvSpPr>
-        <p:spPr/>
+              <a:rPr lang="en-US" sz="2000" dirty="0"/>
+              <a:t>Nathan R. Jones</a:t>
+            </a:r>
+          </a:p>
+          <a:p>
+            <a:r>
+              <a:rPr lang="en-US" sz="1700" dirty="0"/>
+              <a:t>University of Wisconsin Survey Center</a:t>
+            </a:r>
+          </a:p>
+        </p:txBody>
+      </p:sp>
+      <p:sp>
+        <p:nvSpPr>
+          <p:cNvPr id="7" name="Text Placeholder 6"/>
+          <p:cNvSpPr>
+            <a:spLocks noGrp="1"/>
+          </p:cNvSpPr>
+          <p:nvPr>
+            <p:ph type="body" sz="quarter" idx="13"/>
+          </p:nvPr>
+        </p:nvSpPr>
+        <p:spPr>
+          <a:xfrm>
+            <a:off x="2262328" y="5486400"/>
+            <a:ext cx="7772400" cy="914400"/>
+          </a:xfrm>
+        </p:spPr>
         <p:txBody>
           <a:bodyPr/>
           <a:lstStyle/>
           <a:p>
             <a:r>
-              <a:rPr lang="en-US" dirty="0"/>
-              <a:t>Nathan R Jones</a:t>
-            </a:r>
-          </a:p>
-          <a:p>
-            <a:r>
-              <a:rPr lang="en-US" dirty="0"/>
-              <a:t>UW Survey Center</a:t>
+              <a:rPr lang="en-US" sz="1500" dirty="0"/>
+              <a:t>Summer </a:t>
+            </a:r>
+            <a:r>
+              <a:rPr lang="en-US" sz="1500" dirty="0" err="1"/>
+              <a:t>DemSem</a:t>
+            </a:r>
+            <a:r>
+              <a:rPr lang="en-US" sz="1500" dirty="0"/>
+              <a:t> 2018</a:t>
             </a:r>
           </a:p>
         </p:txBody>
@@ -3981,7 +4620,7 @@
     </p:spTree>
     <p:extLst>
       <p:ext uri="{BB962C8B-B14F-4D97-AF65-F5344CB8AC3E}">
-        <p14:creationId xmlns:p14="http://schemas.microsoft.com/office/powerpoint/2010/main" val="3041559891"/>
+        <p14:creationId xmlns:p14="http://schemas.microsoft.com/office/powerpoint/2010/main" val="3448458956"/>
       </p:ext>
     </p:extLst>
   </p:cSld>
@@ -6183,7 +6822,7 @@
             <a:pPr lvl="1"/>
             <a:r>
               <a:rPr lang="en-US" dirty="0"/>
-              <a:t>Find closest (presumably) higher quality food source </a:t>
+              <a:t>Find closest (presumably) high quality food source </a:t>
             </a:r>
           </a:p>
           <a:p>
@@ -6199,7 +6838,7 @@
             <a:pPr lvl="1"/>
             <a:r>
               <a:rPr lang="en-US" dirty="0"/>
-              <a:t>Find urgent care centers within 2 mile radius</a:t>
+              <a:t>Find urgent care centers within 25 min drive</a:t>
             </a:r>
           </a:p>
         </p:txBody>
@@ -12172,6 +12811,46 @@
               <a:t>Following examples will use several functions</a:t>
             </a:r>
           </a:p>
+          <a:p>
+            <a:pPr lvl="2"/>
+            <a:r>
+              <a:rPr lang="en-US" dirty="0"/>
+              <a:t>geocode()</a:t>
+            </a:r>
+          </a:p>
+          <a:p>
+            <a:pPr lvl="2"/>
+            <a:r>
+              <a:rPr lang="en-US" dirty="0" err="1"/>
+              <a:t>mapdist</a:t>
+            </a:r>
+            <a:r>
+              <a:rPr lang="en-US" dirty="0"/>
+              <a:t>()</a:t>
+            </a:r>
+          </a:p>
+          <a:p>
+            <a:pPr lvl="2"/>
+            <a:r>
+              <a:rPr lang="en-US" dirty="0" err="1"/>
+              <a:t>get_map</a:t>
+            </a:r>
+            <a:r>
+              <a:rPr lang="en-US" dirty="0"/>
+              <a:t>()</a:t>
+            </a:r>
+          </a:p>
+          <a:p>
+            <a:pPr lvl="2"/>
+            <a:r>
+              <a:rPr lang="en-US" dirty="0" err="1"/>
+              <a:t>ggmap</a:t>
+            </a:r>
+            <a:r>
+              <a:rPr lang="en-US" dirty="0"/>
+              <a:t>()</a:t>
+            </a:r>
+          </a:p>
         </p:txBody>
       </p:sp>
     </p:spTree>
@@ -13436,7 +14115,7 @@
             </a:r>
             <a:r>
               <a:rPr lang="en-US" sz="3600" b="1" dirty="0" err="1"/>
-              <a:t>ContextualData</a:t>
+              <a:t>BuildingContextualData</a:t>
             </a:r>
             <a:endParaRPr lang="en-US" sz="3600" b="1" dirty="0"/>
           </a:p>
@@ -15061,7 +15740,7 @@
           <a:p>
             <a:r>
               <a:rPr lang="en-US" dirty="0"/>
-              <a:t>Now that we have a function…</a:t>
+              <a:t>Search results…</a:t>
             </a:r>
           </a:p>
         </p:txBody>
@@ -15234,7 +15913,7 @@
           <a:p>
             <a:r>
               <a:rPr lang="en-US" dirty="0"/>
-              <a:t>Map results</a:t>
+              <a:t>Map results…</a:t>
             </a:r>
           </a:p>
         </p:txBody>
@@ -16252,7 +16931,7 @@
           <a:p>
             <a:r>
               <a:rPr lang="en-US" dirty="0"/>
-              <a:t>Now that we have a function…</a:t>
+              <a:t>Another example…</a:t>
             </a:r>
           </a:p>
         </p:txBody>
@@ -16444,7 +17123,7 @@
           <a:p>
             <a:r>
               <a:rPr lang="en-US" dirty="0"/>
-              <a:t>How far is it to reproductive health services?</a:t>
+              <a:t>How far are reproductive health services?</a:t>
             </a:r>
           </a:p>
         </p:txBody>
@@ -16492,7 +17171,7 @@
         </p:nvSpPr>
         <p:spPr>
           <a:xfrm>
-            <a:off x="838200" y="1935221"/>
+            <a:off x="851263" y="1935221"/>
             <a:ext cx="9707880" cy="1072139"/>
           </a:xfrm>
           <a:prstGeom prst="rect">
@@ -18356,8 +19035,8 @@
               <a:t>/</a:t>
             </a:r>
             <a:r>
-              <a:rPr lang="en-US" sz="3600" b="1"/>
-              <a:t>ContextualData</a:t>
+              <a:rPr lang="en-US" sz="3600" b="1" dirty="0" err="1"/>
+              <a:t>BuildingContextualData</a:t>
             </a:r>
             <a:endParaRPr lang="en-US" sz="3600" b="1" dirty="0"/>
           </a:p>

--- a/presentation/Jones - Contextual Data Presentation.pptx
+++ b/presentation/Jones - Contextual Data Presentation.pptx
@@ -5,7 +5,7 @@
     <p:sldMasterId id="2147483648" r:id="rId1"/>
   </p:sldMasterIdLst>
   <p:notesMasterIdLst>
-    <p:notesMasterId r:id="rId73"/>
+    <p:notesMasterId r:id="rId76"/>
   </p:notesMasterIdLst>
   <p:sldIdLst>
     <p:sldId id="1312" r:id="rId2"/>
@@ -25,60 +25,63 @@
     <p:sldId id="267" r:id="rId16"/>
     <p:sldId id="313" r:id="rId17"/>
     <p:sldId id="314" r:id="rId18"/>
-    <p:sldId id="319" r:id="rId19"/>
-    <p:sldId id="320" r:id="rId20"/>
-    <p:sldId id="331" r:id="rId21"/>
-    <p:sldId id="326" r:id="rId22"/>
-    <p:sldId id="324" r:id="rId23"/>
-    <p:sldId id="322" r:id="rId24"/>
-    <p:sldId id="325" r:id="rId25"/>
-    <p:sldId id="327" r:id="rId26"/>
-    <p:sldId id="328" r:id="rId27"/>
-    <p:sldId id="323" r:id="rId28"/>
-    <p:sldId id="329" r:id="rId29"/>
-    <p:sldId id="321" r:id="rId30"/>
-    <p:sldId id="330" r:id="rId31"/>
-    <p:sldId id="332" r:id="rId32"/>
-    <p:sldId id="333" r:id="rId33"/>
-    <p:sldId id="334" r:id="rId34"/>
-    <p:sldId id="268" r:id="rId35"/>
-    <p:sldId id="281" r:id="rId36"/>
-    <p:sldId id="282" r:id="rId37"/>
-    <p:sldId id="283" r:id="rId38"/>
-    <p:sldId id="284" r:id="rId39"/>
-    <p:sldId id="335" r:id="rId40"/>
-    <p:sldId id="285" r:id="rId41"/>
-    <p:sldId id="316" r:id="rId42"/>
-    <p:sldId id="288" r:id="rId43"/>
-    <p:sldId id="275" r:id="rId44"/>
-    <p:sldId id="336" r:id="rId45"/>
-    <p:sldId id="269" r:id="rId46"/>
-    <p:sldId id="272" r:id="rId47"/>
-    <p:sldId id="273" r:id="rId48"/>
-    <p:sldId id="277" r:id="rId49"/>
-    <p:sldId id="280" r:id="rId50"/>
-    <p:sldId id="337" r:id="rId51"/>
-    <p:sldId id="289" r:id="rId52"/>
-    <p:sldId id="300" r:id="rId53"/>
-    <p:sldId id="338" r:id="rId54"/>
-    <p:sldId id="290" r:id="rId55"/>
-    <p:sldId id="339" r:id="rId56"/>
-    <p:sldId id="340" r:id="rId57"/>
-    <p:sldId id="341" r:id="rId58"/>
-    <p:sldId id="344" r:id="rId59"/>
-    <p:sldId id="343" r:id="rId60"/>
-    <p:sldId id="298" r:id="rId61"/>
-    <p:sldId id="306" r:id="rId62"/>
-    <p:sldId id="291" r:id="rId63"/>
-    <p:sldId id="294" r:id="rId64"/>
-    <p:sldId id="297" r:id="rId65"/>
-    <p:sldId id="295" r:id="rId66"/>
-    <p:sldId id="307" r:id="rId67"/>
-    <p:sldId id="304" r:id="rId68"/>
-    <p:sldId id="305" r:id="rId69"/>
-    <p:sldId id="308" r:id="rId70"/>
-    <p:sldId id="309" r:id="rId71"/>
-    <p:sldId id="310" r:id="rId72"/>
+    <p:sldId id="1314" r:id="rId19"/>
+    <p:sldId id="319" r:id="rId20"/>
+    <p:sldId id="320" r:id="rId21"/>
+    <p:sldId id="331" r:id="rId22"/>
+    <p:sldId id="326" r:id="rId23"/>
+    <p:sldId id="324" r:id="rId24"/>
+    <p:sldId id="322" r:id="rId25"/>
+    <p:sldId id="325" r:id="rId26"/>
+    <p:sldId id="327" r:id="rId27"/>
+    <p:sldId id="328" r:id="rId28"/>
+    <p:sldId id="323" r:id="rId29"/>
+    <p:sldId id="329" r:id="rId30"/>
+    <p:sldId id="1315" r:id="rId31"/>
+    <p:sldId id="321" r:id="rId32"/>
+    <p:sldId id="330" r:id="rId33"/>
+    <p:sldId id="332" r:id="rId34"/>
+    <p:sldId id="333" r:id="rId35"/>
+    <p:sldId id="334" r:id="rId36"/>
+    <p:sldId id="268" r:id="rId37"/>
+    <p:sldId id="281" r:id="rId38"/>
+    <p:sldId id="282" r:id="rId39"/>
+    <p:sldId id="283" r:id="rId40"/>
+    <p:sldId id="284" r:id="rId41"/>
+    <p:sldId id="335" r:id="rId42"/>
+    <p:sldId id="285" r:id="rId43"/>
+    <p:sldId id="316" r:id="rId44"/>
+    <p:sldId id="288" r:id="rId45"/>
+    <p:sldId id="275" r:id="rId46"/>
+    <p:sldId id="336" r:id="rId47"/>
+    <p:sldId id="269" r:id="rId48"/>
+    <p:sldId id="272" r:id="rId49"/>
+    <p:sldId id="273" r:id="rId50"/>
+    <p:sldId id="277" r:id="rId51"/>
+    <p:sldId id="280" r:id="rId52"/>
+    <p:sldId id="337" r:id="rId53"/>
+    <p:sldId id="289" r:id="rId54"/>
+    <p:sldId id="300" r:id="rId55"/>
+    <p:sldId id="338" r:id="rId56"/>
+    <p:sldId id="290" r:id="rId57"/>
+    <p:sldId id="339" r:id="rId58"/>
+    <p:sldId id="1313" r:id="rId59"/>
+    <p:sldId id="340" r:id="rId60"/>
+    <p:sldId id="341" r:id="rId61"/>
+    <p:sldId id="344" r:id="rId62"/>
+    <p:sldId id="343" r:id="rId63"/>
+    <p:sldId id="298" r:id="rId64"/>
+    <p:sldId id="306" r:id="rId65"/>
+    <p:sldId id="291" r:id="rId66"/>
+    <p:sldId id="294" r:id="rId67"/>
+    <p:sldId id="297" r:id="rId68"/>
+    <p:sldId id="295" r:id="rId69"/>
+    <p:sldId id="307" r:id="rId70"/>
+    <p:sldId id="304" r:id="rId71"/>
+    <p:sldId id="305" r:id="rId72"/>
+    <p:sldId id="308" r:id="rId73"/>
+    <p:sldId id="309" r:id="rId74"/>
+    <p:sldId id="310" r:id="rId75"/>
   </p:sldIdLst>
   <p:sldSz cx="12192000" cy="6858000"/>
   <p:notesSz cx="6858000" cy="9144000"/>
@@ -267,7 +270,7 @@
           <a:p>
             <a:fld id="{A67BC912-639F-C84E-9A2B-73A700F241AD}" type="datetimeFigureOut">
               <a:rPr lang="en-US" smtClean="0"/>
-              <a:t>5/29/18</a:t>
+              <a:t>5/30/18</a:t>
             </a:fld>
             <a:endParaRPr lang="en-US"/>
           </a:p>
@@ -773,7 +776,7 @@
           <a:p>
             <a:fld id="{7412F531-FA88-1A45-8F8F-CC655DA5F33E}" type="slidenum">
               <a:rPr lang="en-US" smtClean="0"/>
-              <a:t>39</a:t>
+              <a:t>41</a:t>
             </a:fld>
             <a:endParaRPr lang="en-US"/>
           </a:p>
@@ -857,7 +860,7 @@
           <a:p>
             <a:fld id="{7412F531-FA88-1A45-8F8F-CC655DA5F33E}" type="slidenum">
               <a:rPr lang="en-US" smtClean="0"/>
-              <a:t>55</a:t>
+              <a:t>57</a:t>
             </a:fld>
             <a:endParaRPr lang="en-US"/>
           </a:p>
@@ -1023,7 +1026,7 @@
           <a:p>
             <a:fld id="{8384C06C-2575-DE4A-8018-44FAE0652523}" type="datetimeFigureOut">
               <a:rPr lang="en-US" smtClean="0"/>
-              <a:t>5/29/18</a:t>
+              <a:t>5/30/18</a:t>
             </a:fld>
             <a:endParaRPr lang="en-US"/>
           </a:p>
@@ -1221,7 +1224,7 @@
           <a:p>
             <a:fld id="{8384C06C-2575-DE4A-8018-44FAE0652523}" type="datetimeFigureOut">
               <a:rPr lang="en-US" smtClean="0"/>
-              <a:t>5/29/18</a:t>
+              <a:t>5/30/18</a:t>
             </a:fld>
             <a:endParaRPr lang="en-US"/>
           </a:p>
@@ -1429,7 +1432,7 @@
           <a:p>
             <a:fld id="{8384C06C-2575-DE4A-8018-44FAE0652523}" type="datetimeFigureOut">
               <a:rPr lang="en-US" smtClean="0"/>
-              <a:t>5/29/18</a:t>
+              <a:t>5/30/18</a:t>
             </a:fld>
             <a:endParaRPr lang="en-US"/>
           </a:p>
@@ -2054,7 +2057,7 @@
           <a:p>
             <a:fld id="{8384C06C-2575-DE4A-8018-44FAE0652523}" type="datetimeFigureOut">
               <a:rPr lang="en-US" smtClean="0"/>
-              <a:t>5/29/18</a:t>
+              <a:t>5/30/18</a:t>
             </a:fld>
             <a:endParaRPr lang="en-US"/>
           </a:p>
@@ -2329,7 +2332,7 @@
           <a:p>
             <a:fld id="{8384C06C-2575-DE4A-8018-44FAE0652523}" type="datetimeFigureOut">
               <a:rPr lang="en-US" smtClean="0"/>
-              <a:t>5/29/18</a:t>
+              <a:t>5/30/18</a:t>
             </a:fld>
             <a:endParaRPr lang="en-US"/>
           </a:p>
@@ -2594,7 +2597,7 @@
           <a:p>
             <a:fld id="{8384C06C-2575-DE4A-8018-44FAE0652523}" type="datetimeFigureOut">
               <a:rPr lang="en-US" smtClean="0"/>
-              <a:t>5/29/18</a:t>
+              <a:t>5/30/18</a:t>
             </a:fld>
             <a:endParaRPr lang="en-US"/>
           </a:p>
@@ -3006,7 +3009,7 @@
           <a:p>
             <a:fld id="{8384C06C-2575-DE4A-8018-44FAE0652523}" type="datetimeFigureOut">
               <a:rPr lang="en-US" smtClean="0"/>
-              <a:t>5/29/18</a:t>
+              <a:t>5/30/18</a:t>
             </a:fld>
             <a:endParaRPr lang="en-US"/>
           </a:p>
@@ -3147,7 +3150,7 @@
           <a:p>
             <a:fld id="{8384C06C-2575-DE4A-8018-44FAE0652523}" type="datetimeFigureOut">
               <a:rPr lang="en-US" smtClean="0"/>
-              <a:t>5/29/18</a:t>
+              <a:t>5/30/18</a:t>
             </a:fld>
             <a:endParaRPr lang="en-US"/>
           </a:p>
@@ -3260,7 +3263,7 @@
           <a:p>
             <a:fld id="{8384C06C-2575-DE4A-8018-44FAE0652523}" type="datetimeFigureOut">
               <a:rPr lang="en-US" smtClean="0"/>
-              <a:t>5/29/18</a:t>
+              <a:t>5/30/18</a:t>
             </a:fld>
             <a:endParaRPr lang="en-US"/>
           </a:p>
@@ -3571,7 +3574,7 @@
           <a:p>
             <a:fld id="{8384C06C-2575-DE4A-8018-44FAE0652523}" type="datetimeFigureOut">
               <a:rPr lang="en-US" smtClean="0"/>
-              <a:t>5/29/18</a:t>
+              <a:t>5/30/18</a:t>
             </a:fld>
             <a:endParaRPr lang="en-US"/>
           </a:p>
@@ -3859,7 +3862,7 @@
           <a:p>
             <a:fld id="{8384C06C-2575-DE4A-8018-44FAE0652523}" type="datetimeFigureOut">
               <a:rPr lang="en-US" smtClean="0"/>
-              <a:t>5/29/18</a:t>
+              <a:t>5/30/18</a:t>
             </a:fld>
             <a:endParaRPr lang="en-US"/>
           </a:p>
@@ -4100,7 +4103,7 @@
           <a:p>
             <a:fld id="{8384C06C-2575-DE4A-8018-44FAE0652523}" type="datetimeFigureOut">
               <a:rPr lang="en-US" smtClean="0"/>
-              <a:t>5/29/18</a:t>
+              <a:t>5/30/18</a:t>
             </a:fld>
             <a:endParaRPr lang="en-US"/>
           </a:p>
@@ -5408,7 +5411,7 @@
             <p:ph idx="1"/>
             <p:extLst>
               <p:ext uri="{D42A27DB-BD31-4B8C-83A1-F6EECF244321}">
-                <p14:modId xmlns:p14="http://schemas.microsoft.com/office/powerpoint/2010/main" val="2668633998"/>
+                <p14:modId xmlns:p14="http://schemas.microsoft.com/office/powerpoint/2010/main" val="3531266662"/>
               </p:ext>
             </p:extLst>
           </p:nvPr>
@@ -5799,14 +5802,14 @@
           <p:nvPr>
             <p:extLst>
               <p:ext uri="{D42A27DB-BD31-4B8C-83A1-F6EECF244321}">
-                <p14:modId xmlns:p14="http://schemas.microsoft.com/office/powerpoint/2010/main" val="3158493912"/>
+                <p14:modId xmlns:p14="http://schemas.microsoft.com/office/powerpoint/2010/main" val="4159885809"/>
               </p:ext>
             </p:extLst>
           </p:nvPr>
         </p:nvGraphicFramePr>
         <p:xfrm>
           <a:off x="1408546" y="2659302"/>
-          <a:ext cx="8128000" cy="1483360"/>
+          <a:ext cx="8128000" cy="3337560"/>
         </p:xfrm>
         <a:graphic>
           <a:graphicData uri="http://schemas.openxmlformats.org/drawingml/2006/table">
@@ -6100,6 +6103,306 @@
                 <a:extLst>
                   <a:ext uri="{0D108BD9-81ED-4DB2-BD59-A6C34878D82A}">
                     <a16:rowId xmlns:a16="http://schemas.microsoft.com/office/drawing/2014/main" val="1909191688"/>
+                  </a:ext>
+                </a:extLst>
+              </a:tr>
+              <a:tr h="370840">
+                <a:tc>
+                  <a:txBody>
+                    <a:bodyPr/>
+                    <a:lstStyle/>
+                    <a:p>
+                      <a:r>
+                        <a:rPr lang="en-US" dirty="0"/>
+                        <a:t>1004</a:t>
+                      </a:r>
+                    </a:p>
+                  </a:txBody>
+                  <a:tcPr/>
+                </a:tc>
+                <a:tc>
+                  <a:txBody>
+                    <a:bodyPr/>
+                    <a:lstStyle/>
+                    <a:p>
+                      <a:endParaRPr lang="en-US" dirty="0"/>
+                    </a:p>
+                  </a:txBody>
+                  <a:tcPr/>
+                </a:tc>
+                <a:tc>
+                  <a:txBody>
+                    <a:bodyPr/>
+                    <a:lstStyle/>
+                    <a:p>
+                      <a:endParaRPr lang="en-US" dirty="0"/>
+                    </a:p>
+                  </a:txBody>
+                  <a:tcPr/>
+                </a:tc>
+                <a:tc>
+                  <a:txBody>
+                    <a:bodyPr/>
+                    <a:lstStyle/>
+                    <a:p>
+                      <a:endParaRPr lang="en-US" dirty="0"/>
+                    </a:p>
+                  </a:txBody>
+                  <a:tcPr/>
+                </a:tc>
+                <a:tc>
+                  <a:txBody>
+                    <a:bodyPr/>
+                    <a:lstStyle/>
+                    <a:p>
+                      <a:endParaRPr lang="en-US" dirty="0"/>
+                    </a:p>
+                  </a:txBody>
+                  <a:tcPr/>
+                </a:tc>
+                <a:extLst>
+                  <a:ext uri="{0D108BD9-81ED-4DB2-BD59-A6C34878D82A}">
+                    <a16:rowId xmlns:a16="http://schemas.microsoft.com/office/drawing/2014/main" val="1594783767"/>
+                  </a:ext>
+                </a:extLst>
+              </a:tr>
+              <a:tr h="370840">
+                <a:tc>
+                  <a:txBody>
+                    <a:bodyPr/>
+                    <a:lstStyle/>
+                    <a:p>
+                      <a:r>
+                        <a:rPr lang="en-US" dirty="0"/>
+                        <a:t>1005</a:t>
+                      </a:r>
+                    </a:p>
+                  </a:txBody>
+                  <a:tcPr/>
+                </a:tc>
+                <a:tc>
+                  <a:txBody>
+                    <a:bodyPr/>
+                    <a:lstStyle/>
+                    <a:p>
+                      <a:endParaRPr lang="en-US" dirty="0"/>
+                    </a:p>
+                  </a:txBody>
+                  <a:tcPr/>
+                </a:tc>
+                <a:tc>
+                  <a:txBody>
+                    <a:bodyPr/>
+                    <a:lstStyle/>
+                    <a:p>
+                      <a:endParaRPr lang="en-US" dirty="0"/>
+                    </a:p>
+                  </a:txBody>
+                  <a:tcPr/>
+                </a:tc>
+                <a:tc>
+                  <a:txBody>
+                    <a:bodyPr/>
+                    <a:lstStyle/>
+                    <a:p>
+                      <a:endParaRPr lang="en-US" dirty="0"/>
+                    </a:p>
+                  </a:txBody>
+                  <a:tcPr/>
+                </a:tc>
+                <a:tc>
+                  <a:txBody>
+                    <a:bodyPr/>
+                    <a:lstStyle/>
+                    <a:p>
+                      <a:endParaRPr lang="en-US" dirty="0"/>
+                    </a:p>
+                  </a:txBody>
+                  <a:tcPr/>
+                </a:tc>
+                <a:extLst>
+                  <a:ext uri="{0D108BD9-81ED-4DB2-BD59-A6C34878D82A}">
+                    <a16:rowId xmlns:a16="http://schemas.microsoft.com/office/drawing/2014/main" val="1276334334"/>
+                  </a:ext>
+                </a:extLst>
+              </a:tr>
+              <a:tr h="370840">
+                <a:tc>
+                  <a:txBody>
+                    <a:bodyPr/>
+                    <a:lstStyle/>
+                    <a:p>
+                      <a:r>
+                        <a:rPr lang="en-US" dirty="0"/>
+                        <a:t>1006</a:t>
+                      </a:r>
+                    </a:p>
+                  </a:txBody>
+                  <a:tcPr/>
+                </a:tc>
+                <a:tc>
+                  <a:txBody>
+                    <a:bodyPr/>
+                    <a:lstStyle/>
+                    <a:p>
+                      <a:endParaRPr lang="en-US" dirty="0"/>
+                    </a:p>
+                  </a:txBody>
+                  <a:tcPr/>
+                </a:tc>
+                <a:tc>
+                  <a:txBody>
+                    <a:bodyPr/>
+                    <a:lstStyle/>
+                    <a:p>
+                      <a:endParaRPr lang="en-US" dirty="0"/>
+                    </a:p>
+                  </a:txBody>
+                  <a:tcPr/>
+                </a:tc>
+                <a:tc>
+                  <a:txBody>
+                    <a:bodyPr/>
+                    <a:lstStyle/>
+                    <a:p>
+                      <a:endParaRPr lang="en-US" dirty="0"/>
+                    </a:p>
+                  </a:txBody>
+                  <a:tcPr/>
+                </a:tc>
+                <a:tc>
+                  <a:txBody>
+                    <a:bodyPr/>
+                    <a:lstStyle/>
+                    <a:p>
+                      <a:endParaRPr lang="en-US" dirty="0"/>
+                    </a:p>
+                  </a:txBody>
+                  <a:tcPr/>
+                </a:tc>
+                <a:extLst>
+                  <a:ext uri="{0D108BD9-81ED-4DB2-BD59-A6C34878D82A}">
+                    <a16:rowId xmlns:a16="http://schemas.microsoft.com/office/drawing/2014/main" val="1640220430"/>
+                  </a:ext>
+                </a:extLst>
+              </a:tr>
+              <a:tr h="370840">
+                <a:tc>
+                  <a:txBody>
+                    <a:bodyPr/>
+                    <a:lstStyle/>
+                    <a:p>
+                      <a:r>
+                        <a:rPr lang="en-US" dirty="0"/>
+                        <a:t>1007</a:t>
+                      </a:r>
+                    </a:p>
+                  </a:txBody>
+                  <a:tcPr/>
+                </a:tc>
+                <a:tc>
+                  <a:txBody>
+                    <a:bodyPr/>
+                    <a:lstStyle/>
+                    <a:p>
+                      <a:endParaRPr lang="en-US" dirty="0"/>
+                    </a:p>
+                  </a:txBody>
+                  <a:tcPr/>
+                </a:tc>
+                <a:tc>
+                  <a:txBody>
+                    <a:bodyPr/>
+                    <a:lstStyle/>
+                    <a:p>
+                      <a:endParaRPr lang="en-US" dirty="0"/>
+                    </a:p>
+                  </a:txBody>
+                  <a:tcPr/>
+                </a:tc>
+                <a:tc>
+                  <a:txBody>
+                    <a:bodyPr/>
+                    <a:lstStyle/>
+                    <a:p>
+                      <a:endParaRPr lang="en-US" dirty="0"/>
+                    </a:p>
+                  </a:txBody>
+                  <a:tcPr/>
+                </a:tc>
+                <a:tc>
+                  <a:txBody>
+                    <a:bodyPr/>
+                    <a:lstStyle/>
+                    <a:p>
+                      <a:endParaRPr lang="en-US" dirty="0"/>
+                    </a:p>
+                  </a:txBody>
+                  <a:tcPr/>
+                </a:tc>
+                <a:extLst>
+                  <a:ext uri="{0D108BD9-81ED-4DB2-BD59-A6C34878D82A}">
+                    <a16:rowId xmlns:a16="http://schemas.microsoft.com/office/drawing/2014/main" val="3289409946"/>
+                  </a:ext>
+                </a:extLst>
+              </a:tr>
+              <a:tr h="370840">
+                <a:tc>
+                  <a:txBody>
+                    <a:bodyPr/>
+                    <a:lstStyle/>
+                    <a:p>
+                      <a:r>
+                        <a:rPr lang="en-US" dirty="0"/>
+                        <a:t>1008</a:t>
+                      </a:r>
+                    </a:p>
+                  </a:txBody>
+                  <a:tcPr/>
+                </a:tc>
+                <a:tc>
+                  <a:txBody>
+                    <a:bodyPr/>
+                    <a:lstStyle/>
+                    <a:p>
+                      <a:endParaRPr lang="en-US" dirty="0"/>
+                    </a:p>
+                  </a:txBody>
+                  <a:tcPr/>
+                </a:tc>
+                <a:tc>
+                  <a:txBody>
+                    <a:bodyPr/>
+                    <a:lstStyle/>
+                    <a:p>
+                      <a:endParaRPr lang="en-US" dirty="0"/>
+                    </a:p>
+                  </a:txBody>
+                  <a:tcPr/>
+                </a:tc>
+                <a:tc>
+                  <a:txBody>
+                    <a:bodyPr/>
+                    <a:lstStyle/>
+                    <a:p>
+                      <a:endParaRPr lang="en-US" dirty="0"/>
+                    </a:p>
+                  </a:txBody>
+                  <a:tcPr/>
+                </a:tc>
+                <a:tc>
+                  <a:txBody>
+                    <a:bodyPr/>
+                    <a:lstStyle/>
+                    <a:p>
+                      <a:endParaRPr lang="en-US" dirty="0"/>
+                    </a:p>
+                  </a:txBody>
+                  <a:tcPr/>
+                </a:tc>
+                <a:extLst>
+                  <a:ext uri="{0D108BD9-81ED-4DB2-BD59-A6C34878D82A}">
+                    <a16:rowId xmlns:a16="http://schemas.microsoft.com/office/drawing/2014/main" val="2865770418"/>
                   </a:ext>
                 </a:extLst>
               </a:tr>
@@ -6662,7 +6965,7 @@
           <a:p>
             <a:r>
               <a:rPr lang="en-US" dirty="0"/>
-              <a:t>Socioeconomic atmosphere</a:t>
+              <a:t>Socioeconomic environment</a:t>
             </a:r>
           </a:p>
           <a:p>
@@ -6803,10 +7106,16 @@
             </a:r>
           </a:p>
           <a:p>
-            <a:pPr lvl="1"/>
-            <a:r>
-              <a:rPr lang="en-US" dirty="0"/>
-              <a:t>Find zip code level poverty rates</a:t>
+            <a:pPr marL="457200" lvl="1" indent="0">
+              <a:buNone/>
+            </a:pPr>
+            <a:r>
+              <a:rPr lang="en-US" dirty="0"/>
+              <a:t>		</a:t>
+            </a:r>
+            <a:r>
+              <a:rPr lang="en-US" sz="3200" b="1" dirty="0"/>
+              <a:t>Standard web scrape, programmatic URL creation</a:t>
             </a:r>
           </a:p>
           <a:p>
@@ -6819,10 +7128,16 @@
             </a:r>
           </a:p>
           <a:p>
-            <a:pPr lvl="1"/>
-            <a:r>
-              <a:rPr lang="en-US" dirty="0"/>
-              <a:t>Find closest (presumably) high quality food source </a:t>
+            <a:pPr marL="457200" lvl="1" indent="0">
+              <a:buNone/>
+            </a:pPr>
+            <a:r>
+              <a:rPr lang="en-US" dirty="0"/>
+              <a:t>		</a:t>
+            </a:r>
+            <a:r>
+              <a:rPr lang="en-US" sz="3200" b="1" dirty="0"/>
+              <a:t>Use Google API directly</a:t>
             </a:r>
           </a:p>
           <a:p>
@@ -6835,18 +7150,25 @@
             </a:r>
           </a:p>
           <a:p>
-            <a:pPr lvl="1"/>
-            <a:r>
-              <a:rPr lang="en-US" dirty="0"/>
-              <a:t>Find urgent care centers within 25 min drive</a:t>
-            </a:r>
+            <a:pPr marL="457200" lvl="1" indent="0">
+              <a:buNone/>
+            </a:pPr>
+            <a:r>
+              <a:rPr lang="en-US" dirty="0"/>
+              <a:t>		</a:t>
+            </a:r>
+            <a:r>
+              <a:rPr lang="en-US" sz="3200" b="1" dirty="0"/>
+              <a:t>Use R tools that interact with Google API</a:t>
+            </a:r>
+            <a:endParaRPr lang="en-US" b="1" dirty="0"/>
           </a:p>
         </p:txBody>
       </p:sp>
     </p:spTree>
     <p:extLst>
       <p:ext uri="{BB962C8B-B14F-4D97-AF65-F5344CB8AC3E}">
-        <p14:creationId xmlns:p14="http://schemas.microsoft.com/office/powerpoint/2010/main" val="3785596182"/>
+        <p14:creationId xmlns:p14="http://schemas.microsoft.com/office/powerpoint/2010/main" val="3856165254"/>
       </p:ext>
     </p:extLst>
   </p:cSld>
@@ -6878,7 +7200,7 @@
           <p:cNvPr id="2" name="Title 1">
             <a:extLst>
               <a:ext uri="{FF2B5EF4-FFF2-40B4-BE49-F238E27FC236}">
-                <a16:creationId xmlns:a16="http://schemas.microsoft.com/office/drawing/2014/main" id="{AC6920C6-17CA-464A-BA18-AC5D83CB420F}"/>
+                <a16:creationId xmlns:a16="http://schemas.microsoft.com/office/drawing/2014/main" id="{343347B6-6CEA-544A-863B-7F38EC2D0F70}"/>
               </a:ext>
             </a:extLst>
           </p:cNvPr>
@@ -6896,7 +7218,7 @@
           <a:p>
             <a:r>
               <a:rPr lang="en-US" dirty="0"/>
-              <a:t>Example 1: Socioeconomic environment</a:t>
+              <a:t>Adding contextual data – 3 examples</a:t>
             </a:r>
           </a:p>
         </p:txBody>
@@ -6906,7 +7228,7 @@
           <p:cNvPr id="3" name="Content Placeholder 2">
             <a:extLst>
               <a:ext uri="{FF2B5EF4-FFF2-40B4-BE49-F238E27FC236}">
-                <a16:creationId xmlns:a16="http://schemas.microsoft.com/office/drawing/2014/main" id="{7B2641B2-A7FF-9A44-A8BD-894CD649B6D3}"/>
+                <a16:creationId xmlns:a16="http://schemas.microsoft.com/office/drawing/2014/main" id="{DA8455FE-D3FA-D649-9DB4-AB3E62722BFE}"/>
               </a:ext>
             </a:extLst>
           </p:cNvPr>
@@ -6922,14 +7244,75 @@
           <a:bodyPr/>
           <a:lstStyle/>
           <a:p>
+            <a:r>
+              <a:rPr lang="en-US" dirty="0"/>
+              <a:t>Socioeconomic environment</a:t>
+            </a:r>
+          </a:p>
+          <a:p>
+            <a:pPr marL="457200" lvl="1" indent="0">
+              <a:buNone/>
+            </a:pPr>
+            <a:r>
+              <a:rPr lang="en-US" dirty="0"/>
+              <a:t>		</a:t>
+            </a:r>
+            <a:r>
+              <a:rPr lang="en-US" sz="3200" b="1" dirty="0"/>
+              <a:t>Find zip code level poverty rates</a:t>
+            </a:r>
+          </a:p>
+          <a:p>
             <a:endParaRPr lang="en-US" dirty="0"/>
+          </a:p>
+          <a:p>
+            <a:r>
+              <a:rPr lang="en-US" dirty="0"/>
+              <a:t>Access to healthy food</a:t>
+            </a:r>
+          </a:p>
+          <a:p>
+            <a:pPr marL="457200" lvl="1" indent="0">
+              <a:buNone/>
+            </a:pPr>
+            <a:r>
+              <a:rPr lang="en-US" dirty="0"/>
+              <a:t>		</a:t>
+            </a:r>
+            <a:r>
+              <a:rPr lang="en-US" sz="3200" b="1" dirty="0"/>
+              <a:t>Find closest (presumably) high quality food source </a:t>
+            </a:r>
+          </a:p>
+          <a:p>
+            <a:endParaRPr lang="en-US" dirty="0"/>
+          </a:p>
+          <a:p>
+            <a:r>
+              <a:rPr lang="en-US" dirty="0"/>
+              <a:t>Health care options</a:t>
+            </a:r>
+          </a:p>
+          <a:p>
+            <a:pPr marL="457200" lvl="1" indent="0">
+              <a:buNone/>
+            </a:pPr>
+            <a:r>
+              <a:rPr lang="en-US" dirty="0"/>
+              <a:t>		</a:t>
+            </a:r>
+            <a:r>
+              <a:rPr lang="en-US" sz="3200" b="1" dirty="0"/>
+              <a:t>Find urgent care centers within 25 min drive</a:t>
+            </a:r>
+            <a:endParaRPr lang="en-US" b="1" dirty="0"/>
           </a:p>
         </p:txBody>
       </p:sp>
     </p:spTree>
     <p:extLst>
       <p:ext uri="{BB962C8B-B14F-4D97-AF65-F5344CB8AC3E}">
-        <p14:creationId xmlns:p14="http://schemas.microsoft.com/office/powerpoint/2010/main" val="4231362972"/>
+        <p14:creationId xmlns:p14="http://schemas.microsoft.com/office/powerpoint/2010/main" val="3785596182"/>
       </p:ext>
     </p:extLst>
   </p:cSld>
@@ -7020,6 +7403,32 @@
             <a:r>
               <a:rPr lang="en-US" dirty="0"/>
               <a:t>Can I make nice looking things?</a:t>
+            </a:r>
+          </a:p>
+          <a:p>
+            <a:r>
+              <a:rPr lang="en-US" dirty="0"/>
+              <a:t>General problem solving using R, but relevant to other tools</a:t>
+            </a:r>
+          </a:p>
+          <a:p>
+            <a:r>
+              <a:rPr lang="en-US" dirty="0"/>
+              <a:t>Tried to choose real examples, not toys</a:t>
+            </a:r>
+          </a:p>
+          <a:p>
+            <a:pPr lvl="1"/>
+            <a:r>
+              <a:rPr lang="en-US" dirty="0"/>
+              <a:t>Data that looks like your data</a:t>
+            </a:r>
+          </a:p>
+          <a:p>
+            <a:pPr lvl="1"/>
+            <a:r>
+              <a:rPr lang="en-US" dirty="0"/>
+              <a:t>Do things that you normally do with your data</a:t>
             </a:r>
           </a:p>
         </p:txBody>
@@ -7103,6 +7512,89 @@
           <a:bodyPr/>
           <a:lstStyle/>
           <a:p>
+            <a:endParaRPr lang="en-US" dirty="0"/>
+          </a:p>
+        </p:txBody>
+      </p:sp>
+    </p:spTree>
+    <p:extLst>
+      <p:ext uri="{BB962C8B-B14F-4D97-AF65-F5344CB8AC3E}">
+        <p14:creationId xmlns:p14="http://schemas.microsoft.com/office/powerpoint/2010/main" val="4231362972"/>
+      </p:ext>
+    </p:extLst>
+  </p:cSld>
+  <p:clrMapOvr>
+    <a:masterClrMapping/>
+  </p:clrMapOvr>
+</p:sld>
+</file>
+
+<file path=ppt/slides/slide21.xml><?xml version="1.0" encoding="utf-8"?>
+<p:sld xmlns:a="http://schemas.openxmlformats.org/drawingml/2006/main" xmlns:r="http://schemas.openxmlformats.org/officeDocument/2006/relationships" xmlns:p="http://schemas.openxmlformats.org/presentationml/2006/main">
+  <p:cSld>
+    <p:spTree>
+      <p:nvGrpSpPr>
+        <p:cNvPr id="1" name=""/>
+        <p:cNvGrpSpPr/>
+        <p:nvPr/>
+      </p:nvGrpSpPr>
+      <p:grpSpPr>
+        <a:xfrm>
+          <a:off x="0" y="0"/>
+          <a:ext cx="0" cy="0"/>
+          <a:chOff x="0" y="0"/>
+          <a:chExt cx="0" cy="0"/>
+        </a:xfrm>
+      </p:grpSpPr>
+      <p:sp>
+        <p:nvSpPr>
+          <p:cNvPr id="2" name="Title 1">
+            <a:extLst>
+              <a:ext uri="{FF2B5EF4-FFF2-40B4-BE49-F238E27FC236}">
+                <a16:creationId xmlns:a16="http://schemas.microsoft.com/office/drawing/2014/main" id="{AC6920C6-17CA-464A-BA18-AC5D83CB420F}"/>
+              </a:ext>
+            </a:extLst>
+          </p:cNvPr>
+          <p:cNvSpPr>
+            <a:spLocks noGrp="1"/>
+          </p:cNvSpPr>
+          <p:nvPr>
+            <p:ph type="title"/>
+          </p:nvPr>
+        </p:nvSpPr>
+        <p:spPr/>
+        <p:txBody>
+          <a:bodyPr/>
+          <a:lstStyle/>
+          <a:p>
+            <a:r>
+              <a:rPr lang="en-US" dirty="0"/>
+              <a:t>Example 1: Socioeconomic environment</a:t>
+            </a:r>
+          </a:p>
+        </p:txBody>
+      </p:sp>
+      <p:sp>
+        <p:nvSpPr>
+          <p:cNvPr id="3" name="Content Placeholder 2">
+            <a:extLst>
+              <a:ext uri="{FF2B5EF4-FFF2-40B4-BE49-F238E27FC236}">
+                <a16:creationId xmlns:a16="http://schemas.microsoft.com/office/drawing/2014/main" id="{7B2641B2-A7FF-9A44-A8BD-894CD649B6D3}"/>
+              </a:ext>
+            </a:extLst>
+          </p:cNvPr>
+          <p:cNvSpPr>
+            <a:spLocks noGrp="1"/>
+          </p:cNvSpPr>
+          <p:nvPr>
+            <p:ph idx="1"/>
+          </p:nvPr>
+        </p:nvSpPr>
+        <p:spPr/>
+        <p:txBody>
+          <a:bodyPr/>
+          <a:lstStyle/>
+          <a:p>
             <a:r>
               <a:rPr lang="en-US" dirty="0"/>
               <a:t>Code available in </a:t>
@@ -7169,7 +7661,7 @@
 </p:sld>
 </file>
 
-<file path=ppt/slides/slide21.xml><?xml version="1.0" encoding="utf-8"?>
+<file path=ppt/slides/slide22.xml><?xml version="1.0" encoding="utf-8"?>
 <p:sld xmlns:a="http://schemas.openxmlformats.org/drawingml/2006/main" xmlns:r="http://schemas.openxmlformats.org/officeDocument/2006/relationships" xmlns:p="http://schemas.openxmlformats.org/presentationml/2006/main">
   <p:cSld>
     <p:spTree>
@@ -7256,7 +7748,7 @@
 </p:sld>
 </file>
 
-<file path=ppt/slides/slide22.xml><?xml version="1.0" encoding="utf-8"?>
+<file path=ppt/slides/slide23.xml><?xml version="1.0" encoding="utf-8"?>
 <p:sld xmlns:a="http://schemas.openxmlformats.org/drawingml/2006/main" xmlns:r="http://schemas.openxmlformats.org/officeDocument/2006/relationships" xmlns:p="http://schemas.openxmlformats.org/presentationml/2006/main">
   <p:cSld>
     <p:spTree>
@@ -7342,7 +7834,9 @@
             <a:endParaRPr lang="en-US" sz="3200" dirty="0"/>
           </a:p>
           <a:p>
-            <a:pPr lvl="1"/>
+            <a:pPr marL="457200" lvl="1" indent="0">
+              <a:buNone/>
+            </a:pPr>
             <a:r>
               <a:rPr lang="en-US" sz="3200" dirty="0"/>
               <a:t>Copy first page</a:t>
@@ -7374,10 +7868,12 @@
             <a:endParaRPr lang="en-US" sz="3200" dirty="0"/>
           </a:p>
           <a:p>
-            <a:pPr lvl="1"/>
+            <a:pPr marL="457200" lvl="1" indent="0">
+              <a:buNone/>
+            </a:pPr>
             <a:r>
               <a:rPr lang="en-US" sz="3200" dirty="0"/>
-              <a:t>Go to next page</a:t>
+              <a:t>Go to next page, next, …, last page</a:t>
             </a:r>
           </a:p>
           <a:p>
@@ -7402,7 +7898,7 @@
 </p:sld>
 </file>
 
-<file path=ppt/slides/slide23.xml><?xml version="1.0" encoding="utf-8"?>
+<file path=ppt/slides/slide24.xml><?xml version="1.0" encoding="utf-8"?>
 <p:sld xmlns:a="http://schemas.openxmlformats.org/drawingml/2006/main" xmlns:r="http://schemas.openxmlformats.org/officeDocument/2006/relationships" xmlns:p="http://schemas.openxmlformats.org/presentationml/2006/main">
   <p:cSld>
     <p:spTree>
@@ -7489,7 +7985,7 @@
 </p:sld>
 </file>
 
-<file path=ppt/slides/slide24.xml><?xml version="1.0" encoding="utf-8"?>
+<file path=ppt/slides/slide25.xml><?xml version="1.0" encoding="utf-8"?>
 <p:sld xmlns:a="http://schemas.openxmlformats.org/drawingml/2006/main" xmlns:r="http://schemas.openxmlformats.org/officeDocument/2006/relationships" xmlns:p="http://schemas.openxmlformats.org/presentationml/2006/main">
   <p:cSld>
     <p:spTree>
@@ -7626,7 +8122,7 @@
 </p:sld>
 </file>
 
-<file path=ppt/slides/slide25.xml><?xml version="1.0" encoding="utf-8"?>
+<file path=ppt/slides/slide26.xml><?xml version="1.0" encoding="utf-8"?>
 <p:sld xmlns:a="http://schemas.openxmlformats.org/drawingml/2006/main" xmlns:r="http://schemas.openxmlformats.org/officeDocument/2006/relationships" xmlns:p="http://schemas.openxmlformats.org/presentationml/2006/main">
   <p:cSld>
     <p:spTree>
@@ -7814,7 +8310,7 @@
 </p:sld>
 </file>
 
-<file path=ppt/slides/slide26.xml><?xml version="1.0" encoding="utf-8"?>
+<file path=ppt/slides/slide27.xml><?xml version="1.0" encoding="utf-8"?>
 <p:sld xmlns:a="http://schemas.openxmlformats.org/drawingml/2006/main" xmlns:r="http://schemas.openxmlformats.org/officeDocument/2006/relationships" xmlns:p="http://schemas.openxmlformats.org/presentationml/2006/main">
   <p:cSld>
     <p:spTree>
@@ -8053,7 +8549,7 @@
 </p:sld>
 </file>
 
-<file path=ppt/slides/slide27.xml><?xml version="1.0" encoding="utf-8"?>
+<file path=ppt/slides/slide28.xml><?xml version="1.0" encoding="utf-8"?>
 <p:sld xmlns:a="http://schemas.openxmlformats.org/drawingml/2006/main" xmlns:r="http://schemas.openxmlformats.org/officeDocument/2006/relationships" xmlns:p="http://schemas.openxmlformats.org/presentationml/2006/main">
   <p:cSld>
     <p:spTree>
@@ -8140,7 +8636,7 @@
 </p:sld>
 </file>
 
-<file path=ppt/slides/slide28.xml><?xml version="1.0" encoding="utf-8"?>
+<file path=ppt/slides/slide29.xml><?xml version="1.0" encoding="utf-8"?>
 <p:sld xmlns:a="http://schemas.openxmlformats.org/drawingml/2006/main" xmlns:r="http://schemas.openxmlformats.org/officeDocument/2006/relationships" xmlns:p="http://schemas.openxmlformats.org/presentationml/2006/main">
   <p:cSld>
     <p:spTree>
@@ -8329,441 +8825,6 @@
 </p:sld>
 </file>
 
-<file path=ppt/slides/slide29.xml><?xml version="1.0" encoding="utf-8"?>
-<p:sld xmlns:a="http://schemas.openxmlformats.org/drawingml/2006/main" xmlns:r="http://schemas.openxmlformats.org/officeDocument/2006/relationships" xmlns:p="http://schemas.openxmlformats.org/presentationml/2006/main">
-  <p:cSld>
-    <p:spTree>
-      <p:nvGrpSpPr>
-        <p:cNvPr id="1" name=""/>
-        <p:cNvGrpSpPr/>
-        <p:nvPr/>
-      </p:nvGrpSpPr>
-      <p:grpSpPr>
-        <a:xfrm>
-          <a:off x="0" y="0"/>
-          <a:ext cx="0" cy="0"/>
-          <a:chOff x="0" y="0"/>
-          <a:chExt cx="0" cy="0"/>
-        </a:xfrm>
-      </p:grpSpPr>
-      <p:sp>
-        <p:nvSpPr>
-          <p:cNvPr id="2" name="Title 1">
-            <a:extLst>
-              <a:ext uri="{FF2B5EF4-FFF2-40B4-BE49-F238E27FC236}">
-                <a16:creationId xmlns:a16="http://schemas.microsoft.com/office/drawing/2014/main" id="{A0718489-6BE2-4C41-98DE-037CA9C99986}"/>
-              </a:ext>
-            </a:extLst>
-          </p:cNvPr>
-          <p:cNvSpPr>
-            <a:spLocks noGrp="1"/>
-          </p:cNvSpPr>
-          <p:nvPr>
-            <p:ph type="title"/>
-          </p:nvPr>
-        </p:nvSpPr>
-        <p:spPr/>
-        <p:txBody>
-          <a:bodyPr/>
-          <a:lstStyle/>
-          <a:p>
-            <a:r>
-              <a:rPr lang="en-US" dirty="0"/>
-              <a:t>Example 1: Socioeconomic environment</a:t>
-            </a:r>
-          </a:p>
-        </p:txBody>
-      </p:sp>
-      <p:sp>
-        <p:nvSpPr>
-          <p:cNvPr id="3" name="Content Placeholder 2">
-            <a:extLst>
-              <a:ext uri="{FF2B5EF4-FFF2-40B4-BE49-F238E27FC236}">
-                <a16:creationId xmlns:a16="http://schemas.microsoft.com/office/drawing/2014/main" id="{2501C36F-342E-0E43-8439-EF2BAAAB7ABD}"/>
-              </a:ext>
-            </a:extLst>
-          </p:cNvPr>
-          <p:cNvSpPr>
-            <a:spLocks noGrp="1"/>
-          </p:cNvSpPr>
-          <p:nvPr>
-            <p:ph idx="1"/>
-          </p:nvPr>
-        </p:nvSpPr>
-        <p:spPr>
-          <a:xfrm>
-            <a:off x="339635" y="1825624"/>
-            <a:ext cx="11678194" cy="5032375"/>
-          </a:xfrm>
-        </p:spPr>
-        <p:txBody>
-          <a:bodyPr>
-            <a:normAutofit/>
-          </a:bodyPr>
-          <a:lstStyle/>
-          <a:p>
-            <a:pPr marL="0" indent="0">
-              <a:buNone/>
-            </a:pPr>
-            <a:r>
-              <a:rPr lang="en-US" sz="2400" b="1" dirty="0">
-                <a:latin typeface="Courier New" panose="02070309020205020404" pitchFamily="49" charset="0"/>
-                <a:cs typeface="Courier New" panose="02070309020205020404" pitchFamily="49" charset="0"/>
-              </a:rPr>
-              <a:t># Initialize data with first page</a:t>
-            </a:r>
-          </a:p>
-          <a:p>
-            <a:pPr marL="0" indent="0">
-              <a:buNone/>
-            </a:pPr>
-            <a:endParaRPr lang="en-US" sz="1800" dirty="0">
-              <a:latin typeface="Courier New" panose="02070309020205020404" pitchFamily="49" charset="0"/>
-              <a:cs typeface="Courier New" panose="02070309020205020404" pitchFamily="49" charset="0"/>
-            </a:endParaRPr>
-          </a:p>
-          <a:p>
-            <a:pPr marL="0" indent="0">
-              <a:buNone/>
-            </a:pPr>
-            <a:r>
-              <a:rPr lang="en-US" sz="1800" dirty="0" err="1">
-                <a:latin typeface="Courier New" panose="02070309020205020404" pitchFamily="49" charset="0"/>
-                <a:cs typeface="Courier New" panose="02070309020205020404" pitchFamily="49" charset="0"/>
-              </a:rPr>
-              <a:t>zip.df</a:t>
-            </a:r>
-            <a:r>
-              <a:rPr lang="en-US" sz="1800" dirty="0">
-                <a:latin typeface="Courier New" panose="02070309020205020404" pitchFamily="49" charset="0"/>
-                <a:cs typeface="Courier New" panose="02070309020205020404" pitchFamily="49" charset="0"/>
-              </a:rPr>
-              <a:t> &lt;- </a:t>
-            </a:r>
-            <a:r>
-              <a:rPr lang="en-US" sz="1800" b="1" dirty="0" err="1">
-                <a:solidFill>
-                  <a:srgbClr val="0070C0"/>
-                </a:solidFill>
-                <a:latin typeface="Courier New" panose="02070309020205020404" pitchFamily="49" charset="0"/>
-                <a:cs typeface="Courier New" panose="02070309020205020404" pitchFamily="49" charset="0"/>
-              </a:rPr>
-              <a:t>build.zip.df</a:t>
-            </a:r>
-            <a:r>
-              <a:rPr lang="en-US" sz="1800" dirty="0">
-                <a:latin typeface="Courier New" panose="02070309020205020404" pitchFamily="49" charset="0"/>
-                <a:cs typeface="Courier New" panose="02070309020205020404" pitchFamily="49" charset="0"/>
-              </a:rPr>
-              <a:t>("http://</a:t>
-            </a:r>
-            <a:r>
-              <a:rPr lang="en-US" sz="1800" dirty="0" err="1">
-                <a:latin typeface="Courier New" panose="02070309020205020404" pitchFamily="49" charset="0"/>
-                <a:cs typeface="Courier New" panose="02070309020205020404" pitchFamily="49" charset="0"/>
-              </a:rPr>
-              <a:t>zipatlas.com</a:t>
-            </a:r>
-            <a:r>
-              <a:rPr lang="en-US" sz="1800" dirty="0">
-                <a:latin typeface="Courier New" panose="02070309020205020404" pitchFamily="49" charset="0"/>
-                <a:cs typeface="Courier New" panose="02070309020205020404" pitchFamily="49" charset="0"/>
-              </a:rPr>
-              <a:t>/</a:t>
-            </a:r>
-            <a:r>
-              <a:rPr lang="en-US" sz="1800" dirty="0" err="1">
-                <a:latin typeface="Courier New" panose="02070309020205020404" pitchFamily="49" charset="0"/>
-                <a:cs typeface="Courier New" panose="02070309020205020404" pitchFamily="49" charset="0"/>
-              </a:rPr>
-              <a:t>wi</a:t>
-            </a:r>
-            <a:r>
-              <a:rPr lang="en-US" sz="1800" dirty="0">
-                <a:latin typeface="Courier New" panose="02070309020205020404" pitchFamily="49" charset="0"/>
-                <a:cs typeface="Courier New" panose="02070309020205020404" pitchFamily="49" charset="0"/>
-              </a:rPr>
-              <a:t>/population-below-poverty-</a:t>
-            </a:r>
-            <a:r>
-              <a:rPr lang="en-US" sz="1800" dirty="0" err="1">
-                <a:latin typeface="Courier New" panose="02070309020205020404" pitchFamily="49" charset="0"/>
-                <a:cs typeface="Courier New" panose="02070309020205020404" pitchFamily="49" charset="0"/>
-              </a:rPr>
-              <a:t>level.htm</a:t>
-            </a:r>
-            <a:r>
-              <a:rPr lang="en-US" sz="1800" dirty="0">
-                <a:latin typeface="Courier New" panose="02070309020205020404" pitchFamily="49" charset="0"/>
-                <a:cs typeface="Courier New" panose="02070309020205020404" pitchFamily="49" charset="0"/>
-              </a:rPr>
-              <a:t>")</a:t>
-            </a:r>
-          </a:p>
-          <a:p>
-            <a:pPr marL="0" indent="0">
-              <a:buNone/>
-            </a:pPr>
-            <a:endParaRPr lang="en-US" sz="1800" dirty="0">
-              <a:latin typeface="Courier New" panose="02070309020205020404" pitchFamily="49" charset="0"/>
-              <a:cs typeface="Courier New" panose="02070309020205020404" pitchFamily="49" charset="0"/>
-            </a:endParaRPr>
-          </a:p>
-          <a:p>
-            <a:pPr marL="0" indent="0">
-              <a:buNone/>
-            </a:pPr>
-            <a:r>
-              <a:rPr lang="en-US" sz="2400" b="1" dirty="0">
-                <a:latin typeface="Courier New" panose="02070309020205020404" pitchFamily="49" charset="0"/>
-                <a:cs typeface="Courier New" panose="02070309020205020404" pitchFamily="49" charset="0"/>
-              </a:rPr>
-              <a:t># Loop through rest of pages</a:t>
-            </a:r>
-          </a:p>
-          <a:p>
-            <a:pPr marL="0" indent="0">
-              <a:buNone/>
-            </a:pPr>
-            <a:endParaRPr lang="en-US" sz="1800" dirty="0">
-              <a:latin typeface="Courier New" panose="02070309020205020404" pitchFamily="49" charset="0"/>
-              <a:cs typeface="Courier New" panose="02070309020205020404" pitchFamily="49" charset="0"/>
-            </a:endParaRPr>
-          </a:p>
-          <a:p>
-            <a:pPr marL="0" indent="0">
-              <a:buNone/>
-            </a:pPr>
-            <a:r>
-              <a:rPr lang="en-US" sz="2400" b="1" dirty="0">
-                <a:solidFill>
-                  <a:srgbClr val="0070C0"/>
-                </a:solidFill>
-                <a:latin typeface="Courier New" panose="02070309020205020404" pitchFamily="49" charset="0"/>
-                <a:cs typeface="Courier New" panose="02070309020205020404" pitchFamily="49" charset="0"/>
-              </a:rPr>
-              <a:t>for</a:t>
-            </a:r>
-            <a:r>
-              <a:rPr lang="en-US" sz="2400" dirty="0">
-                <a:latin typeface="Courier New" panose="02070309020205020404" pitchFamily="49" charset="0"/>
-                <a:cs typeface="Courier New" panose="02070309020205020404" pitchFamily="49" charset="0"/>
-              </a:rPr>
-              <a:t>(</a:t>
-            </a:r>
-            <a:r>
-              <a:rPr lang="en-US" sz="2400" dirty="0" err="1">
-                <a:latin typeface="Courier New" panose="02070309020205020404" pitchFamily="49" charset="0"/>
-                <a:cs typeface="Courier New" panose="02070309020205020404" pitchFamily="49" charset="0"/>
-              </a:rPr>
-              <a:t>i</a:t>
-            </a:r>
-            <a:r>
-              <a:rPr lang="en-US" sz="2400" dirty="0">
-                <a:latin typeface="Courier New" panose="02070309020205020404" pitchFamily="49" charset="0"/>
-                <a:cs typeface="Courier New" panose="02070309020205020404" pitchFamily="49" charset="0"/>
-              </a:rPr>
-              <a:t> in 2:8) {</a:t>
-            </a:r>
-          </a:p>
-          <a:p>
-            <a:pPr marL="0" indent="0">
-              <a:buNone/>
-            </a:pPr>
-            <a:r>
-              <a:rPr lang="en-US" sz="2400" dirty="0">
-                <a:latin typeface="Courier New" panose="02070309020205020404" pitchFamily="49" charset="0"/>
-                <a:cs typeface="Courier New" panose="02070309020205020404" pitchFamily="49" charset="0"/>
-              </a:rPr>
-              <a:t>  link &lt;- </a:t>
-            </a:r>
-            <a:r>
-              <a:rPr lang="en-US" sz="2400" b="1" dirty="0">
-                <a:solidFill>
-                  <a:srgbClr val="0070C0"/>
-                </a:solidFill>
-                <a:latin typeface="Courier New" panose="02070309020205020404" pitchFamily="49" charset="0"/>
-                <a:cs typeface="Courier New" panose="02070309020205020404" pitchFamily="49" charset="0"/>
-              </a:rPr>
-              <a:t>paste0</a:t>
-            </a:r>
-            <a:r>
-              <a:rPr lang="en-US" sz="2400" dirty="0">
-                <a:latin typeface="Courier New" panose="02070309020205020404" pitchFamily="49" charset="0"/>
-                <a:cs typeface="Courier New" panose="02070309020205020404" pitchFamily="49" charset="0"/>
-              </a:rPr>
-              <a:t>(”[BASE URL]", </a:t>
-            </a:r>
-            <a:r>
-              <a:rPr lang="en-US" sz="2400" dirty="0" err="1">
-                <a:latin typeface="Courier New" panose="02070309020205020404" pitchFamily="49" charset="0"/>
-                <a:cs typeface="Courier New" panose="02070309020205020404" pitchFamily="49" charset="0"/>
-              </a:rPr>
-              <a:t>i</a:t>
-            </a:r>
-            <a:r>
-              <a:rPr lang="en-US" sz="2400" dirty="0">
-                <a:latin typeface="Courier New" panose="02070309020205020404" pitchFamily="49" charset="0"/>
-                <a:cs typeface="Courier New" panose="02070309020205020404" pitchFamily="49" charset="0"/>
-              </a:rPr>
-              <a:t>, ".</a:t>
-            </a:r>
-            <a:r>
-              <a:rPr lang="en-US" sz="2400" dirty="0" err="1">
-                <a:latin typeface="Courier New" panose="02070309020205020404" pitchFamily="49" charset="0"/>
-                <a:cs typeface="Courier New" panose="02070309020205020404" pitchFamily="49" charset="0"/>
-              </a:rPr>
-              <a:t>htm</a:t>
-            </a:r>
-            <a:r>
-              <a:rPr lang="en-US" sz="2400" dirty="0">
-                <a:latin typeface="Courier New" panose="02070309020205020404" pitchFamily="49" charset="0"/>
-                <a:cs typeface="Courier New" panose="02070309020205020404" pitchFamily="49" charset="0"/>
-              </a:rPr>
-              <a:t>") </a:t>
-            </a:r>
-          </a:p>
-          <a:p>
-            <a:pPr marL="0" indent="0">
-              <a:buNone/>
-            </a:pPr>
-            <a:r>
-              <a:rPr lang="en-US" sz="2400" dirty="0">
-                <a:latin typeface="Courier New" panose="02070309020205020404" pitchFamily="49" charset="0"/>
-                <a:cs typeface="Courier New" panose="02070309020205020404" pitchFamily="49" charset="0"/>
-              </a:rPr>
-              <a:t>  </a:t>
-            </a:r>
-            <a:r>
-              <a:rPr lang="en-US" sz="2400" dirty="0" err="1">
-                <a:latin typeface="Courier New" panose="02070309020205020404" pitchFamily="49" charset="0"/>
-                <a:cs typeface="Courier New" panose="02070309020205020404" pitchFamily="49" charset="0"/>
-              </a:rPr>
-              <a:t>tmp</a:t>
-            </a:r>
-            <a:r>
-              <a:rPr lang="en-US" sz="2400" dirty="0">
-                <a:latin typeface="Courier New" panose="02070309020205020404" pitchFamily="49" charset="0"/>
-                <a:cs typeface="Courier New" panose="02070309020205020404" pitchFamily="49" charset="0"/>
-              </a:rPr>
-              <a:t> &lt;- </a:t>
-            </a:r>
-            <a:r>
-              <a:rPr lang="en-US" sz="2400" b="1" dirty="0" err="1">
-                <a:solidFill>
-                  <a:srgbClr val="0070C0"/>
-                </a:solidFill>
-                <a:latin typeface="Courier New" panose="02070309020205020404" pitchFamily="49" charset="0"/>
-                <a:cs typeface="Courier New" panose="02070309020205020404" pitchFamily="49" charset="0"/>
-              </a:rPr>
-              <a:t>build.zip.df</a:t>
-            </a:r>
-            <a:r>
-              <a:rPr lang="en-US" sz="2400" dirty="0">
-                <a:latin typeface="Courier New" panose="02070309020205020404" pitchFamily="49" charset="0"/>
-                <a:cs typeface="Courier New" panose="02070309020205020404" pitchFamily="49" charset="0"/>
-              </a:rPr>
-              <a:t>(link)</a:t>
-            </a:r>
-          </a:p>
-          <a:p>
-            <a:pPr marL="0" indent="0">
-              <a:buNone/>
-            </a:pPr>
-            <a:r>
-              <a:rPr lang="en-US" sz="2400" dirty="0">
-                <a:latin typeface="Courier New" panose="02070309020205020404" pitchFamily="49" charset="0"/>
-                <a:cs typeface="Courier New" panose="02070309020205020404" pitchFamily="49" charset="0"/>
-              </a:rPr>
-              <a:t>  </a:t>
-            </a:r>
-            <a:r>
-              <a:rPr lang="en-US" sz="2400" dirty="0" err="1">
-                <a:latin typeface="Courier New" panose="02070309020205020404" pitchFamily="49" charset="0"/>
-                <a:cs typeface="Courier New" panose="02070309020205020404" pitchFamily="49" charset="0"/>
-              </a:rPr>
-              <a:t>zip.df</a:t>
-            </a:r>
-            <a:r>
-              <a:rPr lang="en-US" sz="2400" dirty="0">
-                <a:latin typeface="Courier New" panose="02070309020205020404" pitchFamily="49" charset="0"/>
-                <a:cs typeface="Courier New" panose="02070309020205020404" pitchFamily="49" charset="0"/>
-              </a:rPr>
-              <a:t> &lt;- </a:t>
-            </a:r>
-            <a:r>
-              <a:rPr lang="en-US" sz="2400" b="1" dirty="0" err="1">
-                <a:solidFill>
-                  <a:srgbClr val="0070C0"/>
-                </a:solidFill>
-                <a:latin typeface="Courier New" panose="02070309020205020404" pitchFamily="49" charset="0"/>
-                <a:cs typeface="Courier New" panose="02070309020205020404" pitchFamily="49" charset="0"/>
-              </a:rPr>
-              <a:t>bind_rows</a:t>
-            </a:r>
-            <a:r>
-              <a:rPr lang="en-US" sz="2400" dirty="0">
-                <a:latin typeface="Courier New" panose="02070309020205020404" pitchFamily="49" charset="0"/>
-                <a:cs typeface="Courier New" panose="02070309020205020404" pitchFamily="49" charset="0"/>
-              </a:rPr>
-              <a:t>(</a:t>
-            </a:r>
-            <a:r>
-              <a:rPr lang="en-US" sz="2400" dirty="0" err="1">
-                <a:latin typeface="Courier New" panose="02070309020205020404" pitchFamily="49" charset="0"/>
-                <a:cs typeface="Courier New" panose="02070309020205020404" pitchFamily="49" charset="0"/>
-              </a:rPr>
-              <a:t>zip.df</a:t>
-            </a:r>
-            <a:r>
-              <a:rPr lang="en-US" sz="2400" dirty="0">
-                <a:latin typeface="Courier New" panose="02070309020205020404" pitchFamily="49" charset="0"/>
-                <a:cs typeface="Courier New" panose="02070309020205020404" pitchFamily="49" charset="0"/>
-              </a:rPr>
-              <a:t>, </a:t>
-            </a:r>
-            <a:r>
-              <a:rPr lang="en-US" sz="2400" dirty="0" err="1">
-                <a:latin typeface="Courier New" panose="02070309020205020404" pitchFamily="49" charset="0"/>
-                <a:cs typeface="Courier New" panose="02070309020205020404" pitchFamily="49" charset="0"/>
-              </a:rPr>
-              <a:t>tmp</a:t>
-            </a:r>
-            <a:r>
-              <a:rPr lang="en-US" sz="2400" dirty="0">
-                <a:latin typeface="Courier New" panose="02070309020205020404" pitchFamily="49" charset="0"/>
-                <a:cs typeface="Courier New" panose="02070309020205020404" pitchFamily="49" charset="0"/>
-              </a:rPr>
-              <a:t>)</a:t>
-            </a:r>
-          </a:p>
-          <a:p>
-            <a:pPr marL="0" indent="0">
-              <a:buNone/>
-            </a:pPr>
-            <a:r>
-              <a:rPr lang="en-US" sz="2400" dirty="0">
-                <a:latin typeface="Courier New" panose="02070309020205020404" pitchFamily="49" charset="0"/>
-                <a:cs typeface="Courier New" panose="02070309020205020404" pitchFamily="49" charset="0"/>
-              </a:rPr>
-              <a:t>}</a:t>
-            </a:r>
-          </a:p>
-        </p:txBody>
-      </p:sp>
-    </p:spTree>
-    <p:extLst>
-      <p:ext uri="{BB962C8B-B14F-4D97-AF65-F5344CB8AC3E}">
-        <p14:creationId xmlns:p14="http://schemas.microsoft.com/office/powerpoint/2010/main" val="379112084"/>
-      </p:ext>
-    </p:extLst>
-  </p:cSld>
-  <p:clrMapOvr>
-    <a:masterClrMapping/>
-  </p:clrMapOvr>
-</p:sld>
-</file>
-
 <file path=ppt/slides/slide3.xml><?xml version="1.0" encoding="utf-8"?>
 <p:sld xmlns:a="http://schemas.openxmlformats.org/drawingml/2006/main" xmlns:r="http://schemas.openxmlformats.org/officeDocument/2006/relationships" xmlns:p="http://schemas.openxmlformats.org/presentationml/2006/main">
   <p:cSld>
@@ -8896,6 +8957,932 @@
           <p:cNvPr id="2" name="Title 1">
             <a:extLst>
               <a:ext uri="{FF2B5EF4-FFF2-40B4-BE49-F238E27FC236}">
+                <a16:creationId xmlns:a16="http://schemas.microsoft.com/office/drawing/2014/main" id="{C933B5CA-F87B-3547-BCF6-B0143C0A4898}"/>
+              </a:ext>
+            </a:extLst>
+          </p:cNvPr>
+          <p:cNvSpPr>
+            <a:spLocks noGrp="1"/>
+          </p:cNvSpPr>
+          <p:nvPr>
+            <p:ph type="title"/>
+          </p:nvPr>
+        </p:nvSpPr>
+        <p:spPr/>
+        <p:txBody>
+          <a:bodyPr/>
+          <a:lstStyle/>
+          <a:p>
+            <a:r>
+              <a:rPr lang="en-US" dirty="0"/>
+              <a:t>Review function</a:t>
+            </a:r>
+          </a:p>
+        </p:txBody>
+      </p:sp>
+      <p:sp>
+        <p:nvSpPr>
+          <p:cNvPr id="3" name="Content Placeholder 2">
+            <a:extLst>
+              <a:ext uri="{FF2B5EF4-FFF2-40B4-BE49-F238E27FC236}">
+                <a16:creationId xmlns:a16="http://schemas.microsoft.com/office/drawing/2014/main" id="{E8449D4B-F168-7B40-94C6-3762DC377149}"/>
+              </a:ext>
+            </a:extLst>
+          </p:cNvPr>
+          <p:cNvSpPr>
+            <a:spLocks noGrp="1"/>
+          </p:cNvSpPr>
+          <p:nvPr>
+            <p:ph idx="1"/>
+          </p:nvPr>
+        </p:nvSpPr>
+        <p:spPr>
+          <a:xfrm>
+            <a:off x="838200" y="1825625"/>
+            <a:ext cx="10515600" cy="4797244"/>
+          </a:xfrm>
+        </p:spPr>
+        <p:txBody>
+          <a:bodyPr>
+            <a:normAutofit fontScale="62500" lnSpcReduction="20000"/>
+          </a:bodyPr>
+          <a:lstStyle/>
+          <a:p>
+            <a:pPr marL="0" indent="0">
+              <a:buNone/>
+            </a:pPr>
+            <a:r>
+              <a:rPr lang="en-US" dirty="0" err="1">
+                <a:latin typeface="Courier New" panose="02070309020205020404" pitchFamily="49" charset="0"/>
+                <a:cs typeface="Courier New" panose="02070309020205020404" pitchFamily="49" charset="0"/>
+              </a:rPr>
+              <a:t>build.zip.df</a:t>
+            </a:r>
+            <a:r>
+              <a:rPr lang="en-US" dirty="0">
+                <a:latin typeface="Courier New" panose="02070309020205020404" pitchFamily="49" charset="0"/>
+                <a:cs typeface="Courier New" panose="02070309020205020404" pitchFamily="49" charset="0"/>
+              </a:rPr>
+              <a:t> &lt;- function(x) {</a:t>
+            </a:r>
+          </a:p>
+          <a:p>
+            <a:pPr marL="0" indent="0">
+              <a:buNone/>
+            </a:pPr>
+            <a:endParaRPr lang="en-US" dirty="0">
+              <a:latin typeface="Courier New" panose="02070309020205020404" pitchFamily="49" charset="0"/>
+              <a:cs typeface="Courier New" panose="02070309020205020404" pitchFamily="49" charset="0"/>
+            </a:endParaRPr>
+          </a:p>
+          <a:p>
+            <a:pPr marL="0" indent="0">
+              <a:buNone/>
+            </a:pPr>
+            <a:r>
+              <a:rPr lang="en-US" dirty="0">
+                <a:latin typeface="Courier New" panose="02070309020205020404" pitchFamily="49" charset="0"/>
+                <a:cs typeface="Courier New" panose="02070309020205020404" pitchFamily="49" charset="0"/>
+              </a:rPr>
+              <a:t>  </a:t>
+            </a:r>
+            <a:r>
+              <a:rPr lang="en-US" dirty="0" err="1">
+                <a:latin typeface="Courier New" panose="02070309020205020404" pitchFamily="49" charset="0"/>
+                <a:cs typeface="Courier New" panose="02070309020205020404" pitchFamily="49" charset="0"/>
+              </a:rPr>
+              <a:t>tmp</a:t>
+            </a:r>
+            <a:r>
+              <a:rPr lang="en-US" dirty="0">
+                <a:latin typeface="Courier New" panose="02070309020205020404" pitchFamily="49" charset="0"/>
+                <a:cs typeface="Courier New" panose="02070309020205020404" pitchFamily="49" charset="0"/>
+              </a:rPr>
+              <a:t> &lt;- </a:t>
+            </a:r>
+            <a:r>
+              <a:rPr lang="en-US" b="1" dirty="0" err="1">
+                <a:solidFill>
+                  <a:srgbClr val="0070C0"/>
+                </a:solidFill>
+                <a:latin typeface="Courier New" panose="02070309020205020404" pitchFamily="49" charset="0"/>
+                <a:cs typeface="Courier New" panose="02070309020205020404" pitchFamily="49" charset="0"/>
+              </a:rPr>
+              <a:t>read_html</a:t>
+            </a:r>
+            <a:r>
+              <a:rPr lang="en-US" dirty="0">
+                <a:latin typeface="Courier New" panose="02070309020205020404" pitchFamily="49" charset="0"/>
+                <a:cs typeface="Courier New" panose="02070309020205020404" pitchFamily="49" charset="0"/>
+              </a:rPr>
+              <a:t>(x) %&gt;%</a:t>
+            </a:r>
+          </a:p>
+          <a:p>
+            <a:pPr marL="0" indent="0">
+              <a:buNone/>
+            </a:pPr>
+            <a:r>
+              <a:rPr lang="en-US" dirty="0">
+                <a:latin typeface="Courier New" panose="02070309020205020404" pitchFamily="49" charset="0"/>
+                <a:cs typeface="Courier New" panose="02070309020205020404" pitchFamily="49" charset="0"/>
+              </a:rPr>
+              <a:t>    </a:t>
+            </a:r>
+            <a:r>
+              <a:rPr lang="en-US" b="1" dirty="0" err="1">
+                <a:solidFill>
+                  <a:srgbClr val="0070C0"/>
+                </a:solidFill>
+                <a:latin typeface="Courier New" panose="02070309020205020404" pitchFamily="49" charset="0"/>
+                <a:cs typeface="Courier New" panose="02070309020205020404" pitchFamily="49" charset="0"/>
+              </a:rPr>
+              <a:t>html_node</a:t>
+            </a:r>
+            <a:r>
+              <a:rPr lang="en-US" dirty="0">
+                <a:latin typeface="Courier New" panose="02070309020205020404" pitchFamily="49" charset="0"/>
+                <a:cs typeface="Courier New" panose="02070309020205020404" pitchFamily="49" charset="0"/>
+              </a:rPr>
+              <a:t>("table") %&gt;%</a:t>
+            </a:r>
+          </a:p>
+          <a:p>
+            <a:pPr marL="0" indent="0">
+              <a:buNone/>
+            </a:pPr>
+            <a:r>
+              <a:rPr lang="en-US" dirty="0">
+                <a:latin typeface="Courier New" panose="02070309020205020404" pitchFamily="49" charset="0"/>
+                <a:cs typeface="Courier New" panose="02070309020205020404" pitchFamily="49" charset="0"/>
+              </a:rPr>
+              <a:t>    </a:t>
+            </a:r>
+            <a:r>
+              <a:rPr lang="en-US" b="1" dirty="0" err="1">
+                <a:solidFill>
+                  <a:srgbClr val="0070C0"/>
+                </a:solidFill>
+                <a:latin typeface="Courier New" panose="02070309020205020404" pitchFamily="49" charset="0"/>
+                <a:cs typeface="Courier New" panose="02070309020205020404" pitchFamily="49" charset="0"/>
+              </a:rPr>
+              <a:t>html_table</a:t>
+            </a:r>
+            <a:r>
+              <a:rPr lang="en-US" dirty="0">
+                <a:latin typeface="Courier New" panose="02070309020205020404" pitchFamily="49" charset="0"/>
+                <a:cs typeface="Courier New" panose="02070309020205020404" pitchFamily="49" charset="0"/>
+              </a:rPr>
+              <a:t>(fill=TRUE)</a:t>
+            </a:r>
+          </a:p>
+          <a:p>
+            <a:pPr marL="0" indent="0">
+              <a:buNone/>
+            </a:pPr>
+            <a:endParaRPr lang="en-US" dirty="0">
+              <a:latin typeface="Courier New" panose="02070309020205020404" pitchFamily="49" charset="0"/>
+              <a:cs typeface="Courier New" panose="02070309020205020404" pitchFamily="49" charset="0"/>
+            </a:endParaRPr>
+          </a:p>
+          <a:p>
+            <a:pPr marL="0" indent="0">
+              <a:buNone/>
+            </a:pPr>
+            <a:r>
+              <a:rPr lang="en-US" dirty="0">
+                <a:latin typeface="Courier New" panose="02070309020205020404" pitchFamily="49" charset="0"/>
+                <a:cs typeface="Courier New" panose="02070309020205020404" pitchFamily="49" charset="0"/>
+              </a:rPr>
+              <a:t>  </a:t>
+            </a:r>
+            <a:r>
+              <a:rPr lang="en-US" b="1" dirty="0">
+                <a:latin typeface="Courier New" panose="02070309020205020404" pitchFamily="49" charset="0"/>
+                <a:cs typeface="Courier New" panose="02070309020205020404" pitchFamily="49" charset="0"/>
+              </a:rPr>
+              <a:t># Clean up junk in the table</a:t>
+            </a:r>
+          </a:p>
+          <a:p>
+            <a:pPr marL="0" indent="0">
+              <a:buNone/>
+            </a:pPr>
+            <a:r>
+              <a:rPr lang="en-US" b="1" dirty="0">
+                <a:latin typeface="Courier New" panose="02070309020205020404" pitchFamily="49" charset="0"/>
+                <a:cs typeface="Courier New" panose="02070309020205020404" pitchFamily="49" charset="0"/>
+              </a:rPr>
+              <a:t>  </a:t>
+            </a:r>
+            <a:r>
+              <a:rPr lang="en-US" dirty="0" err="1">
+                <a:latin typeface="Courier New" panose="02070309020205020404" pitchFamily="49" charset="0"/>
+                <a:cs typeface="Courier New" panose="02070309020205020404" pitchFamily="49" charset="0"/>
+              </a:rPr>
+              <a:t>tmp</a:t>
+            </a:r>
+            <a:r>
+              <a:rPr lang="en-US" dirty="0">
+                <a:latin typeface="Courier New" panose="02070309020205020404" pitchFamily="49" charset="0"/>
+                <a:cs typeface="Courier New" panose="02070309020205020404" pitchFamily="49" charset="0"/>
+              </a:rPr>
+              <a:t> &lt;- </a:t>
+            </a:r>
+            <a:r>
+              <a:rPr lang="en-US" dirty="0" err="1">
+                <a:latin typeface="Courier New" panose="02070309020205020404" pitchFamily="49" charset="0"/>
+                <a:cs typeface="Courier New" panose="02070309020205020404" pitchFamily="49" charset="0"/>
+              </a:rPr>
+              <a:t>tmp</a:t>
+            </a:r>
+            <a:r>
+              <a:rPr lang="en-US" dirty="0">
+                <a:latin typeface="Courier New" panose="02070309020205020404" pitchFamily="49" charset="0"/>
+                <a:cs typeface="Courier New" panose="02070309020205020404" pitchFamily="49" charset="0"/>
+              </a:rPr>
+              <a:t>[1:7]</a:t>
+            </a:r>
+          </a:p>
+          <a:p>
+            <a:pPr marL="0" indent="0">
+              <a:buNone/>
+            </a:pPr>
+            <a:r>
+              <a:rPr lang="en-US" dirty="0">
+                <a:latin typeface="Courier New" panose="02070309020205020404" pitchFamily="49" charset="0"/>
+                <a:cs typeface="Courier New" panose="02070309020205020404" pitchFamily="49" charset="0"/>
+              </a:rPr>
+              <a:t>  </a:t>
+            </a:r>
+            <a:r>
+              <a:rPr lang="en-US" dirty="0" err="1">
+                <a:latin typeface="Courier New" panose="02070309020205020404" pitchFamily="49" charset="0"/>
+                <a:cs typeface="Courier New" panose="02070309020205020404" pitchFamily="49" charset="0"/>
+              </a:rPr>
+              <a:t>tmp</a:t>
+            </a:r>
+            <a:r>
+              <a:rPr lang="en-US" dirty="0">
+                <a:latin typeface="Courier New" panose="02070309020205020404" pitchFamily="49" charset="0"/>
+                <a:cs typeface="Courier New" panose="02070309020205020404" pitchFamily="49" charset="0"/>
+              </a:rPr>
+              <a:t> &lt;- </a:t>
+            </a:r>
+            <a:r>
+              <a:rPr lang="en-US" dirty="0" err="1">
+                <a:latin typeface="Courier New" panose="02070309020205020404" pitchFamily="49" charset="0"/>
+                <a:cs typeface="Courier New" panose="02070309020205020404" pitchFamily="49" charset="0"/>
+              </a:rPr>
+              <a:t>tmp</a:t>
+            </a:r>
+            <a:r>
+              <a:rPr lang="en-US" dirty="0">
+                <a:latin typeface="Courier New" panose="02070309020205020404" pitchFamily="49" charset="0"/>
+                <a:cs typeface="Courier New" panose="02070309020205020404" pitchFamily="49" charset="0"/>
+              </a:rPr>
+              <a:t>[-c(1:12), ]</a:t>
+            </a:r>
+          </a:p>
+          <a:p>
+            <a:pPr marL="0" indent="0">
+              <a:buNone/>
+            </a:pPr>
+            <a:r>
+              <a:rPr lang="en-US" dirty="0">
+                <a:latin typeface="Courier New" panose="02070309020205020404" pitchFamily="49" charset="0"/>
+                <a:cs typeface="Courier New" panose="02070309020205020404" pitchFamily="49" charset="0"/>
+              </a:rPr>
+              <a:t>  names(</a:t>
+            </a:r>
+            <a:r>
+              <a:rPr lang="en-US" dirty="0" err="1">
+                <a:latin typeface="Courier New" panose="02070309020205020404" pitchFamily="49" charset="0"/>
+                <a:cs typeface="Courier New" panose="02070309020205020404" pitchFamily="49" charset="0"/>
+              </a:rPr>
+              <a:t>tmp</a:t>
+            </a:r>
+            <a:r>
+              <a:rPr lang="en-US" dirty="0">
+                <a:latin typeface="Courier New" panose="02070309020205020404" pitchFamily="49" charset="0"/>
+                <a:cs typeface="Courier New" panose="02070309020205020404" pitchFamily="49" charset="0"/>
+              </a:rPr>
+              <a:t>) &lt;- </a:t>
+            </a:r>
+            <a:r>
+              <a:rPr lang="en-US" dirty="0" err="1">
+                <a:latin typeface="Courier New" panose="02070309020205020404" pitchFamily="49" charset="0"/>
+                <a:cs typeface="Courier New" panose="02070309020205020404" pitchFamily="49" charset="0"/>
+              </a:rPr>
+              <a:t>tmp</a:t>
+            </a:r>
+            <a:r>
+              <a:rPr lang="en-US" dirty="0">
+                <a:latin typeface="Courier New" panose="02070309020205020404" pitchFamily="49" charset="0"/>
+                <a:cs typeface="Courier New" panose="02070309020205020404" pitchFamily="49" charset="0"/>
+              </a:rPr>
+              <a:t>[1, ]</a:t>
+            </a:r>
+          </a:p>
+          <a:p>
+            <a:pPr marL="0" indent="0">
+              <a:buNone/>
+            </a:pPr>
+            <a:r>
+              <a:rPr lang="en-US" dirty="0">
+                <a:latin typeface="Courier New" panose="02070309020205020404" pitchFamily="49" charset="0"/>
+                <a:cs typeface="Courier New" panose="02070309020205020404" pitchFamily="49" charset="0"/>
+              </a:rPr>
+              <a:t>  </a:t>
+            </a:r>
+            <a:r>
+              <a:rPr lang="en-US" dirty="0" err="1">
+                <a:latin typeface="Courier New" panose="02070309020205020404" pitchFamily="49" charset="0"/>
+                <a:cs typeface="Courier New" panose="02070309020205020404" pitchFamily="49" charset="0"/>
+              </a:rPr>
+              <a:t>tmp</a:t>
+            </a:r>
+            <a:r>
+              <a:rPr lang="en-US" dirty="0">
+                <a:latin typeface="Courier New" panose="02070309020205020404" pitchFamily="49" charset="0"/>
+                <a:cs typeface="Courier New" panose="02070309020205020404" pitchFamily="49" charset="0"/>
+              </a:rPr>
+              <a:t> &lt;- </a:t>
+            </a:r>
+            <a:r>
+              <a:rPr lang="en-US" dirty="0" err="1">
+                <a:latin typeface="Courier New" panose="02070309020205020404" pitchFamily="49" charset="0"/>
+                <a:cs typeface="Courier New" panose="02070309020205020404" pitchFamily="49" charset="0"/>
+              </a:rPr>
+              <a:t>tmp</a:t>
+            </a:r>
+            <a:r>
+              <a:rPr lang="en-US" dirty="0">
+                <a:latin typeface="Courier New" panose="02070309020205020404" pitchFamily="49" charset="0"/>
+                <a:cs typeface="Courier New" panose="02070309020205020404" pitchFamily="49" charset="0"/>
+              </a:rPr>
+              <a:t>[-1, ]</a:t>
+            </a:r>
+          </a:p>
+          <a:p>
+            <a:pPr marL="0" indent="0">
+              <a:buNone/>
+            </a:pPr>
+            <a:r>
+              <a:rPr lang="en-US" dirty="0">
+                <a:latin typeface="Courier New" panose="02070309020205020404" pitchFamily="49" charset="0"/>
+                <a:cs typeface="Courier New" panose="02070309020205020404" pitchFamily="49" charset="0"/>
+              </a:rPr>
+              <a:t>  </a:t>
+            </a:r>
+            <a:r>
+              <a:rPr lang="en-US" dirty="0" err="1">
+                <a:latin typeface="Courier New" panose="02070309020205020404" pitchFamily="49" charset="0"/>
+                <a:cs typeface="Courier New" panose="02070309020205020404" pitchFamily="49" charset="0"/>
+              </a:rPr>
+              <a:t>tmp</a:t>
+            </a:r>
+            <a:r>
+              <a:rPr lang="en-US" dirty="0">
+                <a:latin typeface="Courier New" panose="02070309020205020404" pitchFamily="49" charset="0"/>
+                <a:cs typeface="Courier New" panose="02070309020205020404" pitchFamily="49" charset="0"/>
+              </a:rPr>
+              <a:t> &lt;- </a:t>
+            </a:r>
+            <a:r>
+              <a:rPr lang="en-US" dirty="0" err="1">
+                <a:latin typeface="Courier New" panose="02070309020205020404" pitchFamily="49" charset="0"/>
+                <a:cs typeface="Courier New" panose="02070309020205020404" pitchFamily="49" charset="0"/>
+              </a:rPr>
+              <a:t>tmp</a:t>
+            </a:r>
+            <a:r>
+              <a:rPr lang="en-US" dirty="0">
+                <a:latin typeface="Courier New" panose="02070309020205020404" pitchFamily="49" charset="0"/>
+                <a:cs typeface="Courier New" panose="02070309020205020404" pitchFamily="49" charset="0"/>
+              </a:rPr>
+              <a:t>[-c(101:105), ]</a:t>
+            </a:r>
+          </a:p>
+          <a:p>
+            <a:pPr marL="0" indent="0">
+              <a:buNone/>
+            </a:pPr>
+            <a:endParaRPr lang="en-US" dirty="0">
+              <a:latin typeface="Courier New" panose="02070309020205020404" pitchFamily="49" charset="0"/>
+              <a:cs typeface="Courier New" panose="02070309020205020404" pitchFamily="49" charset="0"/>
+            </a:endParaRPr>
+          </a:p>
+          <a:p>
+            <a:pPr marL="0" indent="0">
+              <a:buNone/>
+            </a:pPr>
+            <a:r>
+              <a:rPr lang="en-US" dirty="0">
+                <a:latin typeface="Courier New" panose="02070309020205020404" pitchFamily="49" charset="0"/>
+                <a:cs typeface="Courier New" panose="02070309020205020404" pitchFamily="49" charset="0"/>
+              </a:rPr>
+              <a:t>  return(</a:t>
+            </a:r>
+            <a:r>
+              <a:rPr lang="en-US" dirty="0" err="1">
+                <a:latin typeface="Courier New" panose="02070309020205020404" pitchFamily="49" charset="0"/>
+                <a:cs typeface="Courier New" panose="02070309020205020404" pitchFamily="49" charset="0"/>
+              </a:rPr>
+              <a:t>tmp</a:t>
+            </a:r>
+            <a:r>
+              <a:rPr lang="en-US" dirty="0">
+                <a:latin typeface="Courier New" panose="02070309020205020404" pitchFamily="49" charset="0"/>
+                <a:cs typeface="Courier New" panose="02070309020205020404" pitchFamily="49" charset="0"/>
+              </a:rPr>
+              <a:t>)</a:t>
+            </a:r>
+          </a:p>
+          <a:p>
+            <a:pPr marL="0" indent="0">
+              <a:buNone/>
+            </a:pPr>
+            <a:r>
+              <a:rPr lang="en-US" dirty="0">
+                <a:latin typeface="Courier New" panose="02070309020205020404" pitchFamily="49" charset="0"/>
+                <a:cs typeface="Courier New" panose="02070309020205020404" pitchFamily="49" charset="0"/>
+              </a:rPr>
+              <a:t>}</a:t>
+            </a:r>
+          </a:p>
+        </p:txBody>
+      </p:sp>
+    </p:spTree>
+    <p:extLst>
+      <p:ext uri="{BB962C8B-B14F-4D97-AF65-F5344CB8AC3E}">
+        <p14:creationId xmlns:p14="http://schemas.microsoft.com/office/powerpoint/2010/main" val="3029877573"/>
+      </p:ext>
+    </p:extLst>
+  </p:cSld>
+  <p:clrMapOvr>
+    <a:masterClrMapping/>
+  </p:clrMapOvr>
+</p:sld>
+</file>
+
+<file path=ppt/slides/slide31.xml><?xml version="1.0" encoding="utf-8"?>
+<p:sld xmlns:a="http://schemas.openxmlformats.org/drawingml/2006/main" xmlns:r="http://schemas.openxmlformats.org/officeDocument/2006/relationships" xmlns:p="http://schemas.openxmlformats.org/presentationml/2006/main">
+  <p:cSld>
+    <p:spTree>
+      <p:nvGrpSpPr>
+        <p:cNvPr id="1" name=""/>
+        <p:cNvGrpSpPr/>
+        <p:nvPr/>
+      </p:nvGrpSpPr>
+      <p:grpSpPr>
+        <a:xfrm>
+          <a:off x="0" y="0"/>
+          <a:ext cx="0" cy="0"/>
+          <a:chOff x="0" y="0"/>
+          <a:chExt cx="0" cy="0"/>
+        </a:xfrm>
+      </p:grpSpPr>
+      <p:sp>
+        <p:nvSpPr>
+          <p:cNvPr id="2" name="Title 1">
+            <a:extLst>
+              <a:ext uri="{FF2B5EF4-FFF2-40B4-BE49-F238E27FC236}">
+                <a16:creationId xmlns:a16="http://schemas.microsoft.com/office/drawing/2014/main" id="{A0718489-6BE2-4C41-98DE-037CA9C99986}"/>
+              </a:ext>
+            </a:extLst>
+          </p:cNvPr>
+          <p:cNvSpPr>
+            <a:spLocks noGrp="1"/>
+          </p:cNvSpPr>
+          <p:nvPr>
+            <p:ph type="title"/>
+          </p:nvPr>
+        </p:nvSpPr>
+        <p:spPr/>
+        <p:txBody>
+          <a:bodyPr/>
+          <a:lstStyle/>
+          <a:p>
+            <a:r>
+              <a:rPr lang="en-US" dirty="0"/>
+              <a:t>Example 1: Socioeconomic environment</a:t>
+            </a:r>
+          </a:p>
+        </p:txBody>
+      </p:sp>
+      <p:sp>
+        <p:nvSpPr>
+          <p:cNvPr id="3" name="Content Placeholder 2">
+            <a:extLst>
+              <a:ext uri="{FF2B5EF4-FFF2-40B4-BE49-F238E27FC236}">
+                <a16:creationId xmlns:a16="http://schemas.microsoft.com/office/drawing/2014/main" id="{2501C36F-342E-0E43-8439-EF2BAAAB7ABD}"/>
+              </a:ext>
+            </a:extLst>
+          </p:cNvPr>
+          <p:cNvSpPr>
+            <a:spLocks noGrp="1"/>
+          </p:cNvSpPr>
+          <p:nvPr>
+            <p:ph idx="1"/>
+          </p:nvPr>
+        </p:nvSpPr>
+        <p:spPr>
+          <a:xfrm>
+            <a:off x="339635" y="1825624"/>
+            <a:ext cx="11678194" cy="5032375"/>
+          </a:xfrm>
+        </p:spPr>
+        <p:txBody>
+          <a:bodyPr>
+            <a:normAutofit/>
+          </a:bodyPr>
+          <a:lstStyle/>
+          <a:p>
+            <a:pPr marL="0" indent="0">
+              <a:buNone/>
+            </a:pPr>
+            <a:r>
+              <a:rPr lang="en-US" sz="2400" b="1" dirty="0">
+                <a:latin typeface="Courier New" panose="02070309020205020404" pitchFamily="49" charset="0"/>
+                <a:cs typeface="Courier New" panose="02070309020205020404" pitchFamily="49" charset="0"/>
+              </a:rPr>
+              <a:t># Initialize data with first page</a:t>
+            </a:r>
+          </a:p>
+          <a:p>
+            <a:pPr marL="0" indent="0">
+              <a:buNone/>
+            </a:pPr>
+            <a:endParaRPr lang="en-US" sz="1800" dirty="0">
+              <a:latin typeface="Courier New" panose="02070309020205020404" pitchFamily="49" charset="0"/>
+              <a:cs typeface="Courier New" panose="02070309020205020404" pitchFamily="49" charset="0"/>
+            </a:endParaRPr>
+          </a:p>
+          <a:p>
+            <a:pPr marL="0" indent="0">
+              <a:buNone/>
+            </a:pPr>
+            <a:r>
+              <a:rPr lang="en-US" sz="1800" dirty="0" err="1">
+                <a:latin typeface="Courier New" panose="02070309020205020404" pitchFamily="49" charset="0"/>
+                <a:cs typeface="Courier New" panose="02070309020205020404" pitchFamily="49" charset="0"/>
+              </a:rPr>
+              <a:t>zip.df</a:t>
+            </a:r>
+            <a:r>
+              <a:rPr lang="en-US" sz="1800" dirty="0">
+                <a:latin typeface="Courier New" panose="02070309020205020404" pitchFamily="49" charset="0"/>
+                <a:cs typeface="Courier New" panose="02070309020205020404" pitchFamily="49" charset="0"/>
+              </a:rPr>
+              <a:t> &lt;- </a:t>
+            </a:r>
+            <a:r>
+              <a:rPr lang="en-US" sz="1800" b="1" dirty="0" err="1">
+                <a:solidFill>
+                  <a:srgbClr val="0070C0"/>
+                </a:solidFill>
+                <a:latin typeface="Courier New" panose="02070309020205020404" pitchFamily="49" charset="0"/>
+                <a:cs typeface="Courier New" panose="02070309020205020404" pitchFamily="49" charset="0"/>
+              </a:rPr>
+              <a:t>build.zip.df</a:t>
+            </a:r>
+            <a:r>
+              <a:rPr lang="en-US" sz="1800" dirty="0">
+                <a:latin typeface="Courier New" panose="02070309020205020404" pitchFamily="49" charset="0"/>
+                <a:cs typeface="Courier New" panose="02070309020205020404" pitchFamily="49" charset="0"/>
+              </a:rPr>
+              <a:t>("http://</a:t>
+            </a:r>
+            <a:r>
+              <a:rPr lang="en-US" sz="1800" dirty="0" err="1">
+                <a:latin typeface="Courier New" panose="02070309020205020404" pitchFamily="49" charset="0"/>
+                <a:cs typeface="Courier New" panose="02070309020205020404" pitchFamily="49" charset="0"/>
+              </a:rPr>
+              <a:t>zipatlas.com</a:t>
+            </a:r>
+            <a:r>
+              <a:rPr lang="en-US" sz="1800" dirty="0">
+                <a:latin typeface="Courier New" panose="02070309020205020404" pitchFamily="49" charset="0"/>
+                <a:cs typeface="Courier New" panose="02070309020205020404" pitchFamily="49" charset="0"/>
+              </a:rPr>
+              <a:t>/</a:t>
+            </a:r>
+            <a:r>
+              <a:rPr lang="en-US" sz="1800" dirty="0" err="1">
+                <a:latin typeface="Courier New" panose="02070309020205020404" pitchFamily="49" charset="0"/>
+                <a:cs typeface="Courier New" panose="02070309020205020404" pitchFamily="49" charset="0"/>
+              </a:rPr>
+              <a:t>wi</a:t>
+            </a:r>
+            <a:r>
+              <a:rPr lang="en-US" sz="1800" dirty="0">
+                <a:latin typeface="Courier New" panose="02070309020205020404" pitchFamily="49" charset="0"/>
+                <a:cs typeface="Courier New" panose="02070309020205020404" pitchFamily="49" charset="0"/>
+              </a:rPr>
+              <a:t>/population-below-poverty-</a:t>
+            </a:r>
+            <a:r>
+              <a:rPr lang="en-US" sz="1800" dirty="0" err="1">
+                <a:latin typeface="Courier New" panose="02070309020205020404" pitchFamily="49" charset="0"/>
+                <a:cs typeface="Courier New" panose="02070309020205020404" pitchFamily="49" charset="0"/>
+              </a:rPr>
+              <a:t>level.htm</a:t>
+            </a:r>
+            <a:r>
+              <a:rPr lang="en-US" sz="1800" dirty="0">
+                <a:latin typeface="Courier New" panose="02070309020205020404" pitchFamily="49" charset="0"/>
+                <a:cs typeface="Courier New" panose="02070309020205020404" pitchFamily="49" charset="0"/>
+              </a:rPr>
+              <a:t>")</a:t>
+            </a:r>
+          </a:p>
+          <a:p>
+            <a:pPr marL="0" indent="0">
+              <a:buNone/>
+            </a:pPr>
+            <a:endParaRPr lang="en-US" sz="1800" dirty="0">
+              <a:latin typeface="Courier New" panose="02070309020205020404" pitchFamily="49" charset="0"/>
+              <a:cs typeface="Courier New" panose="02070309020205020404" pitchFamily="49" charset="0"/>
+            </a:endParaRPr>
+          </a:p>
+          <a:p>
+            <a:pPr marL="0" indent="0">
+              <a:buNone/>
+            </a:pPr>
+            <a:r>
+              <a:rPr lang="en-US" sz="2400" b="1" dirty="0">
+                <a:latin typeface="Courier New" panose="02070309020205020404" pitchFamily="49" charset="0"/>
+                <a:cs typeface="Courier New" panose="02070309020205020404" pitchFamily="49" charset="0"/>
+              </a:rPr>
+              <a:t># Loop through rest of pages</a:t>
+            </a:r>
+          </a:p>
+          <a:p>
+            <a:pPr marL="0" indent="0">
+              <a:buNone/>
+            </a:pPr>
+            <a:endParaRPr lang="en-US" sz="1800" dirty="0">
+              <a:latin typeface="Courier New" panose="02070309020205020404" pitchFamily="49" charset="0"/>
+              <a:cs typeface="Courier New" panose="02070309020205020404" pitchFamily="49" charset="0"/>
+            </a:endParaRPr>
+          </a:p>
+          <a:p>
+            <a:pPr marL="0" indent="0">
+              <a:buNone/>
+            </a:pPr>
+            <a:r>
+              <a:rPr lang="en-US" sz="2400" b="1" dirty="0">
+                <a:solidFill>
+                  <a:srgbClr val="0070C0"/>
+                </a:solidFill>
+                <a:latin typeface="Courier New" panose="02070309020205020404" pitchFamily="49" charset="0"/>
+                <a:cs typeface="Courier New" panose="02070309020205020404" pitchFamily="49" charset="0"/>
+              </a:rPr>
+              <a:t>for</a:t>
+            </a:r>
+            <a:r>
+              <a:rPr lang="en-US" sz="2400" dirty="0">
+                <a:latin typeface="Courier New" panose="02070309020205020404" pitchFamily="49" charset="0"/>
+                <a:cs typeface="Courier New" panose="02070309020205020404" pitchFamily="49" charset="0"/>
+              </a:rPr>
+              <a:t>(</a:t>
+            </a:r>
+            <a:r>
+              <a:rPr lang="en-US" sz="2400" dirty="0" err="1">
+                <a:latin typeface="Courier New" panose="02070309020205020404" pitchFamily="49" charset="0"/>
+                <a:cs typeface="Courier New" panose="02070309020205020404" pitchFamily="49" charset="0"/>
+              </a:rPr>
+              <a:t>i</a:t>
+            </a:r>
+            <a:r>
+              <a:rPr lang="en-US" sz="2400" dirty="0">
+                <a:latin typeface="Courier New" panose="02070309020205020404" pitchFamily="49" charset="0"/>
+                <a:cs typeface="Courier New" panose="02070309020205020404" pitchFamily="49" charset="0"/>
+              </a:rPr>
+              <a:t> in 2:8) {</a:t>
+            </a:r>
+          </a:p>
+          <a:p>
+            <a:pPr marL="0" indent="0">
+              <a:buNone/>
+            </a:pPr>
+            <a:r>
+              <a:rPr lang="en-US" sz="2400" dirty="0">
+                <a:latin typeface="Courier New" panose="02070309020205020404" pitchFamily="49" charset="0"/>
+                <a:cs typeface="Courier New" panose="02070309020205020404" pitchFamily="49" charset="0"/>
+              </a:rPr>
+              <a:t>  link &lt;- </a:t>
+            </a:r>
+            <a:r>
+              <a:rPr lang="en-US" sz="2400" b="1" dirty="0">
+                <a:solidFill>
+                  <a:srgbClr val="0070C0"/>
+                </a:solidFill>
+                <a:latin typeface="Courier New" panose="02070309020205020404" pitchFamily="49" charset="0"/>
+                <a:cs typeface="Courier New" panose="02070309020205020404" pitchFamily="49" charset="0"/>
+              </a:rPr>
+              <a:t>paste0</a:t>
+            </a:r>
+            <a:r>
+              <a:rPr lang="en-US" sz="2400" dirty="0">
+                <a:latin typeface="Courier New" panose="02070309020205020404" pitchFamily="49" charset="0"/>
+                <a:cs typeface="Courier New" panose="02070309020205020404" pitchFamily="49" charset="0"/>
+              </a:rPr>
+              <a:t>(”[BASE URL]", </a:t>
+            </a:r>
+            <a:r>
+              <a:rPr lang="en-US" sz="2400" dirty="0" err="1">
+                <a:latin typeface="Courier New" panose="02070309020205020404" pitchFamily="49" charset="0"/>
+                <a:cs typeface="Courier New" panose="02070309020205020404" pitchFamily="49" charset="0"/>
+              </a:rPr>
+              <a:t>i</a:t>
+            </a:r>
+            <a:r>
+              <a:rPr lang="en-US" sz="2400" dirty="0">
+                <a:latin typeface="Courier New" panose="02070309020205020404" pitchFamily="49" charset="0"/>
+                <a:cs typeface="Courier New" panose="02070309020205020404" pitchFamily="49" charset="0"/>
+              </a:rPr>
+              <a:t>, ".</a:t>
+            </a:r>
+            <a:r>
+              <a:rPr lang="en-US" sz="2400" dirty="0" err="1">
+                <a:latin typeface="Courier New" panose="02070309020205020404" pitchFamily="49" charset="0"/>
+                <a:cs typeface="Courier New" panose="02070309020205020404" pitchFamily="49" charset="0"/>
+              </a:rPr>
+              <a:t>htm</a:t>
+            </a:r>
+            <a:r>
+              <a:rPr lang="en-US" sz="2400" dirty="0">
+                <a:latin typeface="Courier New" panose="02070309020205020404" pitchFamily="49" charset="0"/>
+                <a:cs typeface="Courier New" panose="02070309020205020404" pitchFamily="49" charset="0"/>
+              </a:rPr>
+              <a:t>") </a:t>
+            </a:r>
+          </a:p>
+          <a:p>
+            <a:pPr marL="0" indent="0">
+              <a:buNone/>
+            </a:pPr>
+            <a:r>
+              <a:rPr lang="en-US" sz="2400" dirty="0">
+                <a:latin typeface="Courier New" panose="02070309020205020404" pitchFamily="49" charset="0"/>
+                <a:cs typeface="Courier New" panose="02070309020205020404" pitchFamily="49" charset="0"/>
+              </a:rPr>
+              <a:t>  </a:t>
+            </a:r>
+            <a:r>
+              <a:rPr lang="en-US" sz="2400" dirty="0" err="1">
+                <a:latin typeface="Courier New" panose="02070309020205020404" pitchFamily="49" charset="0"/>
+                <a:cs typeface="Courier New" panose="02070309020205020404" pitchFamily="49" charset="0"/>
+              </a:rPr>
+              <a:t>tmp</a:t>
+            </a:r>
+            <a:r>
+              <a:rPr lang="en-US" sz="2400" dirty="0">
+                <a:latin typeface="Courier New" panose="02070309020205020404" pitchFamily="49" charset="0"/>
+                <a:cs typeface="Courier New" panose="02070309020205020404" pitchFamily="49" charset="0"/>
+              </a:rPr>
+              <a:t> &lt;- </a:t>
+            </a:r>
+            <a:r>
+              <a:rPr lang="en-US" sz="2400" b="1" dirty="0" err="1">
+                <a:solidFill>
+                  <a:srgbClr val="0070C0"/>
+                </a:solidFill>
+                <a:latin typeface="Courier New" panose="02070309020205020404" pitchFamily="49" charset="0"/>
+                <a:cs typeface="Courier New" panose="02070309020205020404" pitchFamily="49" charset="0"/>
+              </a:rPr>
+              <a:t>build.zip.df</a:t>
+            </a:r>
+            <a:r>
+              <a:rPr lang="en-US" sz="2400" dirty="0">
+                <a:latin typeface="Courier New" panose="02070309020205020404" pitchFamily="49" charset="0"/>
+                <a:cs typeface="Courier New" panose="02070309020205020404" pitchFamily="49" charset="0"/>
+              </a:rPr>
+              <a:t>(link)</a:t>
+            </a:r>
+          </a:p>
+          <a:p>
+            <a:pPr marL="0" indent="0">
+              <a:buNone/>
+            </a:pPr>
+            <a:r>
+              <a:rPr lang="en-US" sz="2400" dirty="0">
+                <a:latin typeface="Courier New" panose="02070309020205020404" pitchFamily="49" charset="0"/>
+                <a:cs typeface="Courier New" panose="02070309020205020404" pitchFamily="49" charset="0"/>
+              </a:rPr>
+              <a:t>  </a:t>
+            </a:r>
+            <a:r>
+              <a:rPr lang="en-US" sz="2400" dirty="0" err="1">
+                <a:latin typeface="Courier New" panose="02070309020205020404" pitchFamily="49" charset="0"/>
+                <a:cs typeface="Courier New" panose="02070309020205020404" pitchFamily="49" charset="0"/>
+              </a:rPr>
+              <a:t>zip.df</a:t>
+            </a:r>
+            <a:r>
+              <a:rPr lang="en-US" sz="2400" dirty="0">
+                <a:latin typeface="Courier New" panose="02070309020205020404" pitchFamily="49" charset="0"/>
+                <a:cs typeface="Courier New" panose="02070309020205020404" pitchFamily="49" charset="0"/>
+              </a:rPr>
+              <a:t> &lt;- </a:t>
+            </a:r>
+            <a:r>
+              <a:rPr lang="en-US" sz="2400" b="1" dirty="0" err="1">
+                <a:solidFill>
+                  <a:srgbClr val="0070C0"/>
+                </a:solidFill>
+                <a:latin typeface="Courier New" panose="02070309020205020404" pitchFamily="49" charset="0"/>
+                <a:cs typeface="Courier New" panose="02070309020205020404" pitchFamily="49" charset="0"/>
+              </a:rPr>
+              <a:t>bind_rows</a:t>
+            </a:r>
+            <a:r>
+              <a:rPr lang="en-US" sz="2400" dirty="0">
+                <a:latin typeface="Courier New" panose="02070309020205020404" pitchFamily="49" charset="0"/>
+                <a:cs typeface="Courier New" panose="02070309020205020404" pitchFamily="49" charset="0"/>
+              </a:rPr>
+              <a:t>(</a:t>
+            </a:r>
+            <a:r>
+              <a:rPr lang="en-US" sz="2400" dirty="0" err="1">
+                <a:latin typeface="Courier New" panose="02070309020205020404" pitchFamily="49" charset="0"/>
+                <a:cs typeface="Courier New" panose="02070309020205020404" pitchFamily="49" charset="0"/>
+              </a:rPr>
+              <a:t>zip.df</a:t>
+            </a:r>
+            <a:r>
+              <a:rPr lang="en-US" sz="2400" dirty="0">
+                <a:latin typeface="Courier New" panose="02070309020205020404" pitchFamily="49" charset="0"/>
+                <a:cs typeface="Courier New" panose="02070309020205020404" pitchFamily="49" charset="0"/>
+              </a:rPr>
+              <a:t>, </a:t>
+            </a:r>
+            <a:r>
+              <a:rPr lang="en-US" sz="2400" dirty="0" err="1">
+                <a:latin typeface="Courier New" panose="02070309020205020404" pitchFamily="49" charset="0"/>
+                <a:cs typeface="Courier New" panose="02070309020205020404" pitchFamily="49" charset="0"/>
+              </a:rPr>
+              <a:t>tmp</a:t>
+            </a:r>
+            <a:r>
+              <a:rPr lang="en-US" sz="2400" dirty="0">
+                <a:latin typeface="Courier New" panose="02070309020205020404" pitchFamily="49" charset="0"/>
+                <a:cs typeface="Courier New" panose="02070309020205020404" pitchFamily="49" charset="0"/>
+              </a:rPr>
+              <a:t>)</a:t>
+            </a:r>
+          </a:p>
+          <a:p>
+            <a:pPr marL="0" indent="0">
+              <a:buNone/>
+            </a:pPr>
+            <a:r>
+              <a:rPr lang="en-US" sz="2400" dirty="0">
+                <a:latin typeface="Courier New" panose="02070309020205020404" pitchFamily="49" charset="0"/>
+                <a:cs typeface="Courier New" panose="02070309020205020404" pitchFamily="49" charset="0"/>
+              </a:rPr>
+              <a:t>}</a:t>
+            </a:r>
+          </a:p>
+        </p:txBody>
+      </p:sp>
+    </p:spTree>
+    <p:extLst>
+      <p:ext uri="{BB962C8B-B14F-4D97-AF65-F5344CB8AC3E}">
+        <p14:creationId xmlns:p14="http://schemas.microsoft.com/office/powerpoint/2010/main" val="379112084"/>
+      </p:ext>
+    </p:extLst>
+  </p:cSld>
+  <p:clrMapOvr>
+    <a:masterClrMapping/>
+  </p:clrMapOvr>
+</p:sld>
+</file>
+
+<file path=ppt/slides/slide32.xml><?xml version="1.0" encoding="utf-8"?>
+<p:sld xmlns:a="http://schemas.openxmlformats.org/drawingml/2006/main" xmlns:r="http://schemas.openxmlformats.org/officeDocument/2006/relationships" xmlns:p="http://schemas.openxmlformats.org/presentationml/2006/main">
+  <p:cSld>
+    <p:spTree>
+      <p:nvGrpSpPr>
+        <p:cNvPr id="1" name=""/>
+        <p:cNvGrpSpPr/>
+        <p:nvPr/>
+      </p:nvGrpSpPr>
+      <p:grpSpPr>
+        <a:xfrm>
+          <a:off x="0" y="0"/>
+          <a:ext cx="0" cy="0"/>
+          <a:chOff x="0" y="0"/>
+          <a:chExt cx="0" cy="0"/>
+        </a:xfrm>
+      </p:grpSpPr>
+      <p:sp>
+        <p:nvSpPr>
+          <p:cNvPr id="2" name="Title 1">
+            <a:extLst>
+              <a:ext uri="{FF2B5EF4-FFF2-40B4-BE49-F238E27FC236}">
                 <a16:creationId xmlns:a16="http://schemas.microsoft.com/office/drawing/2014/main" id="{A0718489-6BE2-4C41-98DE-037CA9C99986}"/>
               </a:ext>
             </a:extLst>
@@ -9361,7 +10348,7 @@
 </p:sld>
 </file>
 
-<file path=ppt/slides/slide31.xml><?xml version="1.0" encoding="utf-8"?>
+<file path=ppt/slides/slide33.xml><?xml version="1.0" encoding="utf-8"?>
 <p:sld xmlns:a="http://schemas.openxmlformats.org/drawingml/2006/main" xmlns:r="http://schemas.openxmlformats.org/officeDocument/2006/relationships" xmlns:p="http://schemas.openxmlformats.org/presentationml/2006/main">
   <p:cSld>
     <p:spTree>
@@ -9448,231 +10435,6 @@
 </p:sld>
 </file>
 
-<file path=ppt/slides/slide32.xml><?xml version="1.0" encoding="utf-8"?>
-<p:sld xmlns:a="http://schemas.openxmlformats.org/drawingml/2006/main" xmlns:r="http://schemas.openxmlformats.org/officeDocument/2006/relationships" xmlns:p="http://schemas.openxmlformats.org/presentationml/2006/main">
-  <p:cSld>
-    <p:spTree>
-      <p:nvGrpSpPr>
-        <p:cNvPr id="1" name=""/>
-        <p:cNvGrpSpPr/>
-        <p:nvPr/>
-      </p:nvGrpSpPr>
-      <p:grpSpPr>
-        <a:xfrm>
-          <a:off x="0" y="0"/>
-          <a:ext cx="0" cy="0"/>
-          <a:chOff x="0" y="0"/>
-          <a:chExt cx="0" cy="0"/>
-        </a:xfrm>
-      </p:grpSpPr>
-      <p:sp>
-        <p:nvSpPr>
-          <p:cNvPr id="2" name="Title 1">
-            <a:extLst>
-              <a:ext uri="{FF2B5EF4-FFF2-40B4-BE49-F238E27FC236}">
-                <a16:creationId xmlns:a16="http://schemas.microsoft.com/office/drawing/2014/main" id="{53BBE950-EC70-0343-A5F0-14F27FFF3452}"/>
-              </a:ext>
-            </a:extLst>
-          </p:cNvPr>
-          <p:cNvSpPr>
-            <a:spLocks noGrp="1"/>
-          </p:cNvSpPr>
-          <p:nvPr>
-            <p:ph type="title"/>
-          </p:nvPr>
-        </p:nvSpPr>
-        <p:spPr/>
-        <p:txBody>
-          <a:bodyPr/>
-          <a:lstStyle/>
-          <a:p>
-            <a:r>
-              <a:rPr lang="en-US" dirty="0"/>
-              <a:t>Example 2: Access to healthy food</a:t>
-            </a:r>
-          </a:p>
-        </p:txBody>
-      </p:sp>
-      <p:sp>
-        <p:nvSpPr>
-          <p:cNvPr id="4" name="Content Placeholder 3">
-            <a:extLst>
-              <a:ext uri="{FF2B5EF4-FFF2-40B4-BE49-F238E27FC236}">
-                <a16:creationId xmlns:a16="http://schemas.microsoft.com/office/drawing/2014/main" id="{E7A266DF-8BF9-FC49-94CB-EA602816ED60}"/>
-              </a:ext>
-            </a:extLst>
-          </p:cNvPr>
-          <p:cNvSpPr>
-            <a:spLocks noGrp="1"/>
-          </p:cNvSpPr>
-          <p:nvPr>
-            <p:ph idx="1"/>
-          </p:nvPr>
-        </p:nvSpPr>
-        <p:spPr/>
-        <p:txBody>
-          <a:bodyPr/>
-          <a:lstStyle/>
-          <a:p>
-            <a:endParaRPr lang="en-US" dirty="0"/>
-          </a:p>
-        </p:txBody>
-      </p:sp>
-    </p:spTree>
-    <p:extLst>
-      <p:ext uri="{BB962C8B-B14F-4D97-AF65-F5344CB8AC3E}">
-        <p14:creationId xmlns:p14="http://schemas.microsoft.com/office/powerpoint/2010/main" val="3194181380"/>
-      </p:ext>
-    </p:extLst>
-  </p:cSld>
-  <p:clrMapOvr>
-    <a:masterClrMapping/>
-  </p:clrMapOvr>
-</p:sld>
-</file>
-
-<file path=ppt/slides/slide33.xml><?xml version="1.0" encoding="utf-8"?>
-<p:sld xmlns:a="http://schemas.openxmlformats.org/drawingml/2006/main" xmlns:r="http://schemas.openxmlformats.org/officeDocument/2006/relationships" xmlns:p="http://schemas.openxmlformats.org/presentationml/2006/main">
-  <p:cSld>
-    <p:spTree>
-      <p:nvGrpSpPr>
-        <p:cNvPr id="1" name=""/>
-        <p:cNvGrpSpPr/>
-        <p:nvPr/>
-      </p:nvGrpSpPr>
-      <p:grpSpPr>
-        <a:xfrm>
-          <a:off x="0" y="0"/>
-          <a:ext cx="0" cy="0"/>
-          <a:chOff x="0" y="0"/>
-          <a:chExt cx="0" cy="0"/>
-        </a:xfrm>
-      </p:grpSpPr>
-      <p:sp>
-        <p:nvSpPr>
-          <p:cNvPr id="2" name="Title 1">
-            <a:extLst>
-              <a:ext uri="{FF2B5EF4-FFF2-40B4-BE49-F238E27FC236}">
-                <a16:creationId xmlns:a16="http://schemas.microsoft.com/office/drawing/2014/main" id="{53BBE950-EC70-0343-A5F0-14F27FFF3452}"/>
-              </a:ext>
-            </a:extLst>
-          </p:cNvPr>
-          <p:cNvSpPr>
-            <a:spLocks noGrp="1"/>
-          </p:cNvSpPr>
-          <p:nvPr>
-            <p:ph type="title"/>
-          </p:nvPr>
-        </p:nvSpPr>
-        <p:spPr/>
-        <p:txBody>
-          <a:bodyPr/>
-          <a:lstStyle/>
-          <a:p>
-            <a:r>
-              <a:rPr lang="en-US" dirty="0"/>
-              <a:t>Example 2: Access to healthy food</a:t>
-            </a:r>
-          </a:p>
-        </p:txBody>
-      </p:sp>
-      <p:sp>
-        <p:nvSpPr>
-          <p:cNvPr id="4" name="Content Placeholder 3">
-            <a:extLst>
-              <a:ext uri="{FF2B5EF4-FFF2-40B4-BE49-F238E27FC236}">
-                <a16:creationId xmlns:a16="http://schemas.microsoft.com/office/drawing/2014/main" id="{E7A266DF-8BF9-FC49-94CB-EA602816ED60}"/>
-              </a:ext>
-            </a:extLst>
-          </p:cNvPr>
-          <p:cNvSpPr>
-            <a:spLocks noGrp="1"/>
-          </p:cNvSpPr>
-          <p:nvPr>
-            <p:ph idx="1"/>
-          </p:nvPr>
-        </p:nvSpPr>
-        <p:spPr>
-          <a:xfrm>
-            <a:off x="838200" y="1825625"/>
-            <a:ext cx="10515600" cy="4588238"/>
-          </a:xfrm>
-        </p:spPr>
-        <p:txBody>
-          <a:bodyPr>
-            <a:normAutofit/>
-          </a:bodyPr>
-          <a:lstStyle/>
-          <a:p>
-            <a:pPr marL="0" indent="0">
-              <a:buNone/>
-            </a:pPr>
-            <a:r>
-              <a:rPr lang="en-US" sz="4000" dirty="0"/>
-              <a:t>Find nearby healthy food sources</a:t>
-            </a:r>
-          </a:p>
-          <a:p>
-            <a:pPr lvl="1"/>
-            <a:endParaRPr lang="en-US" sz="3600" dirty="0"/>
-          </a:p>
-          <a:p>
-            <a:pPr lvl="1"/>
-            <a:r>
-              <a:rPr lang="en-US" sz="3600" dirty="0"/>
-              <a:t>Get list of coop grocery stores</a:t>
-            </a:r>
-          </a:p>
-          <a:p>
-            <a:pPr lvl="1"/>
-            <a:r>
-              <a:rPr lang="en-US" sz="3600" dirty="0"/>
-              <a:t>Get location</a:t>
-            </a:r>
-          </a:p>
-          <a:p>
-            <a:pPr lvl="2"/>
-            <a:r>
-              <a:rPr lang="en-US" sz="3200" dirty="0"/>
-              <a:t>Address</a:t>
-            </a:r>
-          </a:p>
-          <a:p>
-            <a:pPr lvl="2"/>
-            <a:r>
-              <a:rPr lang="en-US" sz="3200" dirty="0"/>
-              <a:t>Lat/Lon</a:t>
-            </a:r>
-          </a:p>
-          <a:p>
-            <a:pPr lvl="1"/>
-            <a:endParaRPr lang="en-US" sz="3600" dirty="0"/>
-          </a:p>
-          <a:p>
-            <a:pPr lvl="1"/>
-            <a:r>
-              <a:rPr lang="en-US" sz="3600" dirty="0"/>
-              <a:t>Get other information</a:t>
-            </a:r>
-          </a:p>
-          <a:p>
-            <a:endParaRPr lang="en-US" dirty="0"/>
-          </a:p>
-        </p:txBody>
-      </p:sp>
-    </p:spTree>
-    <p:extLst>
-      <p:ext uri="{BB962C8B-B14F-4D97-AF65-F5344CB8AC3E}">
-        <p14:creationId xmlns:p14="http://schemas.microsoft.com/office/powerpoint/2010/main" val="207194121"/>
-      </p:ext>
-    </p:extLst>
-  </p:cSld>
-  <p:clrMapOvr>
-    <a:masterClrMapping/>
-  </p:clrMapOvr>
-</p:sld>
-</file>
-
 <file path=ppt/slides/slide34.xml><?xml version="1.0" encoding="utf-8"?>
 <p:sld xmlns:a="http://schemas.openxmlformats.org/drawingml/2006/main" xmlns:r="http://schemas.openxmlformats.org/officeDocument/2006/relationships" xmlns:p="http://schemas.openxmlformats.org/presentationml/2006/main">
   <p:cSld>
@@ -9695,7 +10457,7 @@
           <p:cNvPr id="2" name="Title 1">
             <a:extLst>
               <a:ext uri="{FF2B5EF4-FFF2-40B4-BE49-F238E27FC236}">
-                <a16:creationId xmlns:a16="http://schemas.microsoft.com/office/drawing/2014/main" id="{2B5934A2-1E62-CE4C-BF30-052DF513E151}"/>
+                <a16:creationId xmlns:a16="http://schemas.microsoft.com/office/drawing/2014/main" id="{53BBE950-EC70-0343-A5F0-14F27FFF3452}"/>
               </a:ext>
             </a:extLst>
           </p:cNvPr>
@@ -9712,27 +10474,26 @@
           <a:lstStyle/>
           <a:p>
             <a:r>
-              <a:rPr lang="en-US"/>
-              <a:t>A very tedious way</a:t>
-            </a:r>
-            <a:endParaRPr lang="en-US" dirty="0"/>
-          </a:p>
-        </p:txBody>
-      </p:sp>
-      <p:sp>
-        <p:nvSpPr>
-          <p:cNvPr id="3" name="Content Placeholder 2">
-            <a:extLst>
-              <a:ext uri="{FF2B5EF4-FFF2-40B4-BE49-F238E27FC236}">
-                <a16:creationId xmlns:a16="http://schemas.microsoft.com/office/drawing/2014/main" id="{350A330E-8255-7C4A-9F0B-F616A640918B}"/>
-              </a:ext>
-            </a:extLst>
-          </p:cNvPr>
-          <p:cNvSpPr>
-            <a:spLocks noGrp="1"/>
-          </p:cNvSpPr>
-          <p:nvPr>
-            <p:ph sz="half" idx="1"/>
+              <a:rPr lang="en-US" dirty="0"/>
+              <a:t>Example 2: Access to healthy food</a:t>
+            </a:r>
+          </a:p>
+        </p:txBody>
+      </p:sp>
+      <p:sp>
+        <p:nvSpPr>
+          <p:cNvPr id="4" name="Content Placeholder 3">
+            <a:extLst>
+              <a:ext uri="{FF2B5EF4-FFF2-40B4-BE49-F238E27FC236}">
+                <a16:creationId xmlns:a16="http://schemas.microsoft.com/office/drawing/2014/main" id="{E7A266DF-8BF9-FC49-94CB-EA602816ED60}"/>
+              </a:ext>
+            </a:extLst>
+          </p:cNvPr>
+          <p:cNvSpPr>
+            <a:spLocks noGrp="1"/>
+          </p:cNvSpPr>
+          <p:nvPr>
+            <p:ph idx="1"/>
           </p:nvPr>
         </p:nvSpPr>
         <p:spPr/>
@@ -9740,9 +10501,234 @@
           <a:bodyPr/>
           <a:lstStyle/>
           <a:p>
-            <a:r>
-              <a:rPr lang="en-US" dirty="0"/>
-              <a:t>Search for addresses</a:t>
+            <a:endParaRPr lang="en-US" dirty="0"/>
+          </a:p>
+        </p:txBody>
+      </p:sp>
+    </p:spTree>
+    <p:extLst>
+      <p:ext uri="{BB962C8B-B14F-4D97-AF65-F5344CB8AC3E}">
+        <p14:creationId xmlns:p14="http://schemas.microsoft.com/office/powerpoint/2010/main" val="3194181380"/>
+      </p:ext>
+    </p:extLst>
+  </p:cSld>
+  <p:clrMapOvr>
+    <a:masterClrMapping/>
+  </p:clrMapOvr>
+</p:sld>
+</file>
+
+<file path=ppt/slides/slide35.xml><?xml version="1.0" encoding="utf-8"?>
+<p:sld xmlns:a="http://schemas.openxmlformats.org/drawingml/2006/main" xmlns:r="http://schemas.openxmlformats.org/officeDocument/2006/relationships" xmlns:p="http://schemas.openxmlformats.org/presentationml/2006/main">
+  <p:cSld>
+    <p:spTree>
+      <p:nvGrpSpPr>
+        <p:cNvPr id="1" name=""/>
+        <p:cNvGrpSpPr/>
+        <p:nvPr/>
+      </p:nvGrpSpPr>
+      <p:grpSpPr>
+        <a:xfrm>
+          <a:off x="0" y="0"/>
+          <a:ext cx="0" cy="0"/>
+          <a:chOff x="0" y="0"/>
+          <a:chExt cx="0" cy="0"/>
+        </a:xfrm>
+      </p:grpSpPr>
+      <p:sp>
+        <p:nvSpPr>
+          <p:cNvPr id="2" name="Title 1">
+            <a:extLst>
+              <a:ext uri="{FF2B5EF4-FFF2-40B4-BE49-F238E27FC236}">
+                <a16:creationId xmlns:a16="http://schemas.microsoft.com/office/drawing/2014/main" id="{53BBE950-EC70-0343-A5F0-14F27FFF3452}"/>
+              </a:ext>
+            </a:extLst>
+          </p:cNvPr>
+          <p:cNvSpPr>
+            <a:spLocks noGrp="1"/>
+          </p:cNvSpPr>
+          <p:nvPr>
+            <p:ph type="title"/>
+          </p:nvPr>
+        </p:nvSpPr>
+        <p:spPr/>
+        <p:txBody>
+          <a:bodyPr/>
+          <a:lstStyle/>
+          <a:p>
+            <a:r>
+              <a:rPr lang="en-US" dirty="0"/>
+              <a:t>Example 2: Access to healthy food</a:t>
+            </a:r>
+          </a:p>
+        </p:txBody>
+      </p:sp>
+      <p:sp>
+        <p:nvSpPr>
+          <p:cNvPr id="4" name="Content Placeholder 3">
+            <a:extLst>
+              <a:ext uri="{FF2B5EF4-FFF2-40B4-BE49-F238E27FC236}">
+                <a16:creationId xmlns:a16="http://schemas.microsoft.com/office/drawing/2014/main" id="{E7A266DF-8BF9-FC49-94CB-EA602816ED60}"/>
+              </a:ext>
+            </a:extLst>
+          </p:cNvPr>
+          <p:cNvSpPr>
+            <a:spLocks noGrp="1"/>
+          </p:cNvSpPr>
+          <p:nvPr>
+            <p:ph idx="1"/>
+          </p:nvPr>
+        </p:nvSpPr>
+        <p:spPr>
+          <a:xfrm>
+            <a:off x="838200" y="1825625"/>
+            <a:ext cx="10515600" cy="4588238"/>
+          </a:xfrm>
+        </p:spPr>
+        <p:txBody>
+          <a:bodyPr>
+            <a:normAutofit/>
+          </a:bodyPr>
+          <a:lstStyle/>
+          <a:p>
+            <a:pPr marL="0" indent="0">
+              <a:buNone/>
+            </a:pPr>
+            <a:r>
+              <a:rPr lang="en-US" sz="4000" dirty="0"/>
+              <a:t>Find nearby healthy food sources</a:t>
+            </a:r>
+          </a:p>
+          <a:p>
+            <a:pPr lvl="1"/>
+            <a:endParaRPr lang="en-US" sz="3600" dirty="0"/>
+          </a:p>
+          <a:p>
+            <a:pPr lvl="1"/>
+            <a:r>
+              <a:rPr lang="en-US" sz="3600" dirty="0"/>
+              <a:t>Get list of coop grocery stores</a:t>
+            </a:r>
+          </a:p>
+          <a:p>
+            <a:pPr lvl="1"/>
+            <a:r>
+              <a:rPr lang="en-US" sz="3600" dirty="0"/>
+              <a:t>Get location</a:t>
+            </a:r>
+          </a:p>
+          <a:p>
+            <a:pPr lvl="2"/>
+            <a:r>
+              <a:rPr lang="en-US" sz="3200" dirty="0"/>
+              <a:t>Address</a:t>
+            </a:r>
+          </a:p>
+          <a:p>
+            <a:pPr lvl="2"/>
+            <a:r>
+              <a:rPr lang="en-US" sz="3200" dirty="0"/>
+              <a:t>Lat/Lon</a:t>
+            </a:r>
+          </a:p>
+          <a:p>
+            <a:pPr lvl="1"/>
+            <a:endParaRPr lang="en-US" sz="3600" dirty="0"/>
+          </a:p>
+          <a:p>
+            <a:pPr lvl="1"/>
+            <a:r>
+              <a:rPr lang="en-US" sz="3600" dirty="0"/>
+              <a:t>Get other information</a:t>
+            </a:r>
+          </a:p>
+          <a:p>
+            <a:endParaRPr lang="en-US" dirty="0"/>
+          </a:p>
+        </p:txBody>
+      </p:sp>
+    </p:spTree>
+    <p:extLst>
+      <p:ext uri="{BB962C8B-B14F-4D97-AF65-F5344CB8AC3E}">
+        <p14:creationId xmlns:p14="http://schemas.microsoft.com/office/powerpoint/2010/main" val="207194121"/>
+      </p:ext>
+    </p:extLst>
+  </p:cSld>
+  <p:clrMapOvr>
+    <a:masterClrMapping/>
+  </p:clrMapOvr>
+</p:sld>
+</file>
+
+<file path=ppt/slides/slide36.xml><?xml version="1.0" encoding="utf-8"?>
+<p:sld xmlns:a="http://schemas.openxmlformats.org/drawingml/2006/main" xmlns:r="http://schemas.openxmlformats.org/officeDocument/2006/relationships" xmlns:p="http://schemas.openxmlformats.org/presentationml/2006/main">
+  <p:cSld>
+    <p:spTree>
+      <p:nvGrpSpPr>
+        <p:cNvPr id="1" name=""/>
+        <p:cNvGrpSpPr/>
+        <p:nvPr/>
+      </p:nvGrpSpPr>
+      <p:grpSpPr>
+        <a:xfrm>
+          <a:off x="0" y="0"/>
+          <a:ext cx="0" cy="0"/>
+          <a:chOff x="0" y="0"/>
+          <a:chExt cx="0" cy="0"/>
+        </a:xfrm>
+      </p:grpSpPr>
+      <p:sp>
+        <p:nvSpPr>
+          <p:cNvPr id="2" name="Title 1">
+            <a:extLst>
+              <a:ext uri="{FF2B5EF4-FFF2-40B4-BE49-F238E27FC236}">
+                <a16:creationId xmlns:a16="http://schemas.microsoft.com/office/drawing/2014/main" id="{2B5934A2-1E62-CE4C-BF30-052DF513E151}"/>
+              </a:ext>
+            </a:extLst>
+          </p:cNvPr>
+          <p:cNvSpPr>
+            <a:spLocks noGrp="1"/>
+          </p:cNvSpPr>
+          <p:nvPr>
+            <p:ph type="title"/>
+          </p:nvPr>
+        </p:nvSpPr>
+        <p:spPr/>
+        <p:txBody>
+          <a:bodyPr/>
+          <a:lstStyle/>
+          <a:p>
+            <a:r>
+              <a:rPr lang="en-US" dirty="0"/>
+              <a:t>A very tedious way</a:t>
+            </a:r>
+          </a:p>
+        </p:txBody>
+      </p:sp>
+      <p:sp>
+        <p:nvSpPr>
+          <p:cNvPr id="3" name="Content Placeholder 2">
+            <a:extLst>
+              <a:ext uri="{FF2B5EF4-FFF2-40B4-BE49-F238E27FC236}">
+                <a16:creationId xmlns:a16="http://schemas.microsoft.com/office/drawing/2014/main" id="{350A330E-8255-7C4A-9F0B-F616A640918B}"/>
+              </a:ext>
+            </a:extLst>
+          </p:cNvPr>
+          <p:cNvSpPr>
+            <a:spLocks noGrp="1"/>
+          </p:cNvSpPr>
+          <p:nvPr>
+            <p:ph sz="half" idx="1"/>
+          </p:nvPr>
+        </p:nvSpPr>
+        <p:spPr/>
+        <p:txBody>
+          <a:bodyPr/>
+          <a:lstStyle/>
+          <a:p>
+            <a:r>
+              <a:rPr lang="en-US" dirty="0"/>
+              <a:t>Search for coop grocery stores</a:t>
             </a:r>
           </a:p>
           <a:p>
@@ -9861,346 +10847,6 @@
 </p:sld>
 </file>
 
-<file path=ppt/slides/slide35.xml><?xml version="1.0" encoding="utf-8"?>
-<p:sld xmlns:a="http://schemas.openxmlformats.org/drawingml/2006/main" xmlns:r="http://schemas.openxmlformats.org/officeDocument/2006/relationships" xmlns:p="http://schemas.openxmlformats.org/presentationml/2006/main">
-  <p:cSld>
-    <p:spTree>
-      <p:nvGrpSpPr>
-        <p:cNvPr id="1" name=""/>
-        <p:cNvGrpSpPr/>
-        <p:nvPr/>
-      </p:nvGrpSpPr>
-      <p:grpSpPr>
-        <a:xfrm>
-          <a:off x="0" y="0"/>
-          <a:ext cx="0" cy="0"/>
-          <a:chOff x="0" y="0"/>
-          <a:chExt cx="0" cy="0"/>
-        </a:xfrm>
-      </p:grpSpPr>
-      <p:sp>
-        <p:nvSpPr>
-          <p:cNvPr id="2" name="Title 1">
-            <a:extLst>
-              <a:ext uri="{FF2B5EF4-FFF2-40B4-BE49-F238E27FC236}">
-                <a16:creationId xmlns:a16="http://schemas.microsoft.com/office/drawing/2014/main" id="{33B9C160-084A-4A47-8DB0-359E24BE17FF}"/>
-              </a:ext>
-            </a:extLst>
-          </p:cNvPr>
-          <p:cNvSpPr>
-            <a:spLocks noGrp="1"/>
-          </p:cNvSpPr>
-          <p:nvPr>
-            <p:ph type="title"/>
-          </p:nvPr>
-        </p:nvSpPr>
-        <p:spPr/>
-        <p:txBody>
-          <a:bodyPr/>
-          <a:lstStyle/>
-          <a:p>
-            <a:r>
-              <a:rPr lang="en-US" dirty="0"/>
-              <a:t>Google Search Scrape</a:t>
-            </a:r>
-          </a:p>
-        </p:txBody>
-      </p:sp>
-      <p:sp>
-        <p:nvSpPr>
-          <p:cNvPr id="3" name="Content Placeholder 2">
-            <a:extLst>
-              <a:ext uri="{FF2B5EF4-FFF2-40B4-BE49-F238E27FC236}">
-                <a16:creationId xmlns:a16="http://schemas.microsoft.com/office/drawing/2014/main" id="{A25C33EB-14FB-794D-BB17-EC73160674C4}"/>
-              </a:ext>
-            </a:extLst>
-          </p:cNvPr>
-          <p:cNvSpPr>
-            <a:spLocks noGrp="1"/>
-          </p:cNvSpPr>
-          <p:nvPr>
-            <p:ph idx="1"/>
-          </p:nvPr>
-        </p:nvSpPr>
-        <p:spPr/>
-        <p:txBody>
-          <a:bodyPr/>
-          <a:lstStyle/>
-          <a:p>
-            <a:pPr marL="0" indent="0">
-              <a:buNone/>
-            </a:pPr>
-            <a:r>
-              <a:rPr lang="en-US" dirty="0"/>
-              <a:t>Structure of query is</a:t>
-            </a:r>
-          </a:p>
-          <a:p>
-            <a:endParaRPr lang="en-US" dirty="0"/>
-          </a:p>
-          <a:p>
-            <a:pPr marL="0" indent="0">
-              <a:buNone/>
-            </a:pPr>
-            <a:r>
-              <a:rPr lang="en-US" dirty="0"/>
-              <a:t>	Google API base URL +</a:t>
-            </a:r>
-          </a:p>
-          <a:p>
-            <a:endParaRPr lang="en-US" dirty="0"/>
-          </a:p>
-          <a:p>
-            <a:pPr marL="0" indent="0">
-              <a:buNone/>
-            </a:pPr>
-            <a:r>
-              <a:rPr lang="en-US" dirty="0"/>
-              <a:t>	search term +</a:t>
-            </a:r>
-          </a:p>
-          <a:p>
-            <a:endParaRPr lang="en-US" dirty="0"/>
-          </a:p>
-          <a:p>
-            <a:pPr marL="0" indent="0">
-              <a:buNone/>
-            </a:pPr>
-            <a:r>
-              <a:rPr lang="en-US" dirty="0"/>
-              <a:t>	options</a:t>
-            </a:r>
-          </a:p>
-        </p:txBody>
-      </p:sp>
-    </p:spTree>
-    <p:extLst>
-      <p:ext uri="{BB962C8B-B14F-4D97-AF65-F5344CB8AC3E}">
-        <p14:creationId xmlns:p14="http://schemas.microsoft.com/office/powerpoint/2010/main" val="3118743907"/>
-      </p:ext>
-    </p:extLst>
-  </p:cSld>
-  <p:clrMapOvr>
-    <a:masterClrMapping/>
-  </p:clrMapOvr>
-</p:sld>
-</file>
-
-<file path=ppt/slides/slide36.xml><?xml version="1.0" encoding="utf-8"?>
-<p:sld xmlns:a="http://schemas.openxmlformats.org/drawingml/2006/main" xmlns:r="http://schemas.openxmlformats.org/officeDocument/2006/relationships" xmlns:p="http://schemas.openxmlformats.org/presentationml/2006/main">
-  <p:cSld>
-    <p:spTree>
-      <p:nvGrpSpPr>
-        <p:cNvPr id="1" name=""/>
-        <p:cNvGrpSpPr/>
-        <p:nvPr/>
-      </p:nvGrpSpPr>
-      <p:grpSpPr>
-        <a:xfrm>
-          <a:off x="0" y="0"/>
-          <a:ext cx="0" cy="0"/>
-          <a:chOff x="0" y="0"/>
-          <a:chExt cx="0" cy="0"/>
-        </a:xfrm>
-      </p:grpSpPr>
-      <p:sp>
-        <p:nvSpPr>
-          <p:cNvPr id="2" name="Title 1">
-            <a:extLst>
-              <a:ext uri="{FF2B5EF4-FFF2-40B4-BE49-F238E27FC236}">
-                <a16:creationId xmlns:a16="http://schemas.microsoft.com/office/drawing/2014/main" id="{33B9C160-084A-4A47-8DB0-359E24BE17FF}"/>
-              </a:ext>
-            </a:extLst>
-          </p:cNvPr>
-          <p:cNvSpPr>
-            <a:spLocks noGrp="1"/>
-          </p:cNvSpPr>
-          <p:nvPr>
-            <p:ph type="title"/>
-          </p:nvPr>
-        </p:nvSpPr>
-        <p:spPr/>
-        <p:txBody>
-          <a:bodyPr/>
-          <a:lstStyle/>
-          <a:p>
-            <a:r>
-              <a:rPr lang="en-US" dirty="0"/>
-              <a:t>Google Search Scrape</a:t>
-            </a:r>
-          </a:p>
-        </p:txBody>
-      </p:sp>
-      <p:sp>
-        <p:nvSpPr>
-          <p:cNvPr id="3" name="Content Placeholder 2">
-            <a:extLst>
-              <a:ext uri="{FF2B5EF4-FFF2-40B4-BE49-F238E27FC236}">
-                <a16:creationId xmlns:a16="http://schemas.microsoft.com/office/drawing/2014/main" id="{A25C33EB-14FB-794D-BB17-EC73160674C4}"/>
-              </a:ext>
-            </a:extLst>
-          </p:cNvPr>
-          <p:cNvSpPr>
-            <a:spLocks noGrp="1"/>
-          </p:cNvSpPr>
-          <p:nvPr>
-            <p:ph idx="1"/>
-          </p:nvPr>
-        </p:nvSpPr>
-        <p:spPr/>
-        <p:txBody>
-          <a:bodyPr/>
-          <a:lstStyle/>
-          <a:p>
-            <a:pPr marL="0" indent="0">
-              <a:buNone/>
-            </a:pPr>
-            <a:r>
-              <a:rPr lang="en-US" dirty="0"/>
-              <a:t>Structure of query is</a:t>
-            </a:r>
-          </a:p>
-          <a:p>
-            <a:endParaRPr lang="en-US" dirty="0"/>
-          </a:p>
-          <a:p>
-            <a:pPr marL="0" indent="0">
-              <a:buNone/>
-            </a:pPr>
-            <a:r>
-              <a:rPr lang="en-US" dirty="0"/>
-              <a:t>	 </a:t>
-            </a:r>
-            <a:r>
-              <a:rPr lang="en-US" sz="2400" dirty="0"/>
-              <a:t>https://</a:t>
-            </a:r>
-            <a:r>
-              <a:rPr lang="en-US" sz="2400" dirty="0" err="1"/>
-              <a:t>maps.googleapis.com</a:t>
-            </a:r>
-            <a:r>
-              <a:rPr lang="en-US" sz="2400" dirty="0"/>
-              <a:t>/maps/</a:t>
-            </a:r>
-            <a:r>
-              <a:rPr lang="en-US" sz="2400" dirty="0" err="1"/>
-              <a:t>api</a:t>
-            </a:r>
-            <a:r>
-              <a:rPr lang="en-US" sz="2400" dirty="0"/>
-              <a:t>/place/</a:t>
-            </a:r>
-            <a:r>
-              <a:rPr lang="en-US" sz="2400" dirty="0" err="1"/>
-              <a:t>textsearch</a:t>
-            </a:r>
-            <a:r>
-              <a:rPr lang="en-US" sz="2400" dirty="0"/>
-              <a:t>/</a:t>
-            </a:r>
-            <a:r>
-              <a:rPr lang="en-US" sz="2400" dirty="0" err="1"/>
-              <a:t>json?query</a:t>
-            </a:r>
-            <a:r>
-              <a:rPr lang="en-US" sz="2400" dirty="0"/>
-              <a:t>=</a:t>
-            </a:r>
-          </a:p>
-          <a:p>
-            <a:pPr marL="0" indent="0">
-              <a:buNone/>
-            </a:pPr>
-            <a:r>
-              <a:rPr lang="en-US" sz="2400" dirty="0"/>
-              <a:t>	+</a:t>
-            </a:r>
-          </a:p>
-          <a:p>
-            <a:pPr marL="0" indent="0">
-              <a:buNone/>
-            </a:pPr>
-            <a:r>
-              <a:rPr lang="en-US" sz="2400" dirty="0"/>
-              <a:t>	</a:t>
-            </a:r>
-            <a:r>
-              <a:rPr lang="en-US" sz="2400" dirty="0">
-                <a:solidFill>
-                  <a:srgbClr val="FF0000"/>
-                </a:solidFill>
-              </a:rPr>
-              <a:t>“Coop grocery in Dane County”</a:t>
-            </a:r>
-          </a:p>
-          <a:p>
-            <a:pPr marL="0" indent="0">
-              <a:buNone/>
-            </a:pPr>
-            <a:r>
-              <a:rPr lang="en-US" sz="2400" dirty="0"/>
-              <a:t>	+</a:t>
-            </a:r>
-          </a:p>
-          <a:p>
-            <a:pPr marL="0" indent="0">
-              <a:buNone/>
-            </a:pPr>
-            <a:r>
-              <a:rPr lang="en-US" sz="2400" dirty="0"/>
-              <a:t>	</a:t>
-            </a:r>
-            <a:r>
-              <a:rPr lang="en-US" sz="2400" dirty="0">
-                <a:solidFill>
-                  <a:srgbClr val="00B050"/>
-                </a:solidFill>
-              </a:rPr>
-              <a:t> Search radius</a:t>
-            </a:r>
-          </a:p>
-          <a:p>
-            <a:pPr marL="0" indent="0">
-              <a:buNone/>
-            </a:pPr>
-            <a:r>
-              <a:rPr lang="en-US" sz="2400" dirty="0"/>
-              <a:t>	+</a:t>
-            </a:r>
-          </a:p>
-          <a:p>
-            <a:pPr marL="0" indent="0">
-              <a:buNone/>
-            </a:pPr>
-            <a:r>
-              <a:rPr lang="en-US" sz="2400" dirty="0"/>
-              <a:t>	</a:t>
-            </a:r>
-            <a:r>
-              <a:rPr lang="en-US" sz="2400" dirty="0">
-                <a:solidFill>
-                  <a:srgbClr val="0070C0"/>
-                </a:solidFill>
-              </a:rPr>
-              <a:t>Google API key</a:t>
-            </a:r>
-          </a:p>
-        </p:txBody>
-      </p:sp>
-    </p:spTree>
-    <p:extLst>
-      <p:ext uri="{BB962C8B-B14F-4D97-AF65-F5344CB8AC3E}">
-        <p14:creationId xmlns:p14="http://schemas.microsoft.com/office/powerpoint/2010/main" val="3112661191"/>
-      </p:ext>
-    </p:extLst>
-  </p:cSld>
-  <p:clrMapOvr>
-    <a:masterClrMapping/>
-  </p:clrMapOvr>
-</p:sld>
-</file>
-
 <file path=ppt/slides/slide37.xml><?xml version="1.0" encoding="utf-8"?>
 <p:sld xmlns:a="http://schemas.openxmlformats.org/drawingml/2006/main" xmlns:r="http://schemas.openxmlformats.org/officeDocument/2006/relationships" xmlns:p="http://schemas.openxmlformats.org/presentationml/2006/main">
   <p:cSld>
@@ -10272,15 +10918,7 @@
             </a:pPr>
             <a:r>
               <a:rPr lang="en-US" dirty="0"/>
-              <a:t>The resulting query is a </a:t>
-            </a:r>
-            <a:r>
-              <a:rPr lang="en-US" dirty="0" err="1"/>
-              <a:t>looooooong</a:t>
-            </a:r>
-            <a:r>
-              <a:rPr lang="en-US" dirty="0"/>
-              <a:t> URL</a:t>
+              <a:t>Structure of query is</a:t>
             </a:r>
           </a:p>
           <a:p>
@@ -10292,60 +10930,39 @@
             </a:pPr>
             <a:r>
               <a:rPr lang="en-US" dirty="0"/>
-              <a:t>	 https://</a:t>
-            </a:r>
-            <a:r>
-              <a:rPr lang="en-US" dirty="0" err="1"/>
-              <a:t>maps.googleapis.com</a:t>
-            </a:r>
-            <a:r>
-              <a:rPr lang="en-US" dirty="0"/>
-              <a:t>/maps/</a:t>
-            </a:r>
-            <a:r>
-              <a:rPr lang="en-US" dirty="0" err="1"/>
-              <a:t>api</a:t>
-            </a:r>
-            <a:r>
-              <a:rPr lang="en-US" dirty="0"/>
-              <a:t>/place/</a:t>
-            </a:r>
-            <a:r>
-              <a:rPr lang="en-US" dirty="0" err="1"/>
-              <a:t>textsearch</a:t>
-            </a:r>
-            <a:r>
-              <a:rPr lang="en-US" dirty="0"/>
-              <a:t>/</a:t>
-            </a:r>
-            <a:r>
-              <a:rPr lang="en-US" dirty="0" err="1"/>
-              <a:t>json?query</a:t>
-            </a:r>
-            <a:r>
-              <a:rPr lang="en-US" dirty="0"/>
-              <a:t>=</a:t>
-            </a:r>
-            <a:r>
-              <a:rPr lang="en-US" dirty="0" err="1"/>
-              <a:t>Coop+grocery+in+Dane+County&amp;radius</a:t>
-            </a:r>
-            <a:r>
-              <a:rPr lang="en-US" dirty="0"/>
-              <a:t>=50000&amp;key=AIzaSyBZqWP3nojVe3fmUcv6YlZ2l1F5tozq</a:t>
-            </a:r>
-            <a:endParaRPr lang="en-US" sz="2400" dirty="0">
-              <a:solidFill>
-                <a:srgbClr val="0070C0"/>
-              </a:solidFill>
-            </a:endParaRPr>
+              <a:t>	Google API base URL +</a:t>
+            </a:r>
+          </a:p>
+          <a:p>
+            <a:endParaRPr lang="en-US" dirty="0"/>
+          </a:p>
+          <a:p>
+            <a:pPr marL="0" indent="0">
+              <a:buNone/>
+            </a:pPr>
+            <a:r>
+              <a:rPr lang="en-US" dirty="0"/>
+              <a:t>	search term +</a:t>
+            </a:r>
+          </a:p>
+          <a:p>
+            <a:endParaRPr lang="en-US" dirty="0"/>
+          </a:p>
+          <a:p>
+            <a:pPr marL="0" indent="0">
+              <a:buNone/>
+            </a:pPr>
+            <a:r>
+              <a:rPr lang="en-US" dirty="0"/>
+              <a:t>	options</a:t>
+            </a:r>
           </a:p>
         </p:txBody>
       </p:sp>
     </p:spTree>
     <p:extLst>
       <p:ext uri="{BB962C8B-B14F-4D97-AF65-F5344CB8AC3E}">
-        <p14:creationId xmlns:p14="http://schemas.microsoft.com/office/powerpoint/2010/main" val="3523403385"/>
+        <p14:creationId xmlns:p14="http://schemas.microsoft.com/office/powerpoint/2010/main" val="3118743907"/>
       </p:ext>
     </p:extLst>
   </p:cSld>
@@ -10426,15 +11043,7 @@
             </a:pPr>
             <a:r>
               <a:rPr lang="en-US" dirty="0"/>
-              <a:t>The resulting query is a </a:t>
-            </a:r>
-            <a:r>
-              <a:rPr lang="en-US" dirty="0" err="1"/>
-              <a:t>looooooong</a:t>
-            </a:r>
-            <a:r>
-              <a:rPr lang="en-US" dirty="0"/>
-              <a:t> URL</a:t>
+              <a:t>Structure of query is</a:t>
             </a:r>
           </a:p>
           <a:p>
@@ -10446,120 +11055,129 @@
             </a:pPr>
             <a:r>
               <a:rPr lang="en-US" dirty="0"/>
-              <a:t>	 https://</a:t>
-            </a:r>
-            <a:r>
-              <a:rPr lang="en-US" dirty="0" err="1"/>
+              <a:t>	 </a:t>
+            </a:r>
+            <a:r>
+              <a:rPr lang="en-US" sz="2400" dirty="0"/>
+              <a:t>https://</a:t>
+            </a:r>
+            <a:r>
+              <a:rPr lang="en-US" sz="2400" dirty="0" err="1"/>
               <a:t>maps.googleapis.com</a:t>
             </a:r>
             <a:r>
-              <a:rPr lang="en-US" dirty="0"/>
+              <a:rPr lang="en-US" sz="2400" dirty="0"/>
               <a:t>/maps/</a:t>
             </a:r>
             <a:r>
-              <a:rPr lang="en-US" dirty="0" err="1"/>
+              <a:rPr lang="en-US" sz="2400" dirty="0" err="1"/>
               <a:t>api</a:t>
             </a:r>
             <a:r>
-              <a:rPr lang="en-US" dirty="0"/>
+              <a:rPr lang="en-US" sz="2400" dirty="0"/>
               <a:t>/place/</a:t>
             </a:r>
             <a:r>
-              <a:rPr lang="en-US" dirty="0" err="1"/>
+              <a:rPr lang="en-US" sz="2400" dirty="0" err="1"/>
               <a:t>textsearch</a:t>
             </a:r>
             <a:r>
-              <a:rPr lang="en-US" dirty="0"/>
+              <a:rPr lang="en-US" sz="2400" dirty="0"/>
               <a:t>/</a:t>
             </a:r>
             <a:r>
-              <a:rPr lang="en-US" dirty="0" err="1"/>
+              <a:rPr lang="en-US" sz="2400" dirty="0" err="1"/>
               <a:t>json?query</a:t>
             </a:r>
             <a:r>
-              <a:rPr lang="en-US" dirty="0"/>
+              <a:rPr lang="en-US" sz="2400" dirty="0"/>
               <a:t>=</a:t>
             </a:r>
-            <a:r>
-              <a:rPr lang="en-US" b="1" dirty="0" err="1">
+          </a:p>
+          <a:p>
+            <a:pPr marL="0" indent="0">
+              <a:buNone/>
+            </a:pPr>
+            <a:r>
+              <a:rPr lang="en-US" sz="2400" dirty="0"/>
+              <a:t>	+</a:t>
+            </a:r>
+          </a:p>
+          <a:p>
+            <a:pPr marL="0" indent="0">
+              <a:buNone/>
+            </a:pPr>
+            <a:r>
+              <a:rPr lang="en-US" sz="2400" dirty="0"/>
+              <a:t>	</a:t>
+            </a:r>
+            <a:r>
+              <a:rPr lang="en-US" sz="2400" dirty="0">
                 <a:solidFill>
                   <a:srgbClr val="FF0000"/>
                 </a:solidFill>
               </a:rPr>
-              <a:t>Coop+grocery+in+Dane+County</a:t>
-            </a:r>
-            <a:r>
-              <a:rPr lang="en-US" dirty="0" err="1"/>
-              <a:t>&amp;</a:t>
-            </a:r>
-            <a:r>
-              <a:rPr lang="en-US" b="1" dirty="0" err="1">
+              <a:t>“Coop grocery in Dane County”</a:t>
+            </a:r>
+          </a:p>
+          <a:p>
+            <a:pPr marL="0" indent="0">
+              <a:buNone/>
+            </a:pPr>
+            <a:r>
+              <a:rPr lang="en-US" sz="2400" dirty="0"/>
+              <a:t>	+</a:t>
+            </a:r>
+          </a:p>
+          <a:p>
+            <a:pPr marL="0" indent="0">
+              <a:buNone/>
+            </a:pPr>
+            <a:r>
+              <a:rPr lang="en-US" sz="2400" dirty="0"/>
+              <a:t>	</a:t>
+            </a:r>
+            <a:r>
+              <a:rPr lang="en-US" sz="2400" dirty="0">
                 <a:solidFill>
                   <a:srgbClr val="00B050"/>
                 </a:solidFill>
               </a:rPr>
-              <a:t>radius</a:t>
-            </a:r>
-            <a:r>
-              <a:rPr lang="en-US" b="1" dirty="0">
-                <a:solidFill>
-                  <a:srgbClr val="00B050"/>
-                </a:solidFill>
-              </a:rPr>
-              <a:t>=50000</a:t>
-            </a:r>
-            <a:r>
-              <a:rPr lang="en-US" dirty="0"/>
-              <a:t>&amp;key=</a:t>
-            </a:r>
-            <a:r>
-              <a:rPr lang="en-US" b="1" dirty="0">
+              <a:t> Search radius</a:t>
+            </a:r>
+          </a:p>
+          <a:p>
+            <a:pPr marL="0" indent="0">
+              <a:buNone/>
+            </a:pPr>
+            <a:r>
+              <a:rPr lang="en-US" sz="2400" dirty="0"/>
+              <a:t>	+</a:t>
+            </a:r>
+          </a:p>
+          <a:p>
+            <a:pPr marL="0" indent="0">
+              <a:buNone/>
+            </a:pPr>
+            <a:r>
+              <a:rPr lang="en-US" sz="2400" dirty="0"/>
+              <a:t>	</a:t>
+            </a:r>
+            <a:r>
+              <a:rPr lang="en-US" sz="2400" dirty="0">
                 <a:solidFill>
                   <a:srgbClr val="0070C0"/>
                 </a:solidFill>
               </a:rPr>
-              <a:t>AIzaSyBZqWP3nojVe3fmUcv6YlZ2l1F5tozq</a:t>
-            </a:r>
-            <a:endParaRPr lang="en-US" sz="2400" b="1" dirty="0">
-              <a:solidFill>
-                <a:srgbClr val="0070C0"/>
-              </a:solidFill>
-            </a:endParaRPr>
-          </a:p>
-          <a:p>
-            <a:pPr marL="0" indent="0">
-              <a:buNone/>
-            </a:pPr>
-            <a:endParaRPr lang="en-US" sz="2400" b="1" dirty="0"/>
-          </a:p>
-          <a:p>
-            <a:pPr marL="0" indent="0">
-              <a:buNone/>
-            </a:pPr>
-            <a:r>
-              <a:rPr lang="en-US" sz="2400" b="1" dirty="0"/>
-              <a:t>I saved this </a:t>
-            </a:r>
-            <a:r>
-              <a:rPr lang="en-US" sz="2400" b="1" dirty="0" err="1"/>
-              <a:t>loooong</a:t>
-            </a:r>
-            <a:r>
-              <a:rPr lang="en-US" sz="2400" b="1" dirty="0"/>
-              <a:t> Google URL as a thing called </a:t>
-            </a:r>
-            <a:r>
-              <a:rPr lang="en-US" sz="2400" b="1" dirty="0" err="1"/>
-              <a:t>Gurl</a:t>
-            </a:r>
-            <a:endParaRPr lang="en-US" sz="2400" b="1" dirty="0"/>
+              <a:t>Google API key</a:t>
+            </a:r>
           </a:p>
         </p:txBody>
       </p:sp>
     </p:spTree>
     <p:extLst>
       <p:ext uri="{BB962C8B-B14F-4D97-AF65-F5344CB8AC3E}">
-        <p14:creationId xmlns:p14="http://schemas.microsoft.com/office/powerpoint/2010/main" val="919758812"/>
+        <p14:creationId xmlns:p14="http://schemas.microsoft.com/office/powerpoint/2010/main" val="3112661191"/>
       </p:ext>
     </p:extLst>
   </p:cSld>
@@ -10591,7 +11209,7 @@
           <p:cNvPr id="2" name="Title 1">
             <a:extLst>
               <a:ext uri="{FF2B5EF4-FFF2-40B4-BE49-F238E27FC236}">
-                <a16:creationId xmlns:a16="http://schemas.microsoft.com/office/drawing/2014/main" id="{23738BA5-9116-C747-9A85-EBA8759E584F}"/>
+                <a16:creationId xmlns:a16="http://schemas.microsoft.com/office/drawing/2014/main" id="{33B9C160-084A-4A47-8DB0-359E24BE17FF}"/>
               </a:ext>
             </a:extLst>
           </p:cNvPr>
@@ -10609,7 +11227,7 @@
           <a:p>
             <a:r>
               <a:rPr lang="en-US" dirty="0"/>
-              <a:t>Google search scrape strategy</a:t>
+              <a:t>Google Search Scrape</a:t>
             </a:r>
           </a:p>
         </p:txBody>
@@ -10619,7 +11237,7 @@
           <p:cNvPr id="3" name="Content Placeholder 2">
             <a:extLst>
               <a:ext uri="{FF2B5EF4-FFF2-40B4-BE49-F238E27FC236}">
-                <a16:creationId xmlns:a16="http://schemas.microsoft.com/office/drawing/2014/main" id="{8D3B8CA1-253C-C741-BA7F-2DFDDBA4EFED}"/>
+                <a16:creationId xmlns:a16="http://schemas.microsoft.com/office/drawing/2014/main" id="{A25C33EB-14FB-794D-BB17-EC73160674C4}"/>
               </a:ext>
             </a:extLst>
           </p:cNvPr>
@@ -10635,51 +11253,23 @@
           <a:bodyPr/>
           <a:lstStyle/>
           <a:p>
-            <a:r>
-              <a:rPr lang="en-US" dirty="0"/>
-              <a:t>From </a:t>
-            </a:r>
-            <a:r>
-              <a:rPr lang="en-US" b="1" dirty="0" err="1">
-                <a:solidFill>
-                  <a:srgbClr val="FF0000"/>
-                </a:solidFill>
-              </a:rPr>
-              <a:t>httr</a:t>
-            </a:r>
-            <a:r>
-              <a:rPr lang="en-US" dirty="0"/>
-              <a:t> package, use GET to copy the page</a:t>
-            </a:r>
-          </a:p>
-          <a:p>
-            <a:r>
-              <a:rPr lang="en-US" dirty="0"/>
-              <a:t>From </a:t>
-            </a:r>
-            <a:r>
-              <a:rPr lang="en-US" b="1" dirty="0" err="1">
-                <a:solidFill>
-                  <a:srgbClr val="FF0000"/>
-                </a:solidFill>
-              </a:rPr>
-              <a:t>jsonlite</a:t>
-            </a:r>
-            <a:r>
-              <a:rPr lang="en-US" dirty="0"/>
-              <a:t> package, convert the page to data</a:t>
-            </a:r>
-          </a:p>
-          <a:p>
-            <a:r>
-              <a:rPr lang="en-US" dirty="0"/>
-              <a:t>Save what you need </a:t>
-            </a:r>
-          </a:p>
-          <a:p>
             <a:pPr marL="0" indent="0">
               <a:buNone/>
             </a:pPr>
+            <a:r>
+              <a:rPr lang="en-US" dirty="0"/>
+              <a:t>The resulting query is a </a:t>
+            </a:r>
+            <a:r>
+              <a:rPr lang="en-US" dirty="0" err="1"/>
+              <a:t>looooooong</a:t>
+            </a:r>
+            <a:r>
+              <a:rPr lang="en-US" dirty="0"/>
+              <a:t> URL</a:t>
+            </a:r>
+          </a:p>
+          <a:p>
             <a:endParaRPr lang="en-US" dirty="0"/>
           </a:p>
           <a:p>
@@ -10688,11 +11278,52 @@
             </a:pPr>
             <a:r>
               <a:rPr lang="en-US" dirty="0"/>
-              <a:t>	</a:t>
-            </a:r>
-            <a:endParaRPr lang="en-US" dirty="0">
-              <a:latin typeface="Courier New" panose="02070309020205020404" pitchFamily="49" charset="0"/>
-              <a:cs typeface="Courier New" panose="02070309020205020404" pitchFamily="49" charset="0"/>
+              <a:t>	 https://</a:t>
+            </a:r>
+            <a:r>
+              <a:rPr lang="en-US" dirty="0" err="1"/>
+              <a:t>maps.googleapis.com</a:t>
+            </a:r>
+            <a:r>
+              <a:rPr lang="en-US" dirty="0"/>
+              <a:t>/maps/</a:t>
+            </a:r>
+            <a:r>
+              <a:rPr lang="en-US" dirty="0" err="1"/>
+              <a:t>api</a:t>
+            </a:r>
+            <a:r>
+              <a:rPr lang="en-US" dirty="0"/>
+              <a:t>/place/</a:t>
+            </a:r>
+            <a:r>
+              <a:rPr lang="en-US" dirty="0" err="1"/>
+              <a:t>textsearch</a:t>
+            </a:r>
+            <a:r>
+              <a:rPr lang="en-US" dirty="0"/>
+              <a:t>/</a:t>
+            </a:r>
+            <a:r>
+              <a:rPr lang="en-US" dirty="0" err="1"/>
+              <a:t>json?query</a:t>
+            </a:r>
+            <a:r>
+              <a:rPr lang="en-US" dirty="0"/>
+              <a:t>=</a:t>
+            </a:r>
+            <a:r>
+              <a:rPr lang="en-US" dirty="0" err="1"/>
+              <a:t>Coop+grocery+in+Dane+County&amp;radius</a:t>
+            </a:r>
+            <a:r>
+              <a:rPr lang="en-US" dirty="0"/>
+              <a:t>=50000&amp;key=AIzaSyBZqWP3nojVe3fmUcv6YlZ2l1F5tozq</a:t>
+            </a:r>
+            <a:endParaRPr lang="en-US" sz="2400" dirty="0">
+              <a:solidFill>
+                <a:srgbClr val="0070C0"/>
+              </a:solidFill>
             </a:endParaRPr>
           </a:p>
         </p:txBody>
@@ -10700,7 +11331,7 @@
     </p:spTree>
     <p:extLst>
       <p:ext uri="{BB962C8B-B14F-4D97-AF65-F5344CB8AC3E}">
-        <p14:creationId xmlns:p14="http://schemas.microsoft.com/office/powerpoint/2010/main" val="245435388"/>
+        <p14:creationId xmlns:p14="http://schemas.microsoft.com/office/powerpoint/2010/main" val="3523403385"/>
       </p:ext>
     </p:extLst>
   </p:cSld>
@@ -10897,7 +11528,7 @@
           <p:cNvPr id="2" name="Title 1">
             <a:extLst>
               <a:ext uri="{FF2B5EF4-FFF2-40B4-BE49-F238E27FC236}">
-                <a16:creationId xmlns:a16="http://schemas.microsoft.com/office/drawing/2014/main" id="{23738BA5-9116-C747-9A85-EBA8759E584F}"/>
+                <a16:creationId xmlns:a16="http://schemas.microsoft.com/office/drawing/2014/main" id="{33B9C160-084A-4A47-8DB0-359E24BE17FF}"/>
               </a:ext>
             </a:extLst>
           </p:cNvPr>
@@ -10915,19 +11546,7 @@
           <a:p>
             <a:r>
               <a:rPr lang="en-US" dirty="0"/>
-              <a:t>Google search scrape </a:t>
-            </a:r>
-            <a:r>
-              <a:rPr lang="en-US" b="1" dirty="0"/>
-              <a:t>in</a:t>
-            </a:r>
-            <a:r>
-              <a:rPr lang="en-US" dirty="0"/>
-              <a:t> </a:t>
-            </a:r>
-            <a:r>
-              <a:rPr lang="en-US" b="1" dirty="0"/>
-              <a:t>3 terse, magical steps</a:t>
+              <a:t>Google Search Scrape</a:t>
             </a:r>
           </a:p>
         </p:txBody>
@@ -10937,7 +11556,7 @@
           <p:cNvPr id="3" name="Content Placeholder 2">
             <a:extLst>
               <a:ext uri="{FF2B5EF4-FFF2-40B4-BE49-F238E27FC236}">
-                <a16:creationId xmlns:a16="http://schemas.microsoft.com/office/drawing/2014/main" id="{8D3B8CA1-253C-C741-BA7F-2DFDDBA4EFED}"/>
+                <a16:creationId xmlns:a16="http://schemas.microsoft.com/office/drawing/2014/main" id="{A25C33EB-14FB-794D-BB17-EC73160674C4}"/>
               </a:ext>
             </a:extLst>
           </p:cNvPr>
@@ -10953,9 +11572,64 @@
           <a:bodyPr/>
           <a:lstStyle/>
           <a:p>
-            <a:r>
-              <a:rPr lang="en-US" dirty="0"/>
-              <a:t>From </a:t>
+            <a:pPr marL="0" indent="0">
+              <a:buNone/>
+            </a:pPr>
+            <a:r>
+              <a:rPr lang="en-US" dirty="0"/>
+              <a:t>The resulting query is a </a:t>
+            </a:r>
+            <a:r>
+              <a:rPr lang="en-US" dirty="0" err="1"/>
+              <a:t>looooooong</a:t>
+            </a:r>
+            <a:r>
+              <a:rPr lang="en-US" dirty="0"/>
+              <a:t> URL</a:t>
+            </a:r>
+          </a:p>
+          <a:p>
+            <a:endParaRPr lang="en-US" dirty="0"/>
+          </a:p>
+          <a:p>
+            <a:pPr marL="0" indent="0">
+              <a:buNone/>
+            </a:pPr>
+            <a:r>
+              <a:rPr lang="en-US" dirty="0"/>
+              <a:t>	 https://</a:t>
+            </a:r>
+            <a:r>
+              <a:rPr lang="en-US" dirty="0" err="1"/>
+              <a:t>maps.googleapis.com</a:t>
+            </a:r>
+            <a:r>
+              <a:rPr lang="en-US" dirty="0"/>
+              <a:t>/maps/</a:t>
+            </a:r>
+            <a:r>
+              <a:rPr lang="en-US" dirty="0" err="1"/>
+              <a:t>api</a:t>
+            </a:r>
+            <a:r>
+              <a:rPr lang="en-US" dirty="0"/>
+              <a:t>/place/</a:t>
+            </a:r>
+            <a:r>
+              <a:rPr lang="en-US" dirty="0" err="1"/>
+              <a:t>textsearch</a:t>
+            </a:r>
+            <a:r>
+              <a:rPr lang="en-US" dirty="0"/>
+              <a:t>/</a:t>
+            </a:r>
+            <a:r>
+              <a:rPr lang="en-US" dirty="0" err="1"/>
+              <a:t>json?query</a:t>
+            </a:r>
+            <a:r>
+              <a:rPr lang="en-US" dirty="0"/>
+              <a:t>=</a:t>
             </a:r>
             <a:r>
               <a:rPr lang="en-US" b="1" dirty="0" err="1">
@@ -10963,11 +11637,347 @@
                   <a:srgbClr val="FF0000"/>
                 </a:solidFill>
               </a:rPr>
+              <a:t>Coop+grocery+in+Dane+County</a:t>
+            </a:r>
+            <a:r>
+              <a:rPr lang="en-US" dirty="0" err="1"/>
+              <a:t>&amp;</a:t>
+            </a:r>
+            <a:r>
+              <a:rPr lang="en-US" b="1" dirty="0" err="1">
+                <a:solidFill>
+                  <a:srgbClr val="00B050"/>
+                </a:solidFill>
+              </a:rPr>
+              <a:t>radius</a:t>
+            </a:r>
+            <a:r>
+              <a:rPr lang="en-US" b="1" dirty="0">
+                <a:solidFill>
+                  <a:srgbClr val="00B050"/>
+                </a:solidFill>
+              </a:rPr>
+              <a:t>=50000</a:t>
+            </a:r>
+            <a:r>
+              <a:rPr lang="en-US" dirty="0"/>
+              <a:t>&amp;key=</a:t>
+            </a:r>
+            <a:r>
+              <a:rPr lang="en-US" b="1" dirty="0">
+                <a:solidFill>
+                  <a:srgbClr val="0070C0"/>
+                </a:solidFill>
+              </a:rPr>
+              <a:t>AIzaSyBZqWP3nojVe3fmUcv6YlZ2l1F5tozq</a:t>
+            </a:r>
+            <a:endParaRPr lang="en-US" sz="2400" b="1" dirty="0">
+              <a:solidFill>
+                <a:srgbClr val="0070C0"/>
+              </a:solidFill>
+            </a:endParaRPr>
+          </a:p>
+          <a:p>
+            <a:pPr marL="0" indent="0">
+              <a:buNone/>
+            </a:pPr>
+            <a:endParaRPr lang="en-US" sz="2400" b="1" dirty="0"/>
+          </a:p>
+          <a:p>
+            <a:pPr marL="0" indent="0">
+              <a:buNone/>
+            </a:pPr>
+            <a:r>
+              <a:rPr lang="en-US" sz="2400" b="1" dirty="0"/>
+              <a:t>I saved this </a:t>
+            </a:r>
+            <a:r>
+              <a:rPr lang="en-US" sz="2400" b="1" dirty="0" err="1"/>
+              <a:t>loooong</a:t>
+            </a:r>
+            <a:r>
+              <a:rPr lang="en-US" sz="2400" b="1" dirty="0"/>
+              <a:t> Google URL as a thing called </a:t>
+            </a:r>
+            <a:r>
+              <a:rPr lang="en-US" sz="2400" b="1" dirty="0" err="1"/>
+              <a:t>Gurl</a:t>
+            </a:r>
+            <a:endParaRPr lang="en-US" sz="2400" b="1" dirty="0"/>
+          </a:p>
+        </p:txBody>
+      </p:sp>
+    </p:spTree>
+    <p:extLst>
+      <p:ext uri="{BB962C8B-B14F-4D97-AF65-F5344CB8AC3E}">
+        <p14:creationId xmlns:p14="http://schemas.microsoft.com/office/powerpoint/2010/main" val="919758812"/>
+      </p:ext>
+    </p:extLst>
+  </p:cSld>
+  <p:clrMapOvr>
+    <a:masterClrMapping/>
+  </p:clrMapOvr>
+</p:sld>
+</file>
+
+<file path=ppt/slides/slide41.xml><?xml version="1.0" encoding="utf-8"?>
+<p:sld xmlns:a="http://schemas.openxmlformats.org/drawingml/2006/main" xmlns:r="http://schemas.openxmlformats.org/officeDocument/2006/relationships" xmlns:p="http://schemas.openxmlformats.org/presentationml/2006/main">
+  <p:cSld>
+    <p:spTree>
+      <p:nvGrpSpPr>
+        <p:cNvPr id="1" name=""/>
+        <p:cNvGrpSpPr/>
+        <p:nvPr/>
+      </p:nvGrpSpPr>
+      <p:grpSpPr>
+        <a:xfrm>
+          <a:off x="0" y="0"/>
+          <a:ext cx="0" cy="0"/>
+          <a:chOff x="0" y="0"/>
+          <a:chExt cx="0" cy="0"/>
+        </a:xfrm>
+      </p:grpSpPr>
+      <p:sp>
+        <p:nvSpPr>
+          <p:cNvPr id="2" name="Title 1">
+            <a:extLst>
+              <a:ext uri="{FF2B5EF4-FFF2-40B4-BE49-F238E27FC236}">
+                <a16:creationId xmlns:a16="http://schemas.microsoft.com/office/drawing/2014/main" id="{23738BA5-9116-C747-9A85-EBA8759E584F}"/>
+              </a:ext>
+            </a:extLst>
+          </p:cNvPr>
+          <p:cNvSpPr>
+            <a:spLocks noGrp="1"/>
+          </p:cNvSpPr>
+          <p:nvPr>
+            <p:ph type="title"/>
+          </p:nvPr>
+        </p:nvSpPr>
+        <p:spPr/>
+        <p:txBody>
+          <a:bodyPr/>
+          <a:lstStyle/>
+          <a:p>
+            <a:r>
+              <a:rPr lang="en-US" dirty="0"/>
+              <a:t>Google search scrape strategy</a:t>
+            </a:r>
+          </a:p>
+        </p:txBody>
+      </p:sp>
+      <p:sp>
+        <p:nvSpPr>
+          <p:cNvPr id="3" name="Content Placeholder 2">
+            <a:extLst>
+              <a:ext uri="{FF2B5EF4-FFF2-40B4-BE49-F238E27FC236}">
+                <a16:creationId xmlns:a16="http://schemas.microsoft.com/office/drawing/2014/main" id="{8D3B8CA1-253C-C741-BA7F-2DFDDBA4EFED}"/>
+              </a:ext>
+            </a:extLst>
+          </p:cNvPr>
+          <p:cNvSpPr>
+            <a:spLocks noGrp="1"/>
+          </p:cNvSpPr>
+          <p:nvPr>
+            <p:ph idx="1"/>
+          </p:nvPr>
+        </p:nvSpPr>
+        <p:spPr/>
+        <p:txBody>
+          <a:bodyPr/>
+          <a:lstStyle/>
+          <a:p>
+            <a:r>
+              <a:rPr lang="en-US" dirty="0"/>
+              <a:t>From </a:t>
+            </a:r>
+            <a:r>
+              <a:rPr lang="en-US" b="1" dirty="0" err="1">
+                <a:solidFill>
+                  <a:srgbClr val="FF0000"/>
+                </a:solidFill>
+              </a:rPr>
               <a:t>httr</a:t>
             </a:r>
             <a:r>
               <a:rPr lang="en-US" dirty="0"/>
-              <a:t> package, use GET to copy the page</a:t>
+              <a:t> package, use </a:t>
+            </a:r>
+            <a:r>
+              <a:rPr lang="en-US" b="1" dirty="0">
+                <a:solidFill>
+                  <a:srgbClr val="0070C0"/>
+                </a:solidFill>
+              </a:rPr>
+              <a:t>GET()</a:t>
+            </a:r>
+            <a:r>
+              <a:rPr lang="en-US" dirty="0"/>
+              <a:t> to copy the page</a:t>
+            </a:r>
+          </a:p>
+          <a:p>
+            <a:r>
+              <a:rPr lang="en-US" dirty="0"/>
+              <a:t>From </a:t>
+            </a:r>
+            <a:r>
+              <a:rPr lang="en-US" b="1" dirty="0" err="1">
+                <a:solidFill>
+                  <a:srgbClr val="FF0000"/>
+                </a:solidFill>
+              </a:rPr>
+              <a:t>jsonlite</a:t>
+            </a:r>
+            <a:r>
+              <a:rPr lang="en-US" dirty="0"/>
+              <a:t> package, convert the page to data</a:t>
+            </a:r>
+          </a:p>
+          <a:p>
+            <a:r>
+              <a:rPr lang="en-US" dirty="0"/>
+              <a:t>Save what you need from the output</a:t>
+            </a:r>
+          </a:p>
+          <a:p>
+            <a:pPr marL="0" indent="0">
+              <a:buNone/>
+            </a:pPr>
+            <a:endParaRPr lang="en-US" dirty="0"/>
+          </a:p>
+          <a:p>
+            <a:pPr marL="0" indent="0">
+              <a:buNone/>
+            </a:pPr>
+            <a:r>
+              <a:rPr lang="en-US" dirty="0"/>
+              <a:t>	</a:t>
+            </a:r>
+            <a:endParaRPr lang="en-US" dirty="0">
+              <a:latin typeface="Courier New" panose="02070309020205020404" pitchFamily="49" charset="0"/>
+              <a:cs typeface="Courier New" panose="02070309020205020404" pitchFamily="49" charset="0"/>
+            </a:endParaRPr>
+          </a:p>
+        </p:txBody>
+      </p:sp>
+    </p:spTree>
+    <p:extLst>
+      <p:ext uri="{BB962C8B-B14F-4D97-AF65-F5344CB8AC3E}">
+        <p14:creationId xmlns:p14="http://schemas.microsoft.com/office/powerpoint/2010/main" val="245435388"/>
+      </p:ext>
+    </p:extLst>
+  </p:cSld>
+  <p:clrMapOvr>
+    <a:masterClrMapping/>
+  </p:clrMapOvr>
+</p:sld>
+</file>
+
+<file path=ppt/slides/slide42.xml><?xml version="1.0" encoding="utf-8"?>
+<p:sld xmlns:a="http://schemas.openxmlformats.org/drawingml/2006/main" xmlns:r="http://schemas.openxmlformats.org/officeDocument/2006/relationships" xmlns:p="http://schemas.openxmlformats.org/presentationml/2006/main">
+  <p:cSld>
+    <p:spTree>
+      <p:nvGrpSpPr>
+        <p:cNvPr id="1" name=""/>
+        <p:cNvGrpSpPr/>
+        <p:nvPr/>
+      </p:nvGrpSpPr>
+      <p:grpSpPr>
+        <a:xfrm>
+          <a:off x="0" y="0"/>
+          <a:ext cx="0" cy="0"/>
+          <a:chOff x="0" y="0"/>
+          <a:chExt cx="0" cy="0"/>
+        </a:xfrm>
+      </p:grpSpPr>
+      <p:sp>
+        <p:nvSpPr>
+          <p:cNvPr id="2" name="Title 1">
+            <a:extLst>
+              <a:ext uri="{FF2B5EF4-FFF2-40B4-BE49-F238E27FC236}">
+                <a16:creationId xmlns:a16="http://schemas.microsoft.com/office/drawing/2014/main" id="{23738BA5-9116-C747-9A85-EBA8759E584F}"/>
+              </a:ext>
+            </a:extLst>
+          </p:cNvPr>
+          <p:cNvSpPr>
+            <a:spLocks noGrp="1"/>
+          </p:cNvSpPr>
+          <p:nvPr>
+            <p:ph type="title"/>
+          </p:nvPr>
+        </p:nvSpPr>
+        <p:spPr/>
+        <p:txBody>
+          <a:bodyPr/>
+          <a:lstStyle/>
+          <a:p>
+            <a:r>
+              <a:rPr lang="en-US" dirty="0"/>
+              <a:t>Google search scrape </a:t>
+            </a:r>
+            <a:r>
+              <a:rPr lang="en-US" b="1" dirty="0"/>
+              <a:t>in</a:t>
+            </a:r>
+            <a:r>
+              <a:rPr lang="en-US" dirty="0"/>
+              <a:t> </a:t>
+            </a:r>
+            <a:r>
+              <a:rPr lang="en-US" b="1" dirty="0"/>
+              <a:t>3 terse, magical steps</a:t>
+            </a:r>
+          </a:p>
+        </p:txBody>
+      </p:sp>
+      <p:sp>
+        <p:nvSpPr>
+          <p:cNvPr id="3" name="Content Placeholder 2">
+            <a:extLst>
+              <a:ext uri="{FF2B5EF4-FFF2-40B4-BE49-F238E27FC236}">
+                <a16:creationId xmlns:a16="http://schemas.microsoft.com/office/drawing/2014/main" id="{8D3B8CA1-253C-C741-BA7F-2DFDDBA4EFED}"/>
+              </a:ext>
+            </a:extLst>
+          </p:cNvPr>
+          <p:cNvSpPr>
+            <a:spLocks noGrp="1"/>
+          </p:cNvSpPr>
+          <p:nvPr>
+            <p:ph idx="1"/>
+          </p:nvPr>
+        </p:nvSpPr>
+        <p:spPr/>
+        <p:txBody>
+          <a:bodyPr/>
+          <a:lstStyle/>
+          <a:p>
+            <a:r>
+              <a:rPr lang="en-US" dirty="0"/>
+              <a:t>From </a:t>
+            </a:r>
+            <a:r>
+              <a:rPr lang="en-US" b="1" dirty="0" err="1">
+                <a:solidFill>
+                  <a:srgbClr val="FF0000"/>
+                </a:solidFill>
+              </a:rPr>
+              <a:t>httr</a:t>
+            </a:r>
+            <a:r>
+              <a:rPr lang="en-US" dirty="0"/>
+              <a:t> package, use </a:t>
+            </a:r>
+            <a:r>
+              <a:rPr lang="en-US" b="1" dirty="0">
+                <a:solidFill>
+                  <a:srgbClr val="0070C0"/>
+                </a:solidFill>
+              </a:rPr>
+              <a:t>GET()</a:t>
+            </a:r>
+            <a:r>
+              <a:rPr lang="en-US" dirty="0"/>
+              <a:t> to copy the page</a:t>
             </a:r>
           </a:p>
           <a:p>
@@ -11114,7 +12124,7 @@
 </p:sld>
 </file>
 
-<file path=ppt/slides/slide41.xml><?xml version="1.0" encoding="utf-8"?>
+<file path=ppt/slides/slide43.xml><?xml version="1.0" encoding="utf-8"?>
 <p:sld xmlns:a="http://schemas.openxmlformats.org/drawingml/2006/main" xmlns:r="http://schemas.openxmlformats.org/officeDocument/2006/relationships" xmlns:p="http://schemas.openxmlformats.org/presentationml/2006/main">
   <p:cSld>
     <p:spTree>
@@ -12040,670 +13050,6 @@
 </p:sld>
 </file>
 
-<file path=ppt/slides/slide42.xml><?xml version="1.0" encoding="utf-8"?>
-<p:sld xmlns:a="http://schemas.openxmlformats.org/drawingml/2006/main" xmlns:r="http://schemas.openxmlformats.org/officeDocument/2006/relationships" xmlns:p="http://schemas.openxmlformats.org/presentationml/2006/main">
-  <p:cSld>
-    <p:spTree>
-      <p:nvGrpSpPr>
-        <p:cNvPr id="1" name=""/>
-        <p:cNvGrpSpPr/>
-        <p:nvPr/>
-      </p:nvGrpSpPr>
-      <p:grpSpPr>
-        <a:xfrm>
-          <a:off x="0" y="0"/>
-          <a:ext cx="0" cy="0"/>
-          <a:chOff x="0" y="0"/>
-          <a:chExt cx="0" cy="0"/>
-        </a:xfrm>
-      </p:grpSpPr>
-      <p:sp>
-        <p:nvSpPr>
-          <p:cNvPr id="2" name="Title 1">
-            <a:extLst>
-              <a:ext uri="{FF2B5EF4-FFF2-40B4-BE49-F238E27FC236}">
-                <a16:creationId xmlns:a16="http://schemas.microsoft.com/office/drawing/2014/main" id="{2500430C-8281-9B4E-AF88-556EEFA20D59}"/>
-              </a:ext>
-            </a:extLst>
-          </p:cNvPr>
-          <p:cNvSpPr>
-            <a:spLocks noGrp="1"/>
-          </p:cNvSpPr>
-          <p:nvPr>
-            <p:ph type="title"/>
-          </p:nvPr>
-        </p:nvSpPr>
-        <p:spPr/>
-        <p:txBody>
-          <a:bodyPr/>
-          <a:lstStyle/>
-          <a:p>
-            <a:r>
-              <a:rPr lang="en-US" dirty="0"/>
-              <a:t>Write a function</a:t>
-            </a:r>
-          </a:p>
-        </p:txBody>
-      </p:sp>
-      <p:sp>
-        <p:nvSpPr>
-          <p:cNvPr id="3" name="Content Placeholder 2">
-            <a:extLst>
-              <a:ext uri="{FF2B5EF4-FFF2-40B4-BE49-F238E27FC236}">
-                <a16:creationId xmlns:a16="http://schemas.microsoft.com/office/drawing/2014/main" id="{31BD6E22-8294-704E-89A1-AA9C7C28850E}"/>
-              </a:ext>
-            </a:extLst>
-          </p:cNvPr>
-          <p:cNvSpPr>
-            <a:spLocks noGrp="1"/>
-          </p:cNvSpPr>
-          <p:nvPr>
-            <p:ph idx="1"/>
-          </p:nvPr>
-        </p:nvSpPr>
-        <p:spPr>
-          <a:xfrm>
-            <a:off x="838200" y="1433015"/>
-            <a:ext cx="10515600" cy="4743948"/>
-          </a:xfrm>
-        </p:spPr>
-        <p:txBody>
-          <a:bodyPr>
-            <a:noAutofit/>
-          </a:bodyPr>
-          <a:lstStyle/>
-          <a:p>
-            <a:pPr marL="0" indent="0">
-              <a:buNone/>
-            </a:pPr>
-            <a:r>
-              <a:rPr lang="en-US" sz="1600" dirty="0">
-                <a:latin typeface="Courier New" panose="02070309020205020404" pitchFamily="49" charset="0"/>
-                <a:cs typeface="Courier New" panose="02070309020205020404" pitchFamily="49" charset="0"/>
-              </a:rPr>
-              <a:t>get20results &lt;- function(x) {</a:t>
-            </a:r>
-          </a:p>
-          <a:p>
-            <a:pPr marL="0" indent="0">
-              <a:buNone/>
-            </a:pPr>
-            <a:r>
-              <a:rPr lang="en-US" sz="1600" dirty="0">
-                <a:latin typeface="Courier New" panose="02070309020205020404" pitchFamily="49" charset="0"/>
-                <a:cs typeface="Courier New" panose="02070309020205020404" pitchFamily="49" charset="0"/>
-              </a:rPr>
-              <a:t>      </a:t>
-            </a:r>
-            <a:r>
-              <a:rPr lang="en-US" sz="1600" dirty="0" err="1">
-                <a:latin typeface="Courier New" panose="02070309020205020404" pitchFamily="49" charset="0"/>
-                <a:cs typeface="Courier New" panose="02070309020205020404" pitchFamily="49" charset="0"/>
-              </a:rPr>
-              <a:t>thingtosearch</a:t>
-            </a:r>
-            <a:r>
-              <a:rPr lang="en-US" sz="1600" dirty="0">
-                <a:latin typeface="Courier New" panose="02070309020205020404" pitchFamily="49" charset="0"/>
-                <a:cs typeface="Courier New" panose="02070309020205020404" pitchFamily="49" charset="0"/>
-              </a:rPr>
-              <a:t> &lt;- </a:t>
-            </a:r>
-            <a:r>
-              <a:rPr lang="en-US" sz="1600" b="1" dirty="0" err="1">
-                <a:solidFill>
-                  <a:srgbClr val="0070C0"/>
-                </a:solidFill>
-                <a:latin typeface="Courier New" panose="02070309020205020404" pitchFamily="49" charset="0"/>
-                <a:cs typeface="Courier New" panose="02070309020205020404" pitchFamily="49" charset="0"/>
-              </a:rPr>
-              <a:t>gsub</a:t>
-            </a:r>
-            <a:r>
-              <a:rPr lang="en-US" sz="1600" dirty="0">
-                <a:latin typeface="Courier New" panose="02070309020205020404" pitchFamily="49" charset="0"/>
-                <a:cs typeface="Courier New" panose="02070309020205020404" pitchFamily="49" charset="0"/>
-              </a:rPr>
-              <a:t>(" ", "+", x)</a:t>
-            </a:r>
-          </a:p>
-          <a:p>
-            <a:pPr marL="0" indent="0">
-              <a:buNone/>
-            </a:pPr>
-            <a:r>
-              <a:rPr lang="en-US" sz="1600" dirty="0">
-                <a:latin typeface="Courier New" panose="02070309020205020404" pitchFamily="49" charset="0"/>
-                <a:cs typeface="Courier New" panose="02070309020205020404" pitchFamily="49" charset="0"/>
-              </a:rPr>
-              <a:t>      </a:t>
-            </a:r>
-            <a:r>
-              <a:rPr lang="en-US" sz="1600" dirty="0" err="1">
-                <a:latin typeface="Courier New" panose="02070309020205020404" pitchFamily="49" charset="0"/>
-                <a:cs typeface="Courier New" panose="02070309020205020404" pitchFamily="49" charset="0"/>
-              </a:rPr>
-              <a:t>Gurl</a:t>
-            </a:r>
-            <a:r>
-              <a:rPr lang="en-US" sz="1600" dirty="0">
-                <a:latin typeface="Courier New" panose="02070309020205020404" pitchFamily="49" charset="0"/>
-                <a:cs typeface="Courier New" panose="02070309020205020404" pitchFamily="49" charset="0"/>
-              </a:rPr>
-              <a:t> &lt;- </a:t>
-            </a:r>
-            <a:r>
-              <a:rPr lang="en-US" sz="1600" b="1" dirty="0">
-                <a:solidFill>
-                  <a:srgbClr val="0070C0"/>
-                </a:solidFill>
-                <a:latin typeface="Courier New" panose="02070309020205020404" pitchFamily="49" charset="0"/>
-                <a:cs typeface="Courier New" panose="02070309020205020404" pitchFamily="49" charset="0"/>
-              </a:rPr>
-              <a:t>paste0</a:t>
-            </a:r>
-            <a:r>
-              <a:rPr lang="en-US" sz="1600" dirty="0">
-                <a:latin typeface="Courier New" panose="02070309020205020404" pitchFamily="49" charset="0"/>
-                <a:cs typeface="Courier New" panose="02070309020205020404" pitchFamily="49" charset="0"/>
-              </a:rPr>
-              <a:t>(</a:t>
-            </a:r>
-            <a:r>
-              <a:rPr lang="en-US" sz="1600" b="1" dirty="0">
-                <a:solidFill>
-                  <a:srgbClr val="FF0000"/>
-                </a:solidFill>
-                <a:latin typeface="Courier New" panose="02070309020205020404" pitchFamily="49" charset="0"/>
-                <a:cs typeface="Courier New" panose="02070309020205020404" pitchFamily="49" charset="0"/>
-              </a:rPr>
-              <a:t>[ALL THE PARTS OF THE URL]</a:t>
-            </a:r>
-            <a:r>
-              <a:rPr lang="en-US" sz="1600" dirty="0">
-                <a:latin typeface="Courier New" panose="02070309020205020404" pitchFamily="49" charset="0"/>
-                <a:cs typeface="Courier New" panose="02070309020205020404" pitchFamily="49" charset="0"/>
-              </a:rPr>
-              <a:t>)</a:t>
-            </a:r>
-          </a:p>
-          <a:p>
-            <a:pPr marL="0" indent="0">
-              <a:buNone/>
-            </a:pPr>
-            <a:r>
-              <a:rPr lang="en-US" sz="1600" dirty="0">
-                <a:latin typeface="Courier New" panose="02070309020205020404" pitchFamily="49" charset="0"/>
-                <a:cs typeface="Courier New" panose="02070309020205020404" pitchFamily="49" charset="0"/>
-              </a:rPr>
-              <a:t>      </a:t>
-            </a:r>
-            <a:r>
-              <a:rPr lang="en-US" sz="1600" dirty="0" err="1">
-                <a:latin typeface="Courier New" panose="02070309020205020404" pitchFamily="49" charset="0"/>
-                <a:cs typeface="Courier New" panose="02070309020205020404" pitchFamily="49" charset="0"/>
-              </a:rPr>
-              <a:t>tmp</a:t>
-            </a:r>
-            <a:r>
-              <a:rPr lang="en-US" sz="1600" dirty="0">
-                <a:latin typeface="Courier New" panose="02070309020205020404" pitchFamily="49" charset="0"/>
-                <a:cs typeface="Courier New" panose="02070309020205020404" pitchFamily="49" charset="0"/>
-              </a:rPr>
-              <a:t> &lt;- </a:t>
-            </a:r>
-            <a:r>
-              <a:rPr lang="en-US" sz="1600" b="1" dirty="0">
-                <a:solidFill>
-                  <a:srgbClr val="0070C0"/>
-                </a:solidFill>
-                <a:latin typeface="Courier New" panose="02070309020205020404" pitchFamily="49" charset="0"/>
-                <a:cs typeface="Courier New" panose="02070309020205020404" pitchFamily="49" charset="0"/>
-              </a:rPr>
-              <a:t>GET</a:t>
-            </a:r>
-            <a:r>
-              <a:rPr lang="en-US" sz="1600" dirty="0">
-                <a:latin typeface="Courier New" panose="02070309020205020404" pitchFamily="49" charset="0"/>
-                <a:cs typeface="Courier New" panose="02070309020205020404" pitchFamily="49" charset="0"/>
-              </a:rPr>
-              <a:t>(</a:t>
-            </a:r>
-            <a:r>
-              <a:rPr lang="en-US" sz="1600" dirty="0" err="1">
-                <a:latin typeface="Courier New" panose="02070309020205020404" pitchFamily="49" charset="0"/>
-                <a:cs typeface="Courier New" panose="02070309020205020404" pitchFamily="49" charset="0"/>
-              </a:rPr>
-              <a:t>Gurl</a:t>
-            </a:r>
-            <a:r>
-              <a:rPr lang="en-US" sz="1600" dirty="0">
-                <a:latin typeface="Courier New" panose="02070309020205020404" pitchFamily="49" charset="0"/>
-                <a:cs typeface="Courier New" panose="02070309020205020404" pitchFamily="49" charset="0"/>
-              </a:rPr>
-              <a:t>)</a:t>
-            </a:r>
-          </a:p>
-          <a:p>
-            <a:pPr marL="0" indent="0">
-              <a:buNone/>
-            </a:pPr>
-            <a:r>
-              <a:rPr lang="en-US" sz="1600" dirty="0">
-                <a:latin typeface="Courier New" panose="02070309020205020404" pitchFamily="49" charset="0"/>
-                <a:cs typeface="Courier New" panose="02070309020205020404" pitchFamily="49" charset="0"/>
-              </a:rPr>
-              <a:t>      tmp2 &lt;- </a:t>
-            </a:r>
-            <a:r>
-              <a:rPr lang="en-US" sz="1600" b="1" dirty="0">
-                <a:solidFill>
-                  <a:srgbClr val="0070C0"/>
-                </a:solidFill>
-                <a:latin typeface="Courier New" panose="02070309020205020404" pitchFamily="49" charset="0"/>
-                <a:cs typeface="Courier New" panose="02070309020205020404" pitchFamily="49" charset="0"/>
-              </a:rPr>
-              <a:t>content</a:t>
-            </a:r>
-            <a:r>
-              <a:rPr lang="en-US" sz="1600" dirty="0">
-                <a:latin typeface="Courier New" panose="02070309020205020404" pitchFamily="49" charset="0"/>
-                <a:cs typeface="Courier New" panose="02070309020205020404" pitchFamily="49" charset="0"/>
-              </a:rPr>
-              <a:t>(</a:t>
-            </a:r>
-            <a:r>
-              <a:rPr lang="en-US" sz="1600" dirty="0" err="1">
-                <a:latin typeface="Courier New" panose="02070309020205020404" pitchFamily="49" charset="0"/>
-                <a:cs typeface="Courier New" panose="02070309020205020404" pitchFamily="49" charset="0"/>
-              </a:rPr>
-              <a:t>tmp</a:t>
-            </a:r>
-            <a:r>
-              <a:rPr lang="en-US" sz="1600" dirty="0">
-                <a:latin typeface="Courier New" panose="02070309020205020404" pitchFamily="49" charset="0"/>
-                <a:cs typeface="Courier New" panose="02070309020205020404" pitchFamily="49" charset="0"/>
-              </a:rPr>
-              <a:t>, "text")</a:t>
-            </a:r>
-          </a:p>
-          <a:p>
-            <a:pPr marL="0" indent="0">
-              <a:buNone/>
-            </a:pPr>
-            <a:r>
-              <a:rPr lang="en-US" sz="1600" dirty="0">
-                <a:latin typeface="Courier New" panose="02070309020205020404" pitchFamily="49" charset="0"/>
-                <a:cs typeface="Courier New" panose="02070309020205020404" pitchFamily="49" charset="0"/>
-              </a:rPr>
-              <a:t>      tmp3 &lt;- </a:t>
-            </a:r>
-            <a:r>
-              <a:rPr lang="en-US" sz="1600" b="1" dirty="0" err="1">
-                <a:solidFill>
-                  <a:srgbClr val="0070C0"/>
-                </a:solidFill>
-                <a:latin typeface="Courier New" panose="02070309020205020404" pitchFamily="49" charset="0"/>
-                <a:cs typeface="Courier New" panose="02070309020205020404" pitchFamily="49" charset="0"/>
-              </a:rPr>
-              <a:t>fromJSON</a:t>
-            </a:r>
-            <a:r>
-              <a:rPr lang="en-US" sz="1600" dirty="0">
-                <a:latin typeface="Courier New" panose="02070309020205020404" pitchFamily="49" charset="0"/>
-                <a:cs typeface="Courier New" panose="02070309020205020404" pitchFamily="49" charset="0"/>
-              </a:rPr>
-              <a:t>(tmp2)</a:t>
-            </a:r>
-          </a:p>
-          <a:p>
-            <a:pPr marL="0" indent="0">
-              <a:buNone/>
-            </a:pPr>
-            <a:r>
-              <a:rPr lang="en-US" sz="1600" dirty="0">
-                <a:latin typeface="Courier New" panose="02070309020205020404" pitchFamily="49" charset="0"/>
-                <a:cs typeface="Courier New" panose="02070309020205020404" pitchFamily="49" charset="0"/>
-              </a:rPr>
-              <a:t>      tmp4 &lt;- </a:t>
-            </a:r>
-            <a:r>
-              <a:rPr lang="en-US" sz="1600" b="1" dirty="0" err="1">
-                <a:solidFill>
-                  <a:srgbClr val="0070C0"/>
-                </a:solidFill>
-                <a:latin typeface="Courier New" panose="02070309020205020404" pitchFamily="49" charset="0"/>
-                <a:cs typeface="Courier New" panose="02070309020205020404" pitchFamily="49" charset="0"/>
-              </a:rPr>
-              <a:t>bind_cols</a:t>
-            </a:r>
-            <a:r>
-              <a:rPr lang="en-US" sz="1600" dirty="0">
-                <a:latin typeface="Courier New" panose="02070309020205020404" pitchFamily="49" charset="0"/>
-                <a:cs typeface="Courier New" panose="02070309020205020404" pitchFamily="49" charset="0"/>
-              </a:rPr>
-              <a:t>(</a:t>
-            </a:r>
-          </a:p>
-          <a:p>
-            <a:pPr marL="0" indent="0">
-              <a:buNone/>
-            </a:pPr>
-            <a:r>
-              <a:rPr lang="en-US" sz="1600" dirty="0">
-                <a:latin typeface="Courier New" panose="02070309020205020404" pitchFamily="49" charset="0"/>
-                <a:cs typeface="Courier New" panose="02070309020205020404" pitchFamily="49" charset="0"/>
-              </a:rPr>
-              <a:t>	</a:t>
-            </a:r>
-            <a:r>
-              <a:rPr lang="en-US" sz="1600" b="1" dirty="0">
-                <a:latin typeface="Courier New" panose="02070309020205020404" pitchFamily="49" charset="0"/>
-                <a:cs typeface="Courier New" panose="02070309020205020404" pitchFamily="49" charset="0"/>
-              </a:rPr>
-              <a:t>  name = tmp3...name,</a:t>
-            </a:r>
-          </a:p>
-          <a:p>
-            <a:pPr marL="0" indent="0">
-              <a:buNone/>
-            </a:pPr>
-            <a:r>
-              <a:rPr lang="en-US" sz="1600" b="1" dirty="0">
-                <a:latin typeface="Courier New" panose="02070309020205020404" pitchFamily="49" charset="0"/>
-                <a:cs typeface="Courier New" panose="02070309020205020404" pitchFamily="49" charset="0"/>
-              </a:rPr>
-              <a:t>	  </a:t>
-            </a:r>
-            <a:r>
-              <a:rPr lang="en-US" sz="1600" b="1" dirty="0" err="1">
-                <a:latin typeface="Courier New" panose="02070309020205020404" pitchFamily="49" charset="0"/>
-                <a:cs typeface="Courier New" panose="02070309020205020404" pitchFamily="49" charset="0"/>
-              </a:rPr>
-              <a:t>lon</a:t>
-            </a:r>
-            <a:r>
-              <a:rPr lang="en-US" sz="1600" b="1" dirty="0">
-                <a:latin typeface="Courier New" panose="02070309020205020404" pitchFamily="49" charset="0"/>
-                <a:cs typeface="Courier New" panose="02070309020205020404" pitchFamily="49" charset="0"/>
-              </a:rPr>
-              <a:t> = tmp3...</a:t>
-            </a:r>
-            <a:r>
-              <a:rPr lang="en-US" sz="1600" b="1" dirty="0" err="1">
-                <a:latin typeface="Courier New" panose="02070309020205020404" pitchFamily="49" charset="0"/>
-                <a:cs typeface="Courier New" panose="02070309020205020404" pitchFamily="49" charset="0"/>
-              </a:rPr>
-              <a:t>lng</a:t>
-            </a:r>
-            <a:r>
-              <a:rPr lang="en-US" sz="1600" b="1" dirty="0">
-                <a:latin typeface="Courier New" panose="02070309020205020404" pitchFamily="49" charset="0"/>
-                <a:cs typeface="Courier New" panose="02070309020205020404" pitchFamily="49" charset="0"/>
-              </a:rPr>
-              <a:t>,</a:t>
-            </a:r>
-          </a:p>
-          <a:p>
-            <a:pPr marL="0" indent="0">
-              <a:buNone/>
-            </a:pPr>
-            <a:r>
-              <a:rPr lang="en-US" sz="1600" b="1" dirty="0">
-                <a:latin typeface="Courier New" panose="02070309020205020404" pitchFamily="49" charset="0"/>
-                <a:cs typeface="Courier New" panose="02070309020205020404" pitchFamily="49" charset="0"/>
-              </a:rPr>
-              <a:t>	  </a:t>
-            </a:r>
-            <a:r>
-              <a:rPr lang="en-US" sz="1600" b="1" dirty="0" err="1">
-                <a:latin typeface="Courier New" panose="02070309020205020404" pitchFamily="49" charset="0"/>
-                <a:cs typeface="Courier New" panose="02070309020205020404" pitchFamily="49" charset="0"/>
-              </a:rPr>
-              <a:t>lat</a:t>
-            </a:r>
-            <a:r>
-              <a:rPr lang="en-US" sz="1600" b="1" dirty="0">
-                <a:latin typeface="Courier New" panose="02070309020205020404" pitchFamily="49" charset="0"/>
-                <a:cs typeface="Courier New" panose="02070309020205020404" pitchFamily="49" charset="0"/>
-              </a:rPr>
-              <a:t> = tmp3...</a:t>
-            </a:r>
-            <a:r>
-              <a:rPr lang="en-US" sz="1600" b="1" dirty="0" err="1">
-                <a:latin typeface="Courier New" panose="02070309020205020404" pitchFamily="49" charset="0"/>
-                <a:cs typeface="Courier New" panose="02070309020205020404" pitchFamily="49" charset="0"/>
-              </a:rPr>
-              <a:t>lat</a:t>
-            </a:r>
-            <a:r>
-              <a:rPr lang="en-US" sz="1600" b="1" dirty="0">
-                <a:latin typeface="Courier New" panose="02070309020205020404" pitchFamily="49" charset="0"/>
-                <a:cs typeface="Courier New" panose="02070309020205020404" pitchFamily="49" charset="0"/>
-              </a:rPr>
-              <a:t>,</a:t>
-            </a:r>
-          </a:p>
-          <a:p>
-            <a:pPr marL="0" indent="0">
-              <a:buNone/>
-            </a:pPr>
-            <a:r>
-              <a:rPr lang="en-US" sz="1600" b="1" dirty="0">
-                <a:latin typeface="Courier New" panose="02070309020205020404" pitchFamily="49" charset="0"/>
-                <a:cs typeface="Courier New" panose="02070309020205020404" pitchFamily="49" charset="0"/>
-              </a:rPr>
-              <a:t>      	  address = tmp3...</a:t>
-            </a:r>
-            <a:r>
-              <a:rPr lang="en-US" sz="1600" b="1" dirty="0" err="1">
-                <a:latin typeface="Courier New" panose="02070309020205020404" pitchFamily="49" charset="0"/>
-                <a:cs typeface="Courier New" panose="02070309020205020404" pitchFamily="49" charset="0"/>
-              </a:rPr>
-              <a:t>formatted_address</a:t>
-            </a:r>
-            <a:endParaRPr lang="en-US" sz="1600" b="1" dirty="0">
-              <a:latin typeface="Courier New" panose="02070309020205020404" pitchFamily="49" charset="0"/>
-              <a:cs typeface="Courier New" panose="02070309020205020404" pitchFamily="49" charset="0"/>
-            </a:endParaRPr>
-          </a:p>
-          <a:p>
-            <a:pPr marL="0" indent="0">
-              <a:buNone/>
-            </a:pPr>
-            <a:r>
-              <a:rPr lang="en-US" sz="1600" dirty="0">
-                <a:latin typeface="Courier New" panose="02070309020205020404" pitchFamily="49" charset="0"/>
-                <a:cs typeface="Courier New" panose="02070309020205020404" pitchFamily="49" charset="0"/>
-              </a:rPr>
-              <a:t>    	)</a:t>
-            </a:r>
-          </a:p>
-          <a:p>
-            <a:pPr marL="0" indent="0">
-              <a:buNone/>
-            </a:pPr>
-            <a:r>
-              <a:rPr lang="en-US" sz="1600" dirty="0">
-                <a:solidFill>
-                  <a:srgbClr val="0070C0"/>
-                </a:solidFill>
-                <a:latin typeface="Courier New" panose="02070309020205020404" pitchFamily="49" charset="0"/>
-                <a:cs typeface="Courier New" panose="02070309020205020404" pitchFamily="49" charset="0"/>
-              </a:rPr>
-              <a:t>     </a:t>
-            </a:r>
-            <a:r>
-              <a:rPr lang="en-US" sz="1600" b="1" dirty="0">
-                <a:solidFill>
-                  <a:srgbClr val="0070C0"/>
-                </a:solidFill>
-                <a:latin typeface="Courier New" panose="02070309020205020404" pitchFamily="49" charset="0"/>
-                <a:cs typeface="Courier New" panose="02070309020205020404" pitchFamily="49" charset="0"/>
-              </a:rPr>
-              <a:t>return</a:t>
-            </a:r>
-            <a:r>
-              <a:rPr lang="en-US" sz="1600" dirty="0">
-                <a:latin typeface="Courier New" panose="02070309020205020404" pitchFamily="49" charset="0"/>
-                <a:cs typeface="Courier New" panose="02070309020205020404" pitchFamily="49" charset="0"/>
-              </a:rPr>
-              <a:t>(tmp4)</a:t>
-            </a:r>
-          </a:p>
-          <a:p>
-            <a:pPr marL="0" indent="0">
-              <a:buNone/>
-            </a:pPr>
-            <a:r>
-              <a:rPr lang="en-US" sz="1600" dirty="0">
-                <a:latin typeface="Courier New" panose="02070309020205020404" pitchFamily="49" charset="0"/>
-                <a:cs typeface="Courier New" panose="02070309020205020404" pitchFamily="49" charset="0"/>
-              </a:rPr>
-              <a:t>}</a:t>
-            </a:r>
-          </a:p>
-        </p:txBody>
-      </p:sp>
-    </p:spTree>
-    <p:extLst>
-      <p:ext uri="{BB962C8B-B14F-4D97-AF65-F5344CB8AC3E}">
-        <p14:creationId xmlns:p14="http://schemas.microsoft.com/office/powerpoint/2010/main" val="3530579242"/>
-      </p:ext>
-    </p:extLst>
-  </p:cSld>
-  <p:clrMapOvr>
-    <a:masterClrMapping/>
-  </p:clrMapOvr>
-</p:sld>
-</file>
-
-<file path=ppt/slides/slide43.xml><?xml version="1.0" encoding="utf-8"?>
-<p:sld xmlns:a="http://schemas.openxmlformats.org/drawingml/2006/main" xmlns:r="http://schemas.openxmlformats.org/officeDocument/2006/relationships" xmlns:p="http://schemas.openxmlformats.org/presentationml/2006/main">
-  <p:cSld>
-    <p:spTree>
-      <p:nvGrpSpPr>
-        <p:cNvPr id="1" name=""/>
-        <p:cNvGrpSpPr/>
-        <p:nvPr/>
-      </p:nvGrpSpPr>
-      <p:grpSpPr>
-        <a:xfrm>
-          <a:off x="0" y="0"/>
-          <a:ext cx="0" cy="0"/>
-          <a:chOff x="0" y="0"/>
-          <a:chExt cx="0" cy="0"/>
-        </a:xfrm>
-      </p:grpSpPr>
-      <p:sp>
-        <p:nvSpPr>
-          <p:cNvPr id="2" name="Title 1">
-            <a:extLst>
-              <a:ext uri="{FF2B5EF4-FFF2-40B4-BE49-F238E27FC236}">
-                <a16:creationId xmlns:a16="http://schemas.microsoft.com/office/drawing/2014/main" id="{4EB0FB6F-4D6F-B544-8579-4DD96DC15590}"/>
-              </a:ext>
-            </a:extLst>
-          </p:cNvPr>
-          <p:cNvSpPr>
-            <a:spLocks noGrp="1"/>
-          </p:cNvSpPr>
-          <p:nvPr>
-            <p:ph type="title"/>
-          </p:nvPr>
-        </p:nvSpPr>
-        <p:spPr/>
-        <p:txBody>
-          <a:bodyPr/>
-          <a:lstStyle/>
-          <a:p>
-            <a:r>
-              <a:rPr lang="en-US" dirty="0"/>
-              <a:t>Concept review</a:t>
-            </a:r>
-          </a:p>
-        </p:txBody>
-      </p:sp>
-      <p:sp>
-        <p:nvSpPr>
-          <p:cNvPr id="3" name="Content Placeholder 2">
-            <a:extLst>
-              <a:ext uri="{FF2B5EF4-FFF2-40B4-BE49-F238E27FC236}">
-                <a16:creationId xmlns:a16="http://schemas.microsoft.com/office/drawing/2014/main" id="{8D473BA4-ACCB-1641-A3A2-A47E3C900E42}"/>
-              </a:ext>
-            </a:extLst>
-          </p:cNvPr>
-          <p:cNvSpPr>
-            <a:spLocks noGrp="1"/>
-          </p:cNvSpPr>
-          <p:nvPr>
-            <p:ph idx="1"/>
-          </p:nvPr>
-        </p:nvSpPr>
-        <p:spPr/>
-        <p:txBody>
-          <a:bodyPr/>
-          <a:lstStyle/>
-          <a:p>
-            <a:r>
-              <a:rPr lang="en-US" dirty="0"/>
-              <a:t>If you have places, even approximately or badly defined...</a:t>
-            </a:r>
-          </a:p>
-          <a:p>
-            <a:pPr lvl="1"/>
-            <a:endParaRPr lang="en-US" dirty="0"/>
-          </a:p>
-          <a:p>
-            <a:pPr lvl="1"/>
-            <a:r>
-              <a:rPr lang="en-US" dirty="0"/>
-              <a:t>You can get a list of results from Google</a:t>
-            </a:r>
-          </a:p>
-          <a:p>
-            <a:pPr lvl="1"/>
-            <a:r>
-              <a:rPr lang="en-US" dirty="0"/>
-              <a:t>You can get coordinates</a:t>
-            </a:r>
-          </a:p>
-          <a:p>
-            <a:pPr lvl="1"/>
-            <a:r>
-              <a:rPr lang="en-US" dirty="0"/>
-              <a:t>You can get addresses</a:t>
-            </a:r>
-          </a:p>
-          <a:p>
-            <a:pPr lvl="1"/>
-            <a:r>
-              <a:rPr lang="en-US" dirty="0"/>
-              <a:t>You can get open hours, ratings, </a:t>
-            </a:r>
-            <a:r>
-              <a:rPr lang="en-US" dirty="0" err="1"/>
-              <a:t>etc</a:t>
-            </a:r>
-            <a:endParaRPr lang="en-US" dirty="0"/>
-          </a:p>
-          <a:p>
-            <a:endParaRPr lang="en-US" dirty="0"/>
-          </a:p>
-        </p:txBody>
-      </p:sp>
-    </p:spTree>
-    <p:extLst>
-      <p:ext uri="{BB962C8B-B14F-4D97-AF65-F5344CB8AC3E}">
-        <p14:creationId xmlns:p14="http://schemas.microsoft.com/office/powerpoint/2010/main" val="2505069821"/>
-      </p:ext>
-    </p:extLst>
-  </p:cSld>
-  <p:clrMapOvr>
-    <a:masterClrMapping/>
-  </p:clrMapOvr>
-</p:sld>
-</file>
-
 <file path=ppt/slides/slide44.xml><?xml version="1.0" encoding="utf-8"?>
 <p:sld xmlns:a="http://schemas.openxmlformats.org/drawingml/2006/main" xmlns:r="http://schemas.openxmlformats.org/officeDocument/2006/relationships" xmlns:p="http://schemas.openxmlformats.org/presentationml/2006/main">
   <p:cSld>
@@ -12726,7 +13072,7 @@
           <p:cNvPr id="2" name="Title 1">
             <a:extLst>
               <a:ext uri="{FF2B5EF4-FFF2-40B4-BE49-F238E27FC236}">
-                <a16:creationId xmlns:a16="http://schemas.microsoft.com/office/drawing/2014/main" id="{B814EFA1-8D6B-4F4D-8872-7E68D9CD2A76}"/>
+                <a16:creationId xmlns:a16="http://schemas.microsoft.com/office/drawing/2014/main" id="{2500430C-8281-9B4E-AF88-556EEFA20D59}"/>
               </a:ext>
             </a:extLst>
           </p:cNvPr>
@@ -12744,17 +13090,17 @@
           <a:p>
             <a:r>
               <a:rPr lang="en-US" dirty="0"/>
-              <a:t>Quick aside</a:t>
-            </a:r>
-          </a:p>
-        </p:txBody>
-      </p:sp>
-      <p:sp>
-        <p:nvSpPr>
-          <p:cNvPr id="5" name="Content Placeholder 4">
-            <a:extLst>
-              <a:ext uri="{FF2B5EF4-FFF2-40B4-BE49-F238E27FC236}">
-                <a16:creationId xmlns:a16="http://schemas.microsoft.com/office/drawing/2014/main" id="{09062DA8-E888-6444-A465-9C1BBF02436A}"/>
+              <a:t>Write a function</a:t>
+            </a:r>
+          </a:p>
+        </p:txBody>
+      </p:sp>
+      <p:sp>
+        <p:nvSpPr>
+          <p:cNvPr id="3" name="Content Placeholder 2">
+            <a:extLst>
+              <a:ext uri="{FF2B5EF4-FFF2-40B4-BE49-F238E27FC236}">
+                <a16:creationId xmlns:a16="http://schemas.microsoft.com/office/drawing/2014/main" id="{31BD6E22-8294-704E-89A1-AA9C7C28850E}"/>
               </a:ext>
             </a:extLst>
           </p:cNvPr>
@@ -12763,6 +13109,516 @@
           </p:cNvSpPr>
           <p:nvPr>
             <p:ph idx="1"/>
+          </p:nvPr>
+        </p:nvSpPr>
+        <p:spPr>
+          <a:xfrm>
+            <a:off x="838200" y="1433015"/>
+            <a:ext cx="10515600" cy="4743948"/>
+          </a:xfrm>
+        </p:spPr>
+        <p:txBody>
+          <a:bodyPr>
+            <a:noAutofit/>
+          </a:bodyPr>
+          <a:lstStyle/>
+          <a:p>
+            <a:pPr marL="0" indent="0">
+              <a:buNone/>
+            </a:pPr>
+            <a:r>
+              <a:rPr lang="en-US" sz="1800" dirty="0">
+                <a:latin typeface="Courier New" panose="02070309020205020404" pitchFamily="49" charset="0"/>
+                <a:cs typeface="Courier New" panose="02070309020205020404" pitchFamily="49" charset="0"/>
+              </a:rPr>
+              <a:t>get20results &lt;- function(x) {</a:t>
+            </a:r>
+          </a:p>
+          <a:p>
+            <a:pPr marL="0" indent="0">
+              <a:buNone/>
+            </a:pPr>
+            <a:r>
+              <a:rPr lang="en-US" sz="1800" dirty="0">
+                <a:latin typeface="Courier New" panose="02070309020205020404" pitchFamily="49" charset="0"/>
+                <a:cs typeface="Courier New" panose="02070309020205020404" pitchFamily="49" charset="0"/>
+              </a:rPr>
+              <a:t>      </a:t>
+            </a:r>
+            <a:r>
+              <a:rPr lang="en-US" sz="1800" dirty="0" err="1">
+                <a:latin typeface="Courier New" panose="02070309020205020404" pitchFamily="49" charset="0"/>
+                <a:cs typeface="Courier New" panose="02070309020205020404" pitchFamily="49" charset="0"/>
+              </a:rPr>
+              <a:t>thingtosearch</a:t>
+            </a:r>
+            <a:r>
+              <a:rPr lang="en-US" sz="1800" dirty="0">
+                <a:latin typeface="Courier New" panose="02070309020205020404" pitchFamily="49" charset="0"/>
+                <a:cs typeface="Courier New" panose="02070309020205020404" pitchFamily="49" charset="0"/>
+              </a:rPr>
+              <a:t> &lt;- </a:t>
+            </a:r>
+            <a:r>
+              <a:rPr lang="en-US" sz="1800" b="1" dirty="0" err="1">
+                <a:solidFill>
+                  <a:srgbClr val="0070C0"/>
+                </a:solidFill>
+                <a:latin typeface="Courier New" panose="02070309020205020404" pitchFamily="49" charset="0"/>
+                <a:cs typeface="Courier New" panose="02070309020205020404" pitchFamily="49" charset="0"/>
+              </a:rPr>
+              <a:t>gsub</a:t>
+            </a:r>
+            <a:r>
+              <a:rPr lang="en-US" sz="1800" dirty="0">
+                <a:latin typeface="Courier New" panose="02070309020205020404" pitchFamily="49" charset="0"/>
+                <a:cs typeface="Courier New" panose="02070309020205020404" pitchFamily="49" charset="0"/>
+              </a:rPr>
+              <a:t>(" ", "+", x)</a:t>
+            </a:r>
+          </a:p>
+          <a:p>
+            <a:pPr marL="0" indent="0">
+              <a:buNone/>
+            </a:pPr>
+            <a:r>
+              <a:rPr lang="en-US" sz="1800" dirty="0">
+                <a:latin typeface="Courier New" panose="02070309020205020404" pitchFamily="49" charset="0"/>
+                <a:cs typeface="Courier New" panose="02070309020205020404" pitchFamily="49" charset="0"/>
+              </a:rPr>
+              <a:t>      </a:t>
+            </a:r>
+            <a:r>
+              <a:rPr lang="en-US" sz="1800" dirty="0" err="1">
+                <a:latin typeface="Courier New" panose="02070309020205020404" pitchFamily="49" charset="0"/>
+                <a:cs typeface="Courier New" panose="02070309020205020404" pitchFamily="49" charset="0"/>
+              </a:rPr>
+              <a:t>Gurl</a:t>
+            </a:r>
+            <a:r>
+              <a:rPr lang="en-US" sz="1800" dirty="0">
+                <a:latin typeface="Courier New" panose="02070309020205020404" pitchFamily="49" charset="0"/>
+                <a:cs typeface="Courier New" panose="02070309020205020404" pitchFamily="49" charset="0"/>
+              </a:rPr>
+              <a:t> &lt;- </a:t>
+            </a:r>
+            <a:r>
+              <a:rPr lang="en-US" sz="1800" b="1" dirty="0">
+                <a:solidFill>
+                  <a:srgbClr val="0070C0"/>
+                </a:solidFill>
+                <a:latin typeface="Courier New" panose="02070309020205020404" pitchFamily="49" charset="0"/>
+                <a:cs typeface="Courier New" panose="02070309020205020404" pitchFamily="49" charset="0"/>
+              </a:rPr>
+              <a:t>paste0</a:t>
+            </a:r>
+            <a:r>
+              <a:rPr lang="en-US" sz="1800" dirty="0">
+                <a:latin typeface="Courier New" panose="02070309020205020404" pitchFamily="49" charset="0"/>
+                <a:cs typeface="Courier New" panose="02070309020205020404" pitchFamily="49" charset="0"/>
+              </a:rPr>
+              <a:t>(</a:t>
+            </a:r>
+            <a:r>
+              <a:rPr lang="en-US" sz="1800" b="1" dirty="0">
+                <a:solidFill>
+                  <a:srgbClr val="FF0000"/>
+                </a:solidFill>
+                <a:latin typeface="Courier New" panose="02070309020205020404" pitchFamily="49" charset="0"/>
+                <a:cs typeface="Courier New" panose="02070309020205020404" pitchFamily="49" charset="0"/>
+              </a:rPr>
+              <a:t>[ALL THE PARTS OF THE URL]</a:t>
+            </a:r>
+            <a:r>
+              <a:rPr lang="en-US" sz="1800" dirty="0">
+                <a:latin typeface="Courier New" panose="02070309020205020404" pitchFamily="49" charset="0"/>
+                <a:cs typeface="Courier New" panose="02070309020205020404" pitchFamily="49" charset="0"/>
+              </a:rPr>
+              <a:t>)</a:t>
+            </a:r>
+          </a:p>
+          <a:p>
+            <a:pPr marL="0" indent="0">
+              <a:buNone/>
+            </a:pPr>
+            <a:r>
+              <a:rPr lang="en-US" sz="1800" dirty="0">
+                <a:latin typeface="Courier New" panose="02070309020205020404" pitchFamily="49" charset="0"/>
+                <a:cs typeface="Courier New" panose="02070309020205020404" pitchFamily="49" charset="0"/>
+              </a:rPr>
+              <a:t>      </a:t>
+            </a:r>
+            <a:r>
+              <a:rPr lang="en-US" sz="1800" dirty="0" err="1">
+                <a:latin typeface="Courier New" panose="02070309020205020404" pitchFamily="49" charset="0"/>
+                <a:cs typeface="Courier New" panose="02070309020205020404" pitchFamily="49" charset="0"/>
+              </a:rPr>
+              <a:t>tmp</a:t>
+            </a:r>
+            <a:r>
+              <a:rPr lang="en-US" sz="1800" dirty="0">
+                <a:latin typeface="Courier New" panose="02070309020205020404" pitchFamily="49" charset="0"/>
+                <a:cs typeface="Courier New" panose="02070309020205020404" pitchFamily="49" charset="0"/>
+              </a:rPr>
+              <a:t> &lt;- </a:t>
+            </a:r>
+            <a:r>
+              <a:rPr lang="en-US" sz="1800" b="1" dirty="0">
+                <a:solidFill>
+                  <a:srgbClr val="0070C0"/>
+                </a:solidFill>
+                <a:latin typeface="Courier New" panose="02070309020205020404" pitchFamily="49" charset="0"/>
+                <a:cs typeface="Courier New" panose="02070309020205020404" pitchFamily="49" charset="0"/>
+              </a:rPr>
+              <a:t>GET</a:t>
+            </a:r>
+            <a:r>
+              <a:rPr lang="en-US" sz="1800" dirty="0">
+                <a:latin typeface="Courier New" panose="02070309020205020404" pitchFamily="49" charset="0"/>
+                <a:cs typeface="Courier New" panose="02070309020205020404" pitchFamily="49" charset="0"/>
+              </a:rPr>
+              <a:t>(</a:t>
+            </a:r>
+            <a:r>
+              <a:rPr lang="en-US" sz="1800" dirty="0" err="1">
+                <a:latin typeface="Courier New" panose="02070309020205020404" pitchFamily="49" charset="0"/>
+                <a:cs typeface="Courier New" panose="02070309020205020404" pitchFamily="49" charset="0"/>
+              </a:rPr>
+              <a:t>Gurl</a:t>
+            </a:r>
+            <a:r>
+              <a:rPr lang="en-US" sz="1800" dirty="0">
+                <a:latin typeface="Courier New" panose="02070309020205020404" pitchFamily="49" charset="0"/>
+                <a:cs typeface="Courier New" panose="02070309020205020404" pitchFamily="49" charset="0"/>
+              </a:rPr>
+              <a:t>)</a:t>
+            </a:r>
+          </a:p>
+          <a:p>
+            <a:pPr marL="0" indent="0">
+              <a:buNone/>
+            </a:pPr>
+            <a:r>
+              <a:rPr lang="en-US" sz="1800" dirty="0">
+                <a:latin typeface="Courier New" panose="02070309020205020404" pitchFamily="49" charset="0"/>
+                <a:cs typeface="Courier New" panose="02070309020205020404" pitchFamily="49" charset="0"/>
+              </a:rPr>
+              <a:t>      tmp2 &lt;- </a:t>
+            </a:r>
+            <a:r>
+              <a:rPr lang="en-US" sz="1800" b="1" dirty="0">
+                <a:solidFill>
+                  <a:srgbClr val="0070C0"/>
+                </a:solidFill>
+                <a:latin typeface="Courier New" panose="02070309020205020404" pitchFamily="49" charset="0"/>
+                <a:cs typeface="Courier New" panose="02070309020205020404" pitchFamily="49" charset="0"/>
+              </a:rPr>
+              <a:t>content</a:t>
+            </a:r>
+            <a:r>
+              <a:rPr lang="en-US" sz="1800" dirty="0">
+                <a:latin typeface="Courier New" panose="02070309020205020404" pitchFamily="49" charset="0"/>
+                <a:cs typeface="Courier New" panose="02070309020205020404" pitchFamily="49" charset="0"/>
+              </a:rPr>
+              <a:t>(</a:t>
+            </a:r>
+            <a:r>
+              <a:rPr lang="en-US" sz="1800" dirty="0" err="1">
+                <a:latin typeface="Courier New" panose="02070309020205020404" pitchFamily="49" charset="0"/>
+                <a:cs typeface="Courier New" panose="02070309020205020404" pitchFamily="49" charset="0"/>
+              </a:rPr>
+              <a:t>tmp</a:t>
+            </a:r>
+            <a:r>
+              <a:rPr lang="en-US" sz="1800" dirty="0">
+                <a:latin typeface="Courier New" panose="02070309020205020404" pitchFamily="49" charset="0"/>
+                <a:cs typeface="Courier New" panose="02070309020205020404" pitchFamily="49" charset="0"/>
+              </a:rPr>
+              <a:t>, "text")</a:t>
+            </a:r>
+          </a:p>
+          <a:p>
+            <a:pPr marL="0" indent="0">
+              <a:buNone/>
+            </a:pPr>
+            <a:r>
+              <a:rPr lang="en-US" sz="1800" dirty="0">
+                <a:latin typeface="Courier New" panose="02070309020205020404" pitchFamily="49" charset="0"/>
+                <a:cs typeface="Courier New" panose="02070309020205020404" pitchFamily="49" charset="0"/>
+              </a:rPr>
+              <a:t>      tmp3 &lt;- </a:t>
+            </a:r>
+            <a:r>
+              <a:rPr lang="en-US" sz="1800" b="1" dirty="0" err="1">
+                <a:solidFill>
+                  <a:srgbClr val="0070C0"/>
+                </a:solidFill>
+                <a:latin typeface="Courier New" panose="02070309020205020404" pitchFamily="49" charset="0"/>
+                <a:cs typeface="Courier New" panose="02070309020205020404" pitchFamily="49" charset="0"/>
+              </a:rPr>
+              <a:t>fromJSON</a:t>
+            </a:r>
+            <a:r>
+              <a:rPr lang="en-US" sz="1800" dirty="0">
+                <a:latin typeface="Courier New" panose="02070309020205020404" pitchFamily="49" charset="0"/>
+                <a:cs typeface="Courier New" panose="02070309020205020404" pitchFamily="49" charset="0"/>
+              </a:rPr>
+              <a:t>(tmp2)</a:t>
+            </a:r>
+          </a:p>
+          <a:p>
+            <a:pPr marL="0" indent="0">
+              <a:buNone/>
+            </a:pPr>
+            <a:r>
+              <a:rPr lang="en-US" sz="1800" dirty="0">
+                <a:latin typeface="Courier New" panose="02070309020205020404" pitchFamily="49" charset="0"/>
+                <a:cs typeface="Courier New" panose="02070309020205020404" pitchFamily="49" charset="0"/>
+              </a:rPr>
+              <a:t>      tmp4 &lt;- </a:t>
+            </a:r>
+            <a:r>
+              <a:rPr lang="en-US" sz="1800" b="1" dirty="0" err="1">
+                <a:solidFill>
+                  <a:srgbClr val="0070C0"/>
+                </a:solidFill>
+                <a:latin typeface="Courier New" panose="02070309020205020404" pitchFamily="49" charset="0"/>
+                <a:cs typeface="Courier New" panose="02070309020205020404" pitchFamily="49" charset="0"/>
+              </a:rPr>
+              <a:t>bind_cols</a:t>
+            </a:r>
+            <a:r>
+              <a:rPr lang="en-US" sz="1800" dirty="0">
+                <a:latin typeface="Courier New" panose="02070309020205020404" pitchFamily="49" charset="0"/>
+                <a:cs typeface="Courier New" panose="02070309020205020404" pitchFamily="49" charset="0"/>
+              </a:rPr>
+              <a:t>(</a:t>
+            </a:r>
+          </a:p>
+          <a:p>
+            <a:pPr marL="0" indent="0">
+              <a:buNone/>
+            </a:pPr>
+            <a:r>
+              <a:rPr lang="en-US" sz="1800" dirty="0">
+                <a:latin typeface="Courier New" panose="02070309020205020404" pitchFamily="49" charset="0"/>
+                <a:cs typeface="Courier New" panose="02070309020205020404" pitchFamily="49" charset="0"/>
+              </a:rPr>
+              <a:t>	</a:t>
+            </a:r>
+            <a:r>
+              <a:rPr lang="en-US" sz="1800" b="1" dirty="0">
+                <a:latin typeface="Courier New" panose="02070309020205020404" pitchFamily="49" charset="0"/>
+                <a:cs typeface="Courier New" panose="02070309020205020404" pitchFamily="49" charset="0"/>
+              </a:rPr>
+              <a:t>  name = tmp3...name,</a:t>
+            </a:r>
+          </a:p>
+          <a:p>
+            <a:pPr marL="0" indent="0">
+              <a:buNone/>
+            </a:pPr>
+            <a:r>
+              <a:rPr lang="en-US" sz="1800" b="1" dirty="0">
+                <a:latin typeface="Courier New" panose="02070309020205020404" pitchFamily="49" charset="0"/>
+                <a:cs typeface="Courier New" panose="02070309020205020404" pitchFamily="49" charset="0"/>
+              </a:rPr>
+              <a:t>	  </a:t>
+            </a:r>
+            <a:r>
+              <a:rPr lang="en-US" sz="1800" b="1" dirty="0" err="1">
+                <a:latin typeface="Courier New" panose="02070309020205020404" pitchFamily="49" charset="0"/>
+                <a:cs typeface="Courier New" panose="02070309020205020404" pitchFamily="49" charset="0"/>
+              </a:rPr>
+              <a:t>lon</a:t>
+            </a:r>
+            <a:r>
+              <a:rPr lang="en-US" sz="1800" b="1" dirty="0">
+                <a:latin typeface="Courier New" panose="02070309020205020404" pitchFamily="49" charset="0"/>
+                <a:cs typeface="Courier New" panose="02070309020205020404" pitchFamily="49" charset="0"/>
+              </a:rPr>
+              <a:t> = tmp3...</a:t>
+            </a:r>
+            <a:r>
+              <a:rPr lang="en-US" sz="1800" b="1" dirty="0" err="1">
+                <a:latin typeface="Courier New" panose="02070309020205020404" pitchFamily="49" charset="0"/>
+                <a:cs typeface="Courier New" panose="02070309020205020404" pitchFamily="49" charset="0"/>
+              </a:rPr>
+              <a:t>lng</a:t>
+            </a:r>
+            <a:r>
+              <a:rPr lang="en-US" sz="1800" b="1" dirty="0">
+                <a:latin typeface="Courier New" panose="02070309020205020404" pitchFamily="49" charset="0"/>
+                <a:cs typeface="Courier New" panose="02070309020205020404" pitchFamily="49" charset="0"/>
+              </a:rPr>
+              <a:t>,</a:t>
+            </a:r>
+          </a:p>
+          <a:p>
+            <a:pPr marL="0" indent="0">
+              <a:buNone/>
+            </a:pPr>
+            <a:r>
+              <a:rPr lang="en-US" sz="1800" b="1" dirty="0">
+                <a:latin typeface="Courier New" panose="02070309020205020404" pitchFamily="49" charset="0"/>
+                <a:cs typeface="Courier New" panose="02070309020205020404" pitchFamily="49" charset="0"/>
+              </a:rPr>
+              <a:t>	  </a:t>
+            </a:r>
+            <a:r>
+              <a:rPr lang="en-US" sz="1800" b="1" dirty="0" err="1">
+                <a:latin typeface="Courier New" panose="02070309020205020404" pitchFamily="49" charset="0"/>
+                <a:cs typeface="Courier New" panose="02070309020205020404" pitchFamily="49" charset="0"/>
+              </a:rPr>
+              <a:t>lat</a:t>
+            </a:r>
+            <a:r>
+              <a:rPr lang="en-US" sz="1800" b="1" dirty="0">
+                <a:latin typeface="Courier New" panose="02070309020205020404" pitchFamily="49" charset="0"/>
+                <a:cs typeface="Courier New" panose="02070309020205020404" pitchFamily="49" charset="0"/>
+              </a:rPr>
+              <a:t> = tmp3...</a:t>
+            </a:r>
+            <a:r>
+              <a:rPr lang="en-US" sz="1800" b="1" dirty="0" err="1">
+                <a:latin typeface="Courier New" panose="02070309020205020404" pitchFamily="49" charset="0"/>
+                <a:cs typeface="Courier New" panose="02070309020205020404" pitchFamily="49" charset="0"/>
+              </a:rPr>
+              <a:t>lat</a:t>
+            </a:r>
+            <a:r>
+              <a:rPr lang="en-US" sz="1800" b="1" dirty="0">
+                <a:latin typeface="Courier New" panose="02070309020205020404" pitchFamily="49" charset="0"/>
+                <a:cs typeface="Courier New" panose="02070309020205020404" pitchFamily="49" charset="0"/>
+              </a:rPr>
+              <a:t>,</a:t>
+            </a:r>
+          </a:p>
+          <a:p>
+            <a:pPr marL="0" indent="0">
+              <a:buNone/>
+            </a:pPr>
+            <a:r>
+              <a:rPr lang="en-US" sz="1800" b="1" dirty="0">
+                <a:latin typeface="Courier New" panose="02070309020205020404" pitchFamily="49" charset="0"/>
+                <a:cs typeface="Courier New" panose="02070309020205020404" pitchFamily="49" charset="0"/>
+              </a:rPr>
+              <a:t>      	  address = tmp3...</a:t>
+            </a:r>
+            <a:r>
+              <a:rPr lang="en-US" sz="1800" b="1" dirty="0" err="1">
+                <a:latin typeface="Courier New" panose="02070309020205020404" pitchFamily="49" charset="0"/>
+                <a:cs typeface="Courier New" panose="02070309020205020404" pitchFamily="49" charset="0"/>
+              </a:rPr>
+              <a:t>formatted_address</a:t>
+            </a:r>
+            <a:endParaRPr lang="en-US" sz="1800" b="1" dirty="0">
+              <a:latin typeface="Courier New" panose="02070309020205020404" pitchFamily="49" charset="0"/>
+              <a:cs typeface="Courier New" panose="02070309020205020404" pitchFamily="49" charset="0"/>
+            </a:endParaRPr>
+          </a:p>
+          <a:p>
+            <a:pPr marL="0" indent="0">
+              <a:buNone/>
+            </a:pPr>
+            <a:r>
+              <a:rPr lang="en-US" sz="1800" dirty="0">
+                <a:latin typeface="Courier New" panose="02070309020205020404" pitchFamily="49" charset="0"/>
+                <a:cs typeface="Courier New" panose="02070309020205020404" pitchFamily="49" charset="0"/>
+              </a:rPr>
+              <a:t>    	)</a:t>
+            </a:r>
+          </a:p>
+          <a:p>
+            <a:pPr marL="0" indent="0">
+              <a:buNone/>
+            </a:pPr>
+            <a:r>
+              <a:rPr lang="en-US" sz="1800" dirty="0">
+                <a:solidFill>
+                  <a:srgbClr val="0070C0"/>
+                </a:solidFill>
+                <a:latin typeface="Courier New" panose="02070309020205020404" pitchFamily="49" charset="0"/>
+                <a:cs typeface="Courier New" panose="02070309020205020404" pitchFamily="49" charset="0"/>
+              </a:rPr>
+              <a:t>     </a:t>
+            </a:r>
+            <a:r>
+              <a:rPr lang="en-US" sz="1800" b="1" dirty="0">
+                <a:solidFill>
+                  <a:srgbClr val="0070C0"/>
+                </a:solidFill>
+                <a:latin typeface="Courier New" panose="02070309020205020404" pitchFamily="49" charset="0"/>
+                <a:cs typeface="Courier New" panose="02070309020205020404" pitchFamily="49" charset="0"/>
+              </a:rPr>
+              <a:t>return</a:t>
+            </a:r>
+            <a:r>
+              <a:rPr lang="en-US" sz="1800" dirty="0">
+                <a:latin typeface="Courier New" panose="02070309020205020404" pitchFamily="49" charset="0"/>
+                <a:cs typeface="Courier New" panose="02070309020205020404" pitchFamily="49" charset="0"/>
+              </a:rPr>
+              <a:t>(tmp4)</a:t>
+            </a:r>
+          </a:p>
+          <a:p>
+            <a:pPr marL="0" indent="0">
+              <a:buNone/>
+            </a:pPr>
+            <a:r>
+              <a:rPr lang="en-US" sz="1800" dirty="0">
+                <a:latin typeface="Courier New" panose="02070309020205020404" pitchFamily="49" charset="0"/>
+                <a:cs typeface="Courier New" panose="02070309020205020404" pitchFamily="49" charset="0"/>
+              </a:rPr>
+              <a:t>}</a:t>
+            </a:r>
+          </a:p>
+        </p:txBody>
+      </p:sp>
+    </p:spTree>
+    <p:extLst>
+      <p:ext uri="{BB962C8B-B14F-4D97-AF65-F5344CB8AC3E}">
+        <p14:creationId xmlns:p14="http://schemas.microsoft.com/office/powerpoint/2010/main" val="3530579242"/>
+      </p:ext>
+    </p:extLst>
+  </p:cSld>
+  <p:clrMapOvr>
+    <a:masterClrMapping/>
+  </p:clrMapOvr>
+</p:sld>
+</file>
+
+<file path=ppt/slides/slide45.xml><?xml version="1.0" encoding="utf-8"?>
+<p:sld xmlns:a="http://schemas.openxmlformats.org/drawingml/2006/main" xmlns:r="http://schemas.openxmlformats.org/officeDocument/2006/relationships" xmlns:p="http://schemas.openxmlformats.org/presentationml/2006/main">
+  <p:cSld>
+    <p:spTree>
+      <p:nvGrpSpPr>
+        <p:cNvPr id="1" name=""/>
+        <p:cNvGrpSpPr/>
+        <p:nvPr/>
+      </p:nvGrpSpPr>
+      <p:grpSpPr>
+        <a:xfrm>
+          <a:off x="0" y="0"/>
+          <a:ext cx="0" cy="0"/>
+          <a:chOff x="0" y="0"/>
+          <a:chExt cx="0" cy="0"/>
+        </a:xfrm>
+      </p:grpSpPr>
+      <p:sp>
+        <p:nvSpPr>
+          <p:cNvPr id="2" name="Title 1">
+            <a:extLst>
+              <a:ext uri="{FF2B5EF4-FFF2-40B4-BE49-F238E27FC236}">
+                <a16:creationId xmlns:a16="http://schemas.microsoft.com/office/drawing/2014/main" id="{4EB0FB6F-4D6F-B544-8579-4DD96DC15590}"/>
+              </a:ext>
+            </a:extLst>
+          </p:cNvPr>
+          <p:cNvSpPr>
+            <a:spLocks noGrp="1"/>
+          </p:cNvSpPr>
+          <p:nvPr>
+            <p:ph type="title"/>
           </p:nvPr>
         </p:nvSpPr>
         <p:spPr/>
@@ -12770,6 +13626,160 @@
           <a:bodyPr/>
           <a:lstStyle/>
           <a:p>
+            <a:r>
+              <a:rPr lang="en-US" dirty="0"/>
+              <a:t>Concept review</a:t>
+            </a:r>
+          </a:p>
+        </p:txBody>
+      </p:sp>
+      <p:sp>
+        <p:nvSpPr>
+          <p:cNvPr id="3" name="Content Placeholder 2">
+            <a:extLst>
+              <a:ext uri="{FF2B5EF4-FFF2-40B4-BE49-F238E27FC236}">
+                <a16:creationId xmlns:a16="http://schemas.microsoft.com/office/drawing/2014/main" id="{8D473BA4-ACCB-1641-A3A2-A47E3C900E42}"/>
+              </a:ext>
+            </a:extLst>
+          </p:cNvPr>
+          <p:cNvSpPr>
+            <a:spLocks noGrp="1"/>
+          </p:cNvSpPr>
+          <p:nvPr>
+            <p:ph idx="1"/>
+          </p:nvPr>
+        </p:nvSpPr>
+        <p:spPr/>
+        <p:txBody>
+          <a:bodyPr/>
+          <a:lstStyle/>
+          <a:p>
+            <a:r>
+              <a:rPr lang="en-US" dirty="0"/>
+              <a:t>If you have places, even approximately or badly defined...</a:t>
+            </a:r>
+          </a:p>
+          <a:p>
+            <a:pPr lvl="1"/>
+            <a:endParaRPr lang="en-US" dirty="0"/>
+          </a:p>
+          <a:p>
+            <a:pPr lvl="1"/>
+            <a:r>
+              <a:rPr lang="en-US" dirty="0"/>
+              <a:t>You can get a list of results from Google</a:t>
+            </a:r>
+          </a:p>
+          <a:p>
+            <a:pPr lvl="1"/>
+            <a:r>
+              <a:rPr lang="en-US" dirty="0"/>
+              <a:t>You can get coordinates</a:t>
+            </a:r>
+          </a:p>
+          <a:p>
+            <a:pPr lvl="1"/>
+            <a:r>
+              <a:rPr lang="en-US" dirty="0"/>
+              <a:t>You can get addresses</a:t>
+            </a:r>
+          </a:p>
+          <a:p>
+            <a:pPr lvl="1"/>
+            <a:r>
+              <a:rPr lang="en-US" dirty="0"/>
+              <a:t>You can get open hours, ratings, </a:t>
+            </a:r>
+            <a:r>
+              <a:rPr lang="en-US" dirty="0" err="1"/>
+              <a:t>etc</a:t>
+            </a:r>
+            <a:endParaRPr lang="en-US" dirty="0"/>
+          </a:p>
+          <a:p>
+            <a:endParaRPr lang="en-US" dirty="0"/>
+          </a:p>
+        </p:txBody>
+      </p:sp>
+    </p:spTree>
+    <p:extLst>
+      <p:ext uri="{BB962C8B-B14F-4D97-AF65-F5344CB8AC3E}">
+        <p14:creationId xmlns:p14="http://schemas.microsoft.com/office/powerpoint/2010/main" val="2505069821"/>
+      </p:ext>
+    </p:extLst>
+  </p:cSld>
+  <p:clrMapOvr>
+    <a:masterClrMapping/>
+  </p:clrMapOvr>
+</p:sld>
+</file>
+
+<file path=ppt/slides/slide46.xml><?xml version="1.0" encoding="utf-8"?>
+<p:sld xmlns:a="http://schemas.openxmlformats.org/drawingml/2006/main" xmlns:r="http://schemas.openxmlformats.org/officeDocument/2006/relationships" xmlns:p="http://schemas.openxmlformats.org/presentationml/2006/main">
+  <p:cSld>
+    <p:spTree>
+      <p:nvGrpSpPr>
+        <p:cNvPr id="1" name=""/>
+        <p:cNvGrpSpPr/>
+        <p:nvPr/>
+      </p:nvGrpSpPr>
+      <p:grpSpPr>
+        <a:xfrm>
+          <a:off x="0" y="0"/>
+          <a:ext cx="0" cy="0"/>
+          <a:chOff x="0" y="0"/>
+          <a:chExt cx="0" cy="0"/>
+        </a:xfrm>
+      </p:grpSpPr>
+      <p:sp>
+        <p:nvSpPr>
+          <p:cNvPr id="2" name="Title 1">
+            <a:extLst>
+              <a:ext uri="{FF2B5EF4-FFF2-40B4-BE49-F238E27FC236}">
+                <a16:creationId xmlns:a16="http://schemas.microsoft.com/office/drawing/2014/main" id="{B814EFA1-8D6B-4F4D-8872-7E68D9CD2A76}"/>
+              </a:ext>
+            </a:extLst>
+          </p:cNvPr>
+          <p:cNvSpPr>
+            <a:spLocks noGrp="1"/>
+          </p:cNvSpPr>
+          <p:nvPr>
+            <p:ph type="title"/>
+          </p:nvPr>
+        </p:nvSpPr>
+        <p:spPr/>
+        <p:txBody>
+          <a:bodyPr/>
+          <a:lstStyle/>
+          <a:p>
+            <a:r>
+              <a:rPr lang="en-US" dirty="0"/>
+              <a:t>Quick aside</a:t>
+            </a:r>
+          </a:p>
+        </p:txBody>
+      </p:sp>
+      <p:sp>
+        <p:nvSpPr>
+          <p:cNvPr id="5" name="Content Placeholder 4">
+            <a:extLst>
+              <a:ext uri="{FF2B5EF4-FFF2-40B4-BE49-F238E27FC236}">
+                <a16:creationId xmlns:a16="http://schemas.microsoft.com/office/drawing/2014/main" id="{09062DA8-E888-6444-A465-9C1BBF02436A}"/>
+              </a:ext>
+            </a:extLst>
+          </p:cNvPr>
+          <p:cNvSpPr>
+            <a:spLocks noGrp="1"/>
+          </p:cNvSpPr>
+          <p:nvPr>
+            <p:ph idx="1"/>
+          </p:nvPr>
+        </p:nvSpPr>
+        <p:spPr/>
+        <p:txBody>
+          <a:bodyPr/>
+          <a:lstStyle/>
+          <a:p>
             <a:pPr marL="0" indent="0">
               <a:buNone/>
             </a:pPr>
@@ -12777,6 +13787,10 @@
               <a:rPr lang="en-US" dirty="0"/>
               <a:t>Location data the easy way!</a:t>
             </a:r>
+          </a:p>
+          <a:p>
+            <a:pPr lvl="1"/>
+            <a:endParaRPr lang="en-US" dirty="0"/>
           </a:p>
           <a:p>
             <a:pPr lvl="1"/>
@@ -12814,40 +13828,68 @@
           <a:p>
             <a:pPr lvl="2"/>
             <a:r>
-              <a:rPr lang="en-US" dirty="0"/>
+              <a:rPr lang="en-US" b="1" dirty="0">
+                <a:solidFill>
+                  <a:srgbClr val="0070C0"/>
+                </a:solidFill>
+              </a:rPr>
               <a:t>geocode()</a:t>
             </a:r>
           </a:p>
           <a:p>
             <a:pPr lvl="2"/>
             <a:r>
-              <a:rPr lang="en-US" dirty="0" err="1"/>
+              <a:rPr lang="en-US" b="1" dirty="0" err="1">
+                <a:solidFill>
+                  <a:srgbClr val="0070C0"/>
+                </a:solidFill>
+              </a:rPr>
               <a:t>mapdist</a:t>
             </a:r>
             <a:r>
-              <a:rPr lang="en-US" dirty="0"/>
+              <a:rPr lang="en-US" b="1" dirty="0">
+                <a:solidFill>
+                  <a:srgbClr val="0070C0"/>
+                </a:solidFill>
+              </a:rPr>
               <a:t>()</a:t>
             </a:r>
           </a:p>
           <a:p>
             <a:pPr lvl="2"/>
             <a:r>
-              <a:rPr lang="en-US" dirty="0" err="1"/>
+              <a:rPr lang="en-US" b="1" dirty="0" err="1">
+                <a:solidFill>
+                  <a:srgbClr val="0070C0"/>
+                </a:solidFill>
+              </a:rPr>
               <a:t>get_map</a:t>
             </a:r>
             <a:r>
-              <a:rPr lang="en-US" dirty="0"/>
+              <a:rPr lang="en-US" b="1" dirty="0">
+                <a:solidFill>
+                  <a:srgbClr val="0070C0"/>
+                </a:solidFill>
+              </a:rPr>
               <a:t>()</a:t>
             </a:r>
           </a:p>
           <a:p>
             <a:pPr lvl="2"/>
             <a:r>
-              <a:rPr lang="en-US" dirty="0" err="1"/>
+              <a:rPr lang="en-US" b="1" dirty="0" err="1">
+                <a:solidFill>
+                  <a:srgbClr val="0070C0"/>
+                </a:solidFill>
+              </a:rPr>
               <a:t>ggmap</a:t>
             </a:r>
             <a:r>
-              <a:rPr lang="en-US" dirty="0"/>
+              <a:rPr lang="en-US" b="1" dirty="0">
+                <a:solidFill>
+                  <a:srgbClr val="0070C0"/>
+                </a:solidFill>
+              </a:rPr>
               <a:t>()</a:t>
             </a:r>
           </a:p>
@@ -12866,7 +13908,7 @@
 </p:sld>
 </file>
 
-<file path=ppt/slides/slide45.xml><?xml version="1.0" encoding="utf-8"?>
+<file path=ppt/slides/slide47.xml><?xml version="1.0" encoding="utf-8"?>
 <p:sld xmlns:a="http://schemas.openxmlformats.org/drawingml/2006/main" xmlns:r="http://schemas.openxmlformats.org/officeDocument/2006/relationships" xmlns:p="http://schemas.openxmlformats.org/presentationml/2006/main">
   <p:cSld>
     <p:spTree>
@@ -13010,7 +14052,7 @@
 </p:sld>
 </file>
 
-<file path=ppt/slides/slide46.xml><?xml version="1.0" encoding="utf-8"?>
+<file path=ppt/slides/slide48.xml><?xml version="1.0" encoding="utf-8"?>
 <p:sld xmlns:a="http://schemas.openxmlformats.org/drawingml/2006/main" xmlns:r="http://schemas.openxmlformats.org/officeDocument/2006/relationships" xmlns:p="http://schemas.openxmlformats.org/presentationml/2006/main">
   <p:cSld>
     <p:spTree>
@@ -13180,7 +14222,7 @@
 </p:sld>
 </file>
 
-<file path=ppt/slides/slide47.xml><?xml version="1.0" encoding="utf-8"?>
+<file path=ppt/slides/slide49.xml><?xml version="1.0" encoding="utf-8"?>
 <p:sld xmlns:a="http://schemas.openxmlformats.org/drawingml/2006/main" xmlns:r="http://schemas.openxmlformats.org/officeDocument/2006/relationships" xmlns:p="http://schemas.openxmlformats.org/presentationml/2006/main">
   <p:cSld>
     <p:spTree>
@@ -13350,7 +14392,206 @@
 </p:sld>
 </file>
 
-<file path=ppt/slides/slide48.xml><?xml version="1.0" encoding="utf-8"?>
+<file path=ppt/slides/slide5.xml><?xml version="1.0" encoding="utf-8"?>
+<p:sld xmlns:a="http://schemas.openxmlformats.org/drawingml/2006/main" xmlns:r="http://schemas.openxmlformats.org/officeDocument/2006/relationships" xmlns:p="http://schemas.openxmlformats.org/presentationml/2006/main">
+  <p:cSld>
+    <p:spTree>
+      <p:nvGrpSpPr>
+        <p:cNvPr id="1" name=""/>
+        <p:cNvGrpSpPr/>
+        <p:nvPr/>
+      </p:nvGrpSpPr>
+      <p:grpSpPr>
+        <a:xfrm>
+          <a:off x="0" y="0"/>
+          <a:ext cx="0" cy="0"/>
+          <a:chOff x="0" y="0"/>
+          <a:chExt cx="0" cy="0"/>
+        </a:xfrm>
+      </p:grpSpPr>
+      <p:sp>
+        <p:nvSpPr>
+          <p:cNvPr id="2" name="Title 1">
+            <a:extLst>
+              <a:ext uri="{FF2B5EF4-FFF2-40B4-BE49-F238E27FC236}">
+                <a16:creationId xmlns:a16="http://schemas.microsoft.com/office/drawing/2014/main" id="{1B2CAC03-CC33-D44A-B450-C3ED2F47535A}"/>
+              </a:ext>
+            </a:extLst>
+          </p:cNvPr>
+          <p:cNvSpPr>
+            <a:spLocks noGrp="1"/>
+          </p:cNvSpPr>
+          <p:nvPr>
+            <p:ph type="title"/>
+          </p:nvPr>
+        </p:nvSpPr>
+        <p:spPr/>
+        <p:txBody>
+          <a:bodyPr/>
+          <a:lstStyle/>
+          <a:p>
+            <a:r>
+              <a:rPr lang="en-US" dirty="0"/>
+              <a:t>Suggestions for this session</a:t>
+            </a:r>
+          </a:p>
+        </p:txBody>
+      </p:sp>
+      <p:sp>
+        <p:nvSpPr>
+          <p:cNvPr id="3" name="Content Placeholder 2">
+            <a:extLst>
+              <a:ext uri="{FF2B5EF4-FFF2-40B4-BE49-F238E27FC236}">
+                <a16:creationId xmlns:a16="http://schemas.microsoft.com/office/drawing/2014/main" id="{76915A56-FD09-FC4B-B97F-551272ACFD19}"/>
+              </a:ext>
+            </a:extLst>
+          </p:cNvPr>
+          <p:cNvSpPr>
+            <a:spLocks noGrp="1"/>
+          </p:cNvSpPr>
+          <p:nvPr>
+            <p:ph idx="1"/>
+          </p:nvPr>
+        </p:nvSpPr>
+        <p:spPr/>
+        <p:txBody>
+          <a:bodyPr>
+            <a:normAutofit fontScale="92500" lnSpcReduction="10000"/>
+          </a:bodyPr>
+          <a:lstStyle/>
+          <a:p>
+            <a:r>
+              <a:rPr lang="en-US" dirty="0"/>
+              <a:t>If you don’t know R, don’t worry!</a:t>
+            </a:r>
+          </a:p>
+          <a:p>
+            <a:pPr lvl="1"/>
+            <a:r>
+              <a:rPr lang="en-US" dirty="0"/>
+              <a:t>Are the output and flexibility worth the effort for you to learn R?</a:t>
+            </a:r>
+          </a:p>
+          <a:p>
+            <a:pPr lvl="1"/>
+            <a:r>
+              <a:rPr lang="en-US" dirty="0"/>
+              <a:t>SSCC has you covered:  </a:t>
+            </a:r>
+          </a:p>
+          <a:p>
+            <a:pPr marL="457200" lvl="1" indent="0" algn="ctr">
+              <a:buNone/>
+            </a:pPr>
+            <a:endParaRPr lang="en-US" dirty="0"/>
+          </a:p>
+          <a:p>
+            <a:pPr marL="457200" lvl="1" indent="0">
+              <a:buNone/>
+            </a:pPr>
+            <a:r>
+              <a:rPr lang="en-US" b="1" dirty="0"/>
+              <a:t>		</a:t>
+            </a:r>
+            <a:r>
+              <a:rPr lang="en-US" sz="3000" b="1" dirty="0"/>
+              <a:t>R Programming and Concepts </a:t>
+            </a:r>
+            <a:r>
+              <a:rPr lang="en-US" sz="3000" dirty="0"/>
+              <a:t>starting on </a:t>
+            </a:r>
+            <a:r>
+              <a:rPr lang="en-US" sz="3000" b="1" dirty="0">
+                <a:solidFill>
+                  <a:srgbClr val="FF0000"/>
+                </a:solidFill>
+              </a:rPr>
+              <a:t>June 11</a:t>
+            </a:r>
+            <a:r>
+              <a:rPr lang="en-US" sz="3000" b="1" dirty="0"/>
+              <a:t> </a:t>
+            </a:r>
+          </a:p>
+          <a:p>
+            <a:pPr marL="457200" lvl="1" indent="0">
+              <a:buNone/>
+            </a:pPr>
+            <a:r>
+              <a:rPr lang="en-US" sz="3000" b="1" dirty="0"/>
+              <a:t>		R for Researchers </a:t>
+            </a:r>
+            <a:r>
+              <a:rPr lang="en-US" sz="3000" dirty="0"/>
+              <a:t>at fall semester </a:t>
+            </a:r>
+            <a:r>
+              <a:rPr lang="en-US" sz="3000" dirty="0" err="1"/>
+              <a:t>bootcamp</a:t>
+            </a:r>
+            <a:r>
+              <a:rPr lang="en-US" sz="3000" dirty="0"/>
+              <a:t> </a:t>
+            </a:r>
+          </a:p>
+          <a:p>
+            <a:endParaRPr lang="en-US" dirty="0"/>
+          </a:p>
+          <a:p>
+            <a:r>
+              <a:rPr lang="en-US" dirty="0"/>
+              <a:t>If you do know R, here is a link to the GitHub page for this presentation</a:t>
+            </a:r>
+          </a:p>
+          <a:p>
+            <a:pPr marL="0" indent="0" algn="ctr">
+              <a:buNone/>
+            </a:pPr>
+            <a:endParaRPr lang="en-US" dirty="0"/>
+          </a:p>
+          <a:p>
+            <a:pPr marL="0" indent="0" algn="ctr">
+              <a:buNone/>
+            </a:pPr>
+            <a:r>
+              <a:rPr lang="en-US" sz="3600" b="1" dirty="0" err="1"/>
+              <a:t>github.com</a:t>
+            </a:r>
+            <a:r>
+              <a:rPr lang="en-US" sz="3600" b="1" dirty="0"/>
+              <a:t>/</a:t>
+            </a:r>
+            <a:r>
+              <a:rPr lang="en-US" sz="3600" b="1" dirty="0" err="1"/>
+              <a:t>nrjjones</a:t>
+            </a:r>
+            <a:r>
+              <a:rPr lang="en-US" sz="3600" b="1" dirty="0"/>
+              <a:t>/</a:t>
+            </a:r>
+            <a:r>
+              <a:rPr lang="en-US" sz="3600" b="1" dirty="0" err="1"/>
+              <a:t>BuildingContextualData</a:t>
+            </a:r>
+            <a:endParaRPr lang="en-US" sz="3600" b="1" dirty="0"/>
+          </a:p>
+        </p:txBody>
+      </p:sp>
+    </p:spTree>
+    <p:extLst>
+      <p:ext uri="{BB962C8B-B14F-4D97-AF65-F5344CB8AC3E}">
+        <p14:creationId xmlns:p14="http://schemas.microsoft.com/office/powerpoint/2010/main" val="257793820"/>
+      </p:ext>
+    </p:extLst>
+  </p:cSld>
+  <p:clrMapOvr>
+    <a:masterClrMapping/>
+  </p:clrMapOvr>
+</p:sld>
+</file>
+
+<file path=ppt/slides/slide50.xml><?xml version="1.0" encoding="utf-8"?>
 <p:sld xmlns:a="http://schemas.openxmlformats.org/drawingml/2006/main" xmlns:r="http://schemas.openxmlformats.org/officeDocument/2006/relationships" xmlns:p="http://schemas.openxmlformats.org/presentationml/2006/main">
   <p:cSld>
     <p:spTree>
@@ -13815,835 +15056,6 @@
 </p:sld>
 </file>
 
-<file path=ppt/slides/slide49.xml><?xml version="1.0" encoding="utf-8"?>
-<p:sld xmlns:a="http://schemas.openxmlformats.org/drawingml/2006/main" xmlns:r="http://schemas.openxmlformats.org/officeDocument/2006/relationships" xmlns:p="http://schemas.openxmlformats.org/presentationml/2006/main">
-  <p:cSld>
-    <p:spTree>
-      <p:nvGrpSpPr>
-        <p:cNvPr id="1" name=""/>
-        <p:cNvGrpSpPr/>
-        <p:nvPr/>
-      </p:nvGrpSpPr>
-      <p:grpSpPr>
-        <a:xfrm>
-          <a:off x="0" y="0"/>
-          <a:ext cx="0" cy="0"/>
-          <a:chOff x="0" y="0"/>
-          <a:chExt cx="0" cy="0"/>
-        </a:xfrm>
-      </p:grpSpPr>
-      <p:sp>
-        <p:nvSpPr>
-          <p:cNvPr id="2" name="Title 1">
-            <a:extLst>
-              <a:ext uri="{FF2B5EF4-FFF2-40B4-BE49-F238E27FC236}">
-                <a16:creationId xmlns:a16="http://schemas.microsoft.com/office/drawing/2014/main" id="{33B9C160-084A-4A47-8DB0-359E24BE17FF}"/>
-              </a:ext>
-            </a:extLst>
-          </p:cNvPr>
-          <p:cNvSpPr>
-            <a:spLocks noGrp="1"/>
-          </p:cNvSpPr>
-          <p:nvPr>
-            <p:ph type="title"/>
-          </p:nvPr>
-        </p:nvSpPr>
-        <p:spPr/>
-        <p:txBody>
-          <a:bodyPr/>
-          <a:lstStyle/>
-          <a:p>
-            <a:r>
-              <a:rPr lang="en-US" dirty="0"/>
-              <a:t>Example 3: Health care options</a:t>
-            </a:r>
-          </a:p>
-        </p:txBody>
-      </p:sp>
-      <p:sp>
-        <p:nvSpPr>
-          <p:cNvPr id="3" name="Content Placeholder 2">
-            <a:extLst>
-              <a:ext uri="{FF2B5EF4-FFF2-40B4-BE49-F238E27FC236}">
-                <a16:creationId xmlns:a16="http://schemas.microsoft.com/office/drawing/2014/main" id="{A25C33EB-14FB-794D-BB17-EC73160674C4}"/>
-              </a:ext>
-            </a:extLst>
-          </p:cNvPr>
-          <p:cNvSpPr>
-            <a:spLocks noGrp="1"/>
-          </p:cNvSpPr>
-          <p:nvPr>
-            <p:ph idx="1"/>
-          </p:nvPr>
-        </p:nvSpPr>
-        <p:spPr/>
-        <p:txBody>
-          <a:bodyPr/>
-          <a:lstStyle/>
-          <a:p>
-            <a:r>
-              <a:rPr lang="en-US" dirty="0"/>
-              <a:t>So, now we know how to get location information from a search</a:t>
-            </a:r>
-          </a:p>
-          <a:p>
-            <a:endParaRPr lang="en-US" dirty="0"/>
-          </a:p>
-          <a:p>
-            <a:r>
-              <a:rPr lang="en-US" dirty="0"/>
-              <a:t>Let’s create some relevant data</a:t>
-            </a:r>
-          </a:p>
-          <a:p>
-            <a:pPr lvl="1"/>
-            <a:r>
-              <a:rPr lang="en-US" dirty="0"/>
-              <a:t>Distance to closest coop grocery</a:t>
-            </a:r>
-          </a:p>
-          <a:p>
-            <a:pPr lvl="1"/>
-            <a:r>
-              <a:rPr lang="en-US" dirty="0"/>
-              <a:t>Distance to health care services</a:t>
-            </a:r>
-          </a:p>
-          <a:p>
-            <a:pPr lvl="1"/>
-            <a:r>
-              <a:rPr lang="en-US" dirty="0"/>
-              <a:t>Density of health care services</a:t>
-            </a:r>
-          </a:p>
-          <a:p>
-            <a:pPr lvl="1"/>
-            <a:endParaRPr lang="en-US" dirty="0"/>
-          </a:p>
-        </p:txBody>
-      </p:sp>
-    </p:spTree>
-    <p:extLst>
-      <p:ext uri="{BB962C8B-B14F-4D97-AF65-F5344CB8AC3E}">
-        <p14:creationId xmlns:p14="http://schemas.microsoft.com/office/powerpoint/2010/main" val="1979401067"/>
-      </p:ext>
-    </p:extLst>
-  </p:cSld>
-  <p:clrMapOvr>
-    <a:masterClrMapping/>
-  </p:clrMapOvr>
-</p:sld>
-</file>
-
-<file path=ppt/slides/slide5.xml><?xml version="1.0" encoding="utf-8"?>
-<p:sld xmlns:a="http://schemas.openxmlformats.org/drawingml/2006/main" xmlns:r="http://schemas.openxmlformats.org/officeDocument/2006/relationships" xmlns:p="http://schemas.openxmlformats.org/presentationml/2006/main">
-  <p:cSld>
-    <p:spTree>
-      <p:nvGrpSpPr>
-        <p:cNvPr id="1" name=""/>
-        <p:cNvGrpSpPr/>
-        <p:nvPr/>
-      </p:nvGrpSpPr>
-      <p:grpSpPr>
-        <a:xfrm>
-          <a:off x="0" y="0"/>
-          <a:ext cx="0" cy="0"/>
-          <a:chOff x="0" y="0"/>
-          <a:chExt cx="0" cy="0"/>
-        </a:xfrm>
-      </p:grpSpPr>
-      <p:sp>
-        <p:nvSpPr>
-          <p:cNvPr id="2" name="Title 1">
-            <a:extLst>
-              <a:ext uri="{FF2B5EF4-FFF2-40B4-BE49-F238E27FC236}">
-                <a16:creationId xmlns:a16="http://schemas.microsoft.com/office/drawing/2014/main" id="{1B2CAC03-CC33-D44A-B450-C3ED2F47535A}"/>
-              </a:ext>
-            </a:extLst>
-          </p:cNvPr>
-          <p:cNvSpPr>
-            <a:spLocks noGrp="1"/>
-          </p:cNvSpPr>
-          <p:nvPr>
-            <p:ph type="title"/>
-          </p:nvPr>
-        </p:nvSpPr>
-        <p:spPr/>
-        <p:txBody>
-          <a:bodyPr/>
-          <a:lstStyle/>
-          <a:p>
-            <a:r>
-              <a:rPr lang="en-US" dirty="0"/>
-              <a:t>Suggestions for this session</a:t>
-            </a:r>
-          </a:p>
-        </p:txBody>
-      </p:sp>
-      <p:sp>
-        <p:nvSpPr>
-          <p:cNvPr id="3" name="Content Placeholder 2">
-            <a:extLst>
-              <a:ext uri="{FF2B5EF4-FFF2-40B4-BE49-F238E27FC236}">
-                <a16:creationId xmlns:a16="http://schemas.microsoft.com/office/drawing/2014/main" id="{76915A56-FD09-FC4B-B97F-551272ACFD19}"/>
-              </a:ext>
-            </a:extLst>
-          </p:cNvPr>
-          <p:cNvSpPr>
-            <a:spLocks noGrp="1"/>
-          </p:cNvSpPr>
-          <p:nvPr>
-            <p:ph idx="1"/>
-          </p:nvPr>
-        </p:nvSpPr>
-        <p:spPr/>
-        <p:txBody>
-          <a:bodyPr>
-            <a:normAutofit fontScale="92500" lnSpcReduction="10000"/>
-          </a:bodyPr>
-          <a:lstStyle/>
-          <a:p>
-            <a:r>
-              <a:rPr lang="en-US" dirty="0"/>
-              <a:t>If you don’t know R, don’t worry!</a:t>
-            </a:r>
-          </a:p>
-          <a:p>
-            <a:pPr lvl="1"/>
-            <a:r>
-              <a:rPr lang="en-US" dirty="0"/>
-              <a:t>Are the output and flexibility worth the effort for you to learn R?</a:t>
-            </a:r>
-          </a:p>
-          <a:p>
-            <a:pPr lvl="1"/>
-            <a:r>
-              <a:rPr lang="en-US" dirty="0"/>
-              <a:t>SSCC has you covered:  </a:t>
-            </a:r>
-          </a:p>
-          <a:p>
-            <a:pPr marL="457200" lvl="1" indent="0" algn="ctr">
-              <a:buNone/>
-            </a:pPr>
-            <a:endParaRPr lang="en-US" dirty="0"/>
-          </a:p>
-          <a:p>
-            <a:pPr marL="457200" lvl="1" indent="0">
-              <a:buNone/>
-            </a:pPr>
-            <a:r>
-              <a:rPr lang="en-US" b="1" dirty="0"/>
-              <a:t>		</a:t>
-            </a:r>
-            <a:r>
-              <a:rPr lang="en-US" sz="3000" b="1" dirty="0"/>
-              <a:t>R Programming and Concepts </a:t>
-            </a:r>
-            <a:r>
-              <a:rPr lang="en-US" sz="3000" dirty="0"/>
-              <a:t>starting on </a:t>
-            </a:r>
-            <a:r>
-              <a:rPr lang="en-US" sz="3000" b="1" dirty="0">
-                <a:solidFill>
-                  <a:srgbClr val="FF0000"/>
-                </a:solidFill>
-              </a:rPr>
-              <a:t>June 11</a:t>
-            </a:r>
-            <a:r>
-              <a:rPr lang="en-US" sz="3000" b="1" dirty="0"/>
-              <a:t> </a:t>
-            </a:r>
-          </a:p>
-          <a:p>
-            <a:pPr marL="457200" lvl="1" indent="0">
-              <a:buNone/>
-            </a:pPr>
-            <a:r>
-              <a:rPr lang="en-US" sz="3000" b="1" dirty="0"/>
-              <a:t>		R for Researchers </a:t>
-            </a:r>
-            <a:r>
-              <a:rPr lang="en-US" sz="3000" dirty="0"/>
-              <a:t>at fall semester </a:t>
-            </a:r>
-            <a:r>
-              <a:rPr lang="en-US" sz="3000" dirty="0" err="1"/>
-              <a:t>bootcamp</a:t>
-            </a:r>
-            <a:r>
-              <a:rPr lang="en-US" sz="3000" dirty="0"/>
-              <a:t> </a:t>
-            </a:r>
-          </a:p>
-          <a:p>
-            <a:endParaRPr lang="en-US" dirty="0"/>
-          </a:p>
-          <a:p>
-            <a:r>
-              <a:rPr lang="en-US" dirty="0"/>
-              <a:t>If you do know R, here is a link to the GitHub page for this presentation</a:t>
-            </a:r>
-          </a:p>
-          <a:p>
-            <a:pPr marL="0" indent="0" algn="ctr">
-              <a:buNone/>
-            </a:pPr>
-            <a:endParaRPr lang="en-US" dirty="0"/>
-          </a:p>
-          <a:p>
-            <a:pPr marL="0" indent="0" algn="ctr">
-              <a:buNone/>
-            </a:pPr>
-            <a:r>
-              <a:rPr lang="en-US" sz="3600" b="1" dirty="0" err="1"/>
-              <a:t>github.com</a:t>
-            </a:r>
-            <a:r>
-              <a:rPr lang="en-US" sz="3600" b="1" dirty="0"/>
-              <a:t>/</a:t>
-            </a:r>
-            <a:r>
-              <a:rPr lang="en-US" sz="3600" b="1" dirty="0" err="1"/>
-              <a:t>nrjjones</a:t>
-            </a:r>
-            <a:r>
-              <a:rPr lang="en-US" sz="3600" b="1" dirty="0"/>
-              <a:t>/</a:t>
-            </a:r>
-            <a:r>
-              <a:rPr lang="en-US" sz="3600" b="1" dirty="0" err="1"/>
-              <a:t>BuildingContextualData</a:t>
-            </a:r>
-            <a:endParaRPr lang="en-US" sz="3600" b="1" dirty="0"/>
-          </a:p>
-        </p:txBody>
-      </p:sp>
-    </p:spTree>
-    <p:extLst>
-      <p:ext uri="{BB962C8B-B14F-4D97-AF65-F5344CB8AC3E}">
-        <p14:creationId xmlns:p14="http://schemas.microsoft.com/office/powerpoint/2010/main" val="257793820"/>
-      </p:ext>
-    </p:extLst>
-  </p:cSld>
-  <p:clrMapOvr>
-    <a:masterClrMapping/>
-  </p:clrMapOvr>
-</p:sld>
-</file>
-
-<file path=ppt/slides/slide50.xml><?xml version="1.0" encoding="utf-8"?>
-<p:sld xmlns:a="http://schemas.openxmlformats.org/drawingml/2006/main" xmlns:r="http://schemas.openxmlformats.org/officeDocument/2006/relationships" xmlns:p="http://schemas.openxmlformats.org/presentationml/2006/main">
-  <p:cSld>
-    <p:spTree>
-      <p:nvGrpSpPr>
-        <p:cNvPr id="1" name=""/>
-        <p:cNvGrpSpPr/>
-        <p:nvPr/>
-      </p:nvGrpSpPr>
-      <p:grpSpPr>
-        <a:xfrm>
-          <a:off x="0" y="0"/>
-          <a:ext cx="0" cy="0"/>
-          <a:chOff x="0" y="0"/>
-          <a:chExt cx="0" cy="0"/>
-        </a:xfrm>
-      </p:grpSpPr>
-      <p:sp>
-        <p:nvSpPr>
-          <p:cNvPr id="2" name="Title 1">
-            <a:extLst>
-              <a:ext uri="{FF2B5EF4-FFF2-40B4-BE49-F238E27FC236}">
-                <a16:creationId xmlns:a16="http://schemas.microsoft.com/office/drawing/2014/main" id="{2500430C-8281-9B4E-AF88-556EEFA20D59}"/>
-              </a:ext>
-            </a:extLst>
-          </p:cNvPr>
-          <p:cNvSpPr>
-            <a:spLocks noGrp="1"/>
-          </p:cNvSpPr>
-          <p:nvPr>
-            <p:ph type="title"/>
-          </p:nvPr>
-        </p:nvSpPr>
-        <p:spPr/>
-        <p:txBody>
-          <a:bodyPr/>
-          <a:lstStyle/>
-          <a:p>
-            <a:r>
-              <a:rPr lang="en-US" dirty="0"/>
-              <a:t>Write a function</a:t>
-            </a:r>
-          </a:p>
-        </p:txBody>
-      </p:sp>
-      <p:sp>
-        <p:nvSpPr>
-          <p:cNvPr id="3" name="Content Placeholder 2">
-            <a:extLst>
-              <a:ext uri="{FF2B5EF4-FFF2-40B4-BE49-F238E27FC236}">
-                <a16:creationId xmlns:a16="http://schemas.microsoft.com/office/drawing/2014/main" id="{31BD6E22-8294-704E-89A1-AA9C7C28850E}"/>
-              </a:ext>
-            </a:extLst>
-          </p:cNvPr>
-          <p:cNvSpPr>
-            <a:spLocks noGrp="1"/>
-          </p:cNvSpPr>
-          <p:nvPr>
-            <p:ph idx="1"/>
-          </p:nvPr>
-        </p:nvSpPr>
-        <p:spPr>
-          <a:xfrm>
-            <a:off x="838200" y="1433015"/>
-            <a:ext cx="10515600" cy="4743948"/>
-          </a:xfrm>
-        </p:spPr>
-        <p:txBody>
-          <a:bodyPr>
-            <a:noAutofit/>
-          </a:bodyPr>
-          <a:lstStyle/>
-          <a:p>
-            <a:pPr marL="0" indent="0">
-              <a:buNone/>
-            </a:pPr>
-            <a:r>
-              <a:rPr lang="en-US" sz="1600" dirty="0">
-                <a:latin typeface="Courier New" panose="02070309020205020404" pitchFamily="49" charset="0"/>
-                <a:cs typeface="Courier New" panose="02070309020205020404" pitchFamily="49" charset="0"/>
-              </a:rPr>
-              <a:t>get20results &lt;- function(x) {</a:t>
-            </a:r>
-          </a:p>
-          <a:p>
-            <a:pPr marL="0" indent="0">
-              <a:buNone/>
-            </a:pPr>
-            <a:r>
-              <a:rPr lang="en-US" sz="1600" dirty="0">
-                <a:latin typeface="Courier New" panose="02070309020205020404" pitchFamily="49" charset="0"/>
-                <a:cs typeface="Courier New" panose="02070309020205020404" pitchFamily="49" charset="0"/>
-              </a:rPr>
-              <a:t>      </a:t>
-            </a:r>
-            <a:r>
-              <a:rPr lang="en-US" sz="1600" dirty="0" err="1">
-                <a:latin typeface="Courier New" panose="02070309020205020404" pitchFamily="49" charset="0"/>
-                <a:cs typeface="Courier New" panose="02070309020205020404" pitchFamily="49" charset="0"/>
-              </a:rPr>
-              <a:t>thingtosearch</a:t>
-            </a:r>
-            <a:r>
-              <a:rPr lang="en-US" sz="1600" dirty="0">
-                <a:latin typeface="Courier New" panose="02070309020205020404" pitchFamily="49" charset="0"/>
-                <a:cs typeface="Courier New" panose="02070309020205020404" pitchFamily="49" charset="0"/>
-              </a:rPr>
-              <a:t> &lt;- </a:t>
-            </a:r>
-            <a:r>
-              <a:rPr lang="en-US" sz="1600" b="1" dirty="0" err="1">
-                <a:solidFill>
-                  <a:srgbClr val="0070C0"/>
-                </a:solidFill>
-                <a:latin typeface="Courier New" panose="02070309020205020404" pitchFamily="49" charset="0"/>
-                <a:cs typeface="Courier New" panose="02070309020205020404" pitchFamily="49" charset="0"/>
-              </a:rPr>
-              <a:t>gsub</a:t>
-            </a:r>
-            <a:r>
-              <a:rPr lang="en-US" sz="1600" dirty="0">
-                <a:latin typeface="Courier New" panose="02070309020205020404" pitchFamily="49" charset="0"/>
-                <a:cs typeface="Courier New" panose="02070309020205020404" pitchFamily="49" charset="0"/>
-              </a:rPr>
-              <a:t>(" ", "+", x)</a:t>
-            </a:r>
-          </a:p>
-          <a:p>
-            <a:pPr marL="0" indent="0">
-              <a:buNone/>
-            </a:pPr>
-            <a:r>
-              <a:rPr lang="en-US" sz="1600" dirty="0">
-                <a:latin typeface="Courier New" panose="02070309020205020404" pitchFamily="49" charset="0"/>
-                <a:cs typeface="Courier New" panose="02070309020205020404" pitchFamily="49" charset="0"/>
-              </a:rPr>
-              <a:t>      </a:t>
-            </a:r>
-            <a:r>
-              <a:rPr lang="en-US" sz="1600" dirty="0" err="1">
-                <a:latin typeface="Courier New" panose="02070309020205020404" pitchFamily="49" charset="0"/>
-                <a:cs typeface="Courier New" panose="02070309020205020404" pitchFamily="49" charset="0"/>
-              </a:rPr>
-              <a:t>Gurl</a:t>
-            </a:r>
-            <a:r>
-              <a:rPr lang="en-US" sz="1600" dirty="0">
-                <a:latin typeface="Courier New" panose="02070309020205020404" pitchFamily="49" charset="0"/>
-                <a:cs typeface="Courier New" panose="02070309020205020404" pitchFamily="49" charset="0"/>
-              </a:rPr>
-              <a:t> &lt;- </a:t>
-            </a:r>
-            <a:r>
-              <a:rPr lang="en-US" sz="1600" b="1" dirty="0">
-                <a:solidFill>
-                  <a:srgbClr val="0070C0"/>
-                </a:solidFill>
-                <a:latin typeface="Courier New" panose="02070309020205020404" pitchFamily="49" charset="0"/>
-                <a:cs typeface="Courier New" panose="02070309020205020404" pitchFamily="49" charset="0"/>
-              </a:rPr>
-              <a:t>paste0</a:t>
-            </a:r>
-            <a:r>
-              <a:rPr lang="en-US" sz="1600" dirty="0">
-                <a:latin typeface="Courier New" panose="02070309020205020404" pitchFamily="49" charset="0"/>
-                <a:cs typeface="Courier New" panose="02070309020205020404" pitchFamily="49" charset="0"/>
-              </a:rPr>
-              <a:t>(</a:t>
-            </a:r>
-            <a:r>
-              <a:rPr lang="en-US" sz="1600" b="1" dirty="0">
-                <a:solidFill>
-                  <a:srgbClr val="FF0000"/>
-                </a:solidFill>
-                <a:latin typeface="Courier New" panose="02070309020205020404" pitchFamily="49" charset="0"/>
-                <a:cs typeface="Courier New" panose="02070309020205020404" pitchFamily="49" charset="0"/>
-              </a:rPr>
-              <a:t>[ALL THE PARTS OF THE URL]</a:t>
-            </a:r>
-            <a:r>
-              <a:rPr lang="en-US" sz="1600" dirty="0">
-                <a:latin typeface="Courier New" panose="02070309020205020404" pitchFamily="49" charset="0"/>
-                <a:cs typeface="Courier New" panose="02070309020205020404" pitchFamily="49" charset="0"/>
-              </a:rPr>
-              <a:t>)</a:t>
-            </a:r>
-          </a:p>
-          <a:p>
-            <a:pPr marL="0" indent="0">
-              <a:buNone/>
-            </a:pPr>
-            <a:r>
-              <a:rPr lang="en-US" sz="1600" dirty="0">
-                <a:latin typeface="Courier New" panose="02070309020205020404" pitchFamily="49" charset="0"/>
-                <a:cs typeface="Courier New" panose="02070309020205020404" pitchFamily="49" charset="0"/>
-              </a:rPr>
-              <a:t>      tmp1 &lt;- </a:t>
-            </a:r>
-            <a:r>
-              <a:rPr lang="en-US" sz="1600" b="1" dirty="0">
-                <a:solidFill>
-                  <a:srgbClr val="0070C0"/>
-                </a:solidFill>
-                <a:latin typeface="Courier New" panose="02070309020205020404" pitchFamily="49" charset="0"/>
-                <a:cs typeface="Courier New" panose="02070309020205020404" pitchFamily="49" charset="0"/>
-              </a:rPr>
-              <a:t>GET</a:t>
-            </a:r>
-            <a:r>
-              <a:rPr lang="en-US" sz="1600" dirty="0">
-                <a:latin typeface="Courier New" panose="02070309020205020404" pitchFamily="49" charset="0"/>
-                <a:cs typeface="Courier New" panose="02070309020205020404" pitchFamily="49" charset="0"/>
-              </a:rPr>
-              <a:t>(</a:t>
-            </a:r>
-            <a:r>
-              <a:rPr lang="en-US" sz="1600" dirty="0" err="1">
-                <a:latin typeface="Courier New" panose="02070309020205020404" pitchFamily="49" charset="0"/>
-                <a:cs typeface="Courier New" panose="02070309020205020404" pitchFamily="49" charset="0"/>
-              </a:rPr>
-              <a:t>Gurl</a:t>
-            </a:r>
-            <a:r>
-              <a:rPr lang="en-US" sz="1600" dirty="0">
-                <a:latin typeface="Courier New" panose="02070309020205020404" pitchFamily="49" charset="0"/>
-                <a:cs typeface="Courier New" panose="02070309020205020404" pitchFamily="49" charset="0"/>
-              </a:rPr>
-              <a:t>)</a:t>
-            </a:r>
-          </a:p>
-          <a:p>
-            <a:pPr marL="0" indent="0">
-              <a:buNone/>
-            </a:pPr>
-            <a:r>
-              <a:rPr lang="en-US" sz="1600" dirty="0">
-                <a:latin typeface="Courier New" panose="02070309020205020404" pitchFamily="49" charset="0"/>
-                <a:cs typeface="Courier New" panose="02070309020205020404" pitchFamily="49" charset="0"/>
-              </a:rPr>
-              <a:t>      tmp2 &lt;- </a:t>
-            </a:r>
-            <a:r>
-              <a:rPr lang="en-US" sz="1600" b="1" dirty="0">
-                <a:solidFill>
-                  <a:srgbClr val="0070C0"/>
-                </a:solidFill>
-                <a:latin typeface="Courier New" panose="02070309020205020404" pitchFamily="49" charset="0"/>
-                <a:cs typeface="Courier New" panose="02070309020205020404" pitchFamily="49" charset="0"/>
-              </a:rPr>
-              <a:t>content</a:t>
-            </a:r>
-            <a:r>
-              <a:rPr lang="en-US" sz="1600" dirty="0">
-                <a:latin typeface="Courier New" panose="02070309020205020404" pitchFamily="49" charset="0"/>
-                <a:cs typeface="Courier New" panose="02070309020205020404" pitchFamily="49" charset="0"/>
-              </a:rPr>
-              <a:t>(tmp1, "text")</a:t>
-            </a:r>
-          </a:p>
-          <a:p>
-            <a:pPr marL="0" indent="0">
-              <a:buNone/>
-            </a:pPr>
-            <a:r>
-              <a:rPr lang="en-US" sz="1600" dirty="0">
-                <a:latin typeface="Courier New" panose="02070309020205020404" pitchFamily="49" charset="0"/>
-                <a:cs typeface="Courier New" panose="02070309020205020404" pitchFamily="49" charset="0"/>
-              </a:rPr>
-              <a:t>      tmp3 &lt;- </a:t>
-            </a:r>
-            <a:r>
-              <a:rPr lang="en-US" sz="1600" b="1" dirty="0" err="1">
-                <a:solidFill>
-                  <a:srgbClr val="0070C0"/>
-                </a:solidFill>
-                <a:latin typeface="Courier New" panose="02070309020205020404" pitchFamily="49" charset="0"/>
-                <a:cs typeface="Courier New" panose="02070309020205020404" pitchFamily="49" charset="0"/>
-              </a:rPr>
-              <a:t>fromJSON</a:t>
-            </a:r>
-            <a:r>
-              <a:rPr lang="en-US" sz="1600" dirty="0">
-                <a:latin typeface="Courier New" panose="02070309020205020404" pitchFamily="49" charset="0"/>
-                <a:cs typeface="Courier New" panose="02070309020205020404" pitchFamily="49" charset="0"/>
-              </a:rPr>
-              <a:t>(tmp2)</a:t>
-            </a:r>
-          </a:p>
-          <a:p>
-            <a:pPr marL="0" indent="0">
-              <a:buNone/>
-            </a:pPr>
-            <a:r>
-              <a:rPr lang="en-US" sz="1600" dirty="0">
-                <a:latin typeface="Courier New" panose="02070309020205020404" pitchFamily="49" charset="0"/>
-                <a:cs typeface="Courier New" panose="02070309020205020404" pitchFamily="49" charset="0"/>
-              </a:rPr>
-              <a:t>      tmp4 &lt;- </a:t>
-            </a:r>
-            <a:r>
-              <a:rPr lang="en-US" sz="1600" b="1" dirty="0" err="1">
-                <a:solidFill>
-                  <a:srgbClr val="0070C0"/>
-                </a:solidFill>
-                <a:latin typeface="Courier New" panose="02070309020205020404" pitchFamily="49" charset="0"/>
-                <a:cs typeface="Courier New" panose="02070309020205020404" pitchFamily="49" charset="0"/>
-              </a:rPr>
-              <a:t>bind_cols</a:t>
-            </a:r>
-            <a:r>
-              <a:rPr lang="en-US" sz="1600" dirty="0">
-                <a:latin typeface="Courier New" panose="02070309020205020404" pitchFamily="49" charset="0"/>
-                <a:cs typeface="Courier New" panose="02070309020205020404" pitchFamily="49" charset="0"/>
-              </a:rPr>
-              <a:t>(</a:t>
-            </a:r>
-          </a:p>
-          <a:p>
-            <a:pPr marL="0" indent="0">
-              <a:buNone/>
-            </a:pPr>
-            <a:r>
-              <a:rPr lang="en-US" sz="1600" dirty="0">
-                <a:latin typeface="Courier New" panose="02070309020205020404" pitchFamily="49" charset="0"/>
-                <a:cs typeface="Courier New" panose="02070309020205020404" pitchFamily="49" charset="0"/>
-              </a:rPr>
-              <a:t>	</a:t>
-            </a:r>
-            <a:r>
-              <a:rPr lang="en-US" sz="1600" b="1" dirty="0">
-                <a:latin typeface="Courier New" panose="02070309020205020404" pitchFamily="49" charset="0"/>
-                <a:cs typeface="Courier New" panose="02070309020205020404" pitchFamily="49" charset="0"/>
-              </a:rPr>
-              <a:t>  name = tmp3...name,</a:t>
-            </a:r>
-          </a:p>
-          <a:p>
-            <a:pPr marL="0" indent="0">
-              <a:buNone/>
-            </a:pPr>
-            <a:r>
-              <a:rPr lang="en-US" sz="1600" b="1" dirty="0">
-                <a:latin typeface="Courier New" panose="02070309020205020404" pitchFamily="49" charset="0"/>
-                <a:cs typeface="Courier New" panose="02070309020205020404" pitchFamily="49" charset="0"/>
-              </a:rPr>
-              <a:t>	  </a:t>
-            </a:r>
-            <a:r>
-              <a:rPr lang="en-US" sz="1600" b="1" dirty="0" err="1">
-                <a:latin typeface="Courier New" panose="02070309020205020404" pitchFamily="49" charset="0"/>
-                <a:cs typeface="Courier New" panose="02070309020205020404" pitchFamily="49" charset="0"/>
-              </a:rPr>
-              <a:t>lon</a:t>
-            </a:r>
-            <a:r>
-              <a:rPr lang="en-US" sz="1600" b="1" dirty="0">
-                <a:latin typeface="Courier New" panose="02070309020205020404" pitchFamily="49" charset="0"/>
-                <a:cs typeface="Courier New" panose="02070309020205020404" pitchFamily="49" charset="0"/>
-              </a:rPr>
-              <a:t> = tmp3...</a:t>
-            </a:r>
-            <a:r>
-              <a:rPr lang="en-US" sz="1600" b="1" dirty="0" err="1">
-                <a:latin typeface="Courier New" panose="02070309020205020404" pitchFamily="49" charset="0"/>
-                <a:cs typeface="Courier New" panose="02070309020205020404" pitchFamily="49" charset="0"/>
-              </a:rPr>
-              <a:t>lng</a:t>
-            </a:r>
-            <a:r>
-              <a:rPr lang="en-US" sz="1600" b="1" dirty="0">
-                <a:latin typeface="Courier New" panose="02070309020205020404" pitchFamily="49" charset="0"/>
-                <a:cs typeface="Courier New" panose="02070309020205020404" pitchFamily="49" charset="0"/>
-              </a:rPr>
-              <a:t>,</a:t>
-            </a:r>
-          </a:p>
-          <a:p>
-            <a:pPr marL="0" indent="0">
-              <a:buNone/>
-            </a:pPr>
-            <a:r>
-              <a:rPr lang="en-US" sz="1600" b="1" dirty="0">
-                <a:latin typeface="Courier New" panose="02070309020205020404" pitchFamily="49" charset="0"/>
-                <a:cs typeface="Courier New" panose="02070309020205020404" pitchFamily="49" charset="0"/>
-              </a:rPr>
-              <a:t>	  </a:t>
-            </a:r>
-            <a:r>
-              <a:rPr lang="en-US" sz="1600" b="1" dirty="0" err="1">
-                <a:latin typeface="Courier New" panose="02070309020205020404" pitchFamily="49" charset="0"/>
-                <a:cs typeface="Courier New" panose="02070309020205020404" pitchFamily="49" charset="0"/>
-              </a:rPr>
-              <a:t>lat</a:t>
-            </a:r>
-            <a:r>
-              <a:rPr lang="en-US" sz="1600" b="1" dirty="0">
-                <a:latin typeface="Courier New" panose="02070309020205020404" pitchFamily="49" charset="0"/>
-                <a:cs typeface="Courier New" panose="02070309020205020404" pitchFamily="49" charset="0"/>
-              </a:rPr>
-              <a:t> = tmp3...</a:t>
-            </a:r>
-            <a:r>
-              <a:rPr lang="en-US" sz="1600" b="1" dirty="0" err="1">
-                <a:latin typeface="Courier New" panose="02070309020205020404" pitchFamily="49" charset="0"/>
-                <a:cs typeface="Courier New" panose="02070309020205020404" pitchFamily="49" charset="0"/>
-              </a:rPr>
-              <a:t>lat</a:t>
-            </a:r>
-            <a:r>
-              <a:rPr lang="en-US" sz="1600" b="1" dirty="0">
-                <a:latin typeface="Courier New" panose="02070309020205020404" pitchFamily="49" charset="0"/>
-                <a:cs typeface="Courier New" panose="02070309020205020404" pitchFamily="49" charset="0"/>
-              </a:rPr>
-              <a:t>,</a:t>
-            </a:r>
-          </a:p>
-          <a:p>
-            <a:pPr marL="0" indent="0">
-              <a:buNone/>
-            </a:pPr>
-            <a:r>
-              <a:rPr lang="en-US" sz="1600" b="1" dirty="0">
-                <a:latin typeface="Courier New" panose="02070309020205020404" pitchFamily="49" charset="0"/>
-                <a:cs typeface="Courier New" panose="02070309020205020404" pitchFamily="49" charset="0"/>
-              </a:rPr>
-              <a:t>      	  address = tmp3...</a:t>
-            </a:r>
-            <a:r>
-              <a:rPr lang="en-US" sz="1600" b="1" dirty="0" err="1">
-                <a:latin typeface="Courier New" panose="02070309020205020404" pitchFamily="49" charset="0"/>
-                <a:cs typeface="Courier New" panose="02070309020205020404" pitchFamily="49" charset="0"/>
-              </a:rPr>
-              <a:t>formatted_address</a:t>
-            </a:r>
-            <a:endParaRPr lang="en-US" sz="1600" b="1" dirty="0">
-              <a:latin typeface="Courier New" panose="02070309020205020404" pitchFamily="49" charset="0"/>
-              <a:cs typeface="Courier New" panose="02070309020205020404" pitchFamily="49" charset="0"/>
-            </a:endParaRPr>
-          </a:p>
-          <a:p>
-            <a:pPr marL="0" indent="0">
-              <a:buNone/>
-            </a:pPr>
-            <a:r>
-              <a:rPr lang="en-US" sz="1600" dirty="0">
-                <a:latin typeface="Courier New" panose="02070309020205020404" pitchFamily="49" charset="0"/>
-                <a:cs typeface="Courier New" panose="02070309020205020404" pitchFamily="49" charset="0"/>
-              </a:rPr>
-              <a:t>    	)</a:t>
-            </a:r>
-          </a:p>
-          <a:p>
-            <a:pPr marL="0" indent="0">
-              <a:buNone/>
-            </a:pPr>
-            <a:r>
-              <a:rPr lang="en-US" sz="1600" dirty="0">
-                <a:solidFill>
-                  <a:srgbClr val="0070C0"/>
-                </a:solidFill>
-                <a:latin typeface="Courier New" panose="02070309020205020404" pitchFamily="49" charset="0"/>
-                <a:cs typeface="Courier New" panose="02070309020205020404" pitchFamily="49" charset="0"/>
-              </a:rPr>
-              <a:t>     </a:t>
-            </a:r>
-            <a:r>
-              <a:rPr lang="en-US" sz="1600" b="1" dirty="0">
-                <a:solidFill>
-                  <a:srgbClr val="0070C0"/>
-                </a:solidFill>
-                <a:latin typeface="Courier New" panose="02070309020205020404" pitchFamily="49" charset="0"/>
-                <a:cs typeface="Courier New" panose="02070309020205020404" pitchFamily="49" charset="0"/>
-              </a:rPr>
-              <a:t>return</a:t>
-            </a:r>
-            <a:r>
-              <a:rPr lang="en-US" sz="1600" dirty="0">
-                <a:latin typeface="Courier New" panose="02070309020205020404" pitchFamily="49" charset="0"/>
-                <a:cs typeface="Courier New" panose="02070309020205020404" pitchFamily="49" charset="0"/>
-              </a:rPr>
-              <a:t>(tmp4)</a:t>
-            </a:r>
-          </a:p>
-          <a:p>
-            <a:pPr marL="0" indent="0">
-              <a:buNone/>
-            </a:pPr>
-            <a:r>
-              <a:rPr lang="en-US" sz="1600" dirty="0">
-                <a:latin typeface="Courier New" panose="02070309020205020404" pitchFamily="49" charset="0"/>
-                <a:cs typeface="Courier New" panose="02070309020205020404" pitchFamily="49" charset="0"/>
-              </a:rPr>
-              <a:t>}</a:t>
-            </a:r>
-          </a:p>
-        </p:txBody>
-      </p:sp>
-    </p:spTree>
-    <p:extLst>
-      <p:ext uri="{BB962C8B-B14F-4D97-AF65-F5344CB8AC3E}">
-        <p14:creationId xmlns:p14="http://schemas.microsoft.com/office/powerpoint/2010/main" val="604641825"/>
-      </p:ext>
-    </p:extLst>
-  </p:cSld>
-  <p:clrMapOvr>
-    <a:masterClrMapping/>
-  </p:clrMapOvr>
-</p:sld>
-</file>
-
 <file path=ppt/slides/slide51.xml><?xml version="1.0" encoding="utf-8"?>
 <p:sld xmlns:a="http://schemas.openxmlformats.org/drawingml/2006/main" xmlns:r="http://schemas.openxmlformats.org/officeDocument/2006/relationships" xmlns:p="http://schemas.openxmlformats.org/presentationml/2006/main">
   <p:cSld>
@@ -14666,7 +15078,7 @@
           <p:cNvPr id="2" name="Title 1">
             <a:extLst>
               <a:ext uri="{FF2B5EF4-FFF2-40B4-BE49-F238E27FC236}">
-                <a16:creationId xmlns:a16="http://schemas.microsoft.com/office/drawing/2014/main" id="{17E2A4C2-DC9B-BB49-ACB5-A75727606CF3}"/>
+                <a16:creationId xmlns:a16="http://schemas.microsoft.com/office/drawing/2014/main" id="{33B9C160-084A-4A47-8DB0-359E24BE17FF}"/>
               </a:ext>
             </a:extLst>
           </p:cNvPr>
@@ -14684,7 +15096,7 @@
           <a:p>
             <a:r>
               <a:rPr lang="en-US" dirty="0"/>
-              <a:t>Use the function</a:t>
+              <a:t>Example 3: Health care options</a:t>
             </a:r>
           </a:p>
         </p:txBody>
@@ -14694,7 +15106,7 @@
           <p:cNvPr id="3" name="Content Placeholder 2">
             <a:extLst>
               <a:ext uri="{FF2B5EF4-FFF2-40B4-BE49-F238E27FC236}">
-                <a16:creationId xmlns:a16="http://schemas.microsoft.com/office/drawing/2014/main" id="{14CC0C9B-D678-5348-88F3-6C218FEDF0B9}"/>
+                <a16:creationId xmlns:a16="http://schemas.microsoft.com/office/drawing/2014/main" id="{A25C33EB-14FB-794D-BB17-EC73160674C4}"/>
               </a:ext>
             </a:extLst>
           </p:cNvPr>
@@ -14707,20 +15119,18 @@
         </p:nvSpPr>
         <p:spPr/>
         <p:txBody>
-          <a:bodyPr>
-            <a:normAutofit/>
-          </a:bodyPr>
+          <a:bodyPr/>
           <a:lstStyle/>
           <a:p>
-            <a:r>
-              <a:rPr lang="en-US" dirty="0"/>
-              <a:t>Get the first 20 matches to any Google Map search</a:t>
-            </a:r>
-          </a:p>
-          <a:p>
             <a:pPr marL="0" indent="0">
               <a:buNone/>
             </a:pPr>
+            <a:r>
+              <a:rPr lang="en-US" dirty="0"/>
+              <a:t>So, now we know how to get location information from a search</a:t>
+            </a:r>
+          </a:p>
+          <a:p>
             <a:endParaRPr lang="en-US" dirty="0"/>
           </a:p>
           <a:p>
@@ -14729,59 +15139,40 @@
             </a:pPr>
             <a:r>
               <a:rPr lang="en-US" dirty="0"/>
-              <a:t>	co &lt;- get20results("Coop grocery in Madison")</a:t>
-            </a:r>
-          </a:p>
-          <a:p>
+              <a:t>Let’s create some relevant data</a:t>
+            </a:r>
+          </a:p>
+          <a:p>
+            <a:pPr lvl="1"/>
+            <a:r>
+              <a:rPr lang="en-US" dirty="0"/>
+              <a:t>Distance to closest coop grocery</a:t>
+            </a:r>
+          </a:p>
+          <a:p>
+            <a:pPr lvl="1"/>
+            <a:r>
+              <a:rPr lang="en-US" dirty="0"/>
+              <a:t>Distance to health care services</a:t>
+            </a:r>
+          </a:p>
+          <a:p>
+            <a:pPr lvl="1"/>
+            <a:r>
+              <a:rPr lang="en-US" dirty="0"/>
+              <a:t>Density of health care services</a:t>
+            </a:r>
+          </a:p>
+          <a:p>
+            <a:pPr lvl="1"/>
             <a:endParaRPr lang="en-US" dirty="0"/>
-          </a:p>
-          <a:p>
-            <a:pPr marL="0" indent="0">
-              <a:buNone/>
-            </a:pPr>
-            <a:r>
-              <a:rPr lang="en-US" dirty="0"/>
-              <a:t>	</a:t>
-            </a:r>
-            <a:endParaRPr lang="en-US" sz="1400" dirty="0"/>
-          </a:p>
-          <a:p>
-            <a:pPr marL="0" indent="0">
-              <a:buNone/>
-            </a:pPr>
-            <a:endParaRPr lang="en-US" sz="1400" dirty="0"/>
-          </a:p>
-          <a:p>
-            <a:pPr marL="0" indent="0">
-              <a:buNone/>
-            </a:pPr>
-            <a:endParaRPr lang="en-US" sz="1400" dirty="0"/>
-          </a:p>
-          <a:p>
-            <a:pPr marL="0" indent="0">
-              <a:buNone/>
-            </a:pPr>
-            <a:endParaRPr lang="en-US" sz="1400" dirty="0"/>
-          </a:p>
-          <a:p>
-            <a:pPr marL="0" indent="0">
-              <a:buNone/>
-            </a:pPr>
-            <a:r>
-              <a:rPr lang="en-US" sz="1800" b="1" dirty="0"/>
-              <a:t>NOTE</a:t>
-            </a:r>
-            <a:r>
-              <a:rPr lang="en-US" sz="1800" dirty="0"/>
-              <a:t> You can get more than 20 by repeating the search and adding a token returned with the first search.</a:t>
-            </a:r>
           </a:p>
         </p:txBody>
       </p:sp>
     </p:spTree>
     <p:extLst>
       <p:ext uri="{BB962C8B-B14F-4D97-AF65-F5344CB8AC3E}">
-        <p14:creationId xmlns:p14="http://schemas.microsoft.com/office/powerpoint/2010/main" val="3980526193"/>
+        <p14:creationId xmlns:p14="http://schemas.microsoft.com/office/powerpoint/2010/main" val="1979401067"/>
       </p:ext>
     </p:extLst>
   </p:cSld>
@@ -14813,7 +15204,7 @@
           <p:cNvPr id="2" name="Title 1">
             <a:extLst>
               <a:ext uri="{FF2B5EF4-FFF2-40B4-BE49-F238E27FC236}">
-                <a16:creationId xmlns:a16="http://schemas.microsoft.com/office/drawing/2014/main" id="{C7C14A01-EFE7-2043-8E18-31123B86F079}"/>
+                <a16:creationId xmlns:a16="http://schemas.microsoft.com/office/drawing/2014/main" id="{2500430C-8281-9B4E-AF88-556EEFA20D59}"/>
               </a:ext>
             </a:extLst>
           </p:cNvPr>
@@ -14831,7 +15222,7 @@
           <a:p>
             <a:r>
               <a:rPr lang="en-US" dirty="0"/>
-              <a:t>How far is it to nearest coop?</a:t>
+              <a:t>Review function</a:t>
             </a:r>
           </a:p>
         </p:txBody>
@@ -14841,7 +15232,7 @@
           <p:cNvPr id="3" name="Content Placeholder 2">
             <a:extLst>
               <a:ext uri="{FF2B5EF4-FFF2-40B4-BE49-F238E27FC236}">
-                <a16:creationId xmlns:a16="http://schemas.microsoft.com/office/drawing/2014/main" id="{4C02D6F8-283A-E645-889E-E4B1E50E5CA1}"/>
+                <a16:creationId xmlns:a16="http://schemas.microsoft.com/office/drawing/2014/main" id="{31BD6E22-8294-704E-89A1-AA9C7C28850E}"/>
               </a:ext>
             </a:extLst>
           </p:cNvPr>
@@ -14852,10 +15243,15 @@
             <p:ph idx="1"/>
           </p:nvPr>
         </p:nvSpPr>
-        <p:spPr/>
+        <p:spPr>
+          <a:xfrm>
+            <a:off x="838200" y="1433015"/>
+            <a:ext cx="10515600" cy="4743948"/>
+          </a:xfrm>
+        </p:spPr>
         <p:txBody>
           <a:bodyPr>
-            <a:normAutofit fontScale="77500" lnSpcReduction="20000"/>
+            <a:noAutofit/>
           </a:bodyPr>
           <a:lstStyle/>
           <a:p>
@@ -14863,55 +15259,364 @@
               <a:buNone/>
             </a:pPr>
             <a:r>
-              <a:rPr lang="en-US" dirty="0"/>
-              <a:t>Use the </a:t>
-            </a:r>
-            <a:r>
-              <a:rPr lang="en-US" b="1" dirty="0" err="1">
+              <a:rPr lang="en-US" sz="1800" dirty="0">
+                <a:latin typeface="Courier New" panose="02070309020205020404" pitchFamily="49" charset="0"/>
+                <a:cs typeface="Courier New" panose="02070309020205020404" pitchFamily="49" charset="0"/>
+              </a:rPr>
+              <a:t>get20results &lt;- function(x) {</a:t>
+            </a:r>
+          </a:p>
+          <a:p>
+            <a:pPr marL="0" indent="0">
+              <a:buNone/>
+            </a:pPr>
+            <a:r>
+              <a:rPr lang="en-US" sz="1800" dirty="0">
+                <a:latin typeface="Courier New" panose="02070309020205020404" pitchFamily="49" charset="0"/>
+                <a:cs typeface="Courier New" panose="02070309020205020404" pitchFamily="49" charset="0"/>
+              </a:rPr>
+              <a:t>      </a:t>
+            </a:r>
+            <a:r>
+              <a:rPr lang="en-US" sz="1800" dirty="0" err="1">
+                <a:latin typeface="Courier New" panose="02070309020205020404" pitchFamily="49" charset="0"/>
+                <a:cs typeface="Courier New" panose="02070309020205020404" pitchFamily="49" charset="0"/>
+              </a:rPr>
+              <a:t>thingtosearch</a:t>
+            </a:r>
+            <a:r>
+              <a:rPr lang="en-US" sz="1800" dirty="0">
+                <a:latin typeface="Courier New" panose="02070309020205020404" pitchFamily="49" charset="0"/>
+                <a:cs typeface="Courier New" panose="02070309020205020404" pitchFamily="49" charset="0"/>
+              </a:rPr>
+              <a:t> &lt;- </a:t>
+            </a:r>
+            <a:r>
+              <a:rPr lang="en-US" sz="1800" b="1" dirty="0" err="1">
                 <a:solidFill>
                   <a:srgbClr val="0070C0"/>
                 </a:solidFill>
-              </a:rPr>
-              <a:t>mapdist</a:t>
-            </a:r>
-            <a:r>
-              <a:rPr lang="en-US" dirty="0"/>
-              <a:t>() function to get travel distances, duration, other details, </a:t>
-            </a:r>
-            <a:r>
-              <a:rPr lang="en-US" b="1" dirty="0"/>
-              <a:t>by mode</a:t>
-            </a:r>
-            <a:r>
-              <a:rPr lang="en-US" dirty="0"/>
-              <a:t>!</a:t>
+                <a:latin typeface="Courier New" panose="02070309020205020404" pitchFamily="49" charset="0"/>
+                <a:cs typeface="Courier New" panose="02070309020205020404" pitchFamily="49" charset="0"/>
+              </a:rPr>
+              <a:t>gsub</a:t>
+            </a:r>
+            <a:r>
+              <a:rPr lang="en-US" sz="1800" dirty="0">
+                <a:latin typeface="Courier New" panose="02070309020205020404" pitchFamily="49" charset="0"/>
+                <a:cs typeface="Courier New" panose="02070309020205020404" pitchFamily="49" charset="0"/>
+              </a:rPr>
+              <a:t>(" ", "+", x)</a:t>
             </a:r>
           </a:p>
           <a:p>
             <a:pPr marL="0" indent="0">
               <a:buNone/>
             </a:pPr>
-            <a:endParaRPr lang="en-US" dirty="0"/>
+            <a:r>
+              <a:rPr lang="en-US" sz="1800" dirty="0">
+                <a:latin typeface="Courier New" panose="02070309020205020404" pitchFamily="49" charset="0"/>
+                <a:cs typeface="Courier New" panose="02070309020205020404" pitchFamily="49" charset="0"/>
+              </a:rPr>
+              <a:t>      </a:t>
+            </a:r>
+            <a:r>
+              <a:rPr lang="en-US" sz="1800" dirty="0" err="1">
+                <a:latin typeface="Courier New" panose="02070309020205020404" pitchFamily="49" charset="0"/>
+                <a:cs typeface="Courier New" panose="02070309020205020404" pitchFamily="49" charset="0"/>
+              </a:rPr>
+              <a:t>Gurl</a:t>
+            </a:r>
+            <a:r>
+              <a:rPr lang="en-US" sz="1800" dirty="0">
+                <a:latin typeface="Courier New" panose="02070309020205020404" pitchFamily="49" charset="0"/>
+                <a:cs typeface="Courier New" panose="02070309020205020404" pitchFamily="49" charset="0"/>
+              </a:rPr>
+              <a:t> &lt;- </a:t>
+            </a:r>
+            <a:r>
+              <a:rPr lang="en-US" sz="1800" b="1" dirty="0">
+                <a:solidFill>
+                  <a:srgbClr val="0070C0"/>
+                </a:solidFill>
+                <a:latin typeface="Courier New" panose="02070309020205020404" pitchFamily="49" charset="0"/>
+                <a:cs typeface="Courier New" panose="02070309020205020404" pitchFamily="49" charset="0"/>
+              </a:rPr>
+              <a:t>paste0</a:t>
+            </a:r>
+            <a:r>
+              <a:rPr lang="en-US" sz="1800" dirty="0">
+                <a:latin typeface="Courier New" panose="02070309020205020404" pitchFamily="49" charset="0"/>
+                <a:cs typeface="Courier New" panose="02070309020205020404" pitchFamily="49" charset="0"/>
+              </a:rPr>
+              <a:t>(</a:t>
+            </a:r>
+            <a:r>
+              <a:rPr lang="en-US" sz="1800" b="1" dirty="0">
+                <a:solidFill>
+                  <a:srgbClr val="FF0000"/>
+                </a:solidFill>
+                <a:latin typeface="Courier New" panose="02070309020205020404" pitchFamily="49" charset="0"/>
+                <a:cs typeface="Courier New" panose="02070309020205020404" pitchFamily="49" charset="0"/>
+              </a:rPr>
+              <a:t>[ALL THE PARTS OF THE URL]</a:t>
+            </a:r>
+            <a:r>
+              <a:rPr lang="en-US" sz="1800" dirty="0">
+                <a:latin typeface="Courier New" panose="02070309020205020404" pitchFamily="49" charset="0"/>
+                <a:cs typeface="Courier New" panose="02070309020205020404" pitchFamily="49" charset="0"/>
+              </a:rPr>
+              <a:t>)</a:t>
+            </a:r>
           </a:p>
           <a:p>
             <a:pPr marL="0" indent="0">
               <a:buNone/>
             </a:pPr>
             <a:r>
-              <a:rPr lang="en-US" dirty="0">
-                <a:latin typeface="Courier New" panose="02070309020205020404" pitchFamily="49" charset="0"/>
-                <a:cs typeface="Courier New" panose="02070309020205020404" pitchFamily="49" charset="0"/>
-              </a:rPr>
-              <a:t>from &lt;- </a:t>
-            </a:r>
-            <a:r>
-              <a:rPr lang="en-US" dirty="0" err="1">
-                <a:latin typeface="Courier New" panose="02070309020205020404" pitchFamily="49" charset="0"/>
-                <a:cs typeface="Courier New" panose="02070309020205020404" pitchFamily="49" charset="0"/>
-              </a:rPr>
-              <a:t>df$address</a:t>
-            </a:r>
-            <a:endParaRPr lang="en-US" dirty="0">
+              <a:rPr lang="en-US" sz="1800" dirty="0">
+                <a:latin typeface="Courier New" panose="02070309020205020404" pitchFamily="49" charset="0"/>
+                <a:cs typeface="Courier New" panose="02070309020205020404" pitchFamily="49" charset="0"/>
+              </a:rPr>
+              <a:t>      tmp1 &lt;- </a:t>
+            </a:r>
+            <a:r>
+              <a:rPr lang="en-US" sz="1800" b="1" dirty="0">
+                <a:solidFill>
+                  <a:srgbClr val="0070C0"/>
+                </a:solidFill>
+                <a:latin typeface="Courier New" panose="02070309020205020404" pitchFamily="49" charset="0"/>
+                <a:cs typeface="Courier New" panose="02070309020205020404" pitchFamily="49" charset="0"/>
+              </a:rPr>
+              <a:t>GET</a:t>
+            </a:r>
+            <a:r>
+              <a:rPr lang="en-US" sz="1800" dirty="0">
+                <a:latin typeface="Courier New" panose="02070309020205020404" pitchFamily="49" charset="0"/>
+                <a:cs typeface="Courier New" panose="02070309020205020404" pitchFamily="49" charset="0"/>
+              </a:rPr>
+              <a:t>(</a:t>
+            </a:r>
+            <a:r>
+              <a:rPr lang="en-US" sz="1800" dirty="0" err="1">
+                <a:latin typeface="Courier New" panose="02070309020205020404" pitchFamily="49" charset="0"/>
+                <a:cs typeface="Courier New" panose="02070309020205020404" pitchFamily="49" charset="0"/>
+              </a:rPr>
+              <a:t>Gurl</a:t>
+            </a:r>
+            <a:r>
+              <a:rPr lang="en-US" sz="1800" dirty="0">
+                <a:latin typeface="Courier New" panose="02070309020205020404" pitchFamily="49" charset="0"/>
+                <a:cs typeface="Courier New" panose="02070309020205020404" pitchFamily="49" charset="0"/>
+              </a:rPr>
+              <a:t>)</a:t>
+            </a:r>
+          </a:p>
+          <a:p>
+            <a:pPr marL="0" indent="0">
+              <a:buNone/>
+            </a:pPr>
+            <a:r>
+              <a:rPr lang="en-US" sz="1800" dirty="0">
+                <a:latin typeface="Courier New" panose="02070309020205020404" pitchFamily="49" charset="0"/>
+                <a:cs typeface="Courier New" panose="02070309020205020404" pitchFamily="49" charset="0"/>
+              </a:rPr>
+              <a:t>      tmp2 &lt;- </a:t>
+            </a:r>
+            <a:r>
+              <a:rPr lang="en-US" sz="1800" b="1" dirty="0">
+                <a:solidFill>
+                  <a:srgbClr val="0070C0"/>
+                </a:solidFill>
+                <a:latin typeface="Courier New" panose="02070309020205020404" pitchFamily="49" charset="0"/>
+                <a:cs typeface="Courier New" panose="02070309020205020404" pitchFamily="49" charset="0"/>
+              </a:rPr>
+              <a:t>content</a:t>
+            </a:r>
+            <a:r>
+              <a:rPr lang="en-US" sz="1800" dirty="0">
+                <a:latin typeface="Courier New" panose="02070309020205020404" pitchFamily="49" charset="0"/>
+                <a:cs typeface="Courier New" panose="02070309020205020404" pitchFamily="49" charset="0"/>
+              </a:rPr>
+              <a:t>(tmp1, "text")</a:t>
+            </a:r>
+          </a:p>
+          <a:p>
+            <a:pPr marL="0" indent="0">
+              <a:buNone/>
+            </a:pPr>
+            <a:r>
+              <a:rPr lang="en-US" sz="1800" dirty="0">
+                <a:latin typeface="Courier New" panose="02070309020205020404" pitchFamily="49" charset="0"/>
+                <a:cs typeface="Courier New" panose="02070309020205020404" pitchFamily="49" charset="0"/>
+              </a:rPr>
+              <a:t>      tmp3 &lt;- </a:t>
+            </a:r>
+            <a:r>
+              <a:rPr lang="en-US" sz="1800" b="1" dirty="0" err="1">
+                <a:solidFill>
+                  <a:srgbClr val="0070C0"/>
+                </a:solidFill>
+                <a:latin typeface="Courier New" panose="02070309020205020404" pitchFamily="49" charset="0"/>
+                <a:cs typeface="Courier New" panose="02070309020205020404" pitchFamily="49" charset="0"/>
+              </a:rPr>
+              <a:t>fromJSON</a:t>
+            </a:r>
+            <a:r>
+              <a:rPr lang="en-US" sz="1800" dirty="0">
+                <a:latin typeface="Courier New" panose="02070309020205020404" pitchFamily="49" charset="0"/>
+                <a:cs typeface="Courier New" panose="02070309020205020404" pitchFamily="49" charset="0"/>
+              </a:rPr>
+              <a:t>(tmp2)</a:t>
+            </a:r>
+          </a:p>
+          <a:p>
+            <a:pPr marL="0" indent="0">
+              <a:buNone/>
+            </a:pPr>
+            <a:r>
+              <a:rPr lang="en-US" sz="1800" dirty="0">
+                <a:latin typeface="Courier New" panose="02070309020205020404" pitchFamily="49" charset="0"/>
+                <a:cs typeface="Courier New" panose="02070309020205020404" pitchFamily="49" charset="0"/>
+              </a:rPr>
+              <a:t>      tmp4 &lt;- </a:t>
+            </a:r>
+            <a:r>
+              <a:rPr lang="en-US" sz="1800" b="1" dirty="0" err="1">
+                <a:solidFill>
+                  <a:srgbClr val="0070C0"/>
+                </a:solidFill>
+                <a:latin typeface="Courier New" panose="02070309020205020404" pitchFamily="49" charset="0"/>
+                <a:cs typeface="Courier New" panose="02070309020205020404" pitchFamily="49" charset="0"/>
+              </a:rPr>
+              <a:t>bind_cols</a:t>
+            </a:r>
+            <a:r>
+              <a:rPr lang="en-US" sz="1800" dirty="0">
+                <a:latin typeface="Courier New" panose="02070309020205020404" pitchFamily="49" charset="0"/>
+                <a:cs typeface="Courier New" panose="02070309020205020404" pitchFamily="49" charset="0"/>
+              </a:rPr>
+              <a:t>(</a:t>
+            </a:r>
+          </a:p>
+          <a:p>
+            <a:pPr marL="0" indent="0">
+              <a:buNone/>
+            </a:pPr>
+            <a:r>
+              <a:rPr lang="en-US" sz="1800" dirty="0">
+                <a:latin typeface="Courier New" panose="02070309020205020404" pitchFamily="49" charset="0"/>
+                <a:cs typeface="Courier New" panose="02070309020205020404" pitchFamily="49" charset="0"/>
+              </a:rPr>
+              <a:t>	</a:t>
+            </a:r>
+            <a:r>
+              <a:rPr lang="en-US" sz="1800" b="1" dirty="0">
+                <a:latin typeface="Courier New" panose="02070309020205020404" pitchFamily="49" charset="0"/>
+                <a:cs typeface="Courier New" panose="02070309020205020404" pitchFamily="49" charset="0"/>
+              </a:rPr>
+              <a:t>  name = tmp3...name,</a:t>
+            </a:r>
+          </a:p>
+          <a:p>
+            <a:pPr marL="0" indent="0">
+              <a:buNone/>
+            </a:pPr>
+            <a:r>
+              <a:rPr lang="en-US" sz="1800" b="1" dirty="0">
+                <a:latin typeface="Courier New" panose="02070309020205020404" pitchFamily="49" charset="0"/>
+                <a:cs typeface="Courier New" panose="02070309020205020404" pitchFamily="49" charset="0"/>
+              </a:rPr>
+              <a:t>	  </a:t>
+            </a:r>
+            <a:r>
+              <a:rPr lang="en-US" sz="1800" b="1" dirty="0" err="1">
+                <a:latin typeface="Courier New" panose="02070309020205020404" pitchFamily="49" charset="0"/>
+                <a:cs typeface="Courier New" panose="02070309020205020404" pitchFamily="49" charset="0"/>
+              </a:rPr>
+              <a:t>lon</a:t>
+            </a:r>
+            <a:r>
+              <a:rPr lang="en-US" sz="1800" b="1" dirty="0">
+                <a:latin typeface="Courier New" panose="02070309020205020404" pitchFamily="49" charset="0"/>
+                <a:cs typeface="Courier New" panose="02070309020205020404" pitchFamily="49" charset="0"/>
+              </a:rPr>
+              <a:t> = tmp3...</a:t>
+            </a:r>
+            <a:r>
+              <a:rPr lang="en-US" sz="1800" b="1" dirty="0" err="1">
+                <a:latin typeface="Courier New" panose="02070309020205020404" pitchFamily="49" charset="0"/>
+                <a:cs typeface="Courier New" panose="02070309020205020404" pitchFamily="49" charset="0"/>
+              </a:rPr>
+              <a:t>lng</a:t>
+            </a:r>
+            <a:r>
+              <a:rPr lang="en-US" sz="1800" b="1" dirty="0">
+                <a:latin typeface="Courier New" panose="02070309020205020404" pitchFamily="49" charset="0"/>
+                <a:cs typeface="Courier New" panose="02070309020205020404" pitchFamily="49" charset="0"/>
+              </a:rPr>
+              <a:t>,</a:t>
+            </a:r>
+          </a:p>
+          <a:p>
+            <a:pPr marL="0" indent="0">
+              <a:buNone/>
+            </a:pPr>
+            <a:r>
+              <a:rPr lang="en-US" sz="1800" b="1" dirty="0">
+                <a:latin typeface="Courier New" panose="02070309020205020404" pitchFamily="49" charset="0"/>
+                <a:cs typeface="Courier New" panose="02070309020205020404" pitchFamily="49" charset="0"/>
+              </a:rPr>
+              <a:t>	  </a:t>
+            </a:r>
+            <a:r>
+              <a:rPr lang="en-US" sz="1800" b="1" dirty="0" err="1">
+                <a:latin typeface="Courier New" panose="02070309020205020404" pitchFamily="49" charset="0"/>
+                <a:cs typeface="Courier New" panose="02070309020205020404" pitchFamily="49" charset="0"/>
+              </a:rPr>
+              <a:t>lat</a:t>
+            </a:r>
+            <a:r>
+              <a:rPr lang="en-US" sz="1800" b="1" dirty="0">
+                <a:latin typeface="Courier New" panose="02070309020205020404" pitchFamily="49" charset="0"/>
+                <a:cs typeface="Courier New" panose="02070309020205020404" pitchFamily="49" charset="0"/>
+              </a:rPr>
+              <a:t> = tmp3...</a:t>
+            </a:r>
+            <a:r>
+              <a:rPr lang="en-US" sz="1800" b="1" dirty="0" err="1">
+                <a:latin typeface="Courier New" panose="02070309020205020404" pitchFamily="49" charset="0"/>
+                <a:cs typeface="Courier New" panose="02070309020205020404" pitchFamily="49" charset="0"/>
+              </a:rPr>
+              <a:t>lat</a:t>
+            </a:r>
+            <a:r>
+              <a:rPr lang="en-US" sz="1800" b="1" dirty="0">
+                <a:latin typeface="Courier New" panose="02070309020205020404" pitchFamily="49" charset="0"/>
+                <a:cs typeface="Courier New" panose="02070309020205020404" pitchFamily="49" charset="0"/>
+              </a:rPr>
+              <a:t>,</a:t>
+            </a:r>
+          </a:p>
+          <a:p>
+            <a:pPr marL="0" indent="0">
+              <a:buNone/>
+            </a:pPr>
+            <a:r>
+              <a:rPr lang="en-US" sz="1800" b="1" dirty="0">
+                <a:latin typeface="Courier New" panose="02070309020205020404" pitchFamily="49" charset="0"/>
+                <a:cs typeface="Courier New" panose="02070309020205020404" pitchFamily="49" charset="0"/>
+              </a:rPr>
+              <a:t>      	  address = tmp3...</a:t>
+            </a:r>
+            <a:r>
+              <a:rPr lang="en-US" sz="1800" b="1" dirty="0" err="1">
+                <a:latin typeface="Courier New" panose="02070309020205020404" pitchFamily="49" charset="0"/>
+                <a:cs typeface="Courier New" panose="02070309020205020404" pitchFamily="49" charset="0"/>
+              </a:rPr>
+              <a:t>formatted_address</a:t>
+            </a:r>
+            <a:endParaRPr lang="en-US" sz="1800" b="1" dirty="0">
               <a:latin typeface="Courier New" panose="02070309020205020404" pitchFamily="49" charset="0"/>
               <a:cs typeface="Courier New" panose="02070309020205020404" pitchFamily="49" charset="0"/>
             </a:endParaRPr>
@@ -14921,60 +15626,43 @@
               <a:buNone/>
             </a:pPr>
             <a:r>
-              <a:rPr lang="en-US" dirty="0">
-                <a:latin typeface="Courier New" panose="02070309020205020404" pitchFamily="49" charset="0"/>
-                <a:cs typeface="Courier New" panose="02070309020205020404" pitchFamily="49" charset="0"/>
-              </a:rPr>
-              <a:t>to &lt;- </a:t>
-            </a:r>
-            <a:r>
-              <a:rPr lang="en-US" dirty="0" err="1">
-                <a:latin typeface="Courier New" panose="02070309020205020404" pitchFamily="49" charset="0"/>
-                <a:cs typeface="Courier New" panose="02070309020205020404" pitchFamily="49" charset="0"/>
-              </a:rPr>
-              <a:t>co$address</a:t>
-            </a:r>
-            <a:r>
-              <a:rPr lang="en-US" dirty="0">
-                <a:latin typeface="Courier New" panose="02070309020205020404" pitchFamily="49" charset="0"/>
-                <a:cs typeface="Courier New" panose="02070309020205020404" pitchFamily="49" charset="0"/>
-              </a:rPr>
-              <a:t>[1]</a:t>
-            </a:r>
-          </a:p>
-          <a:p>
-            <a:endParaRPr lang="en-US" dirty="0">
-              <a:latin typeface="Courier New" panose="02070309020205020404" pitchFamily="49" charset="0"/>
-              <a:cs typeface="Courier New" panose="02070309020205020404" pitchFamily="49" charset="0"/>
-            </a:endParaRPr>
+              <a:rPr lang="en-US" sz="1800" dirty="0">
+                <a:latin typeface="Courier New" panose="02070309020205020404" pitchFamily="49" charset="0"/>
+                <a:cs typeface="Courier New" panose="02070309020205020404" pitchFamily="49" charset="0"/>
+              </a:rPr>
+              <a:t>    	)</a:t>
+            </a:r>
           </a:p>
           <a:p>
             <a:pPr marL="0" indent="0">
               <a:buNone/>
             </a:pPr>
             <a:r>
-              <a:rPr lang="en-US" dirty="0">
-                <a:latin typeface="Courier New" panose="02070309020205020404" pitchFamily="49" charset="0"/>
-                <a:cs typeface="Courier New" panose="02070309020205020404" pitchFamily="49" charset="0"/>
-              </a:rPr>
-              <a:t>dist1 &lt;- </a:t>
-            </a:r>
-            <a:r>
-              <a:rPr lang="en-US" b="1" dirty="0" err="1">
+              <a:rPr lang="en-US" sz="1800" dirty="0">
                 <a:solidFill>
                   <a:srgbClr val="0070C0"/>
                 </a:solidFill>
                 <a:latin typeface="Courier New" panose="02070309020205020404" pitchFamily="49" charset="0"/>
                 <a:cs typeface="Courier New" panose="02070309020205020404" pitchFamily="49" charset="0"/>
               </a:rPr>
-              <a:t>mapdist</a:t>
-            </a:r>
-            <a:r>
-              <a:rPr lang="en-US" dirty="0">
-                <a:latin typeface="Courier New" panose="02070309020205020404" pitchFamily="49" charset="0"/>
-                <a:cs typeface="Courier New" panose="02070309020205020404" pitchFamily="49" charset="0"/>
-              </a:rPr>
-              <a:t>(</a:t>
+              <a:t>     </a:t>
+            </a:r>
+            <a:r>
+              <a:rPr lang="en-US" sz="1800" b="1" dirty="0">
+                <a:solidFill>
+                  <a:srgbClr val="0070C0"/>
+                </a:solidFill>
+                <a:latin typeface="Courier New" panose="02070309020205020404" pitchFamily="49" charset="0"/>
+                <a:cs typeface="Courier New" panose="02070309020205020404" pitchFamily="49" charset="0"/>
+              </a:rPr>
+              <a:t>return</a:t>
+            </a:r>
+            <a:r>
+              <a:rPr lang="en-US" sz="1800" dirty="0">
+                <a:latin typeface="Courier New" panose="02070309020205020404" pitchFamily="49" charset="0"/>
+                <a:cs typeface="Courier New" panose="02070309020205020404" pitchFamily="49" charset="0"/>
+              </a:rPr>
+              <a:t>(tmp4)</a:t>
             </a:r>
           </a:p>
           <a:p>
@@ -14982,59 +15670,11 @@
               <a:buNone/>
             </a:pPr>
             <a:r>
-              <a:rPr lang="en-US" dirty="0">
-                <a:latin typeface="Courier New" panose="02070309020205020404" pitchFamily="49" charset="0"/>
-                <a:cs typeface="Courier New" panose="02070309020205020404" pitchFamily="49" charset="0"/>
-              </a:rPr>
-              <a:t>	from,</a:t>
-            </a:r>
-          </a:p>
-          <a:p>
-            <a:pPr marL="0" indent="0">
-              <a:buNone/>
-            </a:pPr>
-            <a:r>
-              <a:rPr lang="en-US" dirty="0">
-                <a:latin typeface="Courier New" panose="02070309020205020404" pitchFamily="49" charset="0"/>
-                <a:cs typeface="Courier New" panose="02070309020205020404" pitchFamily="49" charset="0"/>
-              </a:rPr>
-              <a:t>	to,</a:t>
-            </a:r>
-          </a:p>
-          <a:p>
-            <a:pPr marL="0" indent="0">
-              <a:buNone/>
-            </a:pPr>
-            <a:r>
-              <a:rPr lang="en-US" dirty="0">
-                <a:latin typeface="Courier New" panose="02070309020205020404" pitchFamily="49" charset="0"/>
-                <a:cs typeface="Courier New" panose="02070309020205020404" pitchFamily="49" charset="0"/>
-              </a:rPr>
-              <a:t>	mode="bicycling",</a:t>
-            </a:r>
-          </a:p>
-          <a:p>
-            <a:pPr marL="0" indent="0">
-              <a:buNone/>
-            </a:pPr>
-            <a:r>
-              <a:rPr lang="en-US" dirty="0">
-                <a:latin typeface="Courier New" panose="02070309020205020404" pitchFamily="49" charset="0"/>
-                <a:cs typeface="Courier New" panose="02070309020205020404" pitchFamily="49" charset="0"/>
-              </a:rPr>
-              <a:t>	output="simple”</a:t>
-            </a:r>
-          </a:p>
-          <a:p>
-            <a:pPr marL="0" indent="0">
-              <a:buNone/>
-            </a:pPr>
-            <a:r>
-              <a:rPr lang="en-US" dirty="0">
-                <a:latin typeface="Courier New" panose="02070309020205020404" pitchFamily="49" charset="0"/>
-                <a:cs typeface="Courier New" panose="02070309020205020404" pitchFamily="49" charset="0"/>
-              </a:rPr>
-              <a:t>	)</a:t>
+              <a:rPr lang="en-US" sz="1800" dirty="0">
+                <a:latin typeface="Courier New" panose="02070309020205020404" pitchFamily="49" charset="0"/>
+                <a:cs typeface="Courier New" panose="02070309020205020404" pitchFamily="49" charset="0"/>
+              </a:rPr>
+              <a:t>}</a:t>
             </a:r>
           </a:p>
         </p:txBody>
@@ -15042,7 +15682,7 @@
     </p:spTree>
     <p:extLst>
       <p:ext uri="{BB962C8B-B14F-4D97-AF65-F5344CB8AC3E}">
-        <p14:creationId xmlns:p14="http://schemas.microsoft.com/office/powerpoint/2010/main" val="2895901399"/>
+        <p14:creationId xmlns:p14="http://schemas.microsoft.com/office/powerpoint/2010/main" val="604641825"/>
       </p:ext>
     </p:extLst>
   </p:cSld>
@@ -15074,7 +15714,7 @@
           <p:cNvPr id="2" name="Title 1">
             <a:extLst>
               <a:ext uri="{FF2B5EF4-FFF2-40B4-BE49-F238E27FC236}">
-                <a16:creationId xmlns:a16="http://schemas.microsoft.com/office/drawing/2014/main" id="{679F4E09-CE68-5347-9029-C339327D2255}"/>
+                <a16:creationId xmlns:a16="http://schemas.microsoft.com/office/drawing/2014/main" id="{17E2A4C2-DC9B-BB49-ACB5-A75727606CF3}"/>
               </a:ext>
             </a:extLst>
           </p:cNvPr>
@@ -15092,7 +15732,199 @@
           <a:p>
             <a:r>
               <a:rPr lang="en-US" dirty="0"/>
-              <a:t>Results from </a:t>
+              <a:t>Use the function</a:t>
+            </a:r>
+          </a:p>
+        </p:txBody>
+      </p:sp>
+      <p:sp>
+        <p:nvSpPr>
+          <p:cNvPr id="3" name="Content Placeholder 2">
+            <a:extLst>
+              <a:ext uri="{FF2B5EF4-FFF2-40B4-BE49-F238E27FC236}">
+                <a16:creationId xmlns:a16="http://schemas.microsoft.com/office/drawing/2014/main" id="{14CC0C9B-D678-5348-88F3-6C218FEDF0B9}"/>
+              </a:ext>
+            </a:extLst>
+          </p:cNvPr>
+          <p:cNvSpPr>
+            <a:spLocks noGrp="1"/>
+          </p:cNvSpPr>
+          <p:nvPr>
+            <p:ph idx="1"/>
+          </p:nvPr>
+        </p:nvSpPr>
+        <p:spPr/>
+        <p:txBody>
+          <a:bodyPr>
+            <a:normAutofit/>
+          </a:bodyPr>
+          <a:lstStyle/>
+          <a:p>
+            <a:r>
+              <a:rPr lang="en-US" dirty="0"/>
+              <a:t>Get the first 20 matches to any Google Map search</a:t>
+            </a:r>
+          </a:p>
+          <a:p>
+            <a:pPr marL="0" indent="0">
+              <a:buNone/>
+            </a:pPr>
+            <a:endParaRPr lang="en-US" dirty="0"/>
+          </a:p>
+          <a:p>
+            <a:pPr marL="0" indent="0">
+              <a:buNone/>
+            </a:pPr>
+            <a:r>
+              <a:rPr lang="en-US" dirty="0"/>
+              <a:t>	co &lt;- </a:t>
+            </a:r>
+            <a:r>
+              <a:rPr lang="en-US" b="1" dirty="0">
+                <a:solidFill>
+                  <a:srgbClr val="0070C0"/>
+                </a:solidFill>
+              </a:rPr>
+              <a:t>get20results</a:t>
+            </a:r>
+            <a:r>
+              <a:rPr lang="en-US" dirty="0"/>
+              <a:t>("Coop grocery in Madison")</a:t>
+            </a:r>
+          </a:p>
+          <a:p>
+            <a:endParaRPr lang="en-US" dirty="0"/>
+          </a:p>
+          <a:p>
+            <a:pPr marL="0" indent="0">
+              <a:buNone/>
+            </a:pPr>
+            <a:r>
+              <a:rPr lang="en-US" dirty="0"/>
+              <a:t>	</a:t>
+            </a:r>
+            <a:endParaRPr lang="en-US" sz="1400" dirty="0"/>
+          </a:p>
+          <a:p>
+            <a:pPr marL="0" indent="0">
+              <a:buNone/>
+            </a:pPr>
+            <a:endParaRPr lang="en-US" sz="1400" dirty="0"/>
+          </a:p>
+          <a:p>
+            <a:pPr marL="0" indent="0">
+              <a:buNone/>
+            </a:pPr>
+            <a:endParaRPr lang="en-US" sz="1400" dirty="0"/>
+          </a:p>
+          <a:p>
+            <a:pPr marL="0" indent="0">
+              <a:buNone/>
+            </a:pPr>
+            <a:endParaRPr lang="en-US" sz="1400" dirty="0"/>
+          </a:p>
+          <a:p>
+            <a:pPr marL="0" indent="0">
+              <a:buNone/>
+            </a:pPr>
+            <a:r>
+              <a:rPr lang="en-US" sz="1800" b="1" dirty="0"/>
+              <a:t>NOTE</a:t>
+            </a:r>
+            <a:r>
+              <a:rPr lang="en-US" sz="1800" dirty="0"/>
+              <a:t> You can get more than 20 by repeating the search and adding a token returned with the first search.</a:t>
+            </a:r>
+          </a:p>
+        </p:txBody>
+      </p:sp>
+    </p:spTree>
+    <p:extLst>
+      <p:ext uri="{BB962C8B-B14F-4D97-AF65-F5344CB8AC3E}">
+        <p14:creationId xmlns:p14="http://schemas.microsoft.com/office/powerpoint/2010/main" val="3980526193"/>
+      </p:ext>
+    </p:extLst>
+  </p:cSld>
+  <p:clrMapOvr>
+    <a:masterClrMapping/>
+  </p:clrMapOvr>
+</p:sld>
+</file>
+
+<file path=ppt/slides/slide54.xml><?xml version="1.0" encoding="utf-8"?>
+<p:sld xmlns:a="http://schemas.openxmlformats.org/drawingml/2006/main" xmlns:r="http://schemas.openxmlformats.org/officeDocument/2006/relationships" xmlns:p="http://schemas.openxmlformats.org/presentationml/2006/main">
+  <p:cSld>
+    <p:spTree>
+      <p:nvGrpSpPr>
+        <p:cNvPr id="1" name=""/>
+        <p:cNvGrpSpPr/>
+        <p:nvPr/>
+      </p:nvGrpSpPr>
+      <p:grpSpPr>
+        <a:xfrm>
+          <a:off x="0" y="0"/>
+          <a:ext cx="0" cy="0"/>
+          <a:chOff x="0" y="0"/>
+          <a:chExt cx="0" cy="0"/>
+        </a:xfrm>
+      </p:grpSpPr>
+      <p:sp>
+        <p:nvSpPr>
+          <p:cNvPr id="2" name="Title 1">
+            <a:extLst>
+              <a:ext uri="{FF2B5EF4-FFF2-40B4-BE49-F238E27FC236}">
+                <a16:creationId xmlns:a16="http://schemas.microsoft.com/office/drawing/2014/main" id="{C7C14A01-EFE7-2043-8E18-31123B86F079}"/>
+              </a:ext>
+            </a:extLst>
+          </p:cNvPr>
+          <p:cNvSpPr>
+            <a:spLocks noGrp="1"/>
+          </p:cNvSpPr>
+          <p:nvPr>
+            <p:ph type="title"/>
+          </p:nvPr>
+        </p:nvSpPr>
+        <p:spPr/>
+        <p:txBody>
+          <a:bodyPr/>
+          <a:lstStyle/>
+          <a:p>
+            <a:r>
+              <a:rPr lang="en-US" dirty="0"/>
+              <a:t>How far is it to nearest coop?</a:t>
+            </a:r>
+          </a:p>
+        </p:txBody>
+      </p:sp>
+      <p:sp>
+        <p:nvSpPr>
+          <p:cNvPr id="3" name="Content Placeholder 2">
+            <a:extLst>
+              <a:ext uri="{FF2B5EF4-FFF2-40B4-BE49-F238E27FC236}">
+                <a16:creationId xmlns:a16="http://schemas.microsoft.com/office/drawing/2014/main" id="{4C02D6F8-283A-E645-889E-E4B1E50E5CA1}"/>
+              </a:ext>
+            </a:extLst>
+          </p:cNvPr>
+          <p:cNvSpPr>
+            <a:spLocks noGrp="1"/>
+          </p:cNvSpPr>
+          <p:nvPr>
+            <p:ph idx="1"/>
+          </p:nvPr>
+        </p:nvSpPr>
+        <p:spPr/>
+        <p:txBody>
+          <a:bodyPr>
+            <a:normAutofit fontScale="77500" lnSpcReduction="20000"/>
+          </a:bodyPr>
+          <a:lstStyle/>
+          <a:p>
+            <a:pPr marL="0" indent="0">
+              <a:buNone/>
+            </a:pPr>
+            <a:r>
+              <a:rPr lang="en-US" dirty="0"/>
+              <a:t>Use the </a:t>
             </a:r>
             <a:r>
               <a:rPr lang="en-US" b="1" dirty="0" err="1">
@@ -15104,6 +15936,238 @@
             </a:r>
             <a:r>
               <a:rPr lang="en-US" dirty="0"/>
+              <a:t>() function to get travel distances, duration, other details, </a:t>
+            </a:r>
+            <a:r>
+              <a:rPr lang="en-US" b="1" dirty="0"/>
+              <a:t>by mode</a:t>
+            </a:r>
+            <a:r>
+              <a:rPr lang="en-US" dirty="0"/>
+              <a:t>!</a:t>
+            </a:r>
+          </a:p>
+          <a:p>
+            <a:pPr marL="0" indent="0">
+              <a:buNone/>
+            </a:pPr>
+            <a:endParaRPr lang="en-US" dirty="0"/>
+          </a:p>
+          <a:p>
+            <a:pPr marL="0" indent="0">
+              <a:buNone/>
+            </a:pPr>
+            <a:r>
+              <a:rPr lang="en-US" dirty="0">
+                <a:latin typeface="Courier New" panose="02070309020205020404" pitchFamily="49" charset="0"/>
+                <a:cs typeface="Courier New" panose="02070309020205020404" pitchFamily="49" charset="0"/>
+              </a:rPr>
+              <a:t>from &lt;- </a:t>
+            </a:r>
+            <a:r>
+              <a:rPr lang="en-US" dirty="0" err="1">
+                <a:latin typeface="Courier New" panose="02070309020205020404" pitchFamily="49" charset="0"/>
+                <a:cs typeface="Courier New" panose="02070309020205020404" pitchFamily="49" charset="0"/>
+              </a:rPr>
+              <a:t>df$address</a:t>
+            </a:r>
+            <a:endParaRPr lang="en-US" dirty="0">
+              <a:latin typeface="Courier New" panose="02070309020205020404" pitchFamily="49" charset="0"/>
+              <a:cs typeface="Courier New" panose="02070309020205020404" pitchFamily="49" charset="0"/>
+            </a:endParaRPr>
+          </a:p>
+          <a:p>
+            <a:pPr marL="0" indent="0">
+              <a:buNone/>
+            </a:pPr>
+            <a:r>
+              <a:rPr lang="en-US" dirty="0">
+                <a:latin typeface="Courier New" panose="02070309020205020404" pitchFamily="49" charset="0"/>
+                <a:cs typeface="Courier New" panose="02070309020205020404" pitchFamily="49" charset="0"/>
+              </a:rPr>
+              <a:t>to &lt;- </a:t>
+            </a:r>
+            <a:r>
+              <a:rPr lang="en-US" dirty="0" err="1">
+                <a:latin typeface="Courier New" panose="02070309020205020404" pitchFamily="49" charset="0"/>
+                <a:cs typeface="Courier New" panose="02070309020205020404" pitchFamily="49" charset="0"/>
+              </a:rPr>
+              <a:t>co$address</a:t>
+            </a:r>
+            <a:r>
+              <a:rPr lang="en-US" dirty="0">
+                <a:latin typeface="Courier New" panose="02070309020205020404" pitchFamily="49" charset="0"/>
+                <a:cs typeface="Courier New" panose="02070309020205020404" pitchFamily="49" charset="0"/>
+              </a:rPr>
+              <a:t>[1]</a:t>
+            </a:r>
+          </a:p>
+          <a:p>
+            <a:endParaRPr lang="en-US" dirty="0">
+              <a:latin typeface="Courier New" panose="02070309020205020404" pitchFamily="49" charset="0"/>
+              <a:cs typeface="Courier New" panose="02070309020205020404" pitchFamily="49" charset="0"/>
+            </a:endParaRPr>
+          </a:p>
+          <a:p>
+            <a:pPr marL="0" indent="0">
+              <a:buNone/>
+            </a:pPr>
+            <a:r>
+              <a:rPr lang="en-US" dirty="0">
+                <a:latin typeface="Courier New" panose="02070309020205020404" pitchFamily="49" charset="0"/>
+                <a:cs typeface="Courier New" panose="02070309020205020404" pitchFamily="49" charset="0"/>
+              </a:rPr>
+              <a:t>dist1 &lt;- </a:t>
+            </a:r>
+            <a:r>
+              <a:rPr lang="en-US" b="1" dirty="0" err="1">
+                <a:solidFill>
+                  <a:srgbClr val="0070C0"/>
+                </a:solidFill>
+                <a:latin typeface="Courier New" panose="02070309020205020404" pitchFamily="49" charset="0"/>
+                <a:cs typeface="Courier New" panose="02070309020205020404" pitchFamily="49" charset="0"/>
+              </a:rPr>
+              <a:t>mapdist</a:t>
+            </a:r>
+            <a:r>
+              <a:rPr lang="en-US" dirty="0">
+                <a:latin typeface="Courier New" panose="02070309020205020404" pitchFamily="49" charset="0"/>
+                <a:cs typeface="Courier New" panose="02070309020205020404" pitchFamily="49" charset="0"/>
+              </a:rPr>
+              <a:t>(</a:t>
+            </a:r>
+          </a:p>
+          <a:p>
+            <a:pPr marL="0" indent="0">
+              <a:buNone/>
+            </a:pPr>
+            <a:r>
+              <a:rPr lang="en-US" dirty="0">
+                <a:latin typeface="Courier New" panose="02070309020205020404" pitchFamily="49" charset="0"/>
+                <a:cs typeface="Courier New" panose="02070309020205020404" pitchFamily="49" charset="0"/>
+              </a:rPr>
+              <a:t>	from,</a:t>
+            </a:r>
+          </a:p>
+          <a:p>
+            <a:pPr marL="0" indent="0">
+              <a:buNone/>
+            </a:pPr>
+            <a:r>
+              <a:rPr lang="en-US" dirty="0">
+                <a:latin typeface="Courier New" panose="02070309020205020404" pitchFamily="49" charset="0"/>
+                <a:cs typeface="Courier New" panose="02070309020205020404" pitchFamily="49" charset="0"/>
+              </a:rPr>
+              <a:t>	to,</a:t>
+            </a:r>
+          </a:p>
+          <a:p>
+            <a:pPr marL="0" indent="0">
+              <a:buNone/>
+            </a:pPr>
+            <a:r>
+              <a:rPr lang="en-US" dirty="0">
+                <a:latin typeface="Courier New" panose="02070309020205020404" pitchFamily="49" charset="0"/>
+                <a:cs typeface="Courier New" panose="02070309020205020404" pitchFamily="49" charset="0"/>
+              </a:rPr>
+              <a:t>	mode="bicycling",</a:t>
+            </a:r>
+          </a:p>
+          <a:p>
+            <a:pPr marL="0" indent="0">
+              <a:buNone/>
+            </a:pPr>
+            <a:r>
+              <a:rPr lang="en-US" dirty="0">
+                <a:latin typeface="Courier New" panose="02070309020205020404" pitchFamily="49" charset="0"/>
+                <a:cs typeface="Courier New" panose="02070309020205020404" pitchFamily="49" charset="0"/>
+              </a:rPr>
+              <a:t>	output="simple”</a:t>
+            </a:r>
+          </a:p>
+          <a:p>
+            <a:pPr marL="0" indent="0">
+              <a:buNone/>
+            </a:pPr>
+            <a:r>
+              <a:rPr lang="en-US" dirty="0">
+                <a:latin typeface="Courier New" panose="02070309020205020404" pitchFamily="49" charset="0"/>
+                <a:cs typeface="Courier New" panose="02070309020205020404" pitchFamily="49" charset="0"/>
+              </a:rPr>
+              <a:t>	)</a:t>
+            </a:r>
+          </a:p>
+        </p:txBody>
+      </p:sp>
+    </p:spTree>
+    <p:extLst>
+      <p:ext uri="{BB962C8B-B14F-4D97-AF65-F5344CB8AC3E}">
+        <p14:creationId xmlns:p14="http://schemas.microsoft.com/office/powerpoint/2010/main" val="2895901399"/>
+      </p:ext>
+    </p:extLst>
+  </p:cSld>
+  <p:clrMapOvr>
+    <a:masterClrMapping/>
+  </p:clrMapOvr>
+</p:sld>
+</file>
+
+<file path=ppt/slides/slide55.xml><?xml version="1.0" encoding="utf-8"?>
+<p:sld xmlns:a="http://schemas.openxmlformats.org/drawingml/2006/main" xmlns:r="http://schemas.openxmlformats.org/officeDocument/2006/relationships" xmlns:p="http://schemas.openxmlformats.org/presentationml/2006/main">
+  <p:cSld>
+    <p:spTree>
+      <p:nvGrpSpPr>
+        <p:cNvPr id="1" name=""/>
+        <p:cNvGrpSpPr/>
+        <p:nvPr/>
+      </p:nvGrpSpPr>
+      <p:grpSpPr>
+        <a:xfrm>
+          <a:off x="0" y="0"/>
+          <a:ext cx="0" cy="0"/>
+          <a:chOff x="0" y="0"/>
+          <a:chExt cx="0" cy="0"/>
+        </a:xfrm>
+      </p:grpSpPr>
+      <p:sp>
+        <p:nvSpPr>
+          <p:cNvPr id="2" name="Title 1">
+            <a:extLst>
+              <a:ext uri="{FF2B5EF4-FFF2-40B4-BE49-F238E27FC236}">
+                <a16:creationId xmlns:a16="http://schemas.microsoft.com/office/drawing/2014/main" id="{679F4E09-CE68-5347-9029-C339327D2255}"/>
+              </a:ext>
+            </a:extLst>
+          </p:cNvPr>
+          <p:cNvSpPr>
+            <a:spLocks noGrp="1"/>
+          </p:cNvSpPr>
+          <p:nvPr>
+            <p:ph type="title"/>
+          </p:nvPr>
+        </p:nvSpPr>
+        <p:spPr/>
+        <p:txBody>
+          <a:bodyPr/>
+          <a:lstStyle/>
+          <a:p>
+            <a:r>
+              <a:rPr lang="en-US" dirty="0"/>
+              <a:t>Results from </a:t>
+            </a:r>
+            <a:r>
+              <a:rPr lang="en-US" b="1" dirty="0" err="1">
+                <a:solidFill>
+                  <a:srgbClr val="0070C0"/>
+                </a:solidFill>
+              </a:rPr>
+              <a:t>mapdist</a:t>
+            </a:r>
+            <a:r>
+              <a:rPr lang="en-US" b="1" dirty="0">
+                <a:solidFill>
+                  <a:srgbClr val="0070C0"/>
+                </a:solidFill>
+              </a:rPr>
               <a:t>()</a:t>
             </a:r>
           </a:p>
@@ -15151,7 +16215,7 @@
 </p:sld>
 </file>
 
-<file path=ppt/slides/slide54.xml><?xml version="1.0" encoding="utf-8"?>
+<file path=ppt/slides/slide56.xml><?xml version="1.0" encoding="utf-8"?>
 <p:sld xmlns:a="http://schemas.openxmlformats.org/drawingml/2006/main" xmlns:r="http://schemas.openxmlformats.org/officeDocument/2006/relationships" xmlns:p="http://schemas.openxmlformats.org/presentationml/2006/main">
   <p:cSld>
     <p:spTree>
@@ -15247,25 +16311,61 @@
             </a:r>
             <a:r>
               <a:rPr lang="en-US" dirty="0"/>
-              <a:t>to get distance from each address to each coop</a:t>
-            </a:r>
-          </a:p>
-          <a:p>
-            <a:r>
-              <a:rPr lang="en-US" dirty="0"/>
-              <a:t>Make a long file of all results</a:t>
-            </a:r>
-          </a:p>
-          <a:p>
-            <a:r>
-              <a:rPr lang="en-US" dirty="0"/>
-              <a:t>Sort by address, then distance</a:t>
-            </a:r>
-          </a:p>
-          <a:p>
-            <a:r>
-              <a:rPr lang="en-US" dirty="0"/>
-              <a:t>Save the first result for each address and drop the rest</a:t>
+              <a:t>to </a:t>
+            </a:r>
+            <a:r>
+              <a:rPr lang="en-US" dirty="0">
+                <a:solidFill>
+                  <a:srgbClr val="FF0000"/>
+                </a:solidFill>
+              </a:rPr>
+              <a:t>get distance </a:t>
+            </a:r>
+            <a:r>
+              <a:rPr lang="en-US" dirty="0"/>
+              <a:t>from each address to each coop</a:t>
+            </a:r>
+          </a:p>
+          <a:p>
+            <a:r>
+              <a:rPr lang="en-US" dirty="0">
+                <a:solidFill>
+                  <a:srgbClr val="FF0000"/>
+                </a:solidFill>
+              </a:rPr>
+              <a:t>Make a long file </a:t>
+            </a:r>
+            <a:r>
+              <a:rPr lang="en-US" dirty="0"/>
+              <a:t>of all results</a:t>
+            </a:r>
+          </a:p>
+          <a:p>
+            <a:r>
+              <a:rPr lang="en-US" dirty="0">
+                <a:solidFill>
+                  <a:srgbClr val="FF0000"/>
+                </a:solidFill>
+              </a:rPr>
+              <a:t>Sort</a:t>
+            </a:r>
+            <a:r>
+              <a:rPr lang="en-US" dirty="0"/>
+              <a:t> by address, then distance</a:t>
+            </a:r>
+          </a:p>
+          <a:p>
+            <a:r>
+              <a:rPr lang="en-US" dirty="0">
+                <a:solidFill>
+                  <a:srgbClr val="FF0000"/>
+                </a:solidFill>
+              </a:rPr>
+              <a:t>Save the first result</a:t>
+            </a:r>
+            <a:r>
+              <a:rPr lang="en-US" dirty="0"/>
+              <a:t> for each address and drop the rest</a:t>
             </a:r>
           </a:p>
           <a:p>
@@ -15276,29 +16376,52 @@
           </a:p>
           <a:p>
             <a:r>
-              <a:rPr lang="en-US" dirty="0"/>
-              <a:t>Rename the variable to </a:t>
-            </a:r>
-            <a:r>
-              <a:rPr lang="en-US" b="1" dirty="0" err="1"/>
-              <a:t>dist_closest_coop</a:t>
-            </a:r>
-            <a:endParaRPr lang="en-US" b="1" dirty="0"/>
-          </a:p>
-          <a:p>
-            <a:r>
-              <a:rPr lang="en-US" dirty="0"/>
-              <a:t>Drop unneeded variables</a:t>
-            </a:r>
-          </a:p>
-          <a:p>
-            <a:r>
-              <a:rPr lang="en-US" dirty="0"/>
-              <a:t>Merge the </a:t>
-            </a:r>
-            <a:r>
-              <a:rPr lang="en-US" b="1" dirty="0" err="1"/>
-              <a:t>dist_closest_coop</a:t>
+              <a:rPr lang="en-US" dirty="0">
+                <a:solidFill>
+                  <a:srgbClr val="FF0000"/>
+                </a:solidFill>
+              </a:rPr>
+              <a:t>Rename the variable </a:t>
+            </a:r>
+            <a:r>
+              <a:rPr lang="en-US" dirty="0"/>
+              <a:t>to </a:t>
+            </a:r>
+            <a:r>
+              <a:rPr lang="en-US" b="1" dirty="0"/>
+              <a:t>closest</a:t>
+            </a:r>
+          </a:p>
+          <a:p>
+            <a:r>
+              <a:rPr lang="en-US" dirty="0">
+                <a:solidFill>
+                  <a:srgbClr val="FF0000"/>
+                </a:solidFill>
+              </a:rPr>
+              <a:t>Drop</a:t>
+            </a:r>
+            <a:r>
+              <a:rPr lang="en-US" dirty="0"/>
+              <a:t> unneeded variables</a:t>
+            </a:r>
+          </a:p>
+          <a:p>
+            <a:r>
+              <a:rPr lang="en-US" dirty="0">
+                <a:solidFill>
+                  <a:srgbClr val="FF0000"/>
+                </a:solidFill>
+              </a:rPr>
+              <a:t>Merge</a:t>
+            </a:r>
+            <a:r>
+              <a:rPr lang="en-US" dirty="0"/>
+              <a:t> the </a:t>
+            </a:r>
+            <a:r>
+              <a:rPr lang="en-US" b="1" dirty="0"/>
+              <a:t>closest</a:t>
             </a:r>
             <a:r>
               <a:rPr lang="en-US" dirty="0"/>
@@ -15320,7 +16443,7 @@
 </p:sld>
 </file>
 
-<file path=ppt/slides/slide55.xml><?xml version="1.0" encoding="utf-8"?>
+<file path=ppt/slides/slide57.xml><?xml version="1.0" encoding="utf-8"?>
 <p:sld xmlns:a="http://schemas.openxmlformats.org/drawingml/2006/main" xmlns:r="http://schemas.openxmlformats.org/officeDocument/2006/relationships" xmlns:p="http://schemas.openxmlformats.org/presentationml/2006/main">
   <p:cSld>
     <p:spTree>
@@ -15700,7 +16823,94 @@
 </p:sld>
 </file>
 
-<file path=ppt/slides/slide56.xml><?xml version="1.0" encoding="utf-8"?>
+<file path=ppt/slides/slide58.xml><?xml version="1.0" encoding="utf-8"?>
+<p:sld xmlns:a="http://schemas.openxmlformats.org/drawingml/2006/main" xmlns:r="http://schemas.openxmlformats.org/officeDocument/2006/relationships" xmlns:p="http://schemas.openxmlformats.org/presentationml/2006/main">
+  <p:cSld>
+    <p:spTree>
+      <p:nvGrpSpPr>
+        <p:cNvPr id="1" name=""/>
+        <p:cNvGrpSpPr/>
+        <p:nvPr/>
+      </p:nvGrpSpPr>
+      <p:grpSpPr>
+        <a:xfrm>
+          <a:off x="0" y="0"/>
+          <a:ext cx="0" cy="0"/>
+          <a:chOff x="0" y="0"/>
+          <a:chExt cx="0" cy="0"/>
+        </a:xfrm>
+      </p:grpSpPr>
+      <p:sp>
+        <p:nvSpPr>
+          <p:cNvPr id="2" name="Title 1">
+            <a:extLst>
+              <a:ext uri="{FF2B5EF4-FFF2-40B4-BE49-F238E27FC236}">
+                <a16:creationId xmlns:a16="http://schemas.microsoft.com/office/drawing/2014/main" id="{B9268C26-C581-084B-BB46-99BB38A31285}"/>
+              </a:ext>
+            </a:extLst>
+          </p:cNvPr>
+          <p:cNvSpPr>
+            <a:spLocks noGrp="1"/>
+          </p:cNvSpPr>
+          <p:nvPr>
+            <p:ph type="title"/>
+          </p:nvPr>
+        </p:nvSpPr>
+        <p:spPr/>
+        <p:txBody>
+          <a:bodyPr/>
+          <a:lstStyle/>
+          <a:p>
+            <a:r>
+              <a:rPr lang="en-US" dirty="0"/>
+              <a:t>Merged into main data</a:t>
+            </a:r>
+          </a:p>
+        </p:txBody>
+      </p:sp>
+      <p:pic>
+        <p:nvPicPr>
+          <p:cNvPr id="5" name="Content Placeholder 4">
+            <a:extLst>
+              <a:ext uri="{FF2B5EF4-FFF2-40B4-BE49-F238E27FC236}">
+                <a16:creationId xmlns:a16="http://schemas.microsoft.com/office/drawing/2014/main" id="{2EBF4B15-9B4D-F04E-88F1-1F424D47AA3B}"/>
+              </a:ext>
+            </a:extLst>
+          </p:cNvPr>
+          <p:cNvPicPr>
+            <a:picLocks noGrp="1" noChangeAspect="1"/>
+          </p:cNvPicPr>
+          <p:nvPr>
+            <p:ph idx="1"/>
+          </p:nvPr>
+        </p:nvPicPr>
+        <p:blipFill>
+          <a:blip r:embed="rId2"/>
+          <a:stretch>
+            <a:fillRect/>
+          </a:stretch>
+        </p:blipFill>
+        <p:spPr>
+          <a:xfrm>
+            <a:off x="1574800" y="2159794"/>
+            <a:ext cx="9042400" cy="3683000"/>
+          </a:xfrm>
+        </p:spPr>
+      </p:pic>
+    </p:spTree>
+    <p:extLst>
+      <p:ext uri="{BB962C8B-B14F-4D97-AF65-F5344CB8AC3E}">
+        <p14:creationId xmlns:p14="http://schemas.microsoft.com/office/powerpoint/2010/main" val="1749781338"/>
+      </p:ext>
+    </p:extLst>
+  </p:cSld>
+  <p:clrMapOvr>
+    <a:masterClrMapping/>
+  </p:clrMapOvr>
+</p:sld>
+</file>
+
+<file path=ppt/slides/slide59.xml><?xml version="1.0" encoding="utf-8"?>
 <p:sld xmlns:a="http://schemas.openxmlformats.org/drawingml/2006/main" xmlns:r="http://schemas.openxmlformats.org/officeDocument/2006/relationships" xmlns:p="http://schemas.openxmlformats.org/presentationml/2006/main">
   <p:cSld>
     <p:spTree>
@@ -15873,7 +17083,111 @@
 </p:sld>
 </file>
 
-<file path=ppt/slides/slide57.xml><?xml version="1.0" encoding="utf-8"?>
+<file path=ppt/slides/slide6.xml><?xml version="1.0" encoding="utf-8"?>
+<p:sld xmlns:a="http://schemas.openxmlformats.org/drawingml/2006/main" xmlns:r="http://schemas.openxmlformats.org/officeDocument/2006/relationships" xmlns:p="http://schemas.openxmlformats.org/presentationml/2006/main">
+  <p:cSld>
+    <p:spTree>
+      <p:nvGrpSpPr>
+        <p:cNvPr id="1" name=""/>
+        <p:cNvGrpSpPr/>
+        <p:nvPr/>
+      </p:nvGrpSpPr>
+      <p:grpSpPr>
+        <a:xfrm>
+          <a:off x="0" y="0"/>
+          <a:ext cx="0" cy="0"/>
+          <a:chOff x="0" y="0"/>
+          <a:chExt cx="0" cy="0"/>
+        </a:xfrm>
+      </p:grpSpPr>
+      <p:sp>
+        <p:nvSpPr>
+          <p:cNvPr id="2" name="Title 1">
+            <a:extLst>
+              <a:ext uri="{FF2B5EF4-FFF2-40B4-BE49-F238E27FC236}">
+                <a16:creationId xmlns:a16="http://schemas.microsoft.com/office/drawing/2014/main" id="{58CC6B34-8A4F-EC48-924F-ED92033A0892}"/>
+              </a:ext>
+            </a:extLst>
+          </p:cNvPr>
+          <p:cNvSpPr>
+            <a:spLocks noGrp="1"/>
+          </p:cNvSpPr>
+          <p:nvPr>
+            <p:ph type="title"/>
+          </p:nvPr>
+        </p:nvSpPr>
+        <p:spPr/>
+        <p:txBody>
+          <a:bodyPr/>
+          <a:lstStyle/>
+          <a:p>
+            <a:r>
+              <a:rPr lang="en-US" dirty="0"/>
+              <a:t>Is there another way?</a:t>
+            </a:r>
+          </a:p>
+        </p:txBody>
+      </p:sp>
+      <p:sp>
+        <p:nvSpPr>
+          <p:cNvPr id="3" name="Content Placeholder 2">
+            <a:extLst>
+              <a:ext uri="{FF2B5EF4-FFF2-40B4-BE49-F238E27FC236}">
+                <a16:creationId xmlns:a16="http://schemas.microsoft.com/office/drawing/2014/main" id="{1901AAD7-17D4-ED46-B44B-62E672A03429}"/>
+              </a:ext>
+            </a:extLst>
+          </p:cNvPr>
+          <p:cNvSpPr>
+            <a:spLocks noGrp="1"/>
+          </p:cNvSpPr>
+          <p:nvPr>
+            <p:ph idx="1"/>
+          </p:nvPr>
+        </p:nvSpPr>
+        <p:spPr/>
+        <p:txBody>
+          <a:bodyPr/>
+          <a:lstStyle/>
+          <a:p>
+            <a:r>
+              <a:rPr lang="en-US" dirty="0"/>
+              <a:t>What are you comfortable with?</a:t>
+            </a:r>
+          </a:p>
+          <a:p>
+            <a:r>
+              <a:rPr lang="en-US" dirty="0"/>
+              <a:t>R is a comprehensive set of tools</a:t>
+            </a:r>
+          </a:p>
+          <a:p>
+            <a:r>
+              <a:rPr lang="en-US" dirty="0"/>
+              <a:t>All of this is possible with Python</a:t>
+            </a:r>
+          </a:p>
+          <a:p>
+            <a:r>
+              <a:rPr lang="en-US" dirty="0"/>
+              <a:t>Probably possible with Stata/SAS/SPSS plus some other tools</a:t>
+            </a:r>
+          </a:p>
+        </p:txBody>
+      </p:sp>
+    </p:spTree>
+    <p:extLst>
+      <p:ext uri="{BB962C8B-B14F-4D97-AF65-F5344CB8AC3E}">
+        <p14:creationId xmlns:p14="http://schemas.microsoft.com/office/powerpoint/2010/main" val="4068443977"/>
+      </p:ext>
+    </p:extLst>
+  </p:cSld>
+  <p:clrMapOvr>
+    <a:masterClrMapping/>
+  </p:clrMapOvr>
+</p:sld>
+</file>
+
+<file path=ppt/slides/slide60.xml><?xml version="1.0" encoding="utf-8"?>
 <p:sld xmlns:a="http://schemas.openxmlformats.org/drawingml/2006/main" xmlns:r="http://schemas.openxmlformats.org/officeDocument/2006/relationships" xmlns:p="http://schemas.openxmlformats.org/presentationml/2006/main">
   <p:cSld>
     <p:spTree>
@@ -15996,7 +17310,7 @@
 </p:sld>
 </file>
 
-<file path=ppt/slides/slide58.xml><?xml version="1.0" encoding="utf-8"?>
+<file path=ppt/slides/slide61.xml><?xml version="1.0" encoding="utf-8"?>
 <p:sld xmlns:a="http://schemas.openxmlformats.org/drawingml/2006/main" xmlns:r="http://schemas.openxmlformats.org/officeDocument/2006/relationships" xmlns:p="http://schemas.openxmlformats.org/presentationml/2006/main">
   <p:cSld>
     <p:spTree>
@@ -16187,12 +17501,12 @@
             <a:r>
               <a:rPr lang="en-US" sz="2400" b="1" dirty="0">
                 <a:solidFill>
-                  <a:srgbClr val="00B050"/>
+                  <a:srgbClr val="FF0000"/>
                 </a:solidFill>
                 <a:latin typeface="Courier New" panose="02070309020205020404" pitchFamily="49" charset="0"/>
                 <a:cs typeface="Courier New" panose="02070309020205020404" pitchFamily="49" charset="0"/>
               </a:rPr>
-              <a:t>minutes&lt;25</a:t>
+              <a:t>minutes &lt; 25</a:t>
             </a:r>
             <a:r>
               <a:rPr lang="en-US" sz="2400" dirty="0">
@@ -16332,7 +17646,7 @@
 </p:sld>
 </file>
 
-<file path=ppt/slides/slide59.xml><?xml version="1.0" encoding="utf-8"?>
+<file path=ppt/slides/slide62.xml><?xml version="1.0" encoding="utf-8"?>
 <p:sld xmlns:a="http://schemas.openxmlformats.org/drawingml/2006/main" xmlns:r="http://schemas.openxmlformats.org/officeDocument/2006/relationships" xmlns:p="http://schemas.openxmlformats.org/presentationml/2006/main">
   <p:cSld>
     <p:spTree>
@@ -16455,7 +17769,7 @@
 </p:sld>
 </file>
 
-<file path=ppt/slides/slide6.xml><?xml version="1.0" encoding="utf-8"?>
+<file path=ppt/slides/slide63.xml><?xml version="1.0" encoding="utf-8"?>
 <p:sld xmlns:a="http://schemas.openxmlformats.org/drawingml/2006/main" xmlns:r="http://schemas.openxmlformats.org/officeDocument/2006/relationships" xmlns:p="http://schemas.openxmlformats.org/presentationml/2006/main">
   <p:cSld>
     <p:spTree>
@@ -16477,110 +17791,6 @@
           <p:cNvPr id="2" name="Title 1">
             <a:extLst>
               <a:ext uri="{FF2B5EF4-FFF2-40B4-BE49-F238E27FC236}">
-                <a16:creationId xmlns:a16="http://schemas.microsoft.com/office/drawing/2014/main" id="{58CC6B34-8A4F-EC48-924F-ED92033A0892}"/>
-              </a:ext>
-            </a:extLst>
-          </p:cNvPr>
-          <p:cNvSpPr>
-            <a:spLocks noGrp="1"/>
-          </p:cNvSpPr>
-          <p:nvPr>
-            <p:ph type="title"/>
-          </p:nvPr>
-        </p:nvSpPr>
-        <p:spPr/>
-        <p:txBody>
-          <a:bodyPr/>
-          <a:lstStyle/>
-          <a:p>
-            <a:r>
-              <a:rPr lang="en-US" dirty="0"/>
-              <a:t>Is there another way?</a:t>
-            </a:r>
-          </a:p>
-        </p:txBody>
-      </p:sp>
-      <p:sp>
-        <p:nvSpPr>
-          <p:cNvPr id="3" name="Content Placeholder 2">
-            <a:extLst>
-              <a:ext uri="{FF2B5EF4-FFF2-40B4-BE49-F238E27FC236}">
-                <a16:creationId xmlns:a16="http://schemas.microsoft.com/office/drawing/2014/main" id="{1901AAD7-17D4-ED46-B44B-62E672A03429}"/>
-              </a:ext>
-            </a:extLst>
-          </p:cNvPr>
-          <p:cNvSpPr>
-            <a:spLocks noGrp="1"/>
-          </p:cNvSpPr>
-          <p:nvPr>
-            <p:ph idx="1"/>
-          </p:nvPr>
-        </p:nvSpPr>
-        <p:spPr/>
-        <p:txBody>
-          <a:bodyPr/>
-          <a:lstStyle/>
-          <a:p>
-            <a:r>
-              <a:rPr lang="en-US" dirty="0"/>
-              <a:t>What are you comfortable with?</a:t>
-            </a:r>
-          </a:p>
-          <a:p>
-            <a:r>
-              <a:rPr lang="en-US" dirty="0"/>
-              <a:t>R is a comprehensive set of tools</a:t>
-            </a:r>
-          </a:p>
-          <a:p>
-            <a:r>
-              <a:rPr lang="en-US" dirty="0"/>
-              <a:t>All of this is possible with Python</a:t>
-            </a:r>
-          </a:p>
-          <a:p>
-            <a:r>
-              <a:rPr lang="en-US" dirty="0"/>
-              <a:t>Probably possible with Stata/SAS/SPSS plus some other tools</a:t>
-            </a:r>
-          </a:p>
-        </p:txBody>
-      </p:sp>
-    </p:spTree>
-    <p:extLst>
-      <p:ext uri="{BB962C8B-B14F-4D97-AF65-F5344CB8AC3E}">
-        <p14:creationId xmlns:p14="http://schemas.microsoft.com/office/powerpoint/2010/main" val="4068443977"/>
-      </p:ext>
-    </p:extLst>
-  </p:cSld>
-  <p:clrMapOvr>
-    <a:masterClrMapping/>
-  </p:clrMapOvr>
-</p:sld>
-</file>
-
-<file path=ppt/slides/slide60.xml><?xml version="1.0" encoding="utf-8"?>
-<p:sld xmlns:a="http://schemas.openxmlformats.org/drawingml/2006/main" xmlns:r="http://schemas.openxmlformats.org/officeDocument/2006/relationships" xmlns:p="http://schemas.openxmlformats.org/presentationml/2006/main">
-  <p:cSld>
-    <p:spTree>
-      <p:nvGrpSpPr>
-        <p:cNvPr id="1" name=""/>
-        <p:cNvGrpSpPr/>
-        <p:nvPr/>
-      </p:nvGrpSpPr>
-      <p:grpSpPr>
-        <a:xfrm>
-          <a:off x="0" y="0"/>
-          <a:ext cx="0" cy="0"/>
-          <a:chOff x="0" y="0"/>
-          <a:chExt cx="0" cy="0"/>
-        </a:xfrm>
-      </p:grpSpPr>
-      <p:sp>
-        <p:nvSpPr>
-          <p:cNvPr id="2" name="Title 1">
-            <a:extLst>
-              <a:ext uri="{FF2B5EF4-FFF2-40B4-BE49-F238E27FC236}">
                 <a16:creationId xmlns:a16="http://schemas.microsoft.com/office/drawing/2014/main" id="{D6582CD2-1BD6-5542-AB41-8BB3A5DD4F93}"/>
               </a:ext>
             </a:extLst>
@@ -16663,7 +17873,7 @@
 </p:sld>
 </file>
 
-<file path=ppt/slides/slide61.xml><?xml version="1.0" encoding="utf-8"?>
+<file path=ppt/slides/slide64.xml><?xml version="1.0" encoding="utf-8"?>
 <p:sld xmlns:a="http://schemas.openxmlformats.org/drawingml/2006/main" xmlns:r="http://schemas.openxmlformats.org/officeDocument/2006/relationships" xmlns:p="http://schemas.openxmlformats.org/presentationml/2006/main">
   <p:cSld>
     <p:spTree>
@@ -16891,7 +18101,7 @@
 </p:sld>
 </file>
 
-<file path=ppt/slides/slide62.xml><?xml version="1.0" encoding="utf-8"?>
+<file path=ppt/slides/slide65.xml><?xml version="1.0" encoding="utf-8"?>
 <p:sld xmlns:a="http://schemas.openxmlformats.org/drawingml/2006/main" xmlns:r="http://schemas.openxmlformats.org/officeDocument/2006/relationships" xmlns:p="http://schemas.openxmlformats.org/presentationml/2006/main">
   <p:cSld>
     <p:spTree>
@@ -17083,7 +18293,7 @@
 </p:sld>
 </file>
 
-<file path=ppt/slides/slide63.xml><?xml version="1.0" encoding="utf-8"?>
+<file path=ppt/slides/slide66.xml><?xml version="1.0" encoding="utf-8"?>
 <p:sld xmlns:a="http://schemas.openxmlformats.org/drawingml/2006/main" xmlns:r="http://schemas.openxmlformats.org/officeDocument/2006/relationships" xmlns:p="http://schemas.openxmlformats.org/presentationml/2006/main">
   <p:cSld>
     <p:spTree>
@@ -17221,7 +18431,7 @@
 </p:sld>
 </file>
 
-<file path=ppt/slides/slide64.xml><?xml version="1.0" encoding="utf-8"?>
+<file path=ppt/slides/slide67.xml><?xml version="1.0" encoding="utf-8"?>
 <p:sld xmlns:a="http://schemas.openxmlformats.org/drawingml/2006/main" xmlns:r="http://schemas.openxmlformats.org/officeDocument/2006/relationships" xmlns:p="http://schemas.openxmlformats.org/presentationml/2006/main">
   <p:cSld>
     <p:spTree>
@@ -17617,7 +18827,7 @@
 </p:sld>
 </file>
 
-<file path=ppt/slides/slide65.xml><?xml version="1.0" encoding="utf-8"?>
+<file path=ppt/slides/slide68.xml><?xml version="1.0" encoding="utf-8"?>
 <p:sld xmlns:a="http://schemas.openxmlformats.org/drawingml/2006/main" xmlns:r="http://schemas.openxmlformats.org/officeDocument/2006/relationships" xmlns:p="http://schemas.openxmlformats.org/presentationml/2006/main">
   <p:cSld>
     <p:spTree>
@@ -17720,7 +18930,7 @@
 </p:sld>
 </file>
 
-<file path=ppt/slides/slide66.xml><?xml version="1.0" encoding="utf-8"?>
+<file path=ppt/slides/slide69.xml><?xml version="1.0" encoding="utf-8"?>
 <p:sld xmlns:a="http://schemas.openxmlformats.org/drawingml/2006/main" xmlns:r="http://schemas.openxmlformats.org/officeDocument/2006/relationships" xmlns:p="http://schemas.openxmlformats.org/presentationml/2006/main">
   <p:cSld>
     <p:spTree>
@@ -17808,7 +19018,7 @@
 </p:sld>
 </file>
 
-<file path=ppt/slides/slide67.xml><?xml version="1.0" encoding="utf-8"?>
+<file path=ppt/slides/slide7.xml><?xml version="1.0" encoding="utf-8"?>
 <p:sld xmlns:a="http://schemas.openxmlformats.org/drawingml/2006/main" xmlns:r="http://schemas.openxmlformats.org/officeDocument/2006/relationships" xmlns:p="http://schemas.openxmlformats.org/presentationml/2006/main">
   <p:cSld>
     <p:spTree>
@@ -17830,7 +19040,7 @@
           <p:cNvPr id="2" name="Title 1">
             <a:extLst>
               <a:ext uri="{FF2B5EF4-FFF2-40B4-BE49-F238E27FC236}">
-                <a16:creationId xmlns:a16="http://schemas.microsoft.com/office/drawing/2014/main" id="{355A78C5-6506-CD4D-9A5C-237ADB7CC163}"/>
+                <a16:creationId xmlns:a16="http://schemas.microsoft.com/office/drawing/2014/main" id="{AB51E405-D66D-FC4B-BA07-9521D2897F04}"/>
               </a:ext>
             </a:extLst>
           </p:cNvPr>
@@ -17848,7 +19058,7 @@
           <a:p>
             <a:r>
               <a:rPr lang="en-US" dirty="0"/>
-              <a:t>Another neat opportunity</a:t>
+              <a:t>The hard way (covered by Liam)</a:t>
             </a:r>
           </a:p>
         </p:txBody>
@@ -17858,7 +19068,7 @@
           <p:cNvPr id="3" name="Content Placeholder 2">
             <a:extLst>
               <a:ext uri="{FF2B5EF4-FFF2-40B4-BE49-F238E27FC236}">
-                <a16:creationId xmlns:a16="http://schemas.microsoft.com/office/drawing/2014/main" id="{FF54B93A-3C57-C14A-83FA-66B0A4E98046}"/>
+                <a16:creationId xmlns:a16="http://schemas.microsoft.com/office/drawing/2014/main" id="{1DE10264-73F1-0C4B-AB80-19C2DB876630}"/>
               </a:ext>
             </a:extLst>
           </p:cNvPr>
@@ -17871,199 +19081,61 @@
         </p:nvSpPr>
         <p:spPr/>
         <p:txBody>
-          <a:bodyPr>
-            <a:normAutofit/>
-          </a:bodyPr>
+          <a:bodyPr/>
           <a:lstStyle/>
           <a:p>
-            <a:r>
-              <a:rPr lang="en-US" dirty="0"/>
-              <a:t>Combine your pocket GPS data logger with </a:t>
+            <a:pPr marL="0" indent="0">
+              <a:buNone/>
+            </a:pPr>
+            <a:r>
+              <a:rPr lang="en-US" dirty="0"/>
+              <a:t>What I had planned...</a:t>
+            </a:r>
+          </a:p>
+          <a:p>
+            <a:endParaRPr lang="en-US" dirty="0"/>
+          </a:p>
+          <a:p>
+            <a:r>
+              <a:rPr lang="en-US" dirty="0"/>
+              <a:t>Go to site that provides data</a:t>
+            </a:r>
+          </a:p>
+          <a:p>
+            <a:r>
+              <a:rPr lang="en-US" dirty="0"/>
+              <a:t>Scrape information from page or, if lucky, use API</a:t>
+            </a:r>
+          </a:p>
+          <a:p>
+            <a:r>
+              <a:rPr lang="en-US" dirty="0"/>
+              <a:t>Clean whatever craziness comes back</a:t>
+            </a:r>
+          </a:p>
+          <a:p>
+            <a:r>
+              <a:rPr lang="en-US" dirty="0"/>
+              <a:t>Build a new database</a:t>
+            </a:r>
+          </a:p>
+          <a:p>
+            <a:r>
+              <a:rPr lang="en-US" dirty="0"/>
+              <a:t>Merge, analyze, map, </a:t>
             </a:r>
             <a:r>
               <a:rPr lang="en-US" dirty="0" err="1"/>
-              <a:t>ggmap</a:t>
-            </a:r>
-            <a:r>
-              <a:rPr lang="en-US" dirty="0"/>
-              <a:t> and Google API</a:t>
-            </a:r>
-          </a:p>
-          <a:p>
-            <a:r>
-              <a:rPr lang="en-US" dirty="0"/>
-              <a:t>Scrape EXIF data from your photos</a:t>
-            </a:r>
-          </a:p>
-          <a:p>
-            <a:r>
-              <a:rPr lang="en-US" dirty="0"/>
-              <a:t>Map!</a:t>
-            </a:r>
-          </a:p>
-          <a:p>
+              <a:t>etc</a:t>
+            </a:r>
             <a:endParaRPr lang="en-US" dirty="0"/>
-          </a:p>
-          <a:p>
-            <a:pPr marL="0" indent="0">
-              <a:buNone/>
-            </a:pPr>
-            <a:r>
-              <a:rPr lang="en-US" dirty="0" err="1">
-                <a:latin typeface="Courier New" panose="02070309020205020404" pitchFamily="49" charset="0"/>
-                <a:cs typeface="Courier New" panose="02070309020205020404" pitchFamily="49" charset="0"/>
-              </a:rPr>
-              <a:t>image_files</a:t>
-            </a:r>
-            <a:r>
-              <a:rPr lang="en-US" dirty="0">
-                <a:latin typeface="Courier New" panose="02070309020205020404" pitchFamily="49" charset="0"/>
-                <a:cs typeface="Courier New" panose="02070309020205020404" pitchFamily="49" charset="0"/>
-              </a:rPr>
-              <a:t> &lt;-</a:t>
-            </a:r>
-            <a:r>
-              <a:rPr lang="en-US" b="1" dirty="0" err="1">
-                <a:solidFill>
-                  <a:srgbClr val="0070C0"/>
-                </a:solidFill>
-                <a:latin typeface="Courier New" panose="02070309020205020404" pitchFamily="49" charset="0"/>
-                <a:cs typeface="Courier New" panose="02070309020205020404" pitchFamily="49" charset="0"/>
-              </a:rPr>
-              <a:t>list.files</a:t>
-            </a:r>
-            <a:r>
-              <a:rPr lang="en-US" dirty="0">
-                <a:latin typeface="Courier New" panose="02070309020205020404" pitchFamily="49" charset="0"/>
-                <a:cs typeface="Courier New" panose="02070309020205020404" pitchFamily="49" charset="0"/>
-              </a:rPr>
-              <a:t>("</a:t>
-            </a:r>
-            <a:r>
-              <a:rPr lang="en-US" b="1" dirty="0">
-                <a:solidFill>
-                  <a:srgbClr val="00B050"/>
-                </a:solidFill>
-                <a:latin typeface="Courier New" panose="02070309020205020404" pitchFamily="49" charset="0"/>
-                <a:cs typeface="Courier New" panose="02070309020205020404" pitchFamily="49" charset="0"/>
-              </a:rPr>
-              <a:t>~/Desktop/California</a:t>
-            </a:r>
-            <a:r>
-              <a:rPr lang="en-US" dirty="0">
-                <a:latin typeface="Courier New" panose="02070309020205020404" pitchFamily="49" charset="0"/>
-                <a:cs typeface="Courier New" panose="02070309020205020404" pitchFamily="49" charset="0"/>
-              </a:rPr>
-              <a:t>")</a:t>
-            </a:r>
-          </a:p>
-          <a:p>
-            <a:pPr marL="0" indent="0">
-              <a:buNone/>
-            </a:pPr>
-            <a:endParaRPr lang="en-US" dirty="0">
-              <a:latin typeface="Courier New" panose="02070309020205020404" pitchFamily="49" charset="0"/>
-              <a:cs typeface="Courier New" panose="02070309020205020404" pitchFamily="49" charset="0"/>
-            </a:endParaRPr>
-          </a:p>
-          <a:p>
-            <a:pPr marL="0" indent="0">
-              <a:buNone/>
-            </a:pPr>
-            <a:r>
-              <a:rPr lang="en-US" dirty="0" err="1">
-                <a:latin typeface="Courier New" panose="02070309020205020404" pitchFamily="49" charset="0"/>
-                <a:cs typeface="Courier New" panose="02070309020205020404" pitchFamily="49" charset="0"/>
-              </a:rPr>
-              <a:t>tmp</a:t>
-            </a:r>
-            <a:r>
-              <a:rPr lang="en-US" dirty="0">
-                <a:latin typeface="Courier New" panose="02070309020205020404" pitchFamily="49" charset="0"/>
-                <a:cs typeface="Courier New" panose="02070309020205020404" pitchFamily="49" charset="0"/>
-              </a:rPr>
-              <a:t> &lt;- </a:t>
-            </a:r>
-            <a:r>
-              <a:rPr lang="en-US" b="1" dirty="0" err="1">
-                <a:solidFill>
-                  <a:srgbClr val="0070C0"/>
-                </a:solidFill>
-                <a:latin typeface="Courier New" panose="02070309020205020404" pitchFamily="49" charset="0"/>
-                <a:cs typeface="Courier New" panose="02070309020205020404" pitchFamily="49" charset="0"/>
-              </a:rPr>
-              <a:t>read_exif</a:t>
-            </a:r>
-            <a:r>
-              <a:rPr lang="en-US" dirty="0">
-                <a:latin typeface="Courier New" panose="02070309020205020404" pitchFamily="49" charset="0"/>
-                <a:cs typeface="Courier New" panose="02070309020205020404" pitchFamily="49" charset="0"/>
-              </a:rPr>
-              <a:t>(</a:t>
-            </a:r>
-            <a:r>
-              <a:rPr lang="en-US" dirty="0" err="1">
-                <a:latin typeface="Courier New" panose="02070309020205020404" pitchFamily="49" charset="0"/>
-                <a:cs typeface="Courier New" panose="02070309020205020404" pitchFamily="49" charset="0"/>
-              </a:rPr>
-              <a:t>image_files</a:t>
-            </a:r>
-            <a:r>
-              <a:rPr lang="en-US" dirty="0">
-                <a:latin typeface="Courier New" panose="02070309020205020404" pitchFamily="49" charset="0"/>
-                <a:cs typeface="Courier New" panose="02070309020205020404" pitchFamily="49" charset="0"/>
-              </a:rPr>
-              <a:t>, tags=c("</a:t>
-            </a:r>
-            <a:r>
-              <a:rPr lang="en-US" dirty="0" err="1">
-                <a:latin typeface="Courier New" panose="02070309020205020404" pitchFamily="49" charset="0"/>
-                <a:cs typeface="Courier New" panose="02070309020205020404" pitchFamily="49" charset="0"/>
-              </a:rPr>
-              <a:t>FileName</a:t>
-            </a:r>
-            <a:r>
-              <a:rPr lang="en-US" dirty="0">
-                <a:latin typeface="Courier New" panose="02070309020205020404" pitchFamily="49" charset="0"/>
-                <a:cs typeface="Courier New" panose="02070309020205020404" pitchFamily="49" charset="0"/>
-              </a:rPr>
-              <a:t>", "</a:t>
-            </a:r>
-            <a:r>
-              <a:rPr lang="en-US" dirty="0" err="1">
-                <a:latin typeface="Courier New" panose="02070309020205020404" pitchFamily="49" charset="0"/>
-                <a:cs typeface="Courier New" panose="02070309020205020404" pitchFamily="49" charset="0"/>
-              </a:rPr>
-              <a:t>GPSLatitude</a:t>
-            </a:r>
-            <a:r>
-              <a:rPr lang="en-US" dirty="0">
-                <a:latin typeface="Courier New" panose="02070309020205020404" pitchFamily="49" charset="0"/>
-                <a:cs typeface="Courier New" panose="02070309020205020404" pitchFamily="49" charset="0"/>
-              </a:rPr>
-              <a:t>", "</a:t>
-            </a:r>
-            <a:r>
-              <a:rPr lang="en-US" dirty="0" err="1">
-                <a:latin typeface="Courier New" panose="02070309020205020404" pitchFamily="49" charset="0"/>
-                <a:cs typeface="Courier New" panose="02070309020205020404" pitchFamily="49" charset="0"/>
-              </a:rPr>
-              <a:t>GPSLongitude</a:t>
-            </a:r>
-            <a:r>
-              <a:rPr lang="en-US" dirty="0">
-                <a:latin typeface="Courier New" panose="02070309020205020404" pitchFamily="49" charset="0"/>
-                <a:cs typeface="Courier New" panose="02070309020205020404" pitchFamily="49" charset="0"/>
-              </a:rPr>
-              <a:t>"))</a:t>
-            </a:r>
           </a:p>
         </p:txBody>
       </p:sp>
     </p:spTree>
     <p:extLst>
       <p:ext uri="{BB962C8B-B14F-4D97-AF65-F5344CB8AC3E}">
-        <p14:creationId xmlns:p14="http://schemas.microsoft.com/office/powerpoint/2010/main" val="2799858290"/>
+        <p14:creationId xmlns:p14="http://schemas.microsoft.com/office/powerpoint/2010/main" val="60773091"/>
       </p:ext>
     </p:extLst>
   </p:cSld>
@@ -18073,7 +19145,7 @@
 </p:sld>
 </file>
 
-<file path=ppt/slides/slide68.xml><?xml version="1.0" encoding="utf-8"?>
+<file path=ppt/slides/slide70.xml><?xml version="1.0" encoding="utf-8"?>
 <p:sld xmlns:a="http://schemas.openxmlformats.org/drawingml/2006/main" xmlns:r="http://schemas.openxmlformats.org/officeDocument/2006/relationships" xmlns:p="http://schemas.openxmlformats.org/presentationml/2006/main">
   <p:cSld>
     <p:spTree>
@@ -18095,6 +19167,271 @@
           <p:cNvPr id="2" name="Title 1">
             <a:extLst>
               <a:ext uri="{FF2B5EF4-FFF2-40B4-BE49-F238E27FC236}">
+                <a16:creationId xmlns:a16="http://schemas.microsoft.com/office/drawing/2014/main" id="{355A78C5-6506-CD4D-9A5C-237ADB7CC163}"/>
+              </a:ext>
+            </a:extLst>
+          </p:cNvPr>
+          <p:cNvSpPr>
+            <a:spLocks noGrp="1"/>
+          </p:cNvSpPr>
+          <p:nvPr>
+            <p:ph type="title"/>
+          </p:nvPr>
+        </p:nvSpPr>
+        <p:spPr/>
+        <p:txBody>
+          <a:bodyPr/>
+          <a:lstStyle/>
+          <a:p>
+            <a:r>
+              <a:rPr lang="en-US" dirty="0"/>
+              <a:t>Another neat opportunity</a:t>
+            </a:r>
+          </a:p>
+        </p:txBody>
+      </p:sp>
+      <p:sp>
+        <p:nvSpPr>
+          <p:cNvPr id="3" name="Content Placeholder 2">
+            <a:extLst>
+              <a:ext uri="{FF2B5EF4-FFF2-40B4-BE49-F238E27FC236}">
+                <a16:creationId xmlns:a16="http://schemas.microsoft.com/office/drawing/2014/main" id="{FF54B93A-3C57-C14A-83FA-66B0A4E98046}"/>
+              </a:ext>
+            </a:extLst>
+          </p:cNvPr>
+          <p:cNvSpPr>
+            <a:spLocks noGrp="1"/>
+          </p:cNvSpPr>
+          <p:nvPr>
+            <p:ph idx="1"/>
+          </p:nvPr>
+        </p:nvSpPr>
+        <p:spPr/>
+        <p:txBody>
+          <a:bodyPr>
+            <a:normAutofit/>
+          </a:bodyPr>
+          <a:lstStyle/>
+          <a:p>
+            <a:r>
+              <a:rPr lang="en-US" dirty="0"/>
+              <a:t>Combine your pocket GPS data logger with </a:t>
+            </a:r>
+            <a:r>
+              <a:rPr lang="en-US" dirty="0" err="1"/>
+              <a:t>ggmap</a:t>
+            </a:r>
+            <a:r>
+              <a:rPr lang="en-US" dirty="0"/>
+              <a:t> and Google API</a:t>
+            </a:r>
+          </a:p>
+          <a:p>
+            <a:r>
+              <a:rPr lang="en-US" dirty="0"/>
+              <a:t>Scrape EXIF data from your photos</a:t>
+            </a:r>
+          </a:p>
+          <a:p>
+            <a:r>
+              <a:rPr lang="en-US" dirty="0"/>
+              <a:t>Map!</a:t>
+            </a:r>
+          </a:p>
+          <a:p>
+            <a:endParaRPr lang="en-US" dirty="0"/>
+          </a:p>
+          <a:p>
+            <a:pPr marL="0" indent="0">
+              <a:buNone/>
+            </a:pPr>
+            <a:r>
+              <a:rPr lang="en-US" dirty="0" err="1">
+                <a:latin typeface="Courier New" panose="02070309020205020404" pitchFamily="49" charset="0"/>
+                <a:cs typeface="Courier New" panose="02070309020205020404" pitchFamily="49" charset="0"/>
+              </a:rPr>
+              <a:t>image_files</a:t>
+            </a:r>
+            <a:r>
+              <a:rPr lang="en-US" dirty="0">
+                <a:latin typeface="Courier New" panose="02070309020205020404" pitchFamily="49" charset="0"/>
+                <a:cs typeface="Courier New" panose="02070309020205020404" pitchFamily="49" charset="0"/>
+              </a:rPr>
+              <a:t> &lt;-</a:t>
+            </a:r>
+            <a:r>
+              <a:rPr lang="en-US" b="1" dirty="0" err="1">
+                <a:solidFill>
+                  <a:srgbClr val="0070C0"/>
+                </a:solidFill>
+                <a:latin typeface="Courier New" panose="02070309020205020404" pitchFamily="49" charset="0"/>
+                <a:cs typeface="Courier New" panose="02070309020205020404" pitchFamily="49" charset="0"/>
+              </a:rPr>
+              <a:t>list.files</a:t>
+            </a:r>
+            <a:r>
+              <a:rPr lang="en-US" dirty="0">
+                <a:latin typeface="Courier New" panose="02070309020205020404" pitchFamily="49" charset="0"/>
+                <a:cs typeface="Courier New" panose="02070309020205020404" pitchFamily="49" charset="0"/>
+              </a:rPr>
+              <a:t>("</a:t>
+            </a:r>
+            <a:r>
+              <a:rPr lang="en-US" b="1" dirty="0">
+                <a:solidFill>
+                  <a:srgbClr val="00B050"/>
+                </a:solidFill>
+                <a:latin typeface="Courier New" panose="02070309020205020404" pitchFamily="49" charset="0"/>
+                <a:cs typeface="Courier New" panose="02070309020205020404" pitchFamily="49" charset="0"/>
+              </a:rPr>
+              <a:t>~/Desktop/California</a:t>
+            </a:r>
+            <a:r>
+              <a:rPr lang="en-US" dirty="0">
+                <a:latin typeface="Courier New" panose="02070309020205020404" pitchFamily="49" charset="0"/>
+                <a:cs typeface="Courier New" panose="02070309020205020404" pitchFamily="49" charset="0"/>
+              </a:rPr>
+              <a:t>")</a:t>
+            </a:r>
+          </a:p>
+          <a:p>
+            <a:pPr marL="0" indent="0">
+              <a:buNone/>
+            </a:pPr>
+            <a:endParaRPr lang="en-US" dirty="0">
+              <a:latin typeface="Courier New" panose="02070309020205020404" pitchFamily="49" charset="0"/>
+              <a:cs typeface="Courier New" panose="02070309020205020404" pitchFamily="49" charset="0"/>
+            </a:endParaRPr>
+          </a:p>
+          <a:p>
+            <a:pPr marL="0" indent="0">
+              <a:buNone/>
+            </a:pPr>
+            <a:r>
+              <a:rPr lang="en-US" dirty="0" err="1">
+                <a:latin typeface="Courier New" panose="02070309020205020404" pitchFamily="49" charset="0"/>
+                <a:cs typeface="Courier New" panose="02070309020205020404" pitchFamily="49" charset="0"/>
+              </a:rPr>
+              <a:t>tmp</a:t>
+            </a:r>
+            <a:r>
+              <a:rPr lang="en-US" dirty="0">
+                <a:latin typeface="Courier New" panose="02070309020205020404" pitchFamily="49" charset="0"/>
+                <a:cs typeface="Courier New" panose="02070309020205020404" pitchFamily="49" charset="0"/>
+              </a:rPr>
+              <a:t> &lt;- </a:t>
+            </a:r>
+            <a:r>
+              <a:rPr lang="en-US" b="1" dirty="0" err="1">
+                <a:solidFill>
+                  <a:srgbClr val="0070C0"/>
+                </a:solidFill>
+                <a:latin typeface="Courier New" panose="02070309020205020404" pitchFamily="49" charset="0"/>
+                <a:cs typeface="Courier New" panose="02070309020205020404" pitchFamily="49" charset="0"/>
+              </a:rPr>
+              <a:t>read_exif</a:t>
+            </a:r>
+            <a:r>
+              <a:rPr lang="en-US" dirty="0">
+                <a:latin typeface="Courier New" panose="02070309020205020404" pitchFamily="49" charset="0"/>
+                <a:cs typeface="Courier New" panose="02070309020205020404" pitchFamily="49" charset="0"/>
+              </a:rPr>
+              <a:t>(</a:t>
+            </a:r>
+            <a:r>
+              <a:rPr lang="en-US" dirty="0" err="1">
+                <a:latin typeface="Courier New" panose="02070309020205020404" pitchFamily="49" charset="0"/>
+                <a:cs typeface="Courier New" panose="02070309020205020404" pitchFamily="49" charset="0"/>
+              </a:rPr>
+              <a:t>image_files</a:t>
+            </a:r>
+            <a:r>
+              <a:rPr lang="en-US" dirty="0">
+                <a:latin typeface="Courier New" panose="02070309020205020404" pitchFamily="49" charset="0"/>
+                <a:cs typeface="Courier New" panose="02070309020205020404" pitchFamily="49" charset="0"/>
+              </a:rPr>
+              <a:t>, tags=c("</a:t>
+            </a:r>
+            <a:r>
+              <a:rPr lang="en-US" dirty="0" err="1">
+                <a:latin typeface="Courier New" panose="02070309020205020404" pitchFamily="49" charset="0"/>
+                <a:cs typeface="Courier New" panose="02070309020205020404" pitchFamily="49" charset="0"/>
+              </a:rPr>
+              <a:t>FileName</a:t>
+            </a:r>
+            <a:r>
+              <a:rPr lang="en-US" dirty="0">
+                <a:latin typeface="Courier New" panose="02070309020205020404" pitchFamily="49" charset="0"/>
+                <a:cs typeface="Courier New" panose="02070309020205020404" pitchFamily="49" charset="0"/>
+              </a:rPr>
+              <a:t>", "</a:t>
+            </a:r>
+            <a:r>
+              <a:rPr lang="en-US" dirty="0" err="1">
+                <a:latin typeface="Courier New" panose="02070309020205020404" pitchFamily="49" charset="0"/>
+                <a:cs typeface="Courier New" panose="02070309020205020404" pitchFamily="49" charset="0"/>
+              </a:rPr>
+              <a:t>GPSLatitude</a:t>
+            </a:r>
+            <a:r>
+              <a:rPr lang="en-US" dirty="0">
+                <a:latin typeface="Courier New" panose="02070309020205020404" pitchFamily="49" charset="0"/>
+                <a:cs typeface="Courier New" panose="02070309020205020404" pitchFamily="49" charset="0"/>
+              </a:rPr>
+              <a:t>", "</a:t>
+            </a:r>
+            <a:r>
+              <a:rPr lang="en-US" dirty="0" err="1">
+                <a:latin typeface="Courier New" panose="02070309020205020404" pitchFamily="49" charset="0"/>
+                <a:cs typeface="Courier New" panose="02070309020205020404" pitchFamily="49" charset="0"/>
+              </a:rPr>
+              <a:t>GPSLongitude</a:t>
+            </a:r>
+            <a:r>
+              <a:rPr lang="en-US" dirty="0">
+                <a:latin typeface="Courier New" panose="02070309020205020404" pitchFamily="49" charset="0"/>
+                <a:cs typeface="Courier New" panose="02070309020205020404" pitchFamily="49" charset="0"/>
+              </a:rPr>
+              <a:t>"))</a:t>
+            </a:r>
+          </a:p>
+        </p:txBody>
+      </p:sp>
+    </p:spTree>
+    <p:extLst>
+      <p:ext uri="{BB962C8B-B14F-4D97-AF65-F5344CB8AC3E}">
+        <p14:creationId xmlns:p14="http://schemas.microsoft.com/office/powerpoint/2010/main" val="2799858290"/>
+      </p:ext>
+    </p:extLst>
+  </p:cSld>
+  <p:clrMapOvr>
+    <a:masterClrMapping/>
+  </p:clrMapOvr>
+</p:sld>
+</file>
+
+<file path=ppt/slides/slide71.xml><?xml version="1.0" encoding="utf-8"?>
+<p:sld xmlns:a="http://schemas.openxmlformats.org/drawingml/2006/main" xmlns:r="http://schemas.openxmlformats.org/officeDocument/2006/relationships" xmlns:p="http://schemas.openxmlformats.org/presentationml/2006/main">
+  <p:cSld>
+    <p:spTree>
+      <p:nvGrpSpPr>
+        <p:cNvPr id="1" name=""/>
+        <p:cNvGrpSpPr/>
+        <p:nvPr/>
+      </p:nvGrpSpPr>
+      <p:grpSpPr>
+        <a:xfrm>
+          <a:off x="0" y="0"/>
+          <a:ext cx="0" cy="0"/>
+          <a:chOff x="0" y="0"/>
+          <a:chExt cx="0" cy="0"/>
+        </a:xfrm>
+      </p:grpSpPr>
+      <p:sp>
+        <p:nvSpPr>
+          <p:cNvPr id="2" name="Title 1">
+            <a:extLst>
+              <a:ext uri="{FF2B5EF4-FFF2-40B4-BE49-F238E27FC236}">
                 <a16:creationId xmlns:a16="http://schemas.microsoft.com/office/drawing/2014/main" id="{583D816D-1AC3-9648-810F-457D8278D372}"/>
               </a:ext>
             </a:extLst>
@@ -18270,7 +19607,7 @@
 </p:sld>
 </file>
 
-<file path=ppt/slides/slide69.xml><?xml version="1.0" encoding="utf-8"?>
+<file path=ppt/slides/slide72.xml><?xml version="1.0" encoding="utf-8"?>
 <p:sld xmlns:a="http://schemas.openxmlformats.org/drawingml/2006/main" xmlns:r="http://schemas.openxmlformats.org/officeDocument/2006/relationships" xmlns:p="http://schemas.openxmlformats.org/presentationml/2006/main">
   <p:cSld>
     <p:spTree>
@@ -18593,7 +19930,7 @@
 </p:sld>
 </file>
 
-<file path=ppt/slides/slide7.xml><?xml version="1.0" encoding="utf-8"?>
+<file path=ppt/slides/slide73.xml><?xml version="1.0" encoding="utf-8"?>
 <p:sld xmlns:a="http://schemas.openxmlformats.org/drawingml/2006/main" xmlns:r="http://schemas.openxmlformats.org/officeDocument/2006/relationships" xmlns:p="http://schemas.openxmlformats.org/presentationml/2006/main">
   <p:cSld>
     <p:spTree>
@@ -18615,7 +19952,7 @@
           <p:cNvPr id="2" name="Title 1">
             <a:extLst>
               <a:ext uri="{FF2B5EF4-FFF2-40B4-BE49-F238E27FC236}">
-                <a16:creationId xmlns:a16="http://schemas.microsoft.com/office/drawing/2014/main" id="{AB51E405-D66D-FC4B-BA07-9521D2897F04}"/>
+                <a16:creationId xmlns:a16="http://schemas.microsoft.com/office/drawing/2014/main" id="{74DD5D56-0C01-544D-95F4-4943E142B028}"/>
               </a:ext>
             </a:extLst>
           </p:cNvPr>
@@ -18633,7 +19970,7 @@
           <a:p>
             <a:r>
               <a:rPr lang="en-US" dirty="0"/>
-              <a:t>The hard way</a:t>
+              <a:t>Cautions</a:t>
             </a:r>
           </a:p>
         </p:txBody>
@@ -18643,7 +19980,7 @@
           <p:cNvPr id="3" name="Content Placeholder 2">
             <a:extLst>
               <a:ext uri="{FF2B5EF4-FFF2-40B4-BE49-F238E27FC236}">
-                <a16:creationId xmlns:a16="http://schemas.microsoft.com/office/drawing/2014/main" id="{1DE10264-73F1-0C4B-AB80-19C2DB876630}"/>
+                <a16:creationId xmlns:a16="http://schemas.microsoft.com/office/drawing/2014/main" id="{9ADD6D31-776D-BC48-B78E-7EFB7F3ABAA9}"/>
               </a:ext>
             </a:extLst>
           </p:cNvPr>
@@ -18659,148 +19996,29 @@
           <a:bodyPr/>
           <a:lstStyle/>
           <a:p>
-            <a:pPr marL="0" indent="0">
-              <a:buNone/>
-            </a:pPr>
-            <a:r>
-              <a:rPr lang="en-US" dirty="0"/>
-              <a:t>What I had planned...</a:t>
-            </a:r>
-          </a:p>
-          <a:p>
-            <a:endParaRPr lang="en-US" dirty="0"/>
-          </a:p>
-          <a:p>
-            <a:r>
-              <a:rPr lang="en-US" dirty="0"/>
-              <a:t>Go to site that provides data</a:t>
-            </a:r>
-          </a:p>
-          <a:p>
-            <a:r>
-              <a:rPr lang="en-US" dirty="0"/>
-              <a:t>Scrape information from page or, if lucky, use API</a:t>
-            </a:r>
-          </a:p>
-          <a:p>
-            <a:r>
-              <a:rPr lang="en-US" dirty="0"/>
-              <a:t>Clean whatever craziness comes back</a:t>
-            </a:r>
-          </a:p>
-          <a:p>
-            <a:r>
-              <a:rPr lang="en-US" dirty="0"/>
-              <a:t>Build a new database</a:t>
-            </a:r>
-          </a:p>
-          <a:p>
-            <a:r>
-              <a:rPr lang="en-US" dirty="0"/>
-              <a:t>Merge, analyze, map, </a:t>
+            <a:r>
+              <a:rPr lang="en-US" dirty="0"/>
+              <a:t>Free queries to Google API limited to 1500 per day</a:t>
+            </a:r>
+          </a:p>
+          <a:p>
+            <a:r>
+              <a:rPr lang="en-US" dirty="0"/>
+              <a:t>Lots of blocked queries without API key</a:t>
+            </a:r>
+          </a:p>
+          <a:p>
+            <a:r>
+              <a:rPr lang="en-US" dirty="0"/>
+              <a:t>Get </a:t>
             </a:r>
             <a:r>
               <a:rPr lang="en-US" dirty="0" err="1"/>
-              <a:t>etc</a:t>
-            </a:r>
-            <a:endParaRPr lang="en-US" dirty="0"/>
-          </a:p>
-        </p:txBody>
-      </p:sp>
-    </p:spTree>
-    <p:extLst>
-      <p:ext uri="{BB962C8B-B14F-4D97-AF65-F5344CB8AC3E}">
-        <p14:creationId xmlns:p14="http://schemas.microsoft.com/office/powerpoint/2010/main" val="60773091"/>
-      </p:ext>
-    </p:extLst>
-  </p:cSld>
-  <p:clrMapOvr>
-    <a:masterClrMapping/>
-  </p:clrMapOvr>
-</p:sld>
-</file>
-
-<file path=ppt/slides/slide70.xml><?xml version="1.0" encoding="utf-8"?>
-<p:sld xmlns:a="http://schemas.openxmlformats.org/drawingml/2006/main" xmlns:r="http://schemas.openxmlformats.org/officeDocument/2006/relationships" xmlns:p="http://schemas.openxmlformats.org/presentationml/2006/main">
-  <p:cSld>
-    <p:spTree>
-      <p:nvGrpSpPr>
-        <p:cNvPr id="1" name=""/>
-        <p:cNvGrpSpPr/>
-        <p:nvPr/>
-      </p:nvGrpSpPr>
-      <p:grpSpPr>
-        <a:xfrm>
-          <a:off x="0" y="0"/>
-          <a:ext cx="0" cy="0"/>
-          <a:chOff x="0" y="0"/>
-          <a:chExt cx="0" cy="0"/>
-        </a:xfrm>
-      </p:grpSpPr>
-      <p:sp>
-        <p:nvSpPr>
-          <p:cNvPr id="2" name="Title 1">
-            <a:extLst>
-              <a:ext uri="{FF2B5EF4-FFF2-40B4-BE49-F238E27FC236}">
-                <a16:creationId xmlns:a16="http://schemas.microsoft.com/office/drawing/2014/main" id="{74DD5D56-0C01-544D-95F4-4943E142B028}"/>
-              </a:ext>
-            </a:extLst>
-          </p:cNvPr>
-          <p:cNvSpPr>
-            <a:spLocks noGrp="1"/>
-          </p:cNvSpPr>
-          <p:nvPr>
-            <p:ph type="title"/>
-          </p:nvPr>
-        </p:nvSpPr>
-        <p:spPr/>
-        <p:txBody>
-          <a:bodyPr/>
-          <a:lstStyle/>
-          <a:p>
-            <a:r>
-              <a:rPr lang="en-US" dirty="0"/>
-              <a:t>Cautions</a:t>
-            </a:r>
-          </a:p>
-        </p:txBody>
-      </p:sp>
-      <p:sp>
-        <p:nvSpPr>
-          <p:cNvPr id="3" name="Content Placeholder 2">
-            <a:extLst>
-              <a:ext uri="{FF2B5EF4-FFF2-40B4-BE49-F238E27FC236}">
-                <a16:creationId xmlns:a16="http://schemas.microsoft.com/office/drawing/2014/main" id="{9ADD6D31-776D-BC48-B78E-7EFB7F3ABAA9}"/>
-              </a:ext>
-            </a:extLst>
-          </p:cNvPr>
-          <p:cNvSpPr>
-            <a:spLocks noGrp="1"/>
-          </p:cNvSpPr>
-          <p:nvPr>
-            <p:ph idx="1"/>
-          </p:nvPr>
-        </p:nvSpPr>
-        <p:spPr/>
-        <p:txBody>
-          <a:bodyPr/>
-          <a:lstStyle/>
-          <a:p>
-            <a:r>
-              <a:rPr lang="en-US" dirty="0"/>
-              <a:t>Free queries to Google API limited to 1500 per day</a:t>
-            </a:r>
-          </a:p>
-          <a:p>
-            <a:r>
-              <a:rPr lang="en-US" dirty="0"/>
-              <a:t>This presentation used about 100 </a:t>
-            </a:r>
-          </a:p>
-          <a:p>
-            <a:r>
-              <a:rPr lang="en-US" dirty="0"/>
-              <a:t>Lots of blocked queries without API key</a:t>
+              <a:t>ggmap</a:t>
+            </a:r>
+            <a:r>
+              <a:rPr lang="en-US" dirty="0"/>
+              <a:t> from the author’s GitHub page</a:t>
             </a:r>
           </a:p>
           <a:p>
@@ -18870,7 +20088,7 @@
 </p:sld>
 </file>
 
-<file path=ppt/slides/slide71.xml><?xml version="1.0" encoding="utf-8"?>
+<file path=ppt/slides/slide74.xml><?xml version="1.0" encoding="utf-8"?>
 <p:sld xmlns:a="http://schemas.openxmlformats.org/drawingml/2006/main" xmlns:r="http://schemas.openxmlformats.org/officeDocument/2006/relationships" xmlns:p="http://schemas.openxmlformats.org/presentationml/2006/main">
   <p:cSld>
     <p:spTree>

--- a/presentation/Jones - Contextual Data Presentation.pptx
+++ b/presentation/Jones - Contextual Data Presentation.pptx
@@ -10887,7 +10887,7 @@
           <a:p>
             <a:r>
               <a:rPr lang="en-US" dirty="0"/>
-              <a:t>Google Search Scrape</a:t>
+              <a:t>Create URLs with code</a:t>
             </a:r>
           </a:p>
         </p:txBody>
@@ -11012,7 +11012,7 @@
           <a:p>
             <a:r>
               <a:rPr lang="en-US" dirty="0"/>
-              <a:t>Google Search Scrape</a:t>
+              <a:t>Create URLs with code</a:t>
             </a:r>
           </a:p>
         </p:txBody>

--- a/presentation/Jones - Contextual Data Presentation.pptx
+++ b/presentation/Jones - Contextual Data Presentation.pptx
@@ -4582,6 +4582,35 @@
               <a:rPr lang="en-US" sz="1700" dirty="0"/>
               <a:t>University of Wisconsin Survey Center</a:t>
             </a:r>
+          </a:p>
+          <a:p>
+            <a:endParaRPr lang="en-US" sz="1700" dirty="0"/>
+          </a:p>
+          <a:p>
+            <a:r>
+              <a:rPr lang="en-US" sz="1800" b="1" dirty="0" err="1"/>
+              <a:t>github.com</a:t>
+            </a:r>
+            <a:r>
+              <a:rPr lang="en-US" sz="1800" b="1" dirty="0"/>
+              <a:t>/</a:t>
+            </a:r>
+            <a:r>
+              <a:rPr lang="en-US" sz="1800" b="1" dirty="0" err="1"/>
+              <a:t>nrjjones</a:t>
+            </a:r>
+            <a:r>
+              <a:rPr lang="en-US" sz="1800" b="1" dirty="0"/>
+              <a:t>/</a:t>
+            </a:r>
+            <a:r>
+              <a:rPr lang="en-US" sz="1800" b="1" dirty="0" err="1"/>
+              <a:t>BuildingContextualData</a:t>
+            </a:r>
+            <a:endParaRPr lang="en-US" sz="1800" b="1" dirty="0"/>
+          </a:p>
+          <a:p>
+            <a:endParaRPr lang="en-US" sz="1700" dirty="0"/>
           </a:p>
         </p:txBody>
       </p:sp>
@@ -6529,14 +6558,14 @@
           <p:nvPr>
             <p:extLst>
               <p:ext uri="{D42A27DB-BD31-4B8C-83A1-F6EECF244321}">
-                <p14:modId xmlns:p14="http://schemas.microsoft.com/office/powerpoint/2010/main" val="1677787478"/>
+                <p14:modId xmlns:p14="http://schemas.microsoft.com/office/powerpoint/2010/main" val="1288306555"/>
               </p:ext>
             </p:extLst>
           </p:nvPr>
         </p:nvGraphicFramePr>
         <p:xfrm>
           <a:off x="1408546" y="2659302"/>
-          <a:ext cx="8128000" cy="1483360"/>
+          <a:ext cx="8128000" cy="3337560"/>
         </p:xfrm>
         <a:graphic>
           <a:graphicData uri="http://schemas.openxmlformats.org/drawingml/2006/table">
@@ -6880,6 +6909,557 @@
                   </a:ext>
                 </a:extLst>
               </a:tr>
+              <a:tr h="370840">
+                <a:tc>
+                  <a:txBody>
+                    <a:bodyPr/>
+                    <a:lstStyle/>
+                    <a:p>
+                      <a:r>
+                        <a:rPr lang="en-US" dirty="0"/>
+                        <a:t>1004</a:t>
+                      </a:r>
+                    </a:p>
+                  </a:txBody>
+                  <a:tcPr/>
+                </a:tc>
+                <a:tc>
+                  <a:txBody>
+                    <a:bodyPr/>
+                    <a:lstStyle/>
+                    <a:p>
+                      <a:r>
+                        <a:rPr lang="en-US" dirty="0"/>
+                        <a:t>32.1</a:t>
+                      </a:r>
+                    </a:p>
+                  </a:txBody>
+                  <a:tcPr/>
+                </a:tc>
+                <a:tc>
+                  <a:txBody>
+                    <a:bodyPr/>
+                    <a:lstStyle/>
+                    <a:p>
+                      <a:r>
+                        <a:rPr lang="en-US" dirty="0"/>
+                        <a:t>51646</a:t>
+                      </a:r>
+                    </a:p>
+                  </a:txBody>
+                  <a:tcPr/>
+                </a:tc>
+                <a:tc>
+                  <a:txBody>
+                    <a:bodyPr/>
+                    <a:lstStyle/>
+                    <a:p>
+                      <a:pPr marL="0" marR="0" lvl="0" indent="0" algn="l" defTabSz="914400" rtl="0" eaLnBrk="1" fontAlgn="auto" latinLnBrk="0" hangingPunct="1">
+                        <a:lnSpc>
+                          <a:spcPct val="100000"/>
+                        </a:lnSpc>
+                        <a:spcBef>
+                          <a:spcPts val="0"/>
+                        </a:spcBef>
+                        <a:spcAft>
+                          <a:spcPts val="0"/>
+                        </a:spcAft>
+                        <a:buClrTx/>
+                        <a:buSzTx/>
+                        <a:buFontTx/>
+                        <a:buNone/>
+                        <a:tabLst/>
+                        <a:defRPr/>
+                      </a:pPr>
+                      <a:r>
+                        <a:rPr kumimoji="0" lang="en-US" sz="1800" b="0" i="0" u="none" strike="noStrike" kern="1200" cap="none" spc="0" normalizeH="0" baseline="0" noProof="0">
+                          <a:ln>
+                            <a:noFill/>
+                          </a:ln>
+                          <a:solidFill>
+                            <a:prstClr val="black"/>
+                          </a:solidFill>
+                          <a:effectLst/>
+                          <a:uLnTx/>
+                          <a:uFillTx/>
+                          <a:latin typeface="Calibri" panose="020F0502020204030204"/>
+                          <a:ea typeface="+mn-ea"/>
+                          <a:cs typeface="+mn-cs"/>
+                        </a:rPr>
+                        <a:t>Dane</a:t>
+                      </a:r>
+                      <a:endParaRPr kumimoji="0" lang="en-US" sz="1800" b="0" i="0" u="none" strike="noStrike" kern="1200" cap="none" spc="0" normalizeH="0" baseline="0" noProof="0" dirty="0">
+                        <a:ln>
+                          <a:noFill/>
+                        </a:ln>
+                        <a:solidFill>
+                          <a:prstClr val="black"/>
+                        </a:solidFill>
+                        <a:effectLst/>
+                        <a:uLnTx/>
+                        <a:uFillTx/>
+                        <a:latin typeface="Calibri" panose="020F0502020204030204"/>
+                        <a:ea typeface="+mn-ea"/>
+                        <a:cs typeface="+mn-cs"/>
+                      </a:endParaRPr>
+                    </a:p>
+                  </a:txBody>
+                  <a:tcPr/>
+                </a:tc>
+                <a:tc>
+                  <a:txBody>
+                    <a:bodyPr/>
+                    <a:lstStyle/>
+                    <a:p>
+                      <a:endParaRPr lang="en-US" dirty="0"/>
+                    </a:p>
+                  </a:txBody>
+                  <a:tcPr/>
+                </a:tc>
+                <a:extLst>
+                  <a:ext uri="{0D108BD9-81ED-4DB2-BD59-A6C34878D82A}">
+                    <a16:rowId xmlns:a16="http://schemas.microsoft.com/office/drawing/2014/main" val="2178405086"/>
+                  </a:ext>
+                </a:extLst>
+              </a:tr>
+              <a:tr h="370840">
+                <a:tc>
+                  <a:txBody>
+                    <a:bodyPr/>
+                    <a:lstStyle/>
+                    <a:p>
+                      <a:r>
+                        <a:rPr lang="en-US" dirty="0"/>
+                        <a:t>1005</a:t>
+                      </a:r>
+                    </a:p>
+                  </a:txBody>
+                  <a:tcPr/>
+                </a:tc>
+                <a:tc>
+                  <a:txBody>
+                    <a:bodyPr/>
+                    <a:lstStyle/>
+                    <a:p>
+                      <a:r>
+                        <a:rPr lang="en-US" dirty="0"/>
+                        <a:t>29.7</a:t>
+                      </a:r>
+                    </a:p>
+                  </a:txBody>
+                  <a:tcPr/>
+                </a:tc>
+                <a:tc>
+                  <a:txBody>
+                    <a:bodyPr/>
+                    <a:lstStyle/>
+                    <a:p>
+                      <a:r>
+                        <a:rPr lang="en-US" dirty="0"/>
+                        <a:t>52305</a:t>
+                      </a:r>
+                    </a:p>
+                  </a:txBody>
+                  <a:tcPr/>
+                </a:tc>
+                <a:tc>
+                  <a:txBody>
+                    <a:bodyPr/>
+                    <a:lstStyle/>
+                    <a:p>
+                      <a:pPr marL="0" marR="0" lvl="0" indent="0" algn="l" defTabSz="914400" rtl="0" eaLnBrk="1" fontAlgn="auto" latinLnBrk="0" hangingPunct="1">
+                        <a:lnSpc>
+                          <a:spcPct val="100000"/>
+                        </a:lnSpc>
+                        <a:spcBef>
+                          <a:spcPts val="0"/>
+                        </a:spcBef>
+                        <a:spcAft>
+                          <a:spcPts val="0"/>
+                        </a:spcAft>
+                        <a:buClrTx/>
+                        <a:buSzTx/>
+                        <a:buFontTx/>
+                        <a:buNone/>
+                        <a:tabLst/>
+                        <a:defRPr/>
+                      </a:pPr>
+                      <a:r>
+                        <a:rPr kumimoji="0" lang="en-US" sz="1800" b="0" i="0" u="none" strike="noStrike" kern="1200" cap="none" spc="0" normalizeH="0" baseline="0" noProof="0">
+                          <a:ln>
+                            <a:noFill/>
+                          </a:ln>
+                          <a:solidFill>
+                            <a:prstClr val="black"/>
+                          </a:solidFill>
+                          <a:effectLst/>
+                          <a:uLnTx/>
+                          <a:uFillTx/>
+                          <a:latin typeface="Calibri" panose="020F0502020204030204"/>
+                          <a:ea typeface="+mn-ea"/>
+                          <a:cs typeface="+mn-cs"/>
+                        </a:rPr>
+                        <a:t>Dane</a:t>
+                      </a:r>
+                      <a:endParaRPr kumimoji="0" lang="en-US" sz="1800" b="0" i="0" u="none" strike="noStrike" kern="1200" cap="none" spc="0" normalizeH="0" baseline="0" noProof="0" dirty="0">
+                        <a:ln>
+                          <a:noFill/>
+                        </a:ln>
+                        <a:solidFill>
+                          <a:prstClr val="black"/>
+                        </a:solidFill>
+                        <a:effectLst/>
+                        <a:uLnTx/>
+                        <a:uFillTx/>
+                        <a:latin typeface="Calibri" panose="020F0502020204030204"/>
+                        <a:ea typeface="+mn-ea"/>
+                        <a:cs typeface="+mn-cs"/>
+                      </a:endParaRPr>
+                    </a:p>
+                  </a:txBody>
+                  <a:tcPr/>
+                </a:tc>
+                <a:tc>
+                  <a:txBody>
+                    <a:bodyPr/>
+                    <a:lstStyle/>
+                    <a:p>
+                      <a:endParaRPr lang="en-US" dirty="0"/>
+                    </a:p>
+                  </a:txBody>
+                  <a:tcPr/>
+                </a:tc>
+                <a:extLst>
+                  <a:ext uri="{0D108BD9-81ED-4DB2-BD59-A6C34878D82A}">
+                    <a16:rowId xmlns:a16="http://schemas.microsoft.com/office/drawing/2014/main" val="2696572326"/>
+                  </a:ext>
+                </a:extLst>
+              </a:tr>
+              <a:tr h="370840">
+                <a:tc>
+                  <a:txBody>
+                    <a:bodyPr/>
+                    <a:lstStyle/>
+                    <a:p>
+                      <a:r>
+                        <a:rPr lang="en-US" dirty="0"/>
+                        <a:t>1006</a:t>
+                      </a:r>
+                    </a:p>
+                  </a:txBody>
+                  <a:tcPr/>
+                </a:tc>
+                <a:tc>
+                  <a:txBody>
+                    <a:bodyPr/>
+                    <a:lstStyle/>
+                    <a:p>
+                      <a:r>
+                        <a:rPr lang="en-US" dirty="0"/>
+                        <a:t>22.8</a:t>
+                      </a:r>
+                    </a:p>
+                  </a:txBody>
+                  <a:tcPr/>
+                </a:tc>
+                <a:tc>
+                  <a:txBody>
+                    <a:bodyPr/>
+                    <a:lstStyle/>
+                    <a:p>
+                      <a:r>
+                        <a:rPr lang="en-US" dirty="0"/>
+                        <a:t>51149</a:t>
+                      </a:r>
+                    </a:p>
+                  </a:txBody>
+                  <a:tcPr/>
+                </a:tc>
+                <a:tc>
+                  <a:txBody>
+                    <a:bodyPr/>
+                    <a:lstStyle/>
+                    <a:p>
+                      <a:pPr marL="0" marR="0" lvl="0" indent="0" algn="l" defTabSz="914400" rtl="0" eaLnBrk="1" fontAlgn="auto" latinLnBrk="0" hangingPunct="1">
+                        <a:lnSpc>
+                          <a:spcPct val="100000"/>
+                        </a:lnSpc>
+                        <a:spcBef>
+                          <a:spcPts val="0"/>
+                        </a:spcBef>
+                        <a:spcAft>
+                          <a:spcPts val="0"/>
+                        </a:spcAft>
+                        <a:buClrTx/>
+                        <a:buSzTx/>
+                        <a:buFontTx/>
+                        <a:buNone/>
+                        <a:tabLst/>
+                        <a:defRPr/>
+                      </a:pPr>
+                      <a:r>
+                        <a:rPr kumimoji="0" lang="en-US" sz="1800" b="0" i="0" u="none" strike="noStrike" kern="1200" cap="none" spc="0" normalizeH="0" baseline="0" noProof="0">
+                          <a:ln>
+                            <a:noFill/>
+                          </a:ln>
+                          <a:solidFill>
+                            <a:prstClr val="black"/>
+                          </a:solidFill>
+                          <a:effectLst/>
+                          <a:uLnTx/>
+                          <a:uFillTx/>
+                          <a:latin typeface="Calibri" panose="020F0502020204030204"/>
+                          <a:ea typeface="+mn-ea"/>
+                          <a:cs typeface="+mn-cs"/>
+                        </a:rPr>
+                        <a:t>Dane</a:t>
+                      </a:r>
+                      <a:endParaRPr kumimoji="0" lang="en-US" sz="1800" b="0" i="0" u="none" strike="noStrike" kern="1200" cap="none" spc="0" normalizeH="0" baseline="0" noProof="0" dirty="0">
+                        <a:ln>
+                          <a:noFill/>
+                        </a:ln>
+                        <a:solidFill>
+                          <a:prstClr val="black"/>
+                        </a:solidFill>
+                        <a:effectLst/>
+                        <a:uLnTx/>
+                        <a:uFillTx/>
+                        <a:latin typeface="Calibri" panose="020F0502020204030204"/>
+                        <a:ea typeface="+mn-ea"/>
+                        <a:cs typeface="+mn-cs"/>
+                      </a:endParaRPr>
+                    </a:p>
+                  </a:txBody>
+                  <a:tcPr/>
+                </a:tc>
+                <a:tc>
+                  <a:txBody>
+                    <a:bodyPr/>
+                    <a:lstStyle/>
+                    <a:p>
+                      <a:endParaRPr lang="en-US" dirty="0"/>
+                    </a:p>
+                  </a:txBody>
+                  <a:tcPr/>
+                </a:tc>
+                <a:extLst>
+                  <a:ext uri="{0D108BD9-81ED-4DB2-BD59-A6C34878D82A}">
+                    <a16:rowId xmlns:a16="http://schemas.microsoft.com/office/drawing/2014/main" val="4002492633"/>
+                  </a:ext>
+                </a:extLst>
+              </a:tr>
+              <a:tr h="370840">
+                <a:tc>
+                  <a:txBody>
+                    <a:bodyPr/>
+                    <a:lstStyle/>
+                    <a:p>
+                      <a:r>
+                        <a:rPr lang="en-US" dirty="0"/>
+                        <a:t>1007</a:t>
+                      </a:r>
+                    </a:p>
+                  </a:txBody>
+                  <a:tcPr/>
+                </a:tc>
+                <a:tc>
+                  <a:txBody>
+                    <a:bodyPr/>
+                    <a:lstStyle/>
+                    <a:p>
+                      <a:r>
+                        <a:rPr lang="en-US" dirty="0"/>
+                        <a:t>23.5</a:t>
+                      </a:r>
+                    </a:p>
+                  </a:txBody>
+                  <a:tcPr/>
+                </a:tc>
+                <a:tc>
+                  <a:txBody>
+                    <a:bodyPr/>
+                    <a:lstStyle/>
+                    <a:p>
+                      <a:r>
+                        <a:rPr lang="en-US" dirty="0"/>
+                        <a:t>57903</a:t>
+                      </a:r>
+                    </a:p>
+                  </a:txBody>
+                  <a:tcPr/>
+                </a:tc>
+                <a:tc>
+                  <a:txBody>
+                    <a:bodyPr/>
+                    <a:lstStyle/>
+                    <a:p>
+                      <a:pPr marL="0" marR="0" lvl="0" indent="0" algn="l" defTabSz="914400" rtl="0" eaLnBrk="1" fontAlgn="auto" latinLnBrk="0" hangingPunct="1">
+                        <a:lnSpc>
+                          <a:spcPct val="100000"/>
+                        </a:lnSpc>
+                        <a:spcBef>
+                          <a:spcPts val="0"/>
+                        </a:spcBef>
+                        <a:spcAft>
+                          <a:spcPts val="0"/>
+                        </a:spcAft>
+                        <a:buClrTx/>
+                        <a:buSzTx/>
+                        <a:buFontTx/>
+                        <a:buNone/>
+                        <a:tabLst/>
+                        <a:defRPr/>
+                      </a:pPr>
+                      <a:r>
+                        <a:rPr kumimoji="0" lang="en-US" sz="1800" b="0" i="0" u="none" strike="noStrike" kern="1200" cap="none" spc="0" normalizeH="0" baseline="0" noProof="0">
+                          <a:ln>
+                            <a:noFill/>
+                          </a:ln>
+                          <a:solidFill>
+                            <a:prstClr val="black"/>
+                          </a:solidFill>
+                          <a:effectLst/>
+                          <a:uLnTx/>
+                          <a:uFillTx/>
+                          <a:latin typeface="Calibri" panose="020F0502020204030204"/>
+                          <a:ea typeface="+mn-ea"/>
+                          <a:cs typeface="+mn-cs"/>
+                        </a:rPr>
+                        <a:t>Dane</a:t>
+                      </a:r>
+                      <a:endParaRPr kumimoji="0" lang="en-US" sz="1800" b="0" i="0" u="none" strike="noStrike" kern="1200" cap="none" spc="0" normalizeH="0" baseline="0" noProof="0" dirty="0">
+                        <a:ln>
+                          <a:noFill/>
+                        </a:ln>
+                        <a:solidFill>
+                          <a:prstClr val="black"/>
+                        </a:solidFill>
+                        <a:effectLst/>
+                        <a:uLnTx/>
+                        <a:uFillTx/>
+                        <a:latin typeface="Calibri" panose="020F0502020204030204"/>
+                        <a:ea typeface="+mn-ea"/>
+                        <a:cs typeface="+mn-cs"/>
+                      </a:endParaRPr>
+                    </a:p>
+                  </a:txBody>
+                  <a:tcPr/>
+                </a:tc>
+                <a:tc>
+                  <a:txBody>
+                    <a:bodyPr/>
+                    <a:lstStyle/>
+                    <a:p>
+                      <a:endParaRPr lang="en-US" dirty="0"/>
+                    </a:p>
+                  </a:txBody>
+                  <a:tcPr/>
+                </a:tc>
+                <a:extLst>
+                  <a:ext uri="{0D108BD9-81ED-4DB2-BD59-A6C34878D82A}">
+                    <a16:rowId xmlns:a16="http://schemas.microsoft.com/office/drawing/2014/main" val="3972376116"/>
+                  </a:ext>
+                </a:extLst>
+              </a:tr>
+              <a:tr h="370840">
+                <a:tc>
+                  <a:txBody>
+                    <a:bodyPr/>
+                    <a:lstStyle/>
+                    <a:p>
+                      <a:r>
+                        <a:rPr lang="en-US" dirty="0"/>
+                        <a:t>1008</a:t>
+                      </a:r>
+                    </a:p>
+                  </a:txBody>
+                  <a:tcPr/>
+                </a:tc>
+                <a:tc>
+                  <a:txBody>
+                    <a:bodyPr/>
+                    <a:lstStyle/>
+                    <a:p>
+                      <a:r>
+                        <a:rPr lang="en-US" dirty="0"/>
+                        <a:t>31.2</a:t>
+                      </a:r>
+                    </a:p>
+                  </a:txBody>
+                  <a:tcPr/>
+                </a:tc>
+                <a:tc>
+                  <a:txBody>
+                    <a:bodyPr/>
+                    <a:lstStyle/>
+                    <a:p>
+                      <a:r>
+                        <a:rPr lang="en-US" dirty="0"/>
+                        <a:t>56098</a:t>
+                      </a:r>
+                    </a:p>
+                  </a:txBody>
+                  <a:tcPr/>
+                </a:tc>
+                <a:tc>
+                  <a:txBody>
+                    <a:bodyPr/>
+                    <a:lstStyle/>
+                    <a:p>
+                      <a:pPr marL="0" marR="0" lvl="0" indent="0" algn="l" defTabSz="914400" rtl="0" eaLnBrk="1" fontAlgn="auto" latinLnBrk="0" hangingPunct="1">
+                        <a:lnSpc>
+                          <a:spcPct val="100000"/>
+                        </a:lnSpc>
+                        <a:spcBef>
+                          <a:spcPts val="0"/>
+                        </a:spcBef>
+                        <a:spcAft>
+                          <a:spcPts val="0"/>
+                        </a:spcAft>
+                        <a:buClrTx/>
+                        <a:buSzTx/>
+                        <a:buFontTx/>
+                        <a:buNone/>
+                        <a:tabLst/>
+                        <a:defRPr/>
+                      </a:pPr>
+                      <a:r>
+                        <a:rPr kumimoji="0" lang="en-US" sz="1800" b="0" i="0" u="none" strike="noStrike" kern="1200" cap="none" spc="0" normalizeH="0" baseline="0" noProof="0" dirty="0">
+                          <a:ln>
+                            <a:noFill/>
+                          </a:ln>
+                          <a:solidFill>
+                            <a:prstClr val="black"/>
+                          </a:solidFill>
+                          <a:effectLst/>
+                          <a:uLnTx/>
+                          <a:uFillTx/>
+                          <a:latin typeface="Calibri" panose="020F0502020204030204"/>
+                          <a:ea typeface="+mn-ea"/>
+                          <a:cs typeface="+mn-cs"/>
+                        </a:rPr>
+                        <a:t>Dane</a:t>
+                      </a:r>
+                    </a:p>
+                  </a:txBody>
+                  <a:tcPr/>
+                </a:tc>
+                <a:tc>
+                  <a:txBody>
+                    <a:bodyPr/>
+                    <a:lstStyle/>
+                    <a:p>
+                      <a:endParaRPr lang="en-US" dirty="0"/>
+                    </a:p>
+                  </a:txBody>
+                  <a:tcPr/>
+                </a:tc>
+                <a:extLst>
+                  <a:ext uri="{0D108BD9-81ED-4DB2-BD59-A6C34878D82A}">
+                    <a16:rowId xmlns:a16="http://schemas.microsoft.com/office/drawing/2014/main" val="768324577"/>
+                  </a:ext>
+                </a:extLst>
+              </a:tr>
             </a:tbl>
           </a:graphicData>
         </a:graphic>
@@ -7281,7 +7861,7 @@
             </a:r>
             <a:r>
               <a:rPr lang="en-US" sz="3200" b="1" dirty="0"/>
-              <a:t>Find closest (presumably) high quality food source </a:t>
+              <a:t>Find closest high quality food source </a:t>
             </a:r>
           </a:p>
           <a:p>
@@ -11258,7 +11838,34 @@
             </a:pPr>
             <a:r>
               <a:rPr lang="en-US" dirty="0"/>
-              <a:t>The resulting query is a </a:t>
+              <a:t>Use R command </a:t>
+            </a:r>
+            <a:r>
+              <a:rPr lang="en-US" b="1" dirty="0">
+                <a:solidFill>
+                  <a:srgbClr val="0070C0"/>
+                </a:solidFill>
+              </a:rPr>
+              <a:t>paste0()</a:t>
+            </a:r>
+            <a:r>
+              <a:rPr lang="en-US" dirty="0"/>
+              <a:t> to combine elements</a:t>
+            </a:r>
+          </a:p>
+          <a:p>
+            <a:pPr marL="0" indent="0">
+              <a:buNone/>
+            </a:pPr>
+            <a:endParaRPr lang="en-US" dirty="0"/>
+          </a:p>
+          <a:p>
+            <a:pPr marL="0" indent="0">
+              <a:buNone/>
+            </a:pPr>
+            <a:r>
+              <a:rPr lang="en-US" dirty="0"/>
+              <a:t>The result is a </a:t>
             </a:r>
             <a:r>
               <a:rPr lang="en-US" dirty="0" err="1"/>
@@ -11569,7 +12176,9 @@
         </p:nvSpPr>
         <p:spPr/>
         <p:txBody>
-          <a:bodyPr/>
+          <a:bodyPr>
+            <a:normAutofit lnSpcReduction="10000"/>
+          </a:bodyPr>
           <a:lstStyle/>
           <a:p>
             <a:pPr marL="0" indent="0">
@@ -11577,7 +12186,34 @@
             </a:pPr>
             <a:r>
               <a:rPr lang="en-US" dirty="0"/>
-              <a:t>The resulting query is a </a:t>
+              <a:t>Use R command </a:t>
+            </a:r>
+            <a:r>
+              <a:rPr lang="en-US" b="1" dirty="0">
+                <a:solidFill>
+                  <a:srgbClr val="0070C0"/>
+                </a:solidFill>
+              </a:rPr>
+              <a:t>paste0()</a:t>
+            </a:r>
+            <a:r>
+              <a:rPr lang="en-US" dirty="0"/>
+              <a:t> to combine elements</a:t>
+            </a:r>
+          </a:p>
+          <a:p>
+            <a:pPr marL="0" indent="0">
+              <a:buNone/>
+            </a:pPr>
+            <a:endParaRPr lang="en-US" dirty="0"/>
+          </a:p>
+          <a:p>
+            <a:pPr marL="0" indent="0">
+              <a:buNone/>
+            </a:pPr>
+            <a:r>
+              <a:rPr lang="en-US" dirty="0"/>
+              <a:t>The result is a </a:t>
             </a:r>
             <a:r>
               <a:rPr lang="en-US" dirty="0" err="1"/>
@@ -13656,7 +14292,7 @@
           <a:p>
             <a:r>
               <a:rPr lang="en-US" dirty="0"/>
-              <a:t>If you have places, even approximately or badly defined...</a:t>
+              <a:t>If you have places, even roughly operationalized...</a:t>
             </a:r>
           </a:p>
           <a:p>
@@ -19284,7 +19920,7 @@
                 <a:latin typeface="Courier New" panose="02070309020205020404" pitchFamily="49" charset="0"/>
                 <a:cs typeface="Courier New" panose="02070309020205020404" pitchFamily="49" charset="0"/>
               </a:rPr>
-              <a:t>~/Desktop/California</a:t>
+              <a:t>~/California</a:t>
             </a:r>
             <a:r>
               <a:rPr lang="en-US" dirty="0">
@@ -19525,7 +20161,7 @@
             <a:r>
               <a:rPr lang="en-US" b="1" dirty="0" err="1">
                 <a:solidFill>
-                  <a:srgbClr val="0070C0"/>
+                  <a:srgbClr val="FF0000"/>
                 </a:solidFill>
               </a:rPr>
               <a:t>exifr</a:t>
@@ -20013,7 +20649,11 @@
               <a:t>Get </a:t>
             </a:r>
             <a:r>
-              <a:rPr lang="en-US" dirty="0" err="1"/>
+              <a:rPr lang="en-US" b="1" dirty="0" err="1">
+                <a:solidFill>
+                  <a:srgbClr val="FF0000"/>
+                </a:solidFill>
+              </a:rPr>
               <a:t>ggmap</a:t>
             </a:r>
             <a:r>

--- a/presentation/Jones - Contextual Data Presentation.pptx
+++ b/presentation/Jones - Contextual Data Presentation.pptx
@@ -4564,12 +4564,14 @@
         </p:nvSpPr>
         <p:spPr>
           <a:xfrm>
-            <a:off x="2362200" y="2895600"/>
-            <a:ext cx="7636668" cy="1524000"/>
+            <a:off x="0" y="2895600"/>
+            <a:ext cx="12192000" cy="1524000"/>
           </a:xfrm>
         </p:spPr>
         <p:txBody>
-          <a:bodyPr/>
+          <a:bodyPr>
+            <a:normAutofit fontScale="92500" lnSpcReduction="10000"/>
+          </a:bodyPr>
           <a:lstStyle/>
           <a:p>
             <a:r>
@@ -4588,26 +4590,26 @@
           </a:p>
           <a:p>
             <a:r>
-              <a:rPr lang="en-US" sz="1800" b="1" dirty="0" err="1"/>
+              <a:rPr lang="en-US" sz="3000" b="1" dirty="0" err="1"/>
               <a:t>github.com</a:t>
             </a:r>
             <a:r>
-              <a:rPr lang="en-US" sz="1800" b="1" dirty="0"/>
+              <a:rPr lang="en-US" sz="3000" b="1" dirty="0"/>
               <a:t>/</a:t>
             </a:r>
             <a:r>
-              <a:rPr lang="en-US" sz="1800" b="1" dirty="0" err="1"/>
+              <a:rPr lang="en-US" sz="3000" b="1" dirty="0" err="1"/>
               <a:t>nrjjones</a:t>
             </a:r>
             <a:r>
-              <a:rPr lang="en-US" sz="1800" b="1" dirty="0"/>
+              <a:rPr lang="en-US" sz="3000" b="1" dirty="0"/>
               <a:t>/</a:t>
             </a:r>
             <a:r>
-              <a:rPr lang="en-US" sz="1800" b="1" dirty="0" err="1"/>
+              <a:rPr lang="en-US" sz="3000" b="1" dirty="0" err="1"/>
               <a:t>BuildingContextualData</a:t>
             </a:r>
-            <a:endParaRPr lang="en-US" sz="1800" b="1" dirty="0"/>
+            <a:endParaRPr lang="en-US" sz="3000" b="1" dirty="0"/>
           </a:p>
           <a:p>
             <a:endParaRPr lang="en-US" sz="1700" dirty="0"/>
